--- a/docs/slides/10/10_optimization.pptx
+++ b/docs/slides/10/10_optimization.pptx
@@ -3177,19 +3177,7 @@
             </a:br>
             <a:r>
               <a:rPr lang="en-US" sz="6600" dirty="0" smtClean="0"/>
-              <a:t>Lesson </a:t>
-            </a:r>
-            <a:r>
-              <a:rPr lang="en-US" sz="6600" dirty="0" smtClean="0"/>
-              <a:t>10</a:t>
-            </a:r>
-            <a:r>
-              <a:rPr lang="en-US" sz="6600" dirty="0" smtClean="0"/>
-              <a:t>: </a:t>
-            </a:r>
-            <a:r>
-              <a:rPr lang="en-US" sz="6600" dirty="0" smtClean="0"/>
-              <a:t/>
+              <a:t>Lesson 10: </a:t>
             </a:r>
             <a:br>
               <a:rPr lang="en-US" sz="6600" dirty="0" smtClean="0"/>
@@ -3502,7 +3490,15 @@
             </a:r>
             <a:r>
               <a:rPr lang="en-US" dirty="0" smtClean="0"/>
-              <a:t> that specify how good the solution is</a:t>
+              <a:t> that </a:t>
+            </a:r>
+            <a:r>
+              <a:rPr lang="en-US" dirty="0" smtClean="0"/>
+              <a:t>specifies </a:t>
+            </a:r>
+            <a:r>
+              <a:rPr lang="en-US" dirty="0" smtClean="0"/>
+              <a:t>how good the solution is</a:t>
             </a:r>
           </a:p>
           <a:p>
@@ -5069,42 +5065,42 @@
                 <a:gridCol w="992908">
                   <a:extLst>
                     <a:ext uri="{9D8B030D-6E8A-4147-A177-3AD203B41FA5}">
-                      <a16:colId xmlns="" xmlns:a16="http://schemas.microsoft.com/office/drawing/2014/main" val="873697715"/>
+                      <a16:colId xmlns:a16="http://schemas.microsoft.com/office/drawing/2014/main" xmlns="" val="873697715"/>
                     </a:ext>
                   </a:extLst>
                 </a:gridCol>
                 <a:gridCol w="992908">
                   <a:extLst>
                     <a:ext uri="{9D8B030D-6E8A-4147-A177-3AD203B41FA5}">
-                      <a16:colId xmlns="" xmlns:a16="http://schemas.microsoft.com/office/drawing/2014/main" val="2381380617"/>
+                      <a16:colId xmlns:a16="http://schemas.microsoft.com/office/drawing/2014/main" xmlns="" val="2381380617"/>
                     </a:ext>
                   </a:extLst>
                 </a:gridCol>
                 <a:gridCol w="992908">
                   <a:extLst>
                     <a:ext uri="{9D8B030D-6E8A-4147-A177-3AD203B41FA5}">
-                      <a16:colId xmlns="" xmlns:a16="http://schemas.microsoft.com/office/drawing/2014/main" val="3788322833"/>
+                      <a16:colId xmlns:a16="http://schemas.microsoft.com/office/drawing/2014/main" xmlns="" val="3788322833"/>
                     </a:ext>
                   </a:extLst>
                 </a:gridCol>
                 <a:gridCol w="992908">
                   <a:extLst>
                     <a:ext uri="{9D8B030D-6E8A-4147-A177-3AD203B41FA5}">
-                      <a16:colId xmlns="" xmlns:a16="http://schemas.microsoft.com/office/drawing/2014/main" val="1162321261"/>
+                      <a16:colId xmlns:a16="http://schemas.microsoft.com/office/drawing/2014/main" xmlns="" val="1162321261"/>
                     </a:ext>
                   </a:extLst>
                 </a:gridCol>
                 <a:gridCol w="992908">
                   <a:extLst>
                     <a:ext uri="{9D8B030D-6E8A-4147-A177-3AD203B41FA5}">
-                      <a16:colId xmlns="" xmlns:a16="http://schemas.microsoft.com/office/drawing/2014/main" val="3739274296"/>
+                      <a16:colId xmlns:a16="http://schemas.microsoft.com/office/drawing/2014/main" xmlns="" val="3739274296"/>
                     </a:ext>
                   </a:extLst>
                 </a:gridCol>
                 <a:gridCol w="992908">
                   <a:extLst>
                     <a:ext uri="{9D8B030D-6E8A-4147-A177-3AD203B41FA5}">
-                      <a16:colId xmlns="" xmlns:a16="http://schemas.microsoft.com/office/drawing/2014/main" val="3142711952"/>
+                      <a16:colId xmlns:a16="http://schemas.microsoft.com/office/drawing/2014/main" xmlns="" val="3142711952"/>
                     </a:ext>
                   </a:extLst>
                 </a:gridCol>
@@ -5208,7 +5204,7 @@
                 </a:tc>
                 <a:extLst>
                   <a:ext uri="{0D108BD9-81ED-4DB2-BD59-A6C34878D82A}">
-                    <a16:rowId xmlns="" xmlns:a16="http://schemas.microsoft.com/office/drawing/2014/main" val="2356717137"/>
+                    <a16:rowId xmlns:a16="http://schemas.microsoft.com/office/drawing/2014/main" xmlns="" val="2356717137"/>
                   </a:ext>
                 </a:extLst>
               </a:tr>
@@ -5311,7 +5307,7 @@
                 </a:tc>
                 <a:extLst>
                   <a:ext uri="{0D108BD9-81ED-4DB2-BD59-A6C34878D82A}">
-                    <a16:rowId xmlns="" xmlns:a16="http://schemas.microsoft.com/office/drawing/2014/main" val="26620943"/>
+                    <a16:rowId xmlns:a16="http://schemas.microsoft.com/office/drawing/2014/main" xmlns="" val="26620943"/>
                   </a:ext>
                 </a:extLst>
               </a:tr>
@@ -5406,7 +5402,7 @@
                 </a:tc>
                 <a:extLst>
                   <a:ext uri="{0D108BD9-81ED-4DB2-BD59-A6C34878D82A}">
-                    <a16:rowId xmlns="" xmlns:a16="http://schemas.microsoft.com/office/drawing/2014/main" val="543697231"/>
+                    <a16:rowId xmlns:a16="http://schemas.microsoft.com/office/drawing/2014/main" xmlns="" val="543697231"/>
                   </a:ext>
                 </a:extLst>
               </a:tr>
@@ -5848,42 +5844,42 @@
                 <a:gridCol w="992908">
                   <a:extLst>
                     <a:ext uri="{9D8B030D-6E8A-4147-A177-3AD203B41FA5}">
-                      <a16:colId xmlns="" xmlns:a16="http://schemas.microsoft.com/office/drawing/2014/main" val="873697715"/>
+                      <a16:colId xmlns:a16="http://schemas.microsoft.com/office/drawing/2014/main" xmlns="" val="873697715"/>
                     </a:ext>
                   </a:extLst>
                 </a:gridCol>
                 <a:gridCol w="992908">
                   <a:extLst>
                     <a:ext uri="{9D8B030D-6E8A-4147-A177-3AD203B41FA5}">
-                      <a16:colId xmlns="" xmlns:a16="http://schemas.microsoft.com/office/drawing/2014/main" val="2381380617"/>
+                      <a16:colId xmlns:a16="http://schemas.microsoft.com/office/drawing/2014/main" xmlns="" val="2381380617"/>
                     </a:ext>
                   </a:extLst>
                 </a:gridCol>
                 <a:gridCol w="992908">
                   <a:extLst>
                     <a:ext uri="{9D8B030D-6E8A-4147-A177-3AD203B41FA5}">
-                      <a16:colId xmlns="" xmlns:a16="http://schemas.microsoft.com/office/drawing/2014/main" val="3788322833"/>
+                      <a16:colId xmlns:a16="http://schemas.microsoft.com/office/drawing/2014/main" xmlns="" val="3788322833"/>
                     </a:ext>
                   </a:extLst>
                 </a:gridCol>
                 <a:gridCol w="992908">
                   <a:extLst>
                     <a:ext uri="{9D8B030D-6E8A-4147-A177-3AD203B41FA5}">
-                      <a16:colId xmlns="" xmlns:a16="http://schemas.microsoft.com/office/drawing/2014/main" val="1162321261"/>
+                      <a16:colId xmlns:a16="http://schemas.microsoft.com/office/drawing/2014/main" xmlns="" val="1162321261"/>
                     </a:ext>
                   </a:extLst>
                 </a:gridCol>
                 <a:gridCol w="992908">
                   <a:extLst>
                     <a:ext uri="{9D8B030D-6E8A-4147-A177-3AD203B41FA5}">
-                      <a16:colId xmlns="" xmlns:a16="http://schemas.microsoft.com/office/drawing/2014/main" val="3739274296"/>
+                      <a16:colId xmlns:a16="http://schemas.microsoft.com/office/drawing/2014/main" xmlns="" val="3739274296"/>
                     </a:ext>
                   </a:extLst>
                 </a:gridCol>
                 <a:gridCol w="992908">
                   <a:extLst>
                     <a:ext uri="{9D8B030D-6E8A-4147-A177-3AD203B41FA5}">
-                      <a16:colId xmlns="" xmlns:a16="http://schemas.microsoft.com/office/drawing/2014/main" val="3142711952"/>
+                      <a16:colId xmlns:a16="http://schemas.microsoft.com/office/drawing/2014/main" xmlns="" val="3142711952"/>
                     </a:ext>
                   </a:extLst>
                 </a:gridCol>
@@ -5995,7 +5991,7 @@
                 </a:tc>
                 <a:extLst>
                   <a:ext uri="{0D108BD9-81ED-4DB2-BD59-A6C34878D82A}">
-                    <a16:rowId xmlns="" xmlns:a16="http://schemas.microsoft.com/office/drawing/2014/main" val="2356717137"/>
+                    <a16:rowId xmlns:a16="http://schemas.microsoft.com/office/drawing/2014/main" xmlns="" val="2356717137"/>
                   </a:ext>
                 </a:extLst>
               </a:tr>
@@ -6106,7 +6102,7 @@
                 </a:tc>
                 <a:extLst>
                   <a:ext uri="{0D108BD9-81ED-4DB2-BD59-A6C34878D82A}">
-                    <a16:rowId xmlns="" xmlns:a16="http://schemas.microsoft.com/office/drawing/2014/main" val="26620943"/>
+                    <a16:rowId xmlns:a16="http://schemas.microsoft.com/office/drawing/2014/main" xmlns="" val="26620943"/>
                   </a:ext>
                 </a:extLst>
               </a:tr>
@@ -6201,7 +6197,7 @@
                 </a:tc>
                 <a:extLst>
                   <a:ext uri="{0D108BD9-81ED-4DB2-BD59-A6C34878D82A}">
-                    <a16:rowId xmlns="" xmlns:a16="http://schemas.microsoft.com/office/drawing/2014/main" val="543697231"/>
+                    <a16:rowId xmlns:a16="http://schemas.microsoft.com/office/drawing/2014/main" xmlns="" val="543697231"/>
                   </a:ext>
                 </a:extLst>
               </a:tr>
@@ -6377,42 +6373,42 @@
                 <a:gridCol w="992908">
                   <a:extLst>
                     <a:ext uri="{9D8B030D-6E8A-4147-A177-3AD203B41FA5}">
-                      <a16:colId xmlns="" xmlns:a16="http://schemas.microsoft.com/office/drawing/2014/main" val="873697715"/>
+                      <a16:colId xmlns:a16="http://schemas.microsoft.com/office/drawing/2014/main" xmlns="" val="873697715"/>
                     </a:ext>
                   </a:extLst>
                 </a:gridCol>
                 <a:gridCol w="992908">
                   <a:extLst>
                     <a:ext uri="{9D8B030D-6E8A-4147-A177-3AD203B41FA5}">
-                      <a16:colId xmlns="" xmlns:a16="http://schemas.microsoft.com/office/drawing/2014/main" val="2381380617"/>
+                      <a16:colId xmlns:a16="http://schemas.microsoft.com/office/drawing/2014/main" xmlns="" val="2381380617"/>
                     </a:ext>
                   </a:extLst>
                 </a:gridCol>
                 <a:gridCol w="992908">
                   <a:extLst>
                     <a:ext uri="{9D8B030D-6E8A-4147-A177-3AD203B41FA5}">
-                      <a16:colId xmlns="" xmlns:a16="http://schemas.microsoft.com/office/drawing/2014/main" val="3788322833"/>
+                      <a16:colId xmlns:a16="http://schemas.microsoft.com/office/drawing/2014/main" xmlns="" val="3788322833"/>
                     </a:ext>
                   </a:extLst>
                 </a:gridCol>
                 <a:gridCol w="992908">
                   <a:extLst>
                     <a:ext uri="{9D8B030D-6E8A-4147-A177-3AD203B41FA5}">
-                      <a16:colId xmlns="" xmlns:a16="http://schemas.microsoft.com/office/drawing/2014/main" val="1162321261"/>
+                      <a16:colId xmlns:a16="http://schemas.microsoft.com/office/drawing/2014/main" xmlns="" val="1162321261"/>
                     </a:ext>
                   </a:extLst>
                 </a:gridCol>
                 <a:gridCol w="992908">
                   <a:extLst>
                     <a:ext uri="{9D8B030D-6E8A-4147-A177-3AD203B41FA5}">
-                      <a16:colId xmlns="" xmlns:a16="http://schemas.microsoft.com/office/drawing/2014/main" val="3739274296"/>
+                      <a16:colId xmlns:a16="http://schemas.microsoft.com/office/drawing/2014/main" xmlns="" val="3739274296"/>
                     </a:ext>
                   </a:extLst>
                 </a:gridCol>
                 <a:gridCol w="992908">
                   <a:extLst>
                     <a:ext uri="{9D8B030D-6E8A-4147-A177-3AD203B41FA5}">
-                      <a16:colId xmlns="" xmlns:a16="http://schemas.microsoft.com/office/drawing/2014/main" val="3142711952"/>
+                      <a16:colId xmlns:a16="http://schemas.microsoft.com/office/drawing/2014/main" xmlns="" val="3142711952"/>
                     </a:ext>
                   </a:extLst>
                 </a:gridCol>
@@ -6516,7 +6512,7 @@
                 </a:tc>
                 <a:extLst>
                   <a:ext uri="{0D108BD9-81ED-4DB2-BD59-A6C34878D82A}">
-                    <a16:rowId xmlns="" xmlns:a16="http://schemas.microsoft.com/office/drawing/2014/main" val="2356717137"/>
+                    <a16:rowId xmlns:a16="http://schemas.microsoft.com/office/drawing/2014/main" xmlns="" val="2356717137"/>
                   </a:ext>
                 </a:extLst>
               </a:tr>
@@ -6619,7 +6615,7 @@
                 </a:tc>
                 <a:extLst>
                   <a:ext uri="{0D108BD9-81ED-4DB2-BD59-A6C34878D82A}">
-                    <a16:rowId xmlns="" xmlns:a16="http://schemas.microsoft.com/office/drawing/2014/main" val="26620943"/>
+                    <a16:rowId xmlns:a16="http://schemas.microsoft.com/office/drawing/2014/main" xmlns="" val="26620943"/>
                   </a:ext>
                 </a:extLst>
               </a:tr>
@@ -6714,7 +6710,7 @@
                 </a:tc>
                 <a:extLst>
                   <a:ext uri="{0D108BD9-81ED-4DB2-BD59-A6C34878D82A}">
-                    <a16:rowId xmlns="" xmlns:a16="http://schemas.microsoft.com/office/drawing/2014/main" val="543697231"/>
+                    <a16:rowId xmlns:a16="http://schemas.microsoft.com/office/drawing/2014/main" xmlns="" val="543697231"/>
                   </a:ext>
                 </a:extLst>
               </a:tr>
@@ -6809,7 +6805,7 @@
                 </a:tc>
                 <a:extLst>
                   <a:ext uri="{0D108BD9-81ED-4DB2-BD59-A6C34878D82A}">
-                    <a16:rowId xmlns="" xmlns:a16="http://schemas.microsoft.com/office/drawing/2014/main" val="3016092730"/>
+                    <a16:rowId xmlns:a16="http://schemas.microsoft.com/office/drawing/2014/main" xmlns="" val="3016092730"/>
                   </a:ext>
                 </a:extLst>
               </a:tr>
@@ -6958,42 +6954,42 @@
                 <a:gridCol w="992908">
                   <a:extLst>
                     <a:ext uri="{9D8B030D-6E8A-4147-A177-3AD203B41FA5}">
-                      <a16:colId xmlns="" xmlns:a16="http://schemas.microsoft.com/office/drawing/2014/main" val="873697715"/>
+                      <a16:colId xmlns:a16="http://schemas.microsoft.com/office/drawing/2014/main" xmlns="" val="873697715"/>
                     </a:ext>
                   </a:extLst>
                 </a:gridCol>
                 <a:gridCol w="992908">
                   <a:extLst>
                     <a:ext uri="{9D8B030D-6E8A-4147-A177-3AD203B41FA5}">
-                      <a16:colId xmlns="" xmlns:a16="http://schemas.microsoft.com/office/drawing/2014/main" val="2381380617"/>
+                      <a16:colId xmlns:a16="http://schemas.microsoft.com/office/drawing/2014/main" xmlns="" val="2381380617"/>
                     </a:ext>
                   </a:extLst>
                 </a:gridCol>
                 <a:gridCol w="992908">
                   <a:extLst>
                     <a:ext uri="{9D8B030D-6E8A-4147-A177-3AD203B41FA5}">
-                      <a16:colId xmlns="" xmlns:a16="http://schemas.microsoft.com/office/drawing/2014/main" val="3788322833"/>
+                      <a16:colId xmlns:a16="http://schemas.microsoft.com/office/drawing/2014/main" xmlns="" val="3788322833"/>
                     </a:ext>
                   </a:extLst>
                 </a:gridCol>
                 <a:gridCol w="992908">
                   <a:extLst>
                     <a:ext uri="{9D8B030D-6E8A-4147-A177-3AD203B41FA5}">
-                      <a16:colId xmlns="" xmlns:a16="http://schemas.microsoft.com/office/drawing/2014/main" val="1162321261"/>
+                      <a16:colId xmlns:a16="http://schemas.microsoft.com/office/drawing/2014/main" xmlns="" val="1162321261"/>
                     </a:ext>
                   </a:extLst>
                 </a:gridCol>
                 <a:gridCol w="992908">
                   <a:extLst>
                     <a:ext uri="{9D8B030D-6E8A-4147-A177-3AD203B41FA5}">
-                      <a16:colId xmlns="" xmlns:a16="http://schemas.microsoft.com/office/drawing/2014/main" val="3739274296"/>
+                      <a16:colId xmlns:a16="http://schemas.microsoft.com/office/drawing/2014/main" xmlns="" val="3739274296"/>
                     </a:ext>
                   </a:extLst>
                 </a:gridCol>
                 <a:gridCol w="992908">
                   <a:extLst>
                     <a:ext uri="{9D8B030D-6E8A-4147-A177-3AD203B41FA5}">
-                      <a16:colId xmlns="" xmlns:a16="http://schemas.microsoft.com/office/drawing/2014/main" val="3142711952"/>
+                      <a16:colId xmlns:a16="http://schemas.microsoft.com/office/drawing/2014/main" xmlns="" val="3142711952"/>
                     </a:ext>
                   </a:extLst>
                 </a:gridCol>
@@ -7103,7 +7099,7 @@
                 </a:tc>
                 <a:extLst>
                   <a:ext uri="{0D108BD9-81ED-4DB2-BD59-A6C34878D82A}">
-                    <a16:rowId xmlns="" xmlns:a16="http://schemas.microsoft.com/office/drawing/2014/main" val="2356717137"/>
+                    <a16:rowId xmlns:a16="http://schemas.microsoft.com/office/drawing/2014/main" xmlns="" val="2356717137"/>
                   </a:ext>
                 </a:extLst>
               </a:tr>
@@ -7212,7 +7208,7 @@
                 </a:tc>
                 <a:extLst>
                   <a:ext uri="{0D108BD9-81ED-4DB2-BD59-A6C34878D82A}">
-                    <a16:rowId xmlns="" xmlns:a16="http://schemas.microsoft.com/office/drawing/2014/main" val="26620943"/>
+                    <a16:rowId xmlns:a16="http://schemas.microsoft.com/office/drawing/2014/main" xmlns="" val="26620943"/>
                   </a:ext>
                 </a:extLst>
               </a:tr>
@@ -7307,7 +7303,7 @@
                 </a:tc>
                 <a:extLst>
                   <a:ext uri="{0D108BD9-81ED-4DB2-BD59-A6C34878D82A}">
-                    <a16:rowId xmlns="" xmlns:a16="http://schemas.microsoft.com/office/drawing/2014/main" val="543697231"/>
+                    <a16:rowId xmlns:a16="http://schemas.microsoft.com/office/drawing/2014/main" xmlns="" val="543697231"/>
                   </a:ext>
                 </a:extLst>
               </a:tr>
@@ -9974,11 +9970,7 @@
           <a:p>
             <a:r>
               <a:rPr lang="en-US" dirty="0" smtClean="0"/>
-              <a:t>Study </a:t>
-            </a:r>
-            <a:r>
-              <a:rPr lang="en-US" dirty="0" smtClean="0"/>
-              <a:t>code in the </a:t>
+              <a:t>Study code in the </a:t>
             </a:r>
             <a:r>
               <a:rPr lang="en-US" i="1" dirty="0" smtClean="0"/>
@@ -9986,11 +9978,7 @@
             </a:r>
             <a:r>
               <a:rPr lang="en-US" dirty="0" smtClean="0"/>
-              <a:t> </a:t>
-            </a:r>
-            <a:r>
-              <a:rPr lang="en-US" dirty="0" smtClean="0"/>
-              <a:t>package</a:t>
+              <a:t> package</a:t>
             </a:r>
           </a:p>
           <a:p>
@@ -10002,7 +9990,6 @@
               <a:rPr lang="en-US" i="1" dirty="0" smtClean="0"/>
               <a:t>exercises/ex10</a:t>
             </a:r>
-            <a:endParaRPr lang="en-US" i="1" dirty="0" smtClean="0"/>
           </a:p>
         </p:txBody>
       </p:sp>

--- a/docs/slides/10/10_optimization.pptx
+++ b/docs/slides/10/10_optimization.pptx
@@ -2191,7 +2191,7 @@
           </a:ln>
           <a:extLst>
             <a:ext uri="{C572A759-6A51-4108-AA02-DFA0A04FC94B}">
-              <ma14:wrappingTextBoxFlag xmlns:ma14="http://schemas.microsoft.com/office/mac/drawingml/2011/main" val="1"/>
+              <ma14:wrappingTextBoxFlag xmlns:ma14="http://schemas.microsoft.com/office/mac/drawingml/2011/main" xmlns="" val="1"/>
             </a:ext>
           </a:extLst>
         </p:spPr>
@@ -2230,7 +2230,7 @@
           </a:ln>
           <a:extLst>
             <a:ext uri="{C572A759-6A51-4108-AA02-DFA0A04FC94B}">
-              <ma14:wrappingTextBoxFlag xmlns:ma14="http://schemas.microsoft.com/office/mac/drawingml/2011/main" val="1"/>
+              <ma14:wrappingTextBoxFlag xmlns:ma14="http://schemas.microsoft.com/office/mac/drawingml/2011/main" xmlns="" val="1"/>
             </a:ext>
           </a:extLst>
         </p:spPr>
@@ -3212,8 +3212,16 @@
           <a:p>
             <a:pPr algn="r"/>
             <a:r>
-              <a:rPr lang="en-US" dirty="0" smtClean="0"/>
-              <a:t>Dr. Andrea Arcuri</a:t>
+              <a:rPr lang="en-US" smtClean="0"/>
+              <a:t>Prof</a:t>
+            </a:r>
+            <a:r>
+              <a:rPr lang="en-US" smtClean="0"/>
+              <a:t>. </a:t>
+            </a:r>
+            <a:r>
+              <a:rPr lang="en-US" dirty="0" smtClean="0"/>
+              <a:t>Andrea Arcuri</a:t>
             </a:r>
             <a:endParaRPr lang="en-US" dirty="0"/>
           </a:p>
@@ -3327,7 +3335,7 @@
                       <m:sSupPr>
                         <m:ctrlPr>
                           <a:rPr lang="en-US" i="1" smtClean="0">
-                            <a:latin typeface="Cambria Math" charset="0"/>
+                            <a:latin typeface="Cambria Math" panose="02040503050406030204" pitchFamily="18" charset="0"/>
                           </a:rPr>
                         </m:ctrlPr>
                       </m:sSupPr>
@@ -3490,15 +3498,7 @@
             </a:r>
             <a:r>
               <a:rPr lang="en-US" dirty="0" smtClean="0"/>
-              <a:t> that </a:t>
-            </a:r>
-            <a:r>
-              <a:rPr lang="en-US" dirty="0" smtClean="0"/>
-              <a:t>specifies </a:t>
-            </a:r>
-            <a:r>
-              <a:rPr lang="en-US" dirty="0" smtClean="0"/>
-              <a:t>how good the solution is</a:t>
+              <a:t> that specifies how good the solution is</a:t>
             </a:r>
           </a:p>
           <a:p>
@@ -3737,7 +3737,7 @@
         </p:spPr>
         <p:txBody>
           <a:bodyPr>
-            <a:normAutofit fontScale="92500" lnSpcReduction="20000"/>
+            <a:normAutofit fontScale="92500" lnSpcReduction="10000"/>
           </a:bodyPr>
           <a:lstStyle/>
           <a:p>
@@ -4093,7 +4093,7 @@
                       <m:dPr>
                         <m:ctrlPr>
                           <a:rPr lang="en-US" b="0" i="1" smtClean="0">
-                            <a:latin typeface="Cambria Math" charset="0"/>
+                            <a:latin typeface="Cambria Math" panose="02040503050406030204" pitchFamily="18" charset="0"/>
                           </a:rPr>
                         </m:ctrlPr>
                       </m:dPr>
@@ -4117,7 +4117,7 @@
                         <m:chr m:val="∑"/>
                         <m:ctrlPr>
                           <a:rPr lang="en-US" i="1" smtClean="0">
-                            <a:latin typeface="Cambria Math" charset="0"/>
+                            <a:latin typeface="Cambria Math" panose="02040503050406030204" pitchFamily="18" charset="0"/>
                           </a:rPr>
                         </m:ctrlPr>
                       </m:naryPr>
@@ -4171,7 +4171,7 @@
                             <m:endChr m:val="]"/>
                             <m:ctrlPr>
                               <a:rPr lang="en-US" b="0" i="1" smtClean="0">
-                                <a:latin typeface="Cambria Math" charset="0"/>
+                                <a:latin typeface="Cambria Math" panose="02040503050406030204" pitchFamily="18" charset="0"/>
                               </a:rPr>
                             </m:ctrlPr>
                           </m:dPr>
@@ -4232,7 +4232,7 @@
                         <m:chr m:val="∑"/>
                         <m:ctrlPr>
                           <a:rPr lang="en-US" i="1">
-                            <a:latin typeface="Cambria Math" charset="0"/>
+                            <a:latin typeface="Cambria Math" panose="02040503050406030204" pitchFamily="18" charset="0"/>
                           </a:rPr>
                         </m:ctrlPr>
                       </m:naryPr>
@@ -4286,7 +4286,7 @@
                             <m:endChr m:val="]"/>
                             <m:ctrlPr>
                               <a:rPr lang="en-US" i="1">
-                                <a:latin typeface="Cambria Math" charset="0"/>
+                                <a:latin typeface="Cambria Math" panose="02040503050406030204" pitchFamily="18" charset="0"/>
                               </a:rPr>
                             </m:ctrlPr>
                           </m:dPr>
@@ -4317,7 +4317,7 @@
                             <m:endChr m:val="]"/>
                             <m:ctrlPr>
                               <a:rPr lang="en-US" i="1">
-                                <a:latin typeface="Cambria Math" charset="0"/>
+                                <a:latin typeface="Cambria Math" panose="02040503050406030204" pitchFamily="18" charset="0"/>
                               </a:rPr>
                             </m:ctrlPr>
                           </m:dPr>
@@ -4496,7 +4496,7 @@
                       <m:sSupPr>
                         <m:ctrlPr>
                           <a:rPr lang="en-US" i="1" smtClean="0">
-                            <a:latin typeface="Cambria Math" charset="0"/>
+                            <a:latin typeface="Cambria Math" panose="02040503050406030204" pitchFamily="18" charset="0"/>
                           </a:rPr>
                         </m:ctrlPr>
                       </m:sSupPr>
@@ -4535,7 +4535,7 @@
                       <m:sSupPr>
                         <m:ctrlPr>
                           <a:rPr lang="en-US" i="1">
-                            <a:latin typeface="Cambria Math" charset="0"/>
+                            <a:latin typeface="Cambria Math" panose="02040503050406030204" pitchFamily="18" charset="0"/>
                           </a:rPr>
                         </m:ctrlPr>
                       </m:sSupPr>
@@ -4589,7 +4589,7 @@
                       <m:sSupPr>
                         <m:ctrlPr>
                           <a:rPr lang="en-US" i="1">
-                            <a:latin typeface="Cambria Math" charset="0"/>
+                            <a:latin typeface="Cambria Math" panose="02040503050406030204" pitchFamily="18" charset="0"/>
                           </a:rPr>
                         </m:ctrlPr>
                       </m:sSupPr>
@@ -5065,42 +5065,42 @@
                 <a:gridCol w="992908">
                   <a:extLst>
                     <a:ext uri="{9D8B030D-6E8A-4147-A177-3AD203B41FA5}">
-                      <a16:colId xmlns:a16="http://schemas.microsoft.com/office/drawing/2014/main" xmlns="" val="873697715"/>
+                      <a16:colId xmlns:a16="http://schemas.microsoft.com/office/drawing/2014/main" val="873697715"/>
                     </a:ext>
                   </a:extLst>
                 </a:gridCol>
                 <a:gridCol w="992908">
                   <a:extLst>
                     <a:ext uri="{9D8B030D-6E8A-4147-A177-3AD203B41FA5}">
-                      <a16:colId xmlns:a16="http://schemas.microsoft.com/office/drawing/2014/main" xmlns="" val="2381380617"/>
+                      <a16:colId xmlns:a16="http://schemas.microsoft.com/office/drawing/2014/main" val="2381380617"/>
                     </a:ext>
                   </a:extLst>
                 </a:gridCol>
                 <a:gridCol w="992908">
                   <a:extLst>
                     <a:ext uri="{9D8B030D-6E8A-4147-A177-3AD203B41FA5}">
-                      <a16:colId xmlns:a16="http://schemas.microsoft.com/office/drawing/2014/main" xmlns="" val="3788322833"/>
+                      <a16:colId xmlns:a16="http://schemas.microsoft.com/office/drawing/2014/main" val="3788322833"/>
                     </a:ext>
                   </a:extLst>
                 </a:gridCol>
                 <a:gridCol w="992908">
                   <a:extLst>
                     <a:ext uri="{9D8B030D-6E8A-4147-A177-3AD203B41FA5}">
-                      <a16:colId xmlns:a16="http://schemas.microsoft.com/office/drawing/2014/main" xmlns="" val="1162321261"/>
+                      <a16:colId xmlns:a16="http://schemas.microsoft.com/office/drawing/2014/main" val="1162321261"/>
                     </a:ext>
                   </a:extLst>
                 </a:gridCol>
                 <a:gridCol w="992908">
                   <a:extLst>
                     <a:ext uri="{9D8B030D-6E8A-4147-A177-3AD203B41FA5}">
-                      <a16:colId xmlns:a16="http://schemas.microsoft.com/office/drawing/2014/main" xmlns="" val="3739274296"/>
+                      <a16:colId xmlns:a16="http://schemas.microsoft.com/office/drawing/2014/main" val="3739274296"/>
                     </a:ext>
                   </a:extLst>
                 </a:gridCol>
                 <a:gridCol w="992908">
                   <a:extLst>
                     <a:ext uri="{9D8B030D-6E8A-4147-A177-3AD203B41FA5}">
-                      <a16:colId xmlns:a16="http://schemas.microsoft.com/office/drawing/2014/main" xmlns="" val="3142711952"/>
+                      <a16:colId xmlns:a16="http://schemas.microsoft.com/office/drawing/2014/main" val="3142711952"/>
                     </a:ext>
                   </a:extLst>
                 </a:gridCol>
@@ -5204,7 +5204,7 @@
                 </a:tc>
                 <a:extLst>
                   <a:ext uri="{0D108BD9-81ED-4DB2-BD59-A6C34878D82A}">
-                    <a16:rowId xmlns:a16="http://schemas.microsoft.com/office/drawing/2014/main" xmlns="" val="2356717137"/>
+                    <a16:rowId xmlns:a16="http://schemas.microsoft.com/office/drawing/2014/main" val="2356717137"/>
                   </a:ext>
                 </a:extLst>
               </a:tr>
@@ -5307,7 +5307,7 @@
                 </a:tc>
                 <a:extLst>
                   <a:ext uri="{0D108BD9-81ED-4DB2-BD59-A6C34878D82A}">
-                    <a16:rowId xmlns:a16="http://schemas.microsoft.com/office/drawing/2014/main" xmlns="" val="26620943"/>
+                    <a16:rowId xmlns:a16="http://schemas.microsoft.com/office/drawing/2014/main" val="26620943"/>
                   </a:ext>
                 </a:extLst>
               </a:tr>
@@ -5402,7 +5402,7 @@
                 </a:tc>
                 <a:extLst>
                   <a:ext uri="{0D108BD9-81ED-4DB2-BD59-A6C34878D82A}">
-                    <a16:rowId xmlns:a16="http://schemas.microsoft.com/office/drawing/2014/main" xmlns="" val="543697231"/>
+                    <a16:rowId xmlns:a16="http://schemas.microsoft.com/office/drawing/2014/main" val="543697231"/>
                   </a:ext>
                 </a:extLst>
               </a:tr>
@@ -5514,7 +5514,7 @@
                       <m:dPr>
                         <m:ctrlPr>
                           <a:rPr lang="en-US" b="0" i="1" smtClean="0">
-                            <a:latin typeface="Cambria Math" charset="0"/>
+                            <a:latin typeface="Cambria Math" panose="02040503050406030204" pitchFamily="18" charset="0"/>
                           </a:rPr>
                         </m:ctrlPr>
                       </m:dPr>
@@ -5523,7 +5523,7 @@
                           <m:sSupPr>
                             <m:ctrlPr>
                               <a:rPr lang="en-US" b="0" i="1" smtClean="0">
-                                <a:latin typeface="Cambria Math" charset="0"/>
+                                <a:latin typeface="Cambria Math" panose="02040503050406030204" pitchFamily="18" charset="0"/>
                               </a:rPr>
                             </m:ctrlPr>
                           </m:sSupPr>
@@ -5584,7 +5584,7 @@
                       <m:sSupPr>
                         <m:ctrlPr>
                           <a:rPr lang="en-US" b="0" i="1" smtClean="0">
-                            <a:latin typeface="Cambria Math" charset="0"/>
+                            <a:latin typeface="Cambria Math" panose="02040503050406030204" pitchFamily="18" charset="0"/>
                           </a:rPr>
                         </m:ctrlPr>
                       </m:sSupPr>
@@ -5642,7 +5642,7 @@
                       <m:sSupPr>
                         <m:ctrlPr>
                           <a:rPr lang="en-US" i="1">
-                            <a:latin typeface="Cambria Math" charset="0"/>
+                            <a:latin typeface="Cambria Math" panose="02040503050406030204" pitchFamily="18" charset="0"/>
                           </a:rPr>
                         </m:ctrlPr>
                       </m:sSupPr>
@@ -5780,7 +5780,7 @@
         </p:spPr>
         <p:txBody>
           <a:bodyPr>
-            <a:normAutofit lnSpcReduction="10000"/>
+            <a:normAutofit/>
           </a:bodyPr>
           <a:lstStyle/>
           <a:p>
@@ -5844,42 +5844,42 @@
                 <a:gridCol w="992908">
                   <a:extLst>
                     <a:ext uri="{9D8B030D-6E8A-4147-A177-3AD203B41FA5}">
-                      <a16:colId xmlns:a16="http://schemas.microsoft.com/office/drawing/2014/main" xmlns="" val="873697715"/>
+                      <a16:colId xmlns:a16="http://schemas.microsoft.com/office/drawing/2014/main" val="873697715"/>
                     </a:ext>
                   </a:extLst>
                 </a:gridCol>
                 <a:gridCol w="992908">
                   <a:extLst>
                     <a:ext uri="{9D8B030D-6E8A-4147-A177-3AD203B41FA5}">
-                      <a16:colId xmlns:a16="http://schemas.microsoft.com/office/drawing/2014/main" xmlns="" val="2381380617"/>
+                      <a16:colId xmlns:a16="http://schemas.microsoft.com/office/drawing/2014/main" val="2381380617"/>
                     </a:ext>
                   </a:extLst>
                 </a:gridCol>
                 <a:gridCol w="992908">
                   <a:extLst>
                     <a:ext uri="{9D8B030D-6E8A-4147-A177-3AD203B41FA5}">
-                      <a16:colId xmlns:a16="http://schemas.microsoft.com/office/drawing/2014/main" xmlns="" val="3788322833"/>
+                      <a16:colId xmlns:a16="http://schemas.microsoft.com/office/drawing/2014/main" val="3788322833"/>
                     </a:ext>
                   </a:extLst>
                 </a:gridCol>
                 <a:gridCol w="992908">
                   <a:extLst>
                     <a:ext uri="{9D8B030D-6E8A-4147-A177-3AD203B41FA5}">
-                      <a16:colId xmlns:a16="http://schemas.microsoft.com/office/drawing/2014/main" xmlns="" val="1162321261"/>
+                      <a16:colId xmlns:a16="http://schemas.microsoft.com/office/drawing/2014/main" val="1162321261"/>
                     </a:ext>
                   </a:extLst>
                 </a:gridCol>
                 <a:gridCol w="992908">
                   <a:extLst>
                     <a:ext uri="{9D8B030D-6E8A-4147-A177-3AD203B41FA5}">
-                      <a16:colId xmlns:a16="http://schemas.microsoft.com/office/drawing/2014/main" xmlns="" val="3739274296"/>
+                      <a16:colId xmlns:a16="http://schemas.microsoft.com/office/drawing/2014/main" val="3739274296"/>
                     </a:ext>
                   </a:extLst>
                 </a:gridCol>
                 <a:gridCol w="992908">
                   <a:extLst>
                     <a:ext uri="{9D8B030D-6E8A-4147-A177-3AD203B41FA5}">
-                      <a16:colId xmlns:a16="http://schemas.microsoft.com/office/drawing/2014/main" xmlns="" val="3142711952"/>
+                      <a16:colId xmlns:a16="http://schemas.microsoft.com/office/drawing/2014/main" val="3142711952"/>
                     </a:ext>
                   </a:extLst>
                 </a:gridCol>
@@ -5991,7 +5991,7 @@
                 </a:tc>
                 <a:extLst>
                   <a:ext uri="{0D108BD9-81ED-4DB2-BD59-A6C34878D82A}">
-                    <a16:rowId xmlns:a16="http://schemas.microsoft.com/office/drawing/2014/main" xmlns="" val="2356717137"/>
+                    <a16:rowId xmlns:a16="http://schemas.microsoft.com/office/drawing/2014/main" val="2356717137"/>
                   </a:ext>
                 </a:extLst>
               </a:tr>
@@ -6102,7 +6102,7 @@
                 </a:tc>
                 <a:extLst>
                   <a:ext uri="{0D108BD9-81ED-4DB2-BD59-A6C34878D82A}">
-                    <a16:rowId xmlns:a16="http://schemas.microsoft.com/office/drawing/2014/main" xmlns="" val="26620943"/>
+                    <a16:rowId xmlns:a16="http://schemas.microsoft.com/office/drawing/2014/main" val="26620943"/>
                   </a:ext>
                 </a:extLst>
               </a:tr>
@@ -6197,7 +6197,7 @@
                 </a:tc>
                 <a:extLst>
                   <a:ext uri="{0D108BD9-81ED-4DB2-BD59-A6C34878D82A}">
-                    <a16:rowId xmlns:a16="http://schemas.microsoft.com/office/drawing/2014/main" xmlns="" val="543697231"/>
+                    <a16:rowId xmlns:a16="http://schemas.microsoft.com/office/drawing/2014/main" val="543697231"/>
                   </a:ext>
                 </a:extLst>
               </a:tr>
@@ -6277,7 +6277,7 @@
         </p:spPr>
         <p:txBody>
           <a:bodyPr>
-            <a:normAutofit fontScale="92500"/>
+            <a:normAutofit/>
           </a:bodyPr>
           <a:lstStyle/>
           <a:p>
@@ -6373,42 +6373,42 @@
                 <a:gridCol w="992908">
                   <a:extLst>
                     <a:ext uri="{9D8B030D-6E8A-4147-A177-3AD203B41FA5}">
-                      <a16:colId xmlns:a16="http://schemas.microsoft.com/office/drawing/2014/main" xmlns="" val="873697715"/>
+                      <a16:colId xmlns:a16="http://schemas.microsoft.com/office/drawing/2014/main" val="873697715"/>
                     </a:ext>
                   </a:extLst>
                 </a:gridCol>
                 <a:gridCol w="992908">
                   <a:extLst>
                     <a:ext uri="{9D8B030D-6E8A-4147-A177-3AD203B41FA5}">
-                      <a16:colId xmlns:a16="http://schemas.microsoft.com/office/drawing/2014/main" xmlns="" val="2381380617"/>
+                      <a16:colId xmlns:a16="http://schemas.microsoft.com/office/drawing/2014/main" val="2381380617"/>
                     </a:ext>
                   </a:extLst>
                 </a:gridCol>
                 <a:gridCol w="992908">
                   <a:extLst>
                     <a:ext uri="{9D8B030D-6E8A-4147-A177-3AD203B41FA5}">
-                      <a16:colId xmlns:a16="http://schemas.microsoft.com/office/drawing/2014/main" xmlns="" val="3788322833"/>
+                      <a16:colId xmlns:a16="http://schemas.microsoft.com/office/drawing/2014/main" val="3788322833"/>
                     </a:ext>
                   </a:extLst>
                 </a:gridCol>
                 <a:gridCol w="992908">
                   <a:extLst>
                     <a:ext uri="{9D8B030D-6E8A-4147-A177-3AD203B41FA5}">
-                      <a16:colId xmlns:a16="http://schemas.microsoft.com/office/drawing/2014/main" xmlns="" val="1162321261"/>
+                      <a16:colId xmlns:a16="http://schemas.microsoft.com/office/drawing/2014/main" val="1162321261"/>
                     </a:ext>
                   </a:extLst>
                 </a:gridCol>
                 <a:gridCol w="992908">
                   <a:extLst>
                     <a:ext uri="{9D8B030D-6E8A-4147-A177-3AD203B41FA5}">
-                      <a16:colId xmlns:a16="http://schemas.microsoft.com/office/drawing/2014/main" xmlns="" val="3739274296"/>
+                      <a16:colId xmlns:a16="http://schemas.microsoft.com/office/drawing/2014/main" val="3739274296"/>
                     </a:ext>
                   </a:extLst>
                 </a:gridCol>
                 <a:gridCol w="992908">
                   <a:extLst>
                     <a:ext uri="{9D8B030D-6E8A-4147-A177-3AD203B41FA5}">
-                      <a16:colId xmlns:a16="http://schemas.microsoft.com/office/drawing/2014/main" xmlns="" val="3142711952"/>
+                      <a16:colId xmlns:a16="http://schemas.microsoft.com/office/drawing/2014/main" val="3142711952"/>
                     </a:ext>
                   </a:extLst>
                 </a:gridCol>
@@ -6512,7 +6512,7 @@
                 </a:tc>
                 <a:extLst>
                   <a:ext uri="{0D108BD9-81ED-4DB2-BD59-A6C34878D82A}">
-                    <a16:rowId xmlns:a16="http://schemas.microsoft.com/office/drawing/2014/main" xmlns="" val="2356717137"/>
+                    <a16:rowId xmlns:a16="http://schemas.microsoft.com/office/drawing/2014/main" val="2356717137"/>
                   </a:ext>
                 </a:extLst>
               </a:tr>
@@ -6615,7 +6615,7 @@
                 </a:tc>
                 <a:extLst>
                   <a:ext uri="{0D108BD9-81ED-4DB2-BD59-A6C34878D82A}">
-                    <a16:rowId xmlns:a16="http://schemas.microsoft.com/office/drawing/2014/main" xmlns="" val="26620943"/>
+                    <a16:rowId xmlns:a16="http://schemas.microsoft.com/office/drawing/2014/main" val="26620943"/>
                   </a:ext>
                 </a:extLst>
               </a:tr>
@@ -6710,7 +6710,7 @@
                 </a:tc>
                 <a:extLst>
                   <a:ext uri="{0D108BD9-81ED-4DB2-BD59-A6C34878D82A}">
-                    <a16:rowId xmlns:a16="http://schemas.microsoft.com/office/drawing/2014/main" xmlns="" val="543697231"/>
+                    <a16:rowId xmlns:a16="http://schemas.microsoft.com/office/drawing/2014/main" val="543697231"/>
                   </a:ext>
                 </a:extLst>
               </a:tr>
@@ -6805,7 +6805,7 @@
                 </a:tc>
                 <a:extLst>
                   <a:ext uri="{0D108BD9-81ED-4DB2-BD59-A6C34878D82A}">
-                    <a16:rowId xmlns:a16="http://schemas.microsoft.com/office/drawing/2014/main" xmlns="" val="3016092730"/>
+                    <a16:rowId xmlns:a16="http://schemas.microsoft.com/office/drawing/2014/main" val="3016092730"/>
                   </a:ext>
                 </a:extLst>
               </a:tr>
@@ -6954,42 +6954,42 @@
                 <a:gridCol w="992908">
                   <a:extLst>
                     <a:ext uri="{9D8B030D-6E8A-4147-A177-3AD203B41FA5}">
-                      <a16:colId xmlns:a16="http://schemas.microsoft.com/office/drawing/2014/main" xmlns="" val="873697715"/>
+                      <a16:colId xmlns:a16="http://schemas.microsoft.com/office/drawing/2014/main" val="873697715"/>
                     </a:ext>
                   </a:extLst>
                 </a:gridCol>
                 <a:gridCol w="992908">
                   <a:extLst>
                     <a:ext uri="{9D8B030D-6E8A-4147-A177-3AD203B41FA5}">
-                      <a16:colId xmlns:a16="http://schemas.microsoft.com/office/drawing/2014/main" xmlns="" val="2381380617"/>
+                      <a16:colId xmlns:a16="http://schemas.microsoft.com/office/drawing/2014/main" val="2381380617"/>
                     </a:ext>
                   </a:extLst>
                 </a:gridCol>
                 <a:gridCol w="992908">
                   <a:extLst>
                     <a:ext uri="{9D8B030D-6E8A-4147-A177-3AD203B41FA5}">
-                      <a16:colId xmlns:a16="http://schemas.microsoft.com/office/drawing/2014/main" xmlns="" val="3788322833"/>
+                      <a16:colId xmlns:a16="http://schemas.microsoft.com/office/drawing/2014/main" val="3788322833"/>
                     </a:ext>
                   </a:extLst>
                 </a:gridCol>
                 <a:gridCol w="992908">
                   <a:extLst>
                     <a:ext uri="{9D8B030D-6E8A-4147-A177-3AD203B41FA5}">
-                      <a16:colId xmlns:a16="http://schemas.microsoft.com/office/drawing/2014/main" xmlns="" val="1162321261"/>
+                      <a16:colId xmlns:a16="http://schemas.microsoft.com/office/drawing/2014/main" val="1162321261"/>
                     </a:ext>
                   </a:extLst>
                 </a:gridCol>
                 <a:gridCol w="992908">
                   <a:extLst>
                     <a:ext uri="{9D8B030D-6E8A-4147-A177-3AD203B41FA5}">
-                      <a16:colId xmlns:a16="http://schemas.microsoft.com/office/drawing/2014/main" xmlns="" val="3739274296"/>
+                      <a16:colId xmlns:a16="http://schemas.microsoft.com/office/drawing/2014/main" val="3739274296"/>
                     </a:ext>
                   </a:extLst>
                 </a:gridCol>
                 <a:gridCol w="992908">
                   <a:extLst>
                     <a:ext uri="{9D8B030D-6E8A-4147-A177-3AD203B41FA5}">
-                      <a16:colId xmlns:a16="http://schemas.microsoft.com/office/drawing/2014/main" xmlns="" val="3142711952"/>
+                      <a16:colId xmlns:a16="http://schemas.microsoft.com/office/drawing/2014/main" val="3142711952"/>
                     </a:ext>
                   </a:extLst>
                 </a:gridCol>
@@ -7099,7 +7099,7 @@
                 </a:tc>
                 <a:extLst>
                   <a:ext uri="{0D108BD9-81ED-4DB2-BD59-A6C34878D82A}">
-                    <a16:rowId xmlns:a16="http://schemas.microsoft.com/office/drawing/2014/main" xmlns="" val="2356717137"/>
+                    <a16:rowId xmlns:a16="http://schemas.microsoft.com/office/drawing/2014/main" val="2356717137"/>
                   </a:ext>
                 </a:extLst>
               </a:tr>
@@ -7208,7 +7208,7 @@
                 </a:tc>
                 <a:extLst>
                   <a:ext uri="{0D108BD9-81ED-4DB2-BD59-A6C34878D82A}">
-                    <a16:rowId xmlns:a16="http://schemas.microsoft.com/office/drawing/2014/main" xmlns="" val="26620943"/>
+                    <a16:rowId xmlns:a16="http://schemas.microsoft.com/office/drawing/2014/main" val="26620943"/>
                   </a:ext>
                 </a:extLst>
               </a:tr>
@@ -7303,7 +7303,7 @@
                 </a:tc>
                 <a:extLst>
                   <a:ext uri="{0D108BD9-81ED-4DB2-BD59-A6C34878D82A}">
-                    <a16:rowId xmlns:a16="http://schemas.microsoft.com/office/drawing/2014/main" xmlns="" val="543697231"/>
+                    <a16:rowId xmlns:a16="http://schemas.microsoft.com/office/drawing/2014/main" val="543697231"/>
                   </a:ext>
                 </a:extLst>
               </a:tr>
@@ -8334,7 +8334,7 @@
         </p:spPr>
         <p:txBody>
           <a:bodyPr>
-            <a:normAutofit fontScale="85000" lnSpcReduction="20000"/>
+            <a:normAutofit fontScale="85000" lnSpcReduction="10000"/>
           </a:bodyPr>
           <a:lstStyle/>
           <a:p>
@@ -9162,7 +9162,7 @@
         <p:spPr/>
         <p:txBody>
           <a:bodyPr>
-            <a:normAutofit fontScale="92500"/>
+            <a:normAutofit lnSpcReduction="10000"/>
           </a:bodyPr>
           <a:lstStyle/>
           <a:p>

--- a/docs/slides/10/10_optimization.pptx
+++ b/docs/slides/10/10_optimization.pptx
@@ -5,7 +5,7 @@
     <p:sldMasterId id="2147483648" r:id="rId1"/>
   </p:sldMasterIdLst>
   <p:notesMasterIdLst>
-    <p:notesMasterId r:id="rId38"/>
+    <p:notesMasterId r:id="rId41"/>
   </p:notesMasterIdLst>
   <p:sldIdLst>
     <p:sldId id="315" r:id="rId2"/>
@@ -24,26 +24,29 @@
     <p:sldId id="293" r:id="rId15"/>
     <p:sldId id="294" r:id="rId16"/>
     <p:sldId id="295" r:id="rId17"/>
-    <p:sldId id="296" r:id="rId18"/>
-    <p:sldId id="297" r:id="rId19"/>
-    <p:sldId id="298" r:id="rId20"/>
-    <p:sldId id="299" r:id="rId21"/>
-    <p:sldId id="300" r:id="rId22"/>
-    <p:sldId id="301" r:id="rId23"/>
-    <p:sldId id="302" r:id="rId24"/>
-    <p:sldId id="303" r:id="rId25"/>
-    <p:sldId id="304" r:id="rId26"/>
-    <p:sldId id="305" r:id="rId27"/>
-    <p:sldId id="306" r:id="rId28"/>
-    <p:sldId id="307" r:id="rId29"/>
-    <p:sldId id="308" r:id="rId30"/>
-    <p:sldId id="309" r:id="rId31"/>
-    <p:sldId id="310" r:id="rId32"/>
-    <p:sldId id="313" r:id="rId33"/>
-    <p:sldId id="311" r:id="rId34"/>
-    <p:sldId id="312" r:id="rId35"/>
-    <p:sldId id="314" r:id="rId36"/>
-    <p:sldId id="316" r:id="rId37"/>
+    <p:sldId id="317" r:id="rId18"/>
+    <p:sldId id="318" r:id="rId19"/>
+    <p:sldId id="319" r:id="rId20"/>
+    <p:sldId id="296" r:id="rId21"/>
+    <p:sldId id="297" r:id="rId22"/>
+    <p:sldId id="298" r:id="rId23"/>
+    <p:sldId id="299" r:id="rId24"/>
+    <p:sldId id="300" r:id="rId25"/>
+    <p:sldId id="301" r:id="rId26"/>
+    <p:sldId id="302" r:id="rId27"/>
+    <p:sldId id="303" r:id="rId28"/>
+    <p:sldId id="304" r:id="rId29"/>
+    <p:sldId id="305" r:id="rId30"/>
+    <p:sldId id="306" r:id="rId31"/>
+    <p:sldId id="307" r:id="rId32"/>
+    <p:sldId id="308" r:id="rId33"/>
+    <p:sldId id="309" r:id="rId34"/>
+    <p:sldId id="310" r:id="rId35"/>
+    <p:sldId id="313" r:id="rId36"/>
+    <p:sldId id="311" r:id="rId37"/>
+    <p:sldId id="312" r:id="rId38"/>
+    <p:sldId id="314" r:id="rId39"/>
+    <p:sldId id="316" r:id="rId40"/>
   </p:sldIdLst>
   <p:sldSz cx="13004800" cy="9753600"/>
   <p:notesSz cx="6858000" cy="9144000"/>
@@ -2191,7 +2194,7 @@
           </a:ln>
           <a:extLst>
             <a:ext uri="{C572A759-6A51-4108-AA02-DFA0A04FC94B}">
-              <ma14:wrappingTextBoxFlag xmlns:ma14="http://schemas.microsoft.com/office/mac/drawingml/2011/main" xmlns="" val="1"/>
+              <ma14:wrappingTextBoxFlag xmlns="" xmlns:ma14="http://schemas.microsoft.com/office/mac/drawingml/2011/main" val="1"/>
             </a:ext>
           </a:extLst>
         </p:spPr>
@@ -2230,7 +2233,7 @@
           </a:ln>
           <a:extLst>
             <a:ext uri="{C572A759-6A51-4108-AA02-DFA0A04FC94B}">
-              <ma14:wrappingTextBoxFlag xmlns:ma14="http://schemas.microsoft.com/office/mac/drawingml/2011/main" xmlns="" val="1"/>
+              <ma14:wrappingTextBoxFlag xmlns="" xmlns:ma14="http://schemas.microsoft.com/office/mac/drawingml/2011/main" val="1"/>
             </a:ext>
           </a:extLst>
         </p:spPr>
@@ -3162,31 +3165,26 @@
           <a:p>
             <a:pPr algn="l"/>
             <a:r>
-              <a:rPr lang="en-US" sz="6600" dirty="0" smtClean="0"/>
+              <a:rPr lang="en-US" sz="6600" dirty="0"/>
               <a:t>PG4200: Algorithms And Data Structures</a:t>
             </a:r>
             <a:br>
-              <a:rPr lang="en-US" sz="6600" dirty="0" smtClean="0"/>
+              <a:rPr lang="en-US" sz="6600" dirty="0"/>
             </a:br>
-            <a:r>
-              <a:rPr lang="en-US" sz="6600" dirty="0" smtClean="0"/>
-              <a:t/>
-            </a:r>
             <a:br>
-              <a:rPr lang="en-US" sz="6600" dirty="0" smtClean="0"/>
+              <a:rPr lang="en-US" sz="6600" dirty="0"/>
             </a:br>
             <a:r>
-              <a:rPr lang="en-US" sz="6600" dirty="0" smtClean="0"/>
+              <a:rPr lang="en-US" sz="6600" dirty="0"/>
               <a:t>Lesson 10: </a:t>
             </a:r>
             <a:br>
-              <a:rPr lang="en-US" sz="6600" dirty="0" smtClean="0"/>
+              <a:rPr lang="en-US" sz="6600" dirty="0"/>
             </a:br>
             <a:r>
-              <a:rPr lang="en-US" sz="6600" dirty="0" smtClean="0"/>
+              <a:rPr lang="en-US" sz="6600" dirty="0"/>
               <a:t>Decision and Optimization Problems</a:t>
             </a:r>
-            <a:endParaRPr lang="en-US" sz="6600" dirty="0"/>
           </a:p>
         </p:txBody>
       </p:sp>
@@ -3212,18 +3210,13 @@
           <a:p>
             <a:pPr algn="r"/>
             <a:r>
-              <a:rPr lang="en-US" smtClean="0"/>
-              <a:t>Prof</a:t>
-            </a:r>
-            <a:r>
-              <a:rPr lang="en-US" smtClean="0"/>
-              <a:t>. </a:t>
-            </a:r>
-            <a:r>
-              <a:rPr lang="en-US" dirty="0" smtClean="0"/>
+              <a:rPr lang="en-US"/>
+              <a:t>Prof. </a:t>
+            </a:r>
+            <a:r>
+              <a:rPr lang="en-US" dirty="0"/>
               <a:t>Andrea Arcuri</a:t>
             </a:r>
-            <a:endParaRPr lang="en-US" dirty="0"/>
           </a:p>
         </p:txBody>
       </p:sp>
@@ -3238,13 +3231,6 @@
     <a:masterClrMapping/>
   </p:clrMapOvr>
   <p:transition spd="med"/>
-  <p:timing>
-    <p:tnLst>
-      <p:par>
-        <p:cTn id="1" dur="indefinite" restart="never" nodeType="tmRoot"/>
-      </p:par>
-    </p:tnLst>
-  </p:timing>
 </p:sld>
 </file>
 
@@ -3281,10 +3267,9 @@
           <a:lstStyle/>
           <a:p>
             <a:r>
-              <a:rPr lang="en-US" dirty="0" smtClean="0"/>
+              <a:rPr lang="en-US" dirty="0"/>
               <a:t>Search Space</a:t>
             </a:r>
-            <a:endParaRPr lang="en-US" dirty="0"/>
           </a:p>
         </p:txBody>
       </p:sp>
@@ -3306,27 +3291,27 @@
               <a:lstStyle/>
               <a:p>
                 <a:r>
-                  <a:rPr lang="en-US" dirty="0" smtClean="0"/>
+                  <a:rPr lang="en-US" dirty="0"/>
                   <a:t>Set X of all possible solutions for the problem</a:t>
                 </a:r>
               </a:p>
               <a:p>
                 <a:r>
-                  <a:rPr lang="en-US" dirty="0" smtClean="0"/>
+                  <a:rPr lang="en-US" dirty="0"/>
                   <a:t>If a solution can be represented with 0/1 bit sequence of length N, then search space is all possible bit strings of size N</a:t>
                 </a:r>
               </a:p>
               <a:p>
                 <a:r>
-                  <a:rPr lang="en-US" dirty="0" smtClean="0"/>
+                  <a:rPr lang="en-US" dirty="0"/>
                   <a:t>Search space is usually huge, </a:t>
                 </a:r>
                 <a:r>
-                  <a:rPr lang="en-US" dirty="0" err="1" smtClean="0"/>
+                  <a:rPr lang="en-US" dirty="0" err="1"/>
                   <a:t>eg</a:t>
                 </a:r>
                 <a:r>
-                  <a:rPr lang="en-US" dirty="0" smtClean="0"/>
+                  <a:rPr lang="en-US" dirty="0"/>
                   <a:t> </a:t>
                 </a:r>
                 <a14:m>
@@ -3358,15 +3343,14 @@
                     </m:sSup>
                   </m:oMath>
                 </a14:m>
-                <a:endParaRPr lang="en-US" dirty="0" smtClean="0"/>
+                <a:endParaRPr lang="en-US" dirty="0"/>
               </a:p>
               <a:p>
                 <a:pPr lvl="1"/>
                 <a:r>
-                  <a:rPr lang="en-US" dirty="0" smtClean="0"/>
+                  <a:rPr lang="en-US" dirty="0"/>
                   <a:t>Otherwise use brute force, and so would not be a problem</a:t>
                 </a:r>
-                <a:endParaRPr lang="en-US" dirty="0"/>
               </a:p>
             </p:txBody>
           </p:sp>
@@ -3452,10 +3436,9 @@
           <a:lstStyle/>
           <a:p>
             <a:r>
-              <a:rPr lang="en-US" dirty="0" smtClean="0"/>
+              <a:rPr lang="en-US" dirty="0"/>
               <a:t>Fitness Function</a:t>
             </a:r>
-            <a:endParaRPr lang="en-US" dirty="0"/>
           </a:p>
         </p:txBody>
       </p:sp>
@@ -3475,56 +3458,56 @@
           <a:lstStyle/>
           <a:p>
             <a:r>
-              <a:rPr lang="en-US" i="1" dirty="0" smtClean="0"/>
+              <a:rPr lang="en-US" i="1" dirty="0"/>
               <a:t>f(x)=h</a:t>
             </a:r>
           </a:p>
           <a:p>
             <a:r>
-              <a:rPr lang="en-US" dirty="0" smtClean="0"/>
+              <a:rPr lang="en-US" dirty="0"/>
               <a:t>Given a solution </a:t>
             </a:r>
             <a:r>
-              <a:rPr lang="en-US" i="1" dirty="0" smtClean="0"/>
+              <a:rPr lang="en-US" i="1" dirty="0"/>
               <a:t>x</a:t>
             </a:r>
             <a:r>
-              <a:rPr lang="en-US" dirty="0" smtClean="0"/>
+              <a:rPr lang="en-US" dirty="0"/>
               <a:t> in X, calculate an heuristic </a:t>
             </a:r>
             <a:r>
-              <a:rPr lang="en-US" i="1" dirty="0" smtClean="0"/>
+              <a:rPr lang="en-US" i="1" dirty="0"/>
               <a:t>h</a:t>
             </a:r>
             <a:r>
-              <a:rPr lang="en-US" dirty="0" smtClean="0"/>
+              <a:rPr lang="en-US" dirty="0"/>
               <a:t> that specifies how good the solution is</a:t>
             </a:r>
           </a:p>
           <a:p>
             <a:r>
-              <a:rPr lang="en-US" dirty="0" smtClean="0"/>
+              <a:rPr lang="en-US" dirty="0"/>
               <a:t>Problem dependent, to minimize or maximize:</a:t>
             </a:r>
           </a:p>
           <a:p>
             <a:pPr lvl="1"/>
             <a:r>
-              <a:rPr lang="en-US" dirty="0" smtClean="0"/>
+              <a:rPr lang="en-US" dirty="0"/>
               <a:t>Minimize air resistance</a:t>
             </a:r>
           </a:p>
           <a:p>
             <a:pPr lvl="1"/>
             <a:r>
-              <a:rPr lang="en-US" dirty="0" smtClean="0"/>
+              <a:rPr lang="en-US" dirty="0"/>
               <a:t>Maximize protein structure properties</a:t>
             </a:r>
           </a:p>
           <a:p>
             <a:pPr lvl="1"/>
             <a:r>
-              <a:rPr lang="en-US" dirty="0" smtClean="0"/>
+              <a:rPr lang="en-US" dirty="0"/>
               <a:t>Maximize Return Of Investment</a:t>
             </a:r>
           </a:p>
@@ -3532,13 +3515,8 @@
             <a:pPr lvl="1"/>
             <a:r>
               <a:rPr lang="en-US" dirty="0"/>
-              <a:t>e</a:t>
-            </a:r>
-            <a:r>
-              <a:rPr lang="en-US" dirty="0" smtClean="0"/>
-              <a:t>tc. </a:t>
-            </a:r>
-            <a:endParaRPr lang="en-US" dirty="0"/>
+              <a:t>etc. </a:t>
+            </a:r>
           </a:p>
         </p:txBody>
       </p:sp>
@@ -3589,10 +3567,9 @@
           <a:lstStyle/>
           <a:p>
             <a:r>
-              <a:rPr lang="en-US" dirty="0" smtClean="0"/>
+              <a:rPr lang="en-US" dirty="0"/>
               <a:t>Optimization Algorithms</a:t>
             </a:r>
-            <a:endParaRPr lang="en-US" dirty="0"/>
           </a:p>
         </p:txBody>
       </p:sp>
@@ -3619,49 +3596,48 @@
           <a:lstStyle/>
           <a:p>
             <a:r>
-              <a:rPr lang="en-US" dirty="0" smtClean="0"/>
+              <a:rPr lang="en-US" dirty="0"/>
               <a:t>Algorithm that explores the search space X</a:t>
             </a:r>
           </a:p>
           <a:p>
             <a:r>
-              <a:rPr lang="en-US" dirty="0" smtClean="0"/>
+              <a:rPr lang="en-US" dirty="0"/>
               <a:t>Only a tiny sample of X can be evaluated</a:t>
             </a:r>
           </a:p>
           <a:p>
             <a:r>
-              <a:rPr lang="en-US" dirty="0" smtClean="0"/>
+              <a:rPr lang="en-US" dirty="0"/>
               <a:t>Use fitness f(x) to guide the exploration to fitter areas of the search space with better solutions</a:t>
             </a:r>
           </a:p>
           <a:p>
             <a:r>
-              <a:rPr lang="en-US" dirty="0" smtClean="0"/>
+              <a:rPr lang="en-US" dirty="0"/>
               <a:t>Stopping criterion: after evaluating K solutions (or K amount of time is passed), return best </a:t>
             </a:r>
             <a:r>
-              <a:rPr lang="en-US" i="1" dirty="0" smtClean="0"/>
+              <a:rPr lang="en-US" i="1" dirty="0"/>
               <a:t>x</a:t>
             </a:r>
             <a:r>
-              <a:rPr lang="en-US" dirty="0" smtClean="0"/>
+              <a:rPr lang="en-US" dirty="0"/>
               <a:t> among the evaluated solutions</a:t>
             </a:r>
           </a:p>
           <a:p>
             <a:r>
-              <a:rPr lang="en-US" dirty="0" smtClean="0"/>
+              <a:rPr lang="en-US" dirty="0"/>
               <a:t>Many different kinds of optimization algorithms…</a:t>
             </a:r>
           </a:p>
           <a:p>
             <a:pPr lvl="1"/>
             <a:r>
-              <a:rPr lang="en-US" dirty="0" smtClean="0"/>
+              <a:rPr lang="en-US" dirty="0"/>
               <a:t>But as a user, still need to provide the representation and f(x)</a:t>
             </a:r>
-            <a:endParaRPr lang="en-US" dirty="0"/>
           </a:p>
         </p:txBody>
       </p:sp>
@@ -3712,10 +3688,9 @@
           <a:lstStyle/>
           <a:p>
             <a:r>
-              <a:rPr lang="en-US" dirty="0" smtClean="0"/>
+              <a:rPr lang="en-US" dirty="0"/>
               <a:t>Search Operator</a:t>
             </a:r>
-            <a:endParaRPr lang="en-US" dirty="0"/>
           </a:p>
         </p:txBody>
       </p:sp>
@@ -3737,77 +3712,76 @@
         </p:spPr>
         <p:txBody>
           <a:bodyPr>
-            <a:normAutofit fontScale="92500" lnSpcReduction="10000"/>
+            <a:normAutofit fontScale="92500" lnSpcReduction="20000"/>
           </a:bodyPr>
           <a:lstStyle/>
           <a:p>
             <a:r>
-              <a:rPr lang="en-US" i="1" dirty="0" smtClean="0"/>
+              <a:rPr lang="en-US" i="1" dirty="0"/>
               <a:t>s(x) = x’</a:t>
             </a:r>
           </a:p>
           <a:p>
             <a:r>
-              <a:rPr lang="en-US" dirty="0" smtClean="0"/>
+              <a:rPr lang="en-US" dirty="0"/>
               <a:t>An operator that, from a solution </a:t>
             </a:r>
             <a:r>
-              <a:rPr lang="en-US" i="1" dirty="0" smtClean="0"/>
+              <a:rPr lang="en-US" i="1" dirty="0"/>
               <a:t>x</a:t>
             </a:r>
             <a:r>
-              <a:rPr lang="en-US" dirty="0" smtClean="0"/>
+              <a:rPr lang="en-US" dirty="0"/>
               <a:t>, gives a new one </a:t>
             </a:r>
             <a:r>
-              <a:rPr lang="en-US" i="1" dirty="0" smtClean="0"/>
+              <a:rPr lang="en-US" i="1" dirty="0"/>
               <a:t>x’</a:t>
             </a:r>
           </a:p>
           <a:p>
             <a:r>
-              <a:rPr lang="en-US" dirty="0" smtClean="0"/>
+              <a:rPr lang="en-US" dirty="0"/>
               <a:t>Still need to evaluate its fitness, </a:t>
             </a:r>
             <a:r>
-              <a:rPr lang="en-US" dirty="0" err="1" smtClean="0"/>
+              <a:rPr lang="en-US" dirty="0" err="1"/>
               <a:t>ie</a:t>
             </a:r>
             <a:r>
-              <a:rPr lang="en-US" dirty="0" smtClean="0"/>
+              <a:rPr lang="en-US" dirty="0"/>
               <a:t> </a:t>
             </a:r>
             <a:r>
-              <a:rPr lang="en-US" i="1" dirty="0" smtClean="0"/>
+              <a:rPr lang="en-US" i="1" dirty="0"/>
               <a:t>f(x’)</a:t>
             </a:r>
           </a:p>
           <a:p>
             <a:r>
-              <a:rPr lang="en-US" dirty="0" smtClean="0"/>
+              <a:rPr lang="en-US" dirty="0"/>
               <a:t>The optimization algorithm will use the search operators to choose which new </a:t>
             </a:r>
             <a:r>
-              <a:rPr lang="en-US" i="1" dirty="0" smtClean="0"/>
+              <a:rPr lang="en-US" i="1" dirty="0"/>
               <a:t>x’</a:t>
             </a:r>
             <a:r>
-              <a:rPr lang="en-US" dirty="0" smtClean="0"/>
+              <a:rPr lang="en-US" dirty="0"/>
               <a:t> in X to evaluate</a:t>
             </a:r>
           </a:p>
           <a:p>
             <a:r>
-              <a:rPr lang="en-US" dirty="0" smtClean="0"/>
+              <a:rPr lang="en-US" dirty="0"/>
               <a:t>The search operator will depend on the problem representation</a:t>
             </a:r>
           </a:p>
           <a:p>
             <a:r>
-              <a:rPr lang="en-US" dirty="0" smtClean="0"/>
+              <a:rPr lang="en-US" dirty="0"/>
               <a:t>Example: flip a bit in a bit-sequence representation</a:t>
             </a:r>
-            <a:endParaRPr lang="en-US" dirty="0"/>
           </a:p>
         </p:txBody>
       </p:sp>
@@ -3865,17 +3839,16 @@
           <a:lstStyle/>
           <a:p>
             <a:r>
-              <a:rPr lang="en-US" dirty="0" smtClean="0"/>
+              <a:rPr lang="en-US" dirty="0"/>
               <a:t>Example: </a:t>
             </a:r>
             <a:br>
-              <a:rPr lang="en-US" dirty="0" smtClean="0"/>
+              <a:rPr lang="en-US" dirty="0"/>
             </a:br>
             <a:r>
-              <a:rPr lang="en-US" dirty="0" smtClean="0"/>
+              <a:rPr lang="en-US" dirty="0"/>
               <a:t>Knapsack Problem (KP)</a:t>
             </a:r>
-            <a:endParaRPr lang="en-US" dirty="0"/>
           </a:p>
         </p:txBody>
       </p:sp>
@@ -3902,46 +3875,45 @@
           <a:lstStyle/>
           <a:p>
             <a:r>
-              <a:rPr lang="en-US" dirty="0" smtClean="0"/>
+              <a:rPr lang="en-US" dirty="0"/>
               <a:t>Insert N items to a knapsack</a:t>
             </a:r>
           </a:p>
           <a:p>
             <a:r>
-              <a:rPr lang="en-US" dirty="0" smtClean="0"/>
+              <a:rPr lang="en-US" dirty="0"/>
               <a:t>Each item has a weight </a:t>
             </a:r>
             <a:r>
-              <a:rPr lang="en-US" i="1" dirty="0" smtClean="0"/>
+              <a:rPr lang="en-US" i="1" dirty="0"/>
               <a:t>w </a:t>
             </a:r>
             <a:r>
-              <a:rPr lang="en-US" dirty="0" smtClean="0"/>
+              <a:rPr lang="en-US" dirty="0"/>
               <a:t>and a value </a:t>
             </a:r>
             <a:r>
-              <a:rPr lang="en-US" i="1" dirty="0" smtClean="0"/>
+              <a:rPr lang="en-US" i="1" dirty="0"/>
               <a:t>v</a:t>
             </a:r>
           </a:p>
           <a:p>
             <a:r>
-              <a:rPr lang="en-US" dirty="0" smtClean="0"/>
+              <a:rPr lang="en-US" dirty="0"/>
               <a:t>The knapsack has a maximum load of weight L</a:t>
             </a:r>
           </a:p>
           <a:p>
             <a:r>
-              <a:rPr lang="en-US" dirty="0" smtClean="0"/>
+              <a:rPr lang="en-US" dirty="0"/>
               <a:t>Goal: find the selection of items that can be inserted within limit L, and for which the total value is maximized</a:t>
             </a:r>
           </a:p>
           <a:p>
             <a:r>
-              <a:rPr lang="en-US" dirty="0" smtClean="0"/>
+              <a:rPr lang="en-US" dirty="0"/>
               <a:t>Note: many real-world problems are instances of the knapsack problem</a:t>
             </a:r>
-            <a:endParaRPr lang="en-US" dirty="0"/>
           </a:p>
         </p:txBody>
       </p:sp>
@@ -4033,10 +4005,9 @@
           <a:lstStyle/>
           <a:p>
             <a:r>
-              <a:rPr lang="en-US" dirty="0" smtClean="0"/>
+              <a:rPr lang="en-US" dirty="0"/>
               <a:t>Details</a:t>
             </a:r>
-            <a:endParaRPr lang="en-US" dirty="0"/>
           </a:p>
         </p:txBody>
       </p:sp>
@@ -4058,27 +4029,27 @@
               <a:lstStyle/>
               <a:p>
                 <a:r>
-                  <a:rPr lang="en-US" dirty="0" smtClean="0"/>
+                  <a:rPr lang="en-US" dirty="0"/>
                   <a:t>Each unique item has an index from 0 to N-1</a:t>
                 </a:r>
               </a:p>
               <a:p>
                 <a:r>
-                  <a:rPr lang="en-US" dirty="0" smtClean="0"/>
+                  <a:rPr lang="en-US" dirty="0"/>
                   <a:t>A solution can be represented as an array </a:t>
                 </a:r>
                 <a:r>
-                  <a:rPr lang="en-US" i="1" dirty="0" smtClean="0"/>
+                  <a:rPr lang="en-US" i="1" dirty="0"/>
                   <a:t>x </a:t>
                 </a:r>
                 <a:r>
-                  <a:rPr lang="en-US" dirty="0" smtClean="0"/>
+                  <a:rPr lang="en-US" dirty="0"/>
                   <a:t>of 0s (item not present) and 1s (item present)</a:t>
                 </a:r>
               </a:p>
               <a:p>
                 <a:r>
-                  <a:rPr lang="en-US" b="0" dirty="0" smtClean="0"/>
+                  <a:rPr lang="en-US" b="0" dirty="0"/>
                   <a:t>Maximize: </a:t>
                 </a:r>
                 <a14:m>
@@ -4218,11 +4189,11 @@
                     </m:nary>
                   </m:oMath>
                 </a14:m>
-                <a:endParaRPr lang="en-US" dirty="0" smtClean="0"/>
+                <a:endParaRPr lang="en-US" dirty="0"/>
               </a:p>
               <a:p>
                 <a:r>
-                  <a:rPr lang="en-US" dirty="0" smtClean="0"/>
+                  <a:rPr lang="en-US" dirty="0"/>
                   <a:t>Constraint: </a:t>
                 </a:r>
                 <a14:m>
@@ -4354,14 +4325,13 @@
                     </m:nary>
                   </m:oMath>
                 </a14:m>
-                <a:endParaRPr lang="en-US" dirty="0" smtClean="0"/>
+                <a:endParaRPr lang="en-US" dirty="0"/>
               </a:p>
               <a:p>
                 <a:r>
-                  <a:rPr lang="en-US" dirty="0" smtClean="0"/>
+                  <a:rPr lang="en-US" dirty="0"/>
                   <a:t>Can have f(x)=0 if constraint is not satisfied</a:t>
                 </a:r>
-                <a:endParaRPr lang="en-US" dirty="0"/>
               </a:p>
             </p:txBody>
           </p:sp>
@@ -4447,10 +4417,9 @@
           <a:lstStyle/>
           <a:p>
             <a:r>
-              <a:rPr lang="en-US" dirty="0" smtClean="0"/>
+              <a:rPr lang="en-US" dirty="0"/>
               <a:t>Brute Force</a:t>
             </a:r>
-            <a:endParaRPr lang="en-US" dirty="0"/>
           </a:p>
         </p:txBody>
       </p:sp>
@@ -4472,19 +4441,19 @@
               <a:lstStyle/>
               <a:p>
                 <a:r>
-                  <a:rPr lang="en-US" dirty="0" smtClean="0"/>
+                  <a:rPr lang="en-US" dirty="0"/>
                   <a:t>Given size N, enumerate all possible bit arrays</a:t>
                 </a:r>
               </a:p>
               <a:p>
                 <a:r>
-                  <a:rPr lang="en-US" dirty="0" smtClean="0"/>
+                  <a:rPr lang="en-US" dirty="0"/>
                   <a:t>Return the one with maximum f(x)</a:t>
                 </a:r>
               </a:p>
               <a:p>
                 <a:r>
-                  <a:rPr lang="en-US" dirty="0" smtClean="0"/>
+                  <a:rPr lang="en-US" dirty="0"/>
                   <a:t>Astronomically expensive, but for tiny N</a:t>
                 </a:r>
               </a:p>
@@ -4525,7 +4494,7 @@
                     </m:r>
                   </m:oMath>
                 </a14:m>
-                <a:endParaRPr lang="en-US" b="0" dirty="0" smtClean="0"/>
+                <a:endParaRPr lang="en-US" b="0" dirty="0"/>
               </a:p>
               <a:p>
                 <a:pPr lvl="1"/>
@@ -4577,7 +4546,7 @@
                     </m:r>
                   </m:oMath>
                 </a14:m>
-                <a:endParaRPr lang="en-US" i="1" dirty="0" smtClean="0">
+                <a:endParaRPr lang="en-US" i="1" dirty="0">
                   <a:latin typeface="Cambria Math" panose="02040503050406030204" pitchFamily="18" charset="0"/>
                 </a:endParaRPr>
               </a:p>
@@ -4631,12 +4600,12 @@
                     </m:r>
                   </m:oMath>
                 </a14:m>
-                <a:endParaRPr lang="en-US" dirty="0" smtClean="0"/>
+                <a:endParaRPr lang="en-US" dirty="0"/>
               </a:p>
               <a:p>
                 <a:pPr lvl="1"/>
                 <a:r>
-                  <a:rPr lang="en-US" dirty="0" err="1" smtClean="0"/>
+                  <a:rPr lang="en-US" dirty="0" err="1"/>
                   <a:t>etc</a:t>
                 </a:r>
                 <a:endParaRPr lang="en-US" dirty="0"/>
@@ -4715,7 +4684,13 @@
       </p:grpSpPr>
       <p:sp>
         <p:nvSpPr>
-          <p:cNvPr id="2" name="Title 1"/>
+          <p:cNvPr id="2" name="Title 1">
+            <a:extLst>
+              <a:ext uri="{FF2B5EF4-FFF2-40B4-BE49-F238E27FC236}">
+                <a16:creationId xmlns:a16="http://schemas.microsoft.com/office/drawing/2014/main" id="{60E3233A-E4C2-1D4E-B8E2-8BD3E1FD8437}"/>
+              </a:ext>
+            </a:extLst>
+          </p:cNvPr>
           <p:cNvSpPr>
             <a:spLocks noGrp="1"/>
           </p:cNvSpPr>
@@ -4723,97 +4698,160 @@
             <p:ph type="title"/>
           </p:nvPr>
         </p:nvSpPr>
-        <p:spPr/>
+        <p:spPr>
+          <a:xfrm>
+            <a:off x="952500" y="148936"/>
+            <a:ext cx="11099800" cy="1125682"/>
+          </a:xfrm>
+        </p:spPr>
         <p:txBody>
-          <a:bodyPr/>
+          <a:bodyPr>
+            <a:normAutofit fontScale="90000"/>
+          </a:bodyPr>
           <a:lstStyle/>
           <a:p>
             <a:r>
-              <a:rPr lang="en-US" dirty="0" smtClean="0"/>
-              <a:t>Greedy Algorithm</a:t>
-            </a:r>
-            <a:endParaRPr lang="en-US" dirty="0"/>
+              <a:rPr lang="en-US" dirty="0"/>
+              <a:t>How To Brute Force?</a:t>
+            </a:r>
           </a:p>
         </p:txBody>
       </p:sp>
-      <p:sp>
-        <p:nvSpPr>
-          <p:cNvPr id="3" name="Text Placeholder 2"/>
-          <p:cNvSpPr>
-            <a:spLocks noGrp="1"/>
-          </p:cNvSpPr>
-          <p:nvPr>
-            <p:ph type="body" idx="1"/>
-          </p:nvPr>
-        </p:nvSpPr>
-        <p:spPr/>
-        <p:txBody>
-          <a:bodyPr/>
-          <a:lstStyle/>
-          <a:p>
-            <a:r>
-              <a:rPr lang="en-US" dirty="0" smtClean="0"/>
-              <a:t>Build a solution as quickly as possible</a:t>
-            </a:r>
-          </a:p>
-          <a:p>
-            <a:r>
-              <a:rPr lang="en-US" dirty="0" smtClean="0"/>
-              <a:t>Don’t explore the search space, but rather focus on the most promising path in it</a:t>
-            </a:r>
-          </a:p>
-          <a:p>
-            <a:r>
-              <a:rPr lang="en-US" dirty="0" smtClean="0"/>
-              <a:t>Actual implementation is problem dependent</a:t>
-            </a:r>
-          </a:p>
-          <a:p>
-            <a:r>
-              <a:rPr lang="en-US" dirty="0" smtClean="0"/>
-              <a:t>For example on KP:</a:t>
-            </a:r>
-          </a:p>
-          <a:p>
-            <a:pPr lvl="1"/>
-            <a:r>
-              <a:rPr lang="en-US" dirty="0" smtClean="0"/>
-              <a:t>Start from empty selection </a:t>
-            </a:r>
-            <a:r>
-              <a:rPr lang="en-US" i="1" dirty="0" smtClean="0"/>
-              <a:t>x</a:t>
-            </a:r>
-          </a:p>
-          <a:p>
-            <a:pPr lvl="1"/>
-            <a:r>
-              <a:rPr lang="en-US" dirty="0" smtClean="0"/>
-              <a:t>Add 1 item at a time to </a:t>
-            </a:r>
-            <a:r>
-              <a:rPr lang="en-US" i="1" dirty="0" smtClean="0"/>
-              <a:t>x </a:t>
-            </a:r>
-            <a:r>
-              <a:rPr lang="en-US" dirty="0" smtClean="0"/>
-              <a:t>(but how to choose???)</a:t>
-            </a:r>
-          </a:p>
-          <a:p>
-            <a:pPr lvl="1"/>
-            <a:r>
-              <a:rPr lang="en-US" dirty="0" smtClean="0"/>
-              <a:t>Stop when not possible to add any item</a:t>
-            </a:r>
-            <a:endParaRPr lang="en-US" dirty="0"/>
-          </a:p>
-        </p:txBody>
-      </p:sp>
+      <mc:AlternateContent xmlns:mc="http://schemas.openxmlformats.org/markup-compatibility/2006">
+        <mc:Choice xmlns:a14="http://schemas.microsoft.com/office/drawing/2010/main" Requires="a14">
+          <p:sp>
+            <p:nvSpPr>
+              <p:cNvPr id="3" name="Text Placeholder 2">
+                <a:extLst>
+                  <a:ext uri="{FF2B5EF4-FFF2-40B4-BE49-F238E27FC236}">
+                    <a16:creationId xmlns:a16="http://schemas.microsoft.com/office/drawing/2014/main" id="{2766BC0C-D288-5246-908B-D3667FED5E8E}"/>
+                  </a:ext>
+                </a:extLst>
+              </p:cNvPr>
+              <p:cNvSpPr>
+                <a:spLocks noGrp="1"/>
+              </p:cNvSpPr>
+              <p:nvPr>
+                <p:ph type="body" idx="1"/>
+              </p:nvPr>
+            </p:nvSpPr>
+            <p:spPr>
+              <a:xfrm>
+                <a:off x="230909" y="2603500"/>
+                <a:ext cx="12395199" cy="6286500"/>
+              </a:xfrm>
+            </p:spPr>
+            <p:txBody>
+              <a:bodyPr/>
+              <a:lstStyle/>
+              <a:p>
+                <a:r>
+                  <a:rPr lang="en-US" dirty="0"/>
+                  <a:t>Use recursion</a:t>
+                </a:r>
+              </a:p>
+              <a:p>
+                <a:r>
+                  <a:rPr lang="en-US" dirty="0"/>
+                  <a:t>2 recursive calls, considering a bit for each level/index K with either 0 or 1</a:t>
+                </a:r>
+              </a:p>
+              <a:p>
+                <a:r>
+                  <a:rPr lang="en-US" dirty="0"/>
+                  <a:t>At each recursion call, increase K by 1, until K=N </a:t>
+                </a:r>
+              </a:p>
+              <a:p>
+                <a:r>
+                  <a:rPr lang="en-US" dirty="0"/>
+                  <a:t>Going to have </a:t>
+                </a:r>
+                <a14:m>
+                  <m:oMath xmlns:m="http://schemas.openxmlformats.org/officeDocument/2006/math">
+                    <m:sSup>
+                      <m:sSupPr>
+                        <m:ctrlPr>
+                          <a:rPr lang="en-US" i="1" smtClean="0">
+                            <a:latin typeface="Cambria Math" panose="02040503050406030204" pitchFamily="18" charset="0"/>
+                          </a:rPr>
+                        </m:ctrlPr>
+                      </m:sSupPr>
+                      <m:e>
+                        <m:r>
+                          <a:rPr lang="en-US" b="0" i="1" smtClean="0">
+                            <a:latin typeface="Cambria Math" panose="02040503050406030204" pitchFamily="18" charset="0"/>
+                          </a:rPr>
+                          <m:t>2</m:t>
+                        </m:r>
+                      </m:e>
+                      <m:sup>
+                        <m:r>
+                          <a:rPr lang="en-US" b="0" i="1" smtClean="0">
+                            <a:latin typeface="Cambria Math" panose="02040503050406030204" pitchFamily="18" charset="0"/>
+                          </a:rPr>
+                          <m:t>𝑁</m:t>
+                        </m:r>
+                      </m:sup>
+                    </m:sSup>
+                  </m:oMath>
+                </a14:m>
+                <a:r>
+                  <a:rPr lang="en-US" dirty="0"/>
+                  <a:t> leaves, each one representing a different bit-string of 0/1</a:t>
+                </a:r>
+              </a:p>
+            </p:txBody>
+          </p:sp>
+        </mc:Choice>
+        <mc:Fallback>
+          <p:sp>
+            <p:nvSpPr>
+              <p:cNvPr id="3" name="Text Placeholder 2">
+                <a:extLst>
+                  <a:ext uri="{FF2B5EF4-FFF2-40B4-BE49-F238E27FC236}">
+                    <a16:creationId xmlns:a16="http://schemas.microsoft.com/office/drawing/2014/main" id="{2766BC0C-D288-5246-908B-D3667FED5E8E}"/>
+                  </a:ext>
+                </a:extLst>
+              </p:cNvPr>
+              <p:cNvSpPr>
+                <a:spLocks noGrp="1" noRot="1" noChangeAspect="1" noMove="1" noResize="1" noEditPoints="1" noAdjustHandles="1" noChangeArrowheads="1" noChangeShapeType="1" noTextEdit="1"/>
+              </p:cNvSpPr>
+              <p:nvPr>
+                <p:ph type="body" idx="1"/>
+              </p:nvPr>
+            </p:nvSpPr>
+            <p:spPr>
+              <a:xfrm>
+                <a:off x="230909" y="2603500"/>
+                <a:ext cx="12395199" cy="6286500"/>
+              </a:xfrm>
+              <a:blipFill>
+                <a:blip r:embed="rId2"/>
+                <a:stretch>
+                  <a:fillRect l="-921" r="-409"/>
+                </a:stretch>
+              </a:blipFill>
+            </p:spPr>
+            <p:txBody>
+              <a:bodyPr/>
+              <a:lstStyle/>
+              <a:p>
+                <a:r>
+                  <a:rPr lang="en-US">
+                    <a:noFill/>
+                  </a:rPr>
+                  <a:t> </a:t>
+                </a:r>
+              </a:p>
+            </p:txBody>
+          </p:sp>
+        </mc:Fallback>
+      </mc:AlternateContent>
     </p:spTree>
     <p:extLst>
       <p:ext uri="{BB962C8B-B14F-4D97-AF65-F5344CB8AC3E}">
-        <p14:creationId xmlns:p14="http://schemas.microsoft.com/office/powerpoint/2010/main" val="922076762"/>
+        <p14:creationId xmlns:p14="http://schemas.microsoft.com/office/powerpoint/2010/main" val="3953286150"/>
       </p:ext>
     </p:extLst>
   </p:cSld>
@@ -4843,7 +4881,13 @@
       </p:grpSpPr>
       <p:sp>
         <p:nvSpPr>
-          <p:cNvPr id="2" name="Title 1"/>
+          <p:cNvPr id="2" name="Title 1">
+            <a:extLst>
+              <a:ext uri="{FF2B5EF4-FFF2-40B4-BE49-F238E27FC236}">
+                <a16:creationId xmlns:a16="http://schemas.microsoft.com/office/drawing/2014/main" id="{7C5801E4-0268-B94B-84A0-99D0427CDCA9}"/>
+              </a:ext>
+            </a:extLst>
+          </p:cNvPr>
           <p:cNvSpPr>
             <a:spLocks noGrp="1"/>
           </p:cNvSpPr>
@@ -4851,22 +4895,34 @@
             <p:ph type="title"/>
           </p:nvPr>
         </p:nvSpPr>
-        <p:spPr/>
+        <p:spPr>
+          <a:xfrm>
+            <a:off x="952500" y="158173"/>
+            <a:ext cx="11099800" cy="1107209"/>
+          </a:xfrm>
+        </p:spPr>
         <p:txBody>
-          <a:bodyPr/>
+          <a:bodyPr>
+            <a:normAutofit fontScale="90000"/>
+          </a:bodyPr>
           <a:lstStyle/>
           <a:p>
             <a:r>
-              <a:rPr lang="en-US" dirty="0" smtClean="0"/>
-              <a:t>KP Example</a:t>
-            </a:r>
-            <a:endParaRPr lang="en-US" dirty="0"/>
+              <a:rPr lang="en-US" dirty="0"/>
+              <a:t>Example: N=3</a:t>
+            </a:r>
           </a:p>
         </p:txBody>
       </p:sp>
       <p:sp>
         <p:nvSpPr>
-          <p:cNvPr id="3" name="Text Placeholder 2"/>
+          <p:cNvPr id="3" name="Text Placeholder 2">
+            <a:extLst>
+              <a:ext uri="{FF2B5EF4-FFF2-40B4-BE49-F238E27FC236}">
+                <a16:creationId xmlns:a16="http://schemas.microsoft.com/office/drawing/2014/main" id="{7F07E203-B9F7-8E4D-9E5B-85107445C1DF}"/>
+              </a:ext>
+            </a:extLst>
+          </p:cNvPr>
           <p:cNvSpPr>
             <a:spLocks noGrp="1"/>
           </p:cNvSpPr>
@@ -4874,59 +4930,2039 @@
             <p:ph type="body" idx="1"/>
           </p:nvPr>
         </p:nvSpPr>
-        <p:spPr/>
+        <p:spPr>
+          <a:xfrm>
+            <a:off x="172952" y="5630055"/>
+            <a:ext cx="11953240" cy="3786417"/>
+          </a:xfrm>
+        </p:spPr>
         <p:txBody>
-          <a:bodyPr/>
+          <a:bodyPr>
+            <a:normAutofit/>
+          </a:bodyPr>
           <a:lstStyle/>
           <a:p>
-            <a:r>
-              <a:rPr lang="en-US" dirty="0" smtClean="0"/>
-              <a:t>L = 26</a:t>
-            </a:r>
-          </a:p>
-          <a:p>
-            <a:r>
-              <a:rPr lang="en-US" dirty="0" smtClean="0"/>
-              <a:t>W = [12,   7, 11,   8,   9]</a:t>
-            </a:r>
-          </a:p>
-          <a:p>
-            <a:r>
-              <a:rPr lang="en-US" dirty="0" smtClean="0"/>
-              <a:t>V  = [24, 13, 23, 15, 16]</a:t>
-            </a:r>
-          </a:p>
-          <a:p>
-            <a:r>
-              <a:rPr lang="en-US" dirty="0"/>
-              <a:t>From </a:t>
-            </a:r>
-            <a:r>
-              <a:rPr lang="en-US" dirty="0">
-                <a:hlinkClick r:id="rId2"/>
-              </a:rPr>
-              <a:t>https://people.sc.fsu.edu/~</a:t>
-            </a:r>
-            <a:r>
-              <a:rPr lang="en-US" dirty="0" smtClean="0">
-                <a:hlinkClick r:id="rId2"/>
-              </a:rPr>
-              <a:t>jburkardt/datasets/knapsack_01/knapsack_01.html</a:t>
-            </a:r>
-            <a:endParaRPr lang="en-US" dirty="0" smtClean="0"/>
-          </a:p>
-          <a:p>
-            <a:pPr marL="0" indent="0">
-              <a:buNone/>
+            <a:pPr>
+              <a:spcBef>
+                <a:spcPts val="2100"/>
+              </a:spcBef>
             </a:pPr>
-            <a:endParaRPr lang="en-US" dirty="0"/>
+            <a:r>
+              <a:rPr lang="en-US" sz="2800" dirty="0"/>
+              <a:t>Can use a single buffer array</a:t>
+            </a:r>
+          </a:p>
+          <a:p>
+            <a:pPr>
+              <a:spcBef>
+                <a:spcPts val="2100"/>
+              </a:spcBef>
+            </a:pPr>
+            <a:r>
+              <a:rPr lang="en-US" sz="2800" dirty="0"/>
+              <a:t>When reaching a leaf, clone array, and return it</a:t>
+            </a:r>
+          </a:p>
+          <a:p>
+            <a:pPr lvl="1"/>
+            <a:r>
+              <a:rPr lang="en-US" sz="2400" dirty="0" err="1"/>
+              <a:t>ie</a:t>
+            </a:r>
+            <a:r>
+              <a:rPr lang="en-US" sz="2400" dirty="0"/>
+              <a:t>, stopping criterion for the recursion is K=N-1</a:t>
+            </a:r>
+          </a:p>
+          <a:p>
+            <a:pPr marL="442800">
+              <a:spcBef>
+                <a:spcPts val="2100"/>
+              </a:spcBef>
+            </a:pPr>
+            <a:r>
+              <a:rPr lang="en-US" sz="2800" dirty="0"/>
+              <a:t>When a call is finished, the best returned cloned array between the 2 recursive calls is given back</a:t>
+            </a:r>
+          </a:p>
+          <a:p>
+            <a:pPr marL="442800">
+              <a:spcBef>
+                <a:spcPts val="2100"/>
+              </a:spcBef>
+            </a:pPr>
+            <a:r>
+              <a:rPr lang="en-US" sz="2800" dirty="0"/>
+              <a:t>Note: above tree is not completed, due to space…</a:t>
+            </a:r>
           </a:p>
         </p:txBody>
       </p:sp>
+      <p:graphicFrame>
+        <p:nvGraphicFramePr>
+          <p:cNvPr id="4" name="Table 3">
+            <a:extLst>
+              <a:ext uri="{FF2B5EF4-FFF2-40B4-BE49-F238E27FC236}">
+                <a16:creationId xmlns:a16="http://schemas.microsoft.com/office/drawing/2014/main" id="{4D8D369C-68BF-9C4F-8A8B-986E1B80DE3C}"/>
+              </a:ext>
+            </a:extLst>
+          </p:cNvPr>
+          <p:cNvGraphicFramePr>
+            <a:graphicFrameLocks noGrp="1"/>
+          </p:cNvGraphicFramePr>
+          <p:nvPr>
+            <p:extLst>
+              <p:ext uri="{D42A27DB-BD31-4B8C-83A1-F6EECF244321}">
+                <p14:modId xmlns:p14="http://schemas.microsoft.com/office/powerpoint/2010/main" val="3105495847"/>
+              </p:ext>
+            </p:extLst>
+          </p:nvPr>
+        </p:nvGraphicFramePr>
+        <p:xfrm>
+          <a:off x="5392495" y="1578596"/>
+          <a:ext cx="2367591" cy="370840"/>
+        </p:xfrm>
+        <a:graphic>
+          <a:graphicData uri="http://schemas.openxmlformats.org/drawingml/2006/table">
+            <a:tbl>
+              <a:tblPr firstRow="1" bandRow="1">
+                <a:tableStyleId>{5940675A-B579-460E-94D1-54222C63F5DA}</a:tableStyleId>
+              </a:tblPr>
+              <a:tblGrid>
+                <a:gridCol w="789197">
+                  <a:extLst>
+                    <a:ext uri="{9D8B030D-6E8A-4147-A177-3AD203B41FA5}">
+                      <a16:colId xmlns:a16="http://schemas.microsoft.com/office/drawing/2014/main" val="2016634412"/>
+                    </a:ext>
+                  </a:extLst>
+                </a:gridCol>
+                <a:gridCol w="789197">
+                  <a:extLst>
+                    <a:ext uri="{9D8B030D-6E8A-4147-A177-3AD203B41FA5}">
+                      <a16:colId xmlns:a16="http://schemas.microsoft.com/office/drawing/2014/main" val="1633594872"/>
+                    </a:ext>
+                  </a:extLst>
+                </a:gridCol>
+                <a:gridCol w="789197">
+                  <a:extLst>
+                    <a:ext uri="{9D8B030D-6E8A-4147-A177-3AD203B41FA5}">
+                      <a16:colId xmlns:a16="http://schemas.microsoft.com/office/drawing/2014/main" val="3679600373"/>
+                    </a:ext>
+                  </a:extLst>
+                </a:gridCol>
+              </a:tblGrid>
+              <a:tr h="370840">
+                <a:tc>
+                  <a:txBody>
+                    <a:bodyPr/>
+                    <a:lstStyle/>
+                    <a:p>
+                      <a:r>
+                        <a:rPr lang="en-US" dirty="0"/>
+                        <a:t>?</a:t>
+                      </a:r>
+                    </a:p>
+                  </a:txBody>
+                  <a:tcPr>
+                    <a:solidFill>
+                      <a:schemeClr val="bg1"/>
+                    </a:solidFill>
+                  </a:tcPr>
+                </a:tc>
+                <a:tc>
+                  <a:txBody>
+                    <a:bodyPr/>
+                    <a:lstStyle/>
+                    <a:p>
+                      <a:r>
+                        <a:rPr lang="en-US" dirty="0"/>
+                        <a:t>?</a:t>
+                      </a:r>
+                    </a:p>
+                  </a:txBody>
+                  <a:tcPr>
+                    <a:solidFill>
+                      <a:schemeClr val="bg1"/>
+                    </a:solidFill>
+                  </a:tcPr>
+                </a:tc>
+                <a:tc>
+                  <a:txBody>
+                    <a:bodyPr/>
+                    <a:lstStyle/>
+                    <a:p>
+                      <a:r>
+                        <a:rPr lang="en-US" dirty="0"/>
+                        <a:t>?</a:t>
+                      </a:r>
+                    </a:p>
+                  </a:txBody>
+                  <a:tcPr>
+                    <a:solidFill>
+                      <a:schemeClr val="bg1"/>
+                    </a:solidFill>
+                  </a:tcPr>
+                </a:tc>
+                <a:extLst>
+                  <a:ext uri="{0D108BD9-81ED-4DB2-BD59-A6C34878D82A}">
+                    <a16:rowId xmlns:a16="http://schemas.microsoft.com/office/drawing/2014/main" val="2599666577"/>
+                  </a:ext>
+                </a:extLst>
+              </a:tr>
+            </a:tbl>
+          </a:graphicData>
+        </a:graphic>
+      </p:graphicFrame>
+      <p:graphicFrame>
+        <p:nvGraphicFramePr>
+          <p:cNvPr id="5" name="Table 4">
+            <a:extLst>
+              <a:ext uri="{FF2B5EF4-FFF2-40B4-BE49-F238E27FC236}">
+                <a16:creationId xmlns:a16="http://schemas.microsoft.com/office/drawing/2014/main" id="{89D01C89-BB5C-9647-B0E2-4D4668883764}"/>
+              </a:ext>
+            </a:extLst>
+          </p:cNvPr>
+          <p:cNvGraphicFramePr>
+            <a:graphicFrameLocks noGrp="1"/>
+          </p:cNvGraphicFramePr>
+          <p:nvPr>
+            <p:extLst>
+              <p:ext uri="{D42A27DB-BD31-4B8C-83A1-F6EECF244321}">
+                <p14:modId xmlns:p14="http://schemas.microsoft.com/office/powerpoint/2010/main" val="2062701510"/>
+              </p:ext>
+            </p:extLst>
+          </p:nvPr>
+        </p:nvGraphicFramePr>
+        <p:xfrm>
+          <a:off x="3024904" y="2429006"/>
+          <a:ext cx="2367591" cy="370840"/>
+        </p:xfrm>
+        <a:graphic>
+          <a:graphicData uri="http://schemas.openxmlformats.org/drawingml/2006/table">
+            <a:tbl>
+              <a:tblPr firstRow="1" bandRow="1">
+                <a:tableStyleId>{5940675A-B579-460E-94D1-54222C63F5DA}</a:tableStyleId>
+              </a:tblPr>
+              <a:tblGrid>
+                <a:gridCol w="789197">
+                  <a:extLst>
+                    <a:ext uri="{9D8B030D-6E8A-4147-A177-3AD203B41FA5}">
+                      <a16:colId xmlns:a16="http://schemas.microsoft.com/office/drawing/2014/main" val="2016634412"/>
+                    </a:ext>
+                  </a:extLst>
+                </a:gridCol>
+                <a:gridCol w="789197">
+                  <a:extLst>
+                    <a:ext uri="{9D8B030D-6E8A-4147-A177-3AD203B41FA5}">
+                      <a16:colId xmlns:a16="http://schemas.microsoft.com/office/drawing/2014/main" val="1633594872"/>
+                    </a:ext>
+                  </a:extLst>
+                </a:gridCol>
+                <a:gridCol w="789197">
+                  <a:extLst>
+                    <a:ext uri="{9D8B030D-6E8A-4147-A177-3AD203B41FA5}">
+                      <a16:colId xmlns:a16="http://schemas.microsoft.com/office/drawing/2014/main" val="3679600373"/>
+                    </a:ext>
+                  </a:extLst>
+                </a:gridCol>
+              </a:tblGrid>
+              <a:tr h="370840">
+                <a:tc>
+                  <a:txBody>
+                    <a:bodyPr/>
+                    <a:lstStyle/>
+                    <a:p>
+                      <a:r>
+                        <a:rPr lang="en-US" dirty="0"/>
+                        <a:t>0</a:t>
+                      </a:r>
+                    </a:p>
+                  </a:txBody>
+                  <a:tcPr>
+                    <a:solidFill>
+                      <a:schemeClr val="accent1"/>
+                    </a:solidFill>
+                  </a:tcPr>
+                </a:tc>
+                <a:tc>
+                  <a:txBody>
+                    <a:bodyPr/>
+                    <a:lstStyle/>
+                    <a:p>
+                      <a:r>
+                        <a:rPr lang="en-US" dirty="0"/>
+                        <a:t>?</a:t>
+                      </a:r>
+                    </a:p>
+                  </a:txBody>
+                  <a:tcPr>
+                    <a:solidFill>
+                      <a:schemeClr val="bg1"/>
+                    </a:solidFill>
+                  </a:tcPr>
+                </a:tc>
+                <a:tc>
+                  <a:txBody>
+                    <a:bodyPr/>
+                    <a:lstStyle/>
+                    <a:p>
+                      <a:r>
+                        <a:rPr lang="en-US" dirty="0"/>
+                        <a:t>?</a:t>
+                      </a:r>
+                    </a:p>
+                  </a:txBody>
+                  <a:tcPr>
+                    <a:solidFill>
+                      <a:schemeClr val="bg1"/>
+                    </a:solidFill>
+                  </a:tcPr>
+                </a:tc>
+                <a:extLst>
+                  <a:ext uri="{0D108BD9-81ED-4DB2-BD59-A6C34878D82A}">
+                    <a16:rowId xmlns:a16="http://schemas.microsoft.com/office/drawing/2014/main" val="2599666577"/>
+                  </a:ext>
+                </a:extLst>
+              </a:tr>
+            </a:tbl>
+          </a:graphicData>
+        </a:graphic>
+      </p:graphicFrame>
+      <p:graphicFrame>
+        <p:nvGraphicFramePr>
+          <p:cNvPr id="6" name="Table 5">
+            <a:extLst>
+              <a:ext uri="{FF2B5EF4-FFF2-40B4-BE49-F238E27FC236}">
+                <a16:creationId xmlns:a16="http://schemas.microsoft.com/office/drawing/2014/main" id="{7EDF9729-E2BE-B14E-860E-478DFBF22694}"/>
+              </a:ext>
+            </a:extLst>
+          </p:cNvPr>
+          <p:cNvGraphicFramePr>
+            <a:graphicFrameLocks noGrp="1"/>
+          </p:cNvGraphicFramePr>
+          <p:nvPr>
+            <p:extLst>
+              <p:ext uri="{D42A27DB-BD31-4B8C-83A1-F6EECF244321}">
+                <p14:modId xmlns:p14="http://schemas.microsoft.com/office/powerpoint/2010/main" val="1327109196"/>
+              </p:ext>
+            </p:extLst>
+          </p:nvPr>
+        </p:nvGraphicFramePr>
+        <p:xfrm>
+          <a:off x="7760086" y="2429006"/>
+          <a:ext cx="2367591" cy="370840"/>
+        </p:xfrm>
+        <a:graphic>
+          <a:graphicData uri="http://schemas.openxmlformats.org/drawingml/2006/table">
+            <a:tbl>
+              <a:tblPr firstRow="1" bandRow="1">
+                <a:tableStyleId>{5940675A-B579-460E-94D1-54222C63F5DA}</a:tableStyleId>
+              </a:tblPr>
+              <a:tblGrid>
+                <a:gridCol w="789197">
+                  <a:extLst>
+                    <a:ext uri="{9D8B030D-6E8A-4147-A177-3AD203B41FA5}">
+                      <a16:colId xmlns:a16="http://schemas.microsoft.com/office/drawing/2014/main" val="2016634412"/>
+                    </a:ext>
+                  </a:extLst>
+                </a:gridCol>
+                <a:gridCol w="789197">
+                  <a:extLst>
+                    <a:ext uri="{9D8B030D-6E8A-4147-A177-3AD203B41FA5}">
+                      <a16:colId xmlns:a16="http://schemas.microsoft.com/office/drawing/2014/main" val="1633594872"/>
+                    </a:ext>
+                  </a:extLst>
+                </a:gridCol>
+                <a:gridCol w="789197">
+                  <a:extLst>
+                    <a:ext uri="{9D8B030D-6E8A-4147-A177-3AD203B41FA5}">
+                      <a16:colId xmlns:a16="http://schemas.microsoft.com/office/drawing/2014/main" val="3679600373"/>
+                    </a:ext>
+                  </a:extLst>
+                </a:gridCol>
+              </a:tblGrid>
+              <a:tr h="370840">
+                <a:tc>
+                  <a:txBody>
+                    <a:bodyPr/>
+                    <a:lstStyle/>
+                    <a:p>
+                      <a:r>
+                        <a:rPr lang="en-US" dirty="0"/>
+                        <a:t>1</a:t>
+                      </a:r>
+                    </a:p>
+                  </a:txBody>
+                  <a:tcPr>
+                    <a:solidFill>
+                      <a:schemeClr val="accent1"/>
+                    </a:solidFill>
+                  </a:tcPr>
+                </a:tc>
+                <a:tc>
+                  <a:txBody>
+                    <a:bodyPr/>
+                    <a:lstStyle/>
+                    <a:p>
+                      <a:r>
+                        <a:rPr lang="en-US" dirty="0"/>
+                        <a:t>?</a:t>
+                      </a:r>
+                    </a:p>
+                  </a:txBody>
+                  <a:tcPr>
+                    <a:solidFill>
+                      <a:schemeClr val="bg1"/>
+                    </a:solidFill>
+                  </a:tcPr>
+                </a:tc>
+                <a:tc>
+                  <a:txBody>
+                    <a:bodyPr/>
+                    <a:lstStyle/>
+                    <a:p>
+                      <a:r>
+                        <a:rPr lang="en-US" dirty="0"/>
+                        <a:t>?</a:t>
+                      </a:r>
+                    </a:p>
+                  </a:txBody>
+                  <a:tcPr>
+                    <a:solidFill>
+                      <a:schemeClr val="bg1"/>
+                    </a:solidFill>
+                  </a:tcPr>
+                </a:tc>
+                <a:extLst>
+                  <a:ext uri="{0D108BD9-81ED-4DB2-BD59-A6C34878D82A}">
+                    <a16:rowId xmlns:a16="http://schemas.microsoft.com/office/drawing/2014/main" val="2599666577"/>
+                  </a:ext>
+                </a:extLst>
+              </a:tr>
+            </a:tbl>
+          </a:graphicData>
+        </a:graphic>
+      </p:graphicFrame>
+      <p:graphicFrame>
+        <p:nvGraphicFramePr>
+          <p:cNvPr id="7" name="Table 6">
+            <a:extLst>
+              <a:ext uri="{FF2B5EF4-FFF2-40B4-BE49-F238E27FC236}">
+                <a16:creationId xmlns:a16="http://schemas.microsoft.com/office/drawing/2014/main" id="{DCFC8FC0-6223-604A-A031-328D977711C5}"/>
+              </a:ext>
+            </a:extLst>
+          </p:cNvPr>
+          <p:cNvGraphicFramePr>
+            <a:graphicFrameLocks noGrp="1"/>
+          </p:cNvGraphicFramePr>
+          <p:nvPr>
+            <p:extLst>
+              <p:ext uri="{D42A27DB-BD31-4B8C-83A1-F6EECF244321}">
+                <p14:modId xmlns:p14="http://schemas.microsoft.com/office/powerpoint/2010/main" val="2471807724"/>
+              </p:ext>
+            </p:extLst>
+          </p:nvPr>
+        </p:nvGraphicFramePr>
+        <p:xfrm>
+          <a:off x="3667991" y="3519156"/>
+          <a:ext cx="2367591" cy="370840"/>
+        </p:xfrm>
+        <a:graphic>
+          <a:graphicData uri="http://schemas.openxmlformats.org/drawingml/2006/table">
+            <a:tbl>
+              <a:tblPr firstRow="1" bandRow="1">
+                <a:tableStyleId>{5940675A-B579-460E-94D1-54222C63F5DA}</a:tableStyleId>
+              </a:tblPr>
+              <a:tblGrid>
+                <a:gridCol w="789197">
+                  <a:extLst>
+                    <a:ext uri="{9D8B030D-6E8A-4147-A177-3AD203B41FA5}">
+                      <a16:colId xmlns:a16="http://schemas.microsoft.com/office/drawing/2014/main" val="2016634412"/>
+                    </a:ext>
+                  </a:extLst>
+                </a:gridCol>
+                <a:gridCol w="789197">
+                  <a:extLst>
+                    <a:ext uri="{9D8B030D-6E8A-4147-A177-3AD203B41FA5}">
+                      <a16:colId xmlns:a16="http://schemas.microsoft.com/office/drawing/2014/main" val="1633594872"/>
+                    </a:ext>
+                  </a:extLst>
+                </a:gridCol>
+                <a:gridCol w="789197">
+                  <a:extLst>
+                    <a:ext uri="{9D8B030D-6E8A-4147-A177-3AD203B41FA5}">
+                      <a16:colId xmlns:a16="http://schemas.microsoft.com/office/drawing/2014/main" val="3679600373"/>
+                    </a:ext>
+                  </a:extLst>
+                </a:gridCol>
+              </a:tblGrid>
+              <a:tr h="370840">
+                <a:tc>
+                  <a:txBody>
+                    <a:bodyPr/>
+                    <a:lstStyle/>
+                    <a:p>
+                      <a:r>
+                        <a:rPr lang="en-US" dirty="0"/>
+                        <a:t>0</a:t>
+                      </a:r>
+                    </a:p>
+                  </a:txBody>
+                  <a:tcPr>
+                    <a:solidFill>
+                      <a:schemeClr val="accent1"/>
+                    </a:solidFill>
+                  </a:tcPr>
+                </a:tc>
+                <a:tc>
+                  <a:txBody>
+                    <a:bodyPr/>
+                    <a:lstStyle/>
+                    <a:p>
+                      <a:r>
+                        <a:rPr lang="en-US" dirty="0"/>
+                        <a:t>1</a:t>
+                      </a:r>
+                    </a:p>
+                  </a:txBody>
+                  <a:tcPr>
+                    <a:solidFill>
+                      <a:schemeClr val="accent1"/>
+                    </a:solidFill>
+                  </a:tcPr>
+                </a:tc>
+                <a:tc>
+                  <a:txBody>
+                    <a:bodyPr/>
+                    <a:lstStyle/>
+                    <a:p>
+                      <a:r>
+                        <a:rPr lang="en-US" dirty="0"/>
+                        <a:t>?</a:t>
+                      </a:r>
+                    </a:p>
+                  </a:txBody>
+                  <a:tcPr>
+                    <a:solidFill>
+                      <a:schemeClr val="bg1"/>
+                    </a:solidFill>
+                  </a:tcPr>
+                </a:tc>
+                <a:extLst>
+                  <a:ext uri="{0D108BD9-81ED-4DB2-BD59-A6C34878D82A}">
+                    <a16:rowId xmlns:a16="http://schemas.microsoft.com/office/drawing/2014/main" val="2599666577"/>
+                  </a:ext>
+                </a:extLst>
+              </a:tr>
+            </a:tbl>
+          </a:graphicData>
+        </a:graphic>
+      </p:graphicFrame>
+      <p:graphicFrame>
+        <p:nvGraphicFramePr>
+          <p:cNvPr id="8" name="Table 7">
+            <a:extLst>
+              <a:ext uri="{FF2B5EF4-FFF2-40B4-BE49-F238E27FC236}">
+                <a16:creationId xmlns:a16="http://schemas.microsoft.com/office/drawing/2014/main" id="{5E48932D-5DFF-4A46-A1A5-59D8E59F3823}"/>
+              </a:ext>
+            </a:extLst>
+          </p:cNvPr>
+          <p:cNvGraphicFramePr>
+            <a:graphicFrameLocks noGrp="1"/>
+          </p:cNvGraphicFramePr>
+          <p:nvPr>
+            <p:extLst>
+              <p:ext uri="{D42A27DB-BD31-4B8C-83A1-F6EECF244321}">
+                <p14:modId xmlns:p14="http://schemas.microsoft.com/office/powerpoint/2010/main" val="2666145581"/>
+              </p:ext>
+            </p:extLst>
+          </p:nvPr>
+        </p:nvGraphicFramePr>
+        <p:xfrm>
+          <a:off x="1026391" y="3519156"/>
+          <a:ext cx="2367591" cy="370840"/>
+        </p:xfrm>
+        <a:graphic>
+          <a:graphicData uri="http://schemas.openxmlformats.org/drawingml/2006/table">
+            <a:tbl>
+              <a:tblPr firstRow="1" bandRow="1">
+                <a:tableStyleId>{5940675A-B579-460E-94D1-54222C63F5DA}</a:tableStyleId>
+              </a:tblPr>
+              <a:tblGrid>
+                <a:gridCol w="789197">
+                  <a:extLst>
+                    <a:ext uri="{9D8B030D-6E8A-4147-A177-3AD203B41FA5}">
+                      <a16:colId xmlns:a16="http://schemas.microsoft.com/office/drawing/2014/main" val="2016634412"/>
+                    </a:ext>
+                  </a:extLst>
+                </a:gridCol>
+                <a:gridCol w="789197">
+                  <a:extLst>
+                    <a:ext uri="{9D8B030D-6E8A-4147-A177-3AD203B41FA5}">
+                      <a16:colId xmlns:a16="http://schemas.microsoft.com/office/drawing/2014/main" val="1633594872"/>
+                    </a:ext>
+                  </a:extLst>
+                </a:gridCol>
+                <a:gridCol w="789197">
+                  <a:extLst>
+                    <a:ext uri="{9D8B030D-6E8A-4147-A177-3AD203B41FA5}">
+                      <a16:colId xmlns:a16="http://schemas.microsoft.com/office/drawing/2014/main" val="3679600373"/>
+                    </a:ext>
+                  </a:extLst>
+                </a:gridCol>
+              </a:tblGrid>
+              <a:tr h="370840">
+                <a:tc>
+                  <a:txBody>
+                    <a:bodyPr/>
+                    <a:lstStyle/>
+                    <a:p>
+                      <a:r>
+                        <a:rPr lang="en-US" dirty="0"/>
+                        <a:t>0</a:t>
+                      </a:r>
+                    </a:p>
+                  </a:txBody>
+                  <a:tcPr>
+                    <a:solidFill>
+                      <a:schemeClr val="accent1"/>
+                    </a:solidFill>
+                  </a:tcPr>
+                </a:tc>
+                <a:tc>
+                  <a:txBody>
+                    <a:bodyPr/>
+                    <a:lstStyle/>
+                    <a:p>
+                      <a:r>
+                        <a:rPr lang="en-US" dirty="0"/>
+                        <a:t>0</a:t>
+                      </a:r>
+                    </a:p>
+                  </a:txBody>
+                  <a:tcPr>
+                    <a:solidFill>
+                      <a:schemeClr val="accent1"/>
+                    </a:solidFill>
+                  </a:tcPr>
+                </a:tc>
+                <a:tc>
+                  <a:txBody>
+                    <a:bodyPr/>
+                    <a:lstStyle/>
+                    <a:p>
+                      <a:r>
+                        <a:rPr lang="en-US" dirty="0"/>
+                        <a:t>?</a:t>
+                      </a:r>
+                    </a:p>
+                  </a:txBody>
+                  <a:tcPr>
+                    <a:solidFill>
+                      <a:schemeClr val="bg1"/>
+                    </a:solidFill>
+                  </a:tcPr>
+                </a:tc>
+                <a:extLst>
+                  <a:ext uri="{0D108BD9-81ED-4DB2-BD59-A6C34878D82A}">
+                    <a16:rowId xmlns:a16="http://schemas.microsoft.com/office/drawing/2014/main" val="2599666577"/>
+                  </a:ext>
+                </a:extLst>
+              </a:tr>
+            </a:tbl>
+          </a:graphicData>
+        </a:graphic>
+      </p:graphicFrame>
+      <p:graphicFrame>
+        <p:nvGraphicFramePr>
+          <p:cNvPr id="10" name="Table 9">
+            <a:extLst>
+              <a:ext uri="{FF2B5EF4-FFF2-40B4-BE49-F238E27FC236}">
+                <a16:creationId xmlns:a16="http://schemas.microsoft.com/office/drawing/2014/main" id="{93AB2A2F-4E5B-C947-846D-68693098B091}"/>
+              </a:ext>
+            </a:extLst>
+          </p:cNvPr>
+          <p:cNvGraphicFramePr>
+            <a:graphicFrameLocks noGrp="1"/>
+          </p:cNvGraphicFramePr>
+          <p:nvPr>
+            <p:extLst>
+              <p:ext uri="{D42A27DB-BD31-4B8C-83A1-F6EECF244321}">
+                <p14:modId xmlns:p14="http://schemas.microsoft.com/office/powerpoint/2010/main" val="3157943642"/>
+              </p:ext>
+            </p:extLst>
+          </p:nvPr>
+        </p:nvGraphicFramePr>
+        <p:xfrm>
+          <a:off x="9684709" y="3519156"/>
+          <a:ext cx="2367591" cy="370840"/>
+        </p:xfrm>
+        <a:graphic>
+          <a:graphicData uri="http://schemas.openxmlformats.org/drawingml/2006/table">
+            <a:tbl>
+              <a:tblPr firstRow="1" bandRow="1">
+                <a:tableStyleId>{5940675A-B579-460E-94D1-54222C63F5DA}</a:tableStyleId>
+              </a:tblPr>
+              <a:tblGrid>
+                <a:gridCol w="789197">
+                  <a:extLst>
+                    <a:ext uri="{9D8B030D-6E8A-4147-A177-3AD203B41FA5}">
+                      <a16:colId xmlns:a16="http://schemas.microsoft.com/office/drawing/2014/main" val="2016634412"/>
+                    </a:ext>
+                  </a:extLst>
+                </a:gridCol>
+                <a:gridCol w="789197">
+                  <a:extLst>
+                    <a:ext uri="{9D8B030D-6E8A-4147-A177-3AD203B41FA5}">
+                      <a16:colId xmlns:a16="http://schemas.microsoft.com/office/drawing/2014/main" val="1633594872"/>
+                    </a:ext>
+                  </a:extLst>
+                </a:gridCol>
+                <a:gridCol w="789197">
+                  <a:extLst>
+                    <a:ext uri="{9D8B030D-6E8A-4147-A177-3AD203B41FA5}">
+                      <a16:colId xmlns:a16="http://schemas.microsoft.com/office/drawing/2014/main" val="3679600373"/>
+                    </a:ext>
+                  </a:extLst>
+                </a:gridCol>
+              </a:tblGrid>
+              <a:tr h="370840">
+                <a:tc>
+                  <a:txBody>
+                    <a:bodyPr/>
+                    <a:lstStyle/>
+                    <a:p>
+                      <a:r>
+                        <a:rPr lang="en-US" dirty="0"/>
+                        <a:t>1</a:t>
+                      </a:r>
+                    </a:p>
+                  </a:txBody>
+                  <a:tcPr>
+                    <a:solidFill>
+                      <a:schemeClr val="accent1"/>
+                    </a:solidFill>
+                  </a:tcPr>
+                </a:tc>
+                <a:tc>
+                  <a:txBody>
+                    <a:bodyPr/>
+                    <a:lstStyle/>
+                    <a:p>
+                      <a:r>
+                        <a:rPr lang="en-US" dirty="0"/>
+                        <a:t>0</a:t>
+                      </a:r>
+                    </a:p>
+                  </a:txBody>
+                  <a:tcPr>
+                    <a:solidFill>
+                      <a:schemeClr val="accent1"/>
+                    </a:solidFill>
+                  </a:tcPr>
+                </a:tc>
+                <a:tc>
+                  <a:txBody>
+                    <a:bodyPr/>
+                    <a:lstStyle/>
+                    <a:p>
+                      <a:r>
+                        <a:rPr lang="en-US" dirty="0"/>
+                        <a:t>?</a:t>
+                      </a:r>
+                    </a:p>
+                  </a:txBody>
+                  <a:tcPr>
+                    <a:solidFill>
+                      <a:schemeClr val="bg1"/>
+                    </a:solidFill>
+                  </a:tcPr>
+                </a:tc>
+                <a:extLst>
+                  <a:ext uri="{0D108BD9-81ED-4DB2-BD59-A6C34878D82A}">
+                    <a16:rowId xmlns:a16="http://schemas.microsoft.com/office/drawing/2014/main" val="2599666577"/>
+                  </a:ext>
+                </a:extLst>
+              </a:tr>
+            </a:tbl>
+          </a:graphicData>
+        </a:graphic>
+      </p:graphicFrame>
+      <p:graphicFrame>
+        <p:nvGraphicFramePr>
+          <p:cNvPr id="11" name="Table 10">
+            <a:extLst>
+              <a:ext uri="{FF2B5EF4-FFF2-40B4-BE49-F238E27FC236}">
+                <a16:creationId xmlns:a16="http://schemas.microsoft.com/office/drawing/2014/main" id="{C26BE4ED-F4B1-544D-B207-779141524443}"/>
+              </a:ext>
+            </a:extLst>
+          </p:cNvPr>
+          <p:cNvGraphicFramePr>
+            <a:graphicFrameLocks noGrp="1"/>
+          </p:cNvGraphicFramePr>
+          <p:nvPr>
+            <p:extLst>
+              <p:ext uri="{D42A27DB-BD31-4B8C-83A1-F6EECF244321}">
+                <p14:modId xmlns:p14="http://schemas.microsoft.com/office/powerpoint/2010/main" val="3758424689"/>
+              </p:ext>
+            </p:extLst>
+          </p:nvPr>
+        </p:nvGraphicFramePr>
+        <p:xfrm>
+          <a:off x="7043109" y="3519156"/>
+          <a:ext cx="2367591" cy="370840"/>
+        </p:xfrm>
+        <a:graphic>
+          <a:graphicData uri="http://schemas.openxmlformats.org/drawingml/2006/table">
+            <a:tbl>
+              <a:tblPr firstRow="1" bandRow="1">
+                <a:tableStyleId>{5940675A-B579-460E-94D1-54222C63F5DA}</a:tableStyleId>
+              </a:tblPr>
+              <a:tblGrid>
+                <a:gridCol w="789197">
+                  <a:extLst>
+                    <a:ext uri="{9D8B030D-6E8A-4147-A177-3AD203B41FA5}">
+                      <a16:colId xmlns:a16="http://schemas.microsoft.com/office/drawing/2014/main" val="2016634412"/>
+                    </a:ext>
+                  </a:extLst>
+                </a:gridCol>
+                <a:gridCol w="789197">
+                  <a:extLst>
+                    <a:ext uri="{9D8B030D-6E8A-4147-A177-3AD203B41FA5}">
+                      <a16:colId xmlns:a16="http://schemas.microsoft.com/office/drawing/2014/main" val="1633594872"/>
+                    </a:ext>
+                  </a:extLst>
+                </a:gridCol>
+                <a:gridCol w="789197">
+                  <a:extLst>
+                    <a:ext uri="{9D8B030D-6E8A-4147-A177-3AD203B41FA5}">
+                      <a16:colId xmlns:a16="http://schemas.microsoft.com/office/drawing/2014/main" val="3679600373"/>
+                    </a:ext>
+                  </a:extLst>
+                </a:gridCol>
+              </a:tblGrid>
+              <a:tr h="370840">
+                <a:tc>
+                  <a:txBody>
+                    <a:bodyPr/>
+                    <a:lstStyle/>
+                    <a:p>
+                      <a:r>
+                        <a:rPr lang="en-US" dirty="0"/>
+                        <a:t>1</a:t>
+                      </a:r>
+                    </a:p>
+                  </a:txBody>
+                  <a:tcPr>
+                    <a:solidFill>
+                      <a:schemeClr val="accent1"/>
+                    </a:solidFill>
+                  </a:tcPr>
+                </a:tc>
+                <a:tc>
+                  <a:txBody>
+                    <a:bodyPr/>
+                    <a:lstStyle/>
+                    <a:p>
+                      <a:r>
+                        <a:rPr lang="en-US" dirty="0"/>
+                        <a:t>0</a:t>
+                      </a:r>
+                    </a:p>
+                  </a:txBody>
+                  <a:tcPr>
+                    <a:solidFill>
+                      <a:schemeClr val="accent1"/>
+                    </a:solidFill>
+                  </a:tcPr>
+                </a:tc>
+                <a:tc>
+                  <a:txBody>
+                    <a:bodyPr/>
+                    <a:lstStyle/>
+                    <a:p>
+                      <a:r>
+                        <a:rPr lang="en-US" dirty="0"/>
+                        <a:t>?</a:t>
+                      </a:r>
+                    </a:p>
+                  </a:txBody>
+                  <a:tcPr>
+                    <a:solidFill>
+                      <a:schemeClr val="bg1"/>
+                    </a:solidFill>
+                  </a:tcPr>
+                </a:tc>
+                <a:extLst>
+                  <a:ext uri="{0D108BD9-81ED-4DB2-BD59-A6C34878D82A}">
+                    <a16:rowId xmlns:a16="http://schemas.microsoft.com/office/drawing/2014/main" val="2599666577"/>
+                  </a:ext>
+                </a:extLst>
+              </a:tr>
+            </a:tbl>
+          </a:graphicData>
+        </a:graphic>
+      </p:graphicFrame>
+      <p:graphicFrame>
+        <p:nvGraphicFramePr>
+          <p:cNvPr id="12" name="Table 11">
+            <a:extLst>
+              <a:ext uri="{FF2B5EF4-FFF2-40B4-BE49-F238E27FC236}">
+                <a16:creationId xmlns:a16="http://schemas.microsoft.com/office/drawing/2014/main" id="{588FD724-AFF8-5B42-943E-C3DFA36C1E7D}"/>
+              </a:ext>
+            </a:extLst>
+          </p:cNvPr>
+          <p:cNvGraphicFramePr>
+            <a:graphicFrameLocks noGrp="1"/>
+          </p:cNvGraphicFramePr>
+          <p:nvPr>
+            <p:extLst>
+              <p:ext uri="{D42A27DB-BD31-4B8C-83A1-F6EECF244321}">
+                <p14:modId xmlns:p14="http://schemas.microsoft.com/office/powerpoint/2010/main" val="2112789483"/>
+              </p:ext>
+            </p:extLst>
+          </p:nvPr>
+        </p:nvGraphicFramePr>
+        <p:xfrm>
+          <a:off x="2814551" y="4935732"/>
+          <a:ext cx="2367591" cy="370840"/>
+        </p:xfrm>
+        <a:graphic>
+          <a:graphicData uri="http://schemas.openxmlformats.org/drawingml/2006/table">
+            <a:tbl>
+              <a:tblPr firstRow="1" bandRow="1">
+                <a:tableStyleId>{5940675A-B579-460E-94D1-54222C63F5DA}</a:tableStyleId>
+              </a:tblPr>
+              <a:tblGrid>
+                <a:gridCol w="789197">
+                  <a:extLst>
+                    <a:ext uri="{9D8B030D-6E8A-4147-A177-3AD203B41FA5}">
+                      <a16:colId xmlns:a16="http://schemas.microsoft.com/office/drawing/2014/main" val="2016634412"/>
+                    </a:ext>
+                  </a:extLst>
+                </a:gridCol>
+                <a:gridCol w="789197">
+                  <a:extLst>
+                    <a:ext uri="{9D8B030D-6E8A-4147-A177-3AD203B41FA5}">
+                      <a16:colId xmlns:a16="http://schemas.microsoft.com/office/drawing/2014/main" val="1633594872"/>
+                    </a:ext>
+                  </a:extLst>
+                </a:gridCol>
+                <a:gridCol w="789197">
+                  <a:extLst>
+                    <a:ext uri="{9D8B030D-6E8A-4147-A177-3AD203B41FA5}">
+                      <a16:colId xmlns:a16="http://schemas.microsoft.com/office/drawing/2014/main" val="3679600373"/>
+                    </a:ext>
+                  </a:extLst>
+                </a:gridCol>
+              </a:tblGrid>
+              <a:tr h="370840">
+                <a:tc>
+                  <a:txBody>
+                    <a:bodyPr/>
+                    <a:lstStyle/>
+                    <a:p>
+                      <a:r>
+                        <a:rPr lang="en-US" dirty="0"/>
+                        <a:t>0</a:t>
+                      </a:r>
+                    </a:p>
+                  </a:txBody>
+                  <a:tcPr>
+                    <a:solidFill>
+                      <a:schemeClr val="accent1"/>
+                    </a:solidFill>
+                  </a:tcPr>
+                </a:tc>
+                <a:tc>
+                  <a:txBody>
+                    <a:bodyPr/>
+                    <a:lstStyle/>
+                    <a:p>
+                      <a:r>
+                        <a:rPr lang="en-US" dirty="0"/>
+                        <a:t>0</a:t>
+                      </a:r>
+                    </a:p>
+                  </a:txBody>
+                  <a:tcPr>
+                    <a:solidFill>
+                      <a:schemeClr val="accent1"/>
+                    </a:solidFill>
+                  </a:tcPr>
+                </a:tc>
+                <a:tc>
+                  <a:txBody>
+                    <a:bodyPr/>
+                    <a:lstStyle/>
+                    <a:p>
+                      <a:r>
+                        <a:rPr lang="en-US" dirty="0"/>
+                        <a:t>1</a:t>
+                      </a:r>
+                    </a:p>
+                  </a:txBody>
+                  <a:tcPr>
+                    <a:solidFill>
+                      <a:schemeClr val="accent1"/>
+                    </a:solidFill>
+                  </a:tcPr>
+                </a:tc>
+                <a:extLst>
+                  <a:ext uri="{0D108BD9-81ED-4DB2-BD59-A6C34878D82A}">
+                    <a16:rowId xmlns:a16="http://schemas.microsoft.com/office/drawing/2014/main" val="2599666577"/>
+                  </a:ext>
+                </a:extLst>
+              </a:tr>
+            </a:tbl>
+          </a:graphicData>
+        </a:graphic>
+      </p:graphicFrame>
+      <p:graphicFrame>
+        <p:nvGraphicFramePr>
+          <p:cNvPr id="13" name="Table 12">
+            <a:extLst>
+              <a:ext uri="{FF2B5EF4-FFF2-40B4-BE49-F238E27FC236}">
+                <a16:creationId xmlns:a16="http://schemas.microsoft.com/office/drawing/2014/main" id="{F570659E-3814-C649-98BE-1D9EEC83B691}"/>
+              </a:ext>
+            </a:extLst>
+          </p:cNvPr>
+          <p:cNvGraphicFramePr>
+            <a:graphicFrameLocks noGrp="1"/>
+          </p:cNvGraphicFramePr>
+          <p:nvPr>
+            <p:extLst>
+              <p:ext uri="{D42A27DB-BD31-4B8C-83A1-F6EECF244321}">
+                <p14:modId xmlns:p14="http://schemas.microsoft.com/office/powerpoint/2010/main" val="4239471135"/>
+              </p:ext>
+            </p:extLst>
+          </p:nvPr>
+        </p:nvGraphicFramePr>
+        <p:xfrm>
+          <a:off x="172951" y="4935732"/>
+          <a:ext cx="2367591" cy="370840"/>
+        </p:xfrm>
+        <a:graphic>
+          <a:graphicData uri="http://schemas.openxmlformats.org/drawingml/2006/table">
+            <a:tbl>
+              <a:tblPr firstRow="1" bandRow="1">
+                <a:tableStyleId>{5940675A-B579-460E-94D1-54222C63F5DA}</a:tableStyleId>
+              </a:tblPr>
+              <a:tblGrid>
+                <a:gridCol w="789197">
+                  <a:extLst>
+                    <a:ext uri="{9D8B030D-6E8A-4147-A177-3AD203B41FA5}">
+                      <a16:colId xmlns:a16="http://schemas.microsoft.com/office/drawing/2014/main" val="2016634412"/>
+                    </a:ext>
+                  </a:extLst>
+                </a:gridCol>
+                <a:gridCol w="789197">
+                  <a:extLst>
+                    <a:ext uri="{9D8B030D-6E8A-4147-A177-3AD203B41FA5}">
+                      <a16:colId xmlns:a16="http://schemas.microsoft.com/office/drawing/2014/main" val="1633594872"/>
+                    </a:ext>
+                  </a:extLst>
+                </a:gridCol>
+                <a:gridCol w="789197">
+                  <a:extLst>
+                    <a:ext uri="{9D8B030D-6E8A-4147-A177-3AD203B41FA5}">
+                      <a16:colId xmlns:a16="http://schemas.microsoft.com/office/drawing/2014/main" val="3679600373"/>
+                    </a:ext>
+                  </a:extLst>
+                </a:gridCol>
+              </a:tblGrid>
+              <a:tr h="370840">
+                <a:tc>
+                  <a:txBody>
+                    <a:bodyPr/>
+                    <a:lstStyle/>
+                    <a:p>
+                      <a:r>
+                        <a:rPr lang="en-US" dirty="0"/>
+                        <a:t>0</a:t>
+                      </a:r>
+                    </a:p>
+                  </a:txBody>
+                  <a:tcPr>
+                    <a:solidFill>
+                      <a:schemeClr val="accent1"/>
+                    </a:solidFill>
+                  </a:tcPr>
+                </a:tc>
+                <a:tc>
+                  <a:txBody>
+                    <a:bodyPr/>
+                    <a:lstStyle/>
+                    <a:p>
+                      <a:r>
+                        <a:rPr lang="en-US" dirty="0"/>
+                        <a:t>0</a:t>
+                      </a:r>
+                    </a:p>
+                  </a:txBody>
+                  <a:tcPr>
+                    <a:solidFill>
+                      <a:schemeClr val="accent1"/>
+                    </a:solidFill>
+                  </a:tcPr>
+                </a:tc>
+                <a:tc>
+                  <a:txBody>
+                    <a:bodyPr/>
+                    <a:lstStyle/>
+                    <a:p>
+                      <a:r>
+                        <a:rPr lang="en-US" dirty="0"/>
+                        <a:t>0</a:t>
+                      </a:r>
+                    </a:p>
+                  </a:txBody>
+                  <a:tcPr>
+                    <a:solidFill>
+                      <a:schemeClr val="accent1"/>
+                    </a:solidFill>
+                  </a:tcPr>
+                </a:tc>
+                <a:extLst>
+                  <a:ext uri="{0D108BD9-81ED-4DB2-BD59-A6C34878D82A}">
+                    <a16:rowId xmlns:a16="http://schemas.microsoft.com/office/drawing/2014/main" val="2599666577"/>
+                  </a:ext>
+                </a:extLst>
+              </a:tr>
+            </a:tbl>
+          </a:graphicData>
+        </a:graphic>
+      </p:graphicFrame>
+      <p:sp>
+        <p:nvSpPr>
+          <p:cNvPr id="14" name="TextBox 13">
+            <a:extLst>
+              <a:ext uri="{FF2B5EF4-FFF2-40B4-BE49-F238E27FC236}">
+                <a16:creationId xmlns:a16="http://schemas.microsoft.com/office/drawing/2014/main" id="{3C08DB50-671C-3C4A-B5B8-21E8D981FD4A}"/>
+              </a:ext>
+            </a:extLst>
+          </p:cNvPr>
+          <p:cNvSpPr txBox="1"/>
+          <p:nvPr/>
+        </p:nvSpPr>
+        <p:spPr>
+          <a:xfrm>
+            <a:off x="1315710" y="2279873"/>
+            <a:ext cx="894476" cy="656590"/>
+          </a:xfrm>
+          <a:prstGeom prst="rect">
+            <a:avLst/>
+          </a:prstGeom>
+          <a:noFill/>
+          <a:ln w="12700" cap="flat">
+            <a:noFill/>
+            <a:miter lim="400000"/>
+          </a:ln>
+          <a:effectLst/>
+          <a:sp3d/>
+        </p:spPr>
+        <p:style>
+          <a:lnRef idx="0">
+            <a:scrgbClr r="0" g="0" b="0"/>
+          </a:lnRef>
+          <a:fillRef idx="0">
+            <a:scrgbClr r="0" g="0" b="0"/>
+          </a:fillRef>
+          <a:effectRef idx="0">
+            <a:scrgbClr r="0" g="0" b="0"/>
+          </a:effectRef>
+          <a:fontRef idx="none"/>
+        </p:style>
+        <p:txBody>
+          <a:bodyPr rot="0" spcFirstLastPara="1" vertOverflow="overflow" horzOverflow="overflow" vert="horz" wrap="none" lIns="50800" tIns="50800" rIns="50800" bIns="50800" numCol="1" spcCol="38100" rtlCol="0" anchor="ctr">
+            <a:spAutoFit/>
+          </a:bodyPr>
+          <a:lstStyle/>
+          <a:p>
+            <a:pPr marL="0" marR="0" indent="0" algn="ctr" defTabSz="584200" rtl="0" fontAlgn="auto" latinLnBrk="0" hangingPunct="0">
+              <a:lnSpc>
+                <a:spcPct val="100000"/>
+              </a:lnSpc>
+              <a:spcBef>
+                <a:spcPts val="0"/>
+              </a:spcBef>
+              <a:spcAft>
+                <a:spcPts val="0"/>
+              </a:spcAft>
+              <a:buClrTx/>
+              <a:buSzTx/>
+              <a:buFontTx/>
+              <a:buNone/>
+              <a:tabLst/>
+            </a:pPr>
+            <a:r>
+              <a:rPr kumimoji="0" lang="en-US" sz="3600" b="0" i="0" u="none" strike="noStrike" cap="none" spc="0" normalizeH="0" baseline="0" dirty="0">
+                <a:ln>
+                  <a:noFill/>
+                </a:ln>
+                <a:solidFill>
+                  <a:srgbClr val="000000"/>
+                </a:solidFill>
+                <a:effectLst/>
+                <a:uFillTx/>
+                <a:latin typeface="+mn-lt"/>
+                <a:ea typeface="+mn-ea"/>
+                <a:cs typeface="+mn-cs"/>
+                <a:sym typeface="Helvetica Light"/>
+              </a:rPr>
+              <a:t>k=0</a:t>
+            </a:r>
+          </a:p>
+        </p:txBody>
+      </p:sp>
+      <p:sp>
+        <p:nvSpPr>
+          <p:cNvPr id="15" name="TextBox 14">
+            <a:extLst>
+              <a:ext uri="{FF2B5EF4-FFF2-40B4-BE49-F238E27FC236}">
+                <a16:creationId xmlns:a16="http://schemas.microsoft.com/office/drawing/2014/main" id="{36C98DFE-F1B0-B045-9CAC-FE5DD76AEB71}"/>
+              </a:ext>
+            </a:extLst>
+          </p:cNvPr>
+          <p:cNvSpPr txBox="1"/>
+          <p:nvPr/>
+        </p:nvSpPr>
+        <p:spPr>
+          <a:xfrm>
+            <a:off x="75390" y="3376281"/>
+            <a:ext cx="894476" cy="656590"/>
+          </a:xfrm>
+          <a:prstGeom prst="rect">
+            <a:avLst/>
+          </a:prstGeom>
+          <a:noFill/>
+          <a:ln w="12700" cap="flat">
+            <a:noFill/>
+            <a:miter lim="400000"/>
+          </a:ln>
+          <a:effectLst/>
+          <a:sp3d/>
+        </p:spPr>
+        <p:style>
+          <a:lnRef idx="0">
+            <a:scrgbClr r="0" g="0" b="0"/>
+          </a:lnRef>
+          <a:fillRef idx="0">
+            <a:scrgbClr r="0" g="0" b="0"/>
+          </a:fillRef>
+          <a:effectRef idx="0">
+            <a:scrgbClr r="0" g="0" b="0"/>
+          </a:effectRef>
+          <a:fontRef idx="none"/>
+        </p:style>
+        <p:txBody>
+          <a:bodyPr rot="0" spcFirstLastPara="1" vertOverflow="overflow" horzOverflow="overflow" vert="horz" wrap="none" lIns="50800" tIns="50800" rIns="50800" bIns="50800" numCol="1" spcCol="38100" rtlCol="0" anchor="ctr">
+            <a:spAutoFit/>
+          </a:bodyPr>
+          <a:lstStyle/>
+          <a:p>
+            <a:pPr marL="0" marR="0" indent="0" algn="ctr" defTabSz="584200" rtl="0" fontAlgn="auto" latinLnBrk="0" hangingPunct="0">
+              <a:lnSpc>
+                <a:spcPct val="100000"/>
+              </a:lnSpc>
+              <a:spcBef>
+                <a:spcPts val="0"/>
+              </a:spcBef>
+              <a:spcAft>
+                <a:spcPts val="0"/>
+              </a:spcAft>
+              <a:buClrTx/>
+              <a:buSzTx/>
+              <a:buFontTx/>
+              <a:buNone/>
+              <a:tabLst/>
+            </a:pPr>
+            <a:r>
+              <a:rPr kumimoji="0" lang="en-US" sz="3600" b="0" i="0" u="none" strike="noStrike" cap="none" spc="0" normalizeH="0" baseline="0" dirty="0">
+                <a:ln>
+                  <a:noFill/>
+                </a:ln>
+                <a:solidFill>
+                  <a:srgbClr val="000000"/>
+                </a:solidFill>
+                <a:effectLst/>
+                <a:uFillTx/>
+                <a:latin typeface="+mn-lt"/>
+                <a:ea typeface="+mn-ea"/>
+                <a:cs typeface="+mn-cs"/>
+                <a:sym typeface="Helvetica Light"/>
+              </a:rPr>
+              <a:t>k=1</a:t>
+            </a:r>
+          </a:p>
+        </p:txBody>
+      </p:sp>
+      <p:sp>
+        <p:nvSpPr>
+          <p:cNvPr id="16" name="TextBox 15">
+            <a:extLst>
+              <a:ext uri="{FF2B5EF4-FFF2-40B4-BE49-F238E27FC236}">
+                <a16:creationId xmlns:a16="http://schemas.microsoft.com/office/drawing/2014/main" id="{035B81CA-F9EC-9842-9418-4D73435B5668}"/>
+              </a:ext>
+            </a:extLst>
+          </p:cNvPr>
+          <p:cNvSpPr txBox="1"/>
+          <p:nvPr/>
+        </p:nvSpPr>
+        <p:spPr>
+          <a:xfrm>
+            <a:off x="5456151" y="4803126"/>
+            <a:ext cx="894476" cy="656590"/>
+          </a:xfrm>
+          <a:prstGeom prst="rect">
+            <a:avLst/>
+          </a:prstGeom>
+          <a:noFill/>
+          <a:ln w="12700" cap="flat">
+            <a:noFill/>
+            <a:miter lim="400000"/>
+          </a:ln>
+          <a:effectLst/>
+          <a:sp3d/>
+        </p:spPr>
+        <p:style>
+          <a:lnRef idx="0">
+            <a:scrgbClr r="0" g="0" b="0"/>
+          </a:lnRef>
+          <a:fillRef idx="0">
+            <a:scrgbClr r="0" g="0" b="0"/>
+          </a:fillRef>
+          <a:effectRef idx="0">
+            <a:scrgbClr r="0" g="0" b="0"/>
+          </a:effectRef>
+          <a:fontRef idx="none"/>
+        </p:style>
+        <p:txBody>
+          <a:bodyPr rot="0" spcFirstLastPara="1" vertOverflow="overflow" horzOverflow="overflow" vert="horz" wrap="none" lIns="50800" tIns="50800" rIns="50800" bIns="50800" numCol="1" spcCol="38100" rtlCol="0" anchor="ctr">
+            <a:spAutoFit/>
+          </a:bodyPr>
+          <a:lstStyle/>
+          <a:p>
+            <a:pPr marL="0" marR="0" indent="0" algn="ctr" defTabSz="584200" rtl="0" fontAlgn="auto" latinLnBrk="0" hangingPunct="0">
+              <a:lnSpc>
+                <a:spcPct val="100000"/>
+              </a:lnSpc>
+              <a:spcBef>
+                <a:spcPts val="0"/>
+              </a:spcBef>
+              <a:spcAft>
+                <a:spcPts val="0"/>
+              </a:spcAft>
+              <a:buClrTx/>
+              <a:buSzTx/>
+              <a:buFontTx/>
+              <a:buNone/>
+              <a:tabLst/>
+            </a:pPr>
+            <a:r>
+              <a:rPr kumimoji="0" lang="en-US" sz="3600" b="0" i="0" u="none" strike="noStrike" cap="none" spc="0" normalizeH="0" baseline="0" dirty="0">
+                <a:ln>
+                  <a:noFill/>
+                </a:ln>
+                <a:solidFill>
+                  <a:srgbClr val="000000"/>
+                </a:solidFill>
+                <a:effectLst/>
+                <a:uFillTx/>
+                <a:latin typeface="+mn-lt"/>
+                <a:ea typeface="+mn-ea"/>
+                <a:cs typeface="+mn-cs"/>
+                <a:sym typeface="Helvetica Light"/>
+              </a:rPr>
+              <a:t>k=2</a:t>
+            </a:r>
+          </a:p>
+        </p:txBody>
+      </p:sp>
+      <p:cxnSp>
+        <p:nvCxnSpPr>
+          <p:cNvPr id="18" name="Straight Arrow Connector 17">
+            <a:extLst>
+              <a:ext uri="{FF2B5EF4-FFF2-40B4-BE49-F238E27FC236}">
+                <a16:creationId xmlns:a16="http://schemas.microsoft.com/office/drawing/2014/main" id="{39DBB480-9ACF-9948-AF18-A7674DBC3A9E}"/>
+              </a:ext>
+            </a:extLst>
+          </p:cNvPr>
+          <p:cNvCxnSpPr>
+            <a:cxnSpLocks/>
+            <a:stCxn id="5" idx="2"/>
+            <a:endCxn id="8" idx="0"/>
+          </p:cNvCxnSpPr>
+          <p:nvPr/>
+        </p:nvCxnSpPr>
+        <p:spPr>
+          <a:xfrm flipH="1">
+            <a:off x="2210186" y="2799846"/>
+            <a:ext cx="1998513" cy="719310"/>
+          </a:xfrm>
+          <a:prstGeom prst="straightConnector1">
+            <a:avLst/>
+          </a:prstGeom>
+          <a:noFill/>
+          <a:ln w="50800" cap="flat">
+            <a:solidFill>
+              <a:srgbClr val="000000"/>
+            </a:solidFill>
+            <a:prstDash val="solid"/>
+            <a:miter lim="400000"/>
+            <a:tailEnd type="triangle"/>
+          </a:ln>
+          <a:effectLst/>
+          <a:sp3d/>
+        </p:spPr>
+        <p:style>
+          <a:lnRef idx="0">
+            <a:scrgbClr r="0" g="0" b="0"/>
+          </a:lnRef>
+          <a:fillRef idx="0">
+            <a:scrgbClr r="0" g="0" b="0"/>
+          </a:fillRef>
+          <a:effectRef idx="0">
+            <a:scrgbClr r="0" g="0" b="0"/>
+          </a:effectRef>
+          <a:fontRef idx="none"/>
+        </p:style>
+      </p:cxnSp>
+      <p:cxnSp>
+        <p:nvCxnSpPr>
+          <p:cNvPr id="20" name="Straight Arrow Connector 19">
+            <a:extLst>
+              <a:ext uri="{FF2B5EF4-FFF2-40B4-BE49-F238E27FC236}">
+                <a16:creationId xmlns:a16="http://schemas.microsoft.com/office/drawing/2014/main" id="{D53E923C-828F-9747-9AE4-E1DBDDDA57A9}"/>
+              </a:ext>
+            </a:extLst>
+          </p:cNvPr>
+          <p:cNvCxnSpPr>
+            <a:cxnSpLocks/>
+            <a:stCxn id="5" idx="2"/>
+            <a:endCxn id="7" idx="0"/>
+          </p:cNvCxnSpPr>
+          <p:nvPr/>
+        </p:nvCxnSpPr>
+        <p:spPr>
+          <a:xfrm>
+            <a:off x="4208699" y="2799846"/>
+            <a:ext cx="643087" cy="719310"/>
+          </a:xfrm>
+          <a:prstGeom prst="straightConnector1">
+            <a:avLst/>
+          </a:prstGeom>
+          <a:noFill/>
+          <a:ln w="50800" cap="flat">
+            <a:solidFill>
+              <a:srgbClr val="000000"/>
+            </a:solidFill>
+            <a:prstDash val="solid"/>
+            <a:miter lim="400000"/>
+            <a:tailEnd type="triangle"/>
+          </a:ln>
+          <a:effectLst/>
+          <a:sp3d/>
+        </p:spPr>
+        <p:style>
+          <a:lnRef idx="0">
+            <a:scrgbClr r="0" g="0" b="0"/>
+          </a:lnRef>
+          <a:fillRef idx="0">
+            <a:scrgbClr r="0" g="0" b="0"/>
+          </a:fillRef>
+          <a:effectRef idx="0">
+            <a:scrgbClr r="0" g="0" b="0"/>
+          </a:effectRef>
+          <a:fontRef idx="none"/>
+        </p:style>
+      </p:cxnSp>
+      <p:cxnSp>
+        <p:nvCxnSpPr>
+          <p:cNvPr id="21" name="Straight Arrow Connector 20">
+            <a:extLst>
+              <a:ext uri="{FF2B5EF4-FFF2-40B4-BE49-F238E27FC236}">
+                <a16:creationId xmlns:a16="http://schemas.microsoft.com/office/drawing/2014/main" id="{31F02213-99AB-184C-A559-11459FAAFD54}"/>
+              </a:ext>
+            </a:extLst>
+          </p:cNvPr>
+          <p:cNvCxnSpPr>
+            <a:cxnSpLocks/>
+            <a:stCxn id="4" idx="1"/>
+            <a:endCxn id="5" idx="0"/>
+          </p:cNvCxnSpPr>
+          <p:nvPr/>
+        </p:nvCxnSpPr>
+        <p:spPr>
+          <a:xfrm flipH="1">
+            <a:off x="4208699" y="1764016"/>
+            <a:ext cx="1183796" cy="664990"/>
+          </a:xfrm>
+          <a:prstGeom prst="straightConnector1">
+            <a:avLst/>
+          </a:prstGeom>
+          <a:noFill/>
+          <a:ln w="50800" cap="flat">
+            <a:solidFill>
+              <a:srgbClr val="000000"/>
+            </a:solidFill>
+            <a:prstDash val="solid"/>
+            <a:miter lim="400000"/>
+            <a:tailEnd type="triangle"/>
+          </a:ln>
+          <a:effectLst/>
+          <a:sp3d/>
+        </p:spPr>
+        <p:style>
+          <a:lnRef idx="0">
+            <a:scrgbClr r="0" g="0" b="0"/>
+          </a:lnRef>
+          <a:fillRef idx="0">
+            <a:scrgbClr r="0" g="0" b="0"/>
+          </a:fillRef>
+          <a:effectRef idx="0">
+            <a:scrgbClr r="0" g="0" b="0"/>
+          </a:effectRef>
+          <a:fontRef idx="none"/>
+        </p:style>
+      </p:cxnSp>
+      <p:cxnSp>
+        <p:nvCxnSpPr>
+          <p:cNvPr id="22" name="Straight Arrow Connector 21">
+            <a:extLst>
+              <a:ext uri="{FF2B5EF4-FFF2-40B4-BE49-F238E27FC236}">
+                <a16:creationId xmlns:a16="http://schemas.microsoft.com/office/drawing/2014/main" id="{680D62CA-A3E3-C345-9042-3F1E04CEFB0F}"/>
+              </a:ext>
+            </a:extLst>
+          </p:cNvPr>
+          <p:cNvCxnSpPr>
+            <a:cxnSpLocks/>
+            <a:stCxn id="8" idx="2"/>
+            <a:endCxn id="13" idx="0"/>
+          </p:cNvCxnSpPr>
+          <p:nvPr/>
+        </p:nvCxnSpPr>
+        <p:spPr>
+          <a:xfrm flipH="1">
+            <a:off x="1356746" y="3889996"/>
+            <a:ext cx="853440" cy="1045736"/>
+          </a:xfrm>
+          <a:prstGeom prst="straightConnector1">
+            <a:avLst/>
+          </a:prstGeom>
+          <a:noFill/>
+          <a:ln w="50800" cap="flat">
+            <a:solidFill>
+              <a:srgbClr val="000000"/>
+            </a:solidFill>
+            <a:prstDash val="solid"/>
+            <a:miter lim="400000"/>
+            <a:tailEnd type="triangle"/>
+          </a:ln>
+          <a:effectLst/>
+          <a:sp3d/>
+        </p:spPr>
+        <p:style>
+          <a:lnRef idx="0">
+            <a:scrgbClr r="0" g="0" b="0"/>
+          </a:lnRef>
+          <a:fillRef idx="0">
+            <a:scrgbClr r="0" g="0" b="0"/>
+          </a:fillRef>
+          <a:effectRef idx="0">
+            <a:scrgbClr r="0" g="0" b="0"/>
+          </a:effectRef>
+          <a:fontRef idx="none"/>
+        </p:style>
+      </p:cxnSp>
+      <p:cxnSp>
+        <p:nvCxnSpPr>
+          <p:cNvPr id="29" name="Straight Arrow Connector 28">
+            <a:extLst>
+              <a:ext uri="{FF2B5EF4-FFF2-40B4-BE49-F238E27FC236}">
+                <a16:creationId xmlns:a16="http://schemas.microsoft.com/office/drawing/2014/main" id="{E129BFB4-604F-684F-8A7F-B7879B95522A}"/>
+              </a:ext>
+            </a:extLst>
+          </p:cNvPr>
+          <p:cNvCxnSpPr>
+            <a:cxnSpLocks/>
+            <a:stCxn id="8" idx="2"/>
+            <a:endCxn id="12" idx="0"/>
+          </p:cNvCxnSpPr>
+          <p:nvPr/>
+        </p:nvCxnSpPr>
+        <p:spPr>
+          <a:xfrm>
+            <a:off x="2210186" y="3889996"/>
+            <a:ext cx="1788160" cy="1045736"/>
+          </a:xfrm>
+          <a:prstGeom prst="straightConnector1">
+            <a:avLst/>
+          </a:prstGeom>
+          <a:noFill/>
+          <a:ln w="50800" cap="flat">
+            <a:solidFill>
+              <a:srgbClr val="000000"/>
+            </a:solidFill>
+            <a:prstDash val="solid"/>
+            <a:miter lim="400000"/>
+            <a:tailEnd type="triangle"/>
+          </a:ln>
+          <a:effectLst/>
+          <a:sp3d/>
+        </p:spPr>
+        <p:style>
+          <a:lnRef idx="0">
+            <a:scrgbClr r="0" g="0" b="0"/>
+          </a:lnRef>
+          <a:fillRef idx="0">
+            <a:scrgbClr r="0" g="0" b="0"/>
+          </a:fillRef>
+          <a:effectRef idx="0">
+            <a:scrgbClr r="0" g="0" b="0"/>
+          </a:effectRef>
+          <a:fontRef idx="none"/>
+        </p:style>
+      </p:cxnSp>
+      <p:cxnSp>
+        <p:nvCxnSpPr>
+          <p:cNvPr id="30" name="Straight Arrow Connector 29">
+            <a:extLst>
+              <a:ext uri="{FF2B5EF4-FFF2-40B4-BE49-F238E27FC236}">
+                <a16:creationId xmlns:a16="http://schemas.microsoft.com/office/drawing/2014/main" id="{73FD4BA4-0567-6341-AF05-C3DE72F64282}"/>
+              </a:ext>
+            </a:extLst>
+          </p:cNvPr>
+          <p:cNvCxnSpPr>
+            <a:cxnSpLocks/>
+            <a:stCxn id="4" idx="3"/>
+            <a:endCxn id="6" idx="0"/>
+          </p:cNvCxnSpPr>
+          <p:nvPr/>
+        </p:nvCxnSpPr>
+        <p:spPr>
+          <a:xfrm>
+            <a:off x="7760086" y="1764016"/>
+            <a:ext cx="1183795" cy="664990"/>
+          </a:xfrm>
+          <a:prstGeom prst="straightConnector1">
+            <a:avLst/>
+          </a:prstGeom>
+          <a:noFill/>
+          <a:ln w="50800" cap="flat">
+            <a:solidFill>
+              <a:srgbClr val="000000"/>
+            </a:solidFill>
+            <a:prstDash val="solid"/>
+            <a:miter lim="400000"/>
+            <a:tailEnd type="triangle"/>
+          </a:ln>
+          <a:effectLst/>
+          <a:sp3d/>
+        </p:spPr>
+        <p:style>
+          <a:lnRef idx="0">
+            <a:scrgbClr r="0" g="0" b="0"/>
+          </a:lnRef>
+          <a:fillRef idx="0">
+            <a:scrgbClr r="0" g="0" b="0"/>
+          </a:fillRef>
+          <a:effectRef idx="0">
+            <a:scrgbClr r="0" g="0" b="0"/>
+          </a:effectRef>
+          <a:fontRef idx="none"/>
+        </p:style>
+      </p:cxnSp>
+      <p:cxnSp>
+        <p:nvCxnSpPr>
+          <p:cNvPr id="31" name="Straight Arrow Connector 30">
+            <a:extLst>
+              <a:ext uri="{FF2B5EF4-FFF2-40B4-BE49-F238E27FC236}">
+                <a16:creationId xmlns:a16="http://schemas.microsoft.com/office/drawing/2014/main" id="{13DC0DE9-7F37-BE4E-8079-ADF83FEFE748}"/>
+              </a:ext>
+            </a:extLst>
+          </p:cNvPr>
+          <p:cNvCxnSpPr>
+            <a:cxnSpLocks/>
+            <a:stCxn id="6" idx="2"/>
+            <a:endCxn id="11" idx="0"/>
+          </p:cNvCxnSpPr>
+          <p:nvPr/>
+        </p:nvCxnSpPr>
+        <p:spPr>
+          <a:xfrm flipH="1">
+            <a:off x="8226904" y="2799846"/>
+            <a:ext cx="716977" cy="719310"/>
+          </a:xfrm>
+          <a:prstGeom prst="straightConnector1">
+            <a:avLst/>
+          </a:prstGeom>
+          <a:noFill/>
+          <a:ln w="50800" cap="flat">
+            <a:solidFill>
+              <a:srgbClr val="000000"/>
+            </a:solidFill>
+            <a:prstDash val="solid"/>
+            <a:miter lim="400000"/>
+            <a:tailEnd type="triangle"/>
+          </a:ln>
+          <a:effectLst/>
+          <a:sp3d/>
+        </p:spPr>
+        <p:style>
+          <a:lnRef idx="0">
+            <a:scrgbClr r="0" g="0" b="0"/>
+          </a:lnRef>
+          <a:fillRef idx="0">
+            <a:scrgbClr r="0" g="0" b="0"/>
+          </a:fillRef>
+          <a:effectRef idx="0">
+            <a:scrgbClr r="0" g="0" b="0"/>
+          </a:effectRef>
+          <a:fontRef idx="none"/>
+        </p:style>
+      </p:cxnSp>
+      <p:cxnSp>
+        <p:nvCxnSpPr>
+          <p:cNvPr id="32" name="Straight Arrow Connector 31">
+            <a:extLst>
+              <a:ext uri="{FF2B5EF4-FFF2-40B4-BE49-F238E27FC236}">
+                <a16:creationId xmlns:a16="http://schemas.microsoft.com/office/drawing/2014/main" id="{2D281D27-15C6-D24C-96EC-9273B78A4268}"/>
+              </a:ext>
+            </a:extLst>
+          </p:cNvPr>
+          <p:cNvCxnSpPr>
+            <a:cxnSpLocks/>
+            <a:stCxn id="6" idx="2"/>
+            <a:endCxn id="10" idx="0"/>
+          </p:cNvCxnSpPr>
+          <p:nvPr/>
+        </p:nvCxnSpPr>
+        <p:spPr>
+          <a:xfrm>
+            <a:off x="8943881" y="2799846"/>
+            <a:ext cx="1924623" cy="719310"/>
+          </a:xfrm>
+          <a:prstGeom prst="straightConnector1">
+            <a:avLst/>
+          </a:prstGeom>
+          <a:noFill/>
+          <a:ln w="50800" cap="flat">
+            <a:solidFill>
+              <a:srgbClr val="000000"/>
+            </a:solidFill>
+            <a:prstDash val="solid"/>
+            <a:miter lim="400000"/>
+            <a:tailEnd type="triangle"/>
+          </a:ln>
+          <a:effectLst/>
+          <a:sp3d/>
+        </p:spPr>
+        <p:style>
+          <a:lnRef idx="0">
+            <a:scrgbClr r="0" g="0" b="0"/>
+          </a:lnRef>
+          <a:fillRef idx="0">
+            <a:scrgbClr r="0" g="0" b="0"/>
+          </a:fillRef>
+          <a:effectRef idx="0">
+            <a:scrgbClr r="0" g="0" b="0"/>
+          </a:effectRef>
+          <a:fontRef idx="none"/>
+        </p:style>
+      </p:cxnSp>
+      <p:cxnSp>
+        <p:nvCxnSpPr>
+          <p:cNvPr id="33" name="Straight Arrow Connector 32">
+            <a:extLst>
+              <a:ext uri="{FF2B5EF4-FFF2-40B4-BE49-F238E27FC236}">
+                <a16:creationId xmlns:a16="http://schemas.microsoft.com/office/drawing/2014/main" id="{44C25357-6B2C-E242-BE11-FB8771E3F096}"/>
+              </a:ext>
+            </a:extLst>
+          </p:cNvPr>
+          <p:cNvCxnSpPr>
+            <a:cxnSpLocks/>
+            <a:stCxn id="11" idx="2"/>
+          </p:cNvCxnSpPr>
+          <p:nvPr/>
+        </p:nvCxnSpPr>
+        <p:spPr>
+          <a:xfrm flipH="1">
+            <a:off x="7619458" y="3889996"/>
+            <a:ext cx="607446" cy="619760"/>
+          </a:xfrm>
+          <a:prstGeom prst="straightConnector1">
+            <a:avLst/>
+          </a:prstGeom>
+          <a:noFill/>
+          <a:ln w="50800" cap="flat">
+            <a:solidFill>
+              <a:srgbClr val="000000"/>
+            </a:solidFill>
+            <a:prstDash val="solid"/>
+            <a:miter lim="400000"/>
+            <a:tailEnd type="triangle"/>
+          </a:ln>
+          <a:effectLst/>
+          <a:sp3d/>
+        </p:spPr>
+        <p:style>
+          <a:lnRef idx="0">
+            <a:scrgbClr r="0" g="0" b="0"/>
+          </a:lnRef>
+          <a:fillRef idx="0">
+            <a:scrgbClr r="0" g="0" b="0"/>
+          </a:fillRef>
+          <a:effectRef idx="0">
+            <a:scrgbClr r="0" g="0" b="0"/>
+          </a:effectRef>
+          <a:fontRef idx="none"/>
+        </p:style>
+      </p:cxnSp>
+      <p:cxnSp>
+        <p:nvCxnSpPr>
+          <p:cNvPr id="34" name="Straight Arrow Connector 33">
+            <a:extLst>
+              <a:ext uri="{FF2B5EF4-FFF2-40B4-BE49-F238E27FC236}">
+                <a16:creationId xmlns:a16="http://schemas.microsoft.com/office/drawing/2014/main" id="{2AA2B004-D526-704E-82A1-34C165BB8136}"/>
+              </a:ext>
+            </a:extLst>
+          </p:cNvPr>
+          <p:cNvCxnSpPr>
+            <a:cxnSpLocks/>
+            <a:stCxn id="11" idx="2"/>
+          </p:cNvCxnSpPr>
+          <p:nvPr/>
+        </p:nvCxnSpPr>
+        <p:spPr>
+          <a:xfrm>
+            <a:off x="8226904" y="3889996"/>
+            <a:ext cx="576349" cy="619760"/>
+          </a:xfrm>
+          <a:prstGeom prst="straightConnector1">
+            <a:avLst/>
+          </a:prstGeom>
+          <a:noFill/>
+          <a:ln w="50800" cap="flat">
+            <a:solidFill>
+              <a:srgbClr val="000000"/>
+            </a:solidFill>
+            <a:prstDash val="solid"/>
+            <a:miter lim="400000"/>
+            <a:tailEnd type="triangle"/>
+          </a:ln>
+          <a:effectLst/>
+          <a:sp3d/>
+        </p:spPr>
+        <p:style>
+          <a:lnRef idx="0">
+            <a:scrgbClr r="0" g="0" b="0"/>
+          </a:lnRef>
+          <a:fillRef idx="0">
+            <a:scrgbClr r="0" g="0" b="0"/>
+          </a:fillRef>
+          <a:effectRef idx="0">
+            <a:scrgbClr r="0" g="0" b="0"/>
+          </a:effectRef>
+          <a:fontRef idx="none"/>
+        </p:style>
+      </p:cxnSp>
+      <p:cxnSp>
+        <p:nvCxnSpPr>
+          <p:cNvPr id="35" name="Straight Arrow Connector 34">
+            <a:extLst>
+              <a:ext uri="{FF2B5EF4-FFF2-40B4-BE49-F238E27FC236}">
+                <a16:creationId xmlns:a16="http://schemas.microsoft.com/office/drawing/2014/main" id="{0DCB8974-0B8D-244E-ADFC-F3747800FCF8}"/>
+              </a:ext>
+            </a:extLst>
+          </p:cNvPr>
+          <p:cNvCxnSpPr>
+            <a:cxnSpLocks/>
+            <a:stCxn id="10" idx="2"/>
+          </p:cNvCxnSpPr>
+          <p:nvPr/>
+        </p:nvCxnSpPr>
+        <p:spPr>
+          <a:xfrm flipH="1">
+            <a:off x="10147774" y="3889996"/>
+            <a:ext cx="720730" cy="696512"/>
+          </a:xfrm>
+          <a:prstGeom prst="straightConnector1">
+            <a:avLst/>
+          </a:prstGeom>
+          <a:noFill/>
+          <a:ln w="50800" cap="flat">
+            <a:solidFill>
+              <a:srgbClr val="000000"/>
+            </a:solidFill>
+            <a:prstDash val="solid"/>
+            <a:miter lim="400000"/>
+            <a:tailEnd type="triangle"/>
+          </a:ln>
+          <a:effectLst/>
+          <a:sp3d/>
+        </p:spPr>
+        <p:style>
+          <a:lnRef idx="0">
+            <a:scrgbClr r="0" g="0" b="0"/>
+          </a:lnRef>
+          <a:fillRef idx="0">
+            <a:scrgbClr r="0" g="0" b="0"/>
+          </a:fillRef>
+          <a:effectRef idx="0">
+            <a:scrgbClr r="0" g="0" b="0"/>
+          </a:effectRef>
+          <a:fontRef idx="none"/>
+        </p:style>
+      </p:cxnSp>
+      <p:cxnSp>
+        <p:nvCxnSpPr>
+          <p:cNvPr id="51" name="Straight Arrow Connector 50">
+            <a:extLst>
+              <a:ext uri="{FF2B5EF4-FFF2-40B4-BE49-F238E27FC236}">
+                <a16:creationId xmlns:a16="http://schemas.microsoft.com/office/drawing/2014/main" id="{035D742F-883D-214C-A595-B421DE2ED532}"/>
+              </a:ext>
+            </a:extLst>
+          </p:cNvPr>
+          <p:cNvCxnSpPr>
+            <a:cxnSpLocks/>
+            <a:stCxn id="10" idx="2"/>
+          </p:cNvCxnSpPr>
+          <p:nvPr/>
+        </p:nvCxnSpPr>
+        <p:spPr>
+          <a:xfrm>
+            <a:off x="10868504" y="3889996"/>
+            <a:ext cx="652936" cy="648235"/>
+          </a:xfrm>
+          <a:prstGeom prst="straightConnector1">
+            <a:avLst/>
+          </a:prstGeom>
+          <a:noFill/>
+          <a:ln w="50800" cap="flat">
+            <a:solidFill>
+              <a:srgbClr val="000000"/>
+            </a:solidFill>
+            <a:prstDash val="solid"/>
+            <a:miter lim="400000"/>
+            <a:tailEnd type="triangle"/>
+          </a:ln>
+          <a:effectLst/>
+          <a:sp3d/>
+        </p:spPr>
+        <p:style>
+          <a:lnRef idx="0">
+            <a:scrgbClr r="0" g="0" b="0"/>
+          </a:lnRef>
+          <a:fillRef idx="0">
+            <a:scrgbClr r="0" g="0" b="0"/>
+          </a:fillRef>
+          <a:effectRef idx="0">
+            <a:scrgbClr r="0" g="0" b="0"/>
+          </a:effectRef>
+          <a:fontRef idx="none"/>
+        </p:style>
+      </p:cxnSp>
+      <p:cxnSp>
+        <p:nvCxnSpPr>
+          <p:cNvPr id="52" name="Straight Arrow Connector 51">
+            <a:extLst>
+              <a:ext uri="{FF2B5EF4-FFF2-40B4-BE49-F238E27FC236}">
+                <a16:creationId xmlns:a16="http://schemas.microsoft.com/office/drawing/2014/main" id="{73C73462-51CA-A74E-9B55-A242233D4D3F}"/>
+              </a:ext>
+            </a:extLst>
+          </p:cNvPr>
+          <p:cNvCxnSpPr>
+            <a:cxnSpLocks/>
+            <a:stCxn id="7" idx="2"/>
+          </p:cNvCxnSpPr>
+          <p:nvPr/>
+        </p:nvCxnSpPr>
+        <p:spPr>
+          <a:xfrm flipH="1">
+            <a:off x="4366884" y="3889996"/>
+            <a:ext cx="484902" cy="444314"/>
+          </a:xfrm>
+          <a:prstGeom prst="straightConnector1">
+            <a:avLst/>
+          </a:prstGeom>
+          <a:noFill/>
+          <a:ln w="50800" cap="flat">
+            <a:solidFill>
+              <a:srgbClr val="000000"/>
+            </a:solidFill>
+            <a:prstDash val="solid"/>
+            <a:miter lim="400000"/>
+            <a:tailEnd type="triangle"/>
+          </a:ln>
+          <a:effectLst/>
+          <a:sp3d/>
+        </p:spPr>
+        <p:style>
+          <a:lnRef idx="0">
+            <a:scrgbClr r="0" g="0" b="0"/>
+          </a:lnRef>
+          <a:fillRef idx="0">
+            <a:scrgbClr r="0" g="0" b="0"/>
+          </a:fillRef>
+          <a:effectRef idx="0">
+            <a:scrgbClr r="0" g="0" b="0"/>
+          </a:effectRef>
+          <a:fontRef idx="none"/>
+        </p:style>
+      </p:cxnSp>
+      <p:cxnSp>
+        <p:nvCxnSpPr>
+          <p:cNvPr id="53" name="Straight Arrow Connector 52">
+            <a:extLst>
+              <a:ext uri="{FF2B5EF4-FFF2-40B4-BE49-F238E27FC236}">
+                <a16:creationId xmlns:a16="http://schemas.microsoft.com/office/drawing/2014/main" id="{228450DC-90BB-474C-9050-28F756B59FF5}"/>
+              </a:ext>
+            </a:extLst>
+          </p:cNvPr>
+          <p:cNvCxnSpPr>
+            <a:cxnSpLocks/>
+            <a:stCxn id="7" idx="2"/>
+          </p:cNvCxnSpPr>
+          <p:nvPr/>
+        </p:nvCxnSpPr>
+        <p:spPr>
+          <a:xfrm>
+            <a:off x="4851786" y="3889996"/>
+            <a:ext cx="463065" cy="479570"/>
+          </a:xfrm>
+          <a:prstGeom prst="straightConnector1">
+            <a:avLst/>
+          </a:prstGeom>
+          <a:noFill/>
+          <a:ln w="50800" cap="flat">
+            <a:solidFill>
+              <a:srgbClr val="000000"/>
+            </a:solidFill>
+            <a:prstDash val="solid"/>
+            <a:miter lim="400000"/>
+            <a:tailEnd type="triangle"/>
+          </a:ln>
+          <a:effectLst/>
+          <a:sp3d/>
+        </p:spPr>
+        <p:style>
+          <a:lnRef idx="0">
+            <a:scrgbClr r="0" g="0" b="0"/>
+          </a:lnRef>
+          <a:fillRef idx="0">
+            <a:scrgbClr r="0" g="0" b="0"/>
+          </a:fillRef>
+          <a:effectRef idx="0">
+            <a:scrgbClr r="0" g="0" b="0"/>
+          </a:effectRef>
+          <a:fontRef idx="none"/>
+        </p:style>
+      </p:cxnSp>
     </p:spTree>
     <p:extLst>
       <p:ext uri="{BB962C8B-B14F-4D97-AF65-F5344CB8AC3E}">
-        <p14:creationId xmlns:p14="http://schemas.microsoft.com/office/powerpoint/2010/main" val="2347469872"/>
+        <p14:creationId xmlns:p14="http://schemas.microsoft.com/office/powerpoint/2010/main" val="864559934"/>
       </p:ext>
     </p:extLst>
   </p:cSld>
@@ -4956,7 +6992,13 @@
       </p:grpSpPr>
       <p:sp>
         <p:nvSpPr>
-          <p:cNvPr id="2" name="Title 1"/>
+          <p:cNvPr id="2" name="Title 1">
+            <a:extLst>
+              <a:ext uri="{FF2B5EF4-FFF2-40B4-BE49-F238E27FC236}">
+                <a16:creationId xmlns:a16="http://schemas.microsoft.com/office/drawing/2014/main" id="{34653FC6-8EA7-E040-AFA6-B66D032F90D5}"/>
+              </a:ext>
+            </a:extLst>
+          </p:cNvPr>
           <p:cNvSpPr>
             <a:spLocks noGrp="1"/>
           </p:cNvSpPr>
@@ -4964,22 +7006,34 @@
             <p:ph type="title"/>
           </p:nvPr>
         </p:nvSpPr>
-        <p:spPr/>
+        <p:spPr>
+          <a:xfrm>
+            <a:off x="288627" y="130464"/>
+            <a:ext cx="3259282" cy="931718"/>
+          </a:xfrm>
+        </p:spPr>
         <p:txBody>
-          <a:bodyPr/>
+          <a:bodyPr>
+            <a:normAutofit fontScale="90000"/>
+          </a:bodyPr>
           <a:lstStyle/>
           <a:p>
             <a:r>
-              <a:rPr lang="en-US" dirty="0" smtClean="0"/>
-              <a:t>Greedy: Heaviest First</a:t>
-            </a:r>
-            <a:endParaRPr lang="en-US" dirty="0"/>
+              <a:rPr lang="en-US" dirty="0"/>
+              <a:t>Cont.</a:t>
+            </a:r>
           </a:p>
         </p:txBody>
       </p:sp>
       <p:sp>
         <p:nvSpPr>
-          <p:cNvPr id="3" name="Text Placeholder 2"/>
+          <p:cNvPr id="3" name="Text Placeholder 2">
+            <a:extLst>
+              <a:ext uri="{FF2B5EF4-FFF2-40B4-BE49-F238E27FC236}">
+                <a16:creationId xmlns:a16="http://schemas.microsoft.com/office/drawing/2014/main" id="{0BD2088F-C016-9D41-B817-4E1C5E3BB491}"/>
+              </a:ext>
+            </a:extLst>
+          </p:cNvPr>
           <p:cNvSpPr>
             <a:spLocks noGrp="1"/>
           </p:cNvSpPr>
@@ -4989,71 +7043,84 @@
         </p:nvSpPr>
         <p:spPr>
           <a:xfrm>
-            <a:off x="952500" y="4023360"/>
-            <a:ext cx="11666220" cy="5259977"/>
+            <a:off x="288627" y="6552874"/>
+            <a:ext cx="12559155" cy="2997526"/>
           </a:xfrm>
         </p:spPr>
         <p:txBody>
           <a:bodyPr>
-            <a:normAutofit fontScale="85000" lnSpcReduction="20000"/>
+            <a:normAutofit fontScale="70000" lnSpcReduction="20000"/>
           </a:bodyPr>
           <a:lstStyle/>
           <a:p>
-            <a:r>
-              <a:rPr lang="en-US" dirty="0" smtClean="0"/>
-              <a:t>First choose (12,24)</a:t>
-            </a:r>
-          </a:p>
-          <a:p>
-            <a:r>
-              <a:rPr lang="en-US" dirty="0" smtClean="0"/>
-              <a:t>Then choose (11,13)</a:t>
-            </a:r>
-          </a:p>
-          <a:p>
-            <a:r>
-              <a:rPr lang="en-US" dirty="0" smtClean="0"/>
-              <a:t>Weight becomes 12 + 11 = 23 </a:t>
-            </a:r>
-          </a:p>
-          <a:p>
-            <a:r>
-              <a:rPr lang="en-US" dirty="0" smtClean="0"/>
-              <a:t>Cannot add any other element without exceeding L=26</a:t>
-            </a:r>
-          </a:p>
-          <a:p>
-            <a:r>
-              <a:rPr lang="en-US" dirty="0" smtClean="0"/>
-              <a:t>f(x) = 24 + 23 = 47</a:t>
-            </a:r>
-          </a:p>
-          <a:p>
-            <a:r>
-              <a:rPr lang="en-US" dirty="0" smtClean="0"/>
-              <a:t>Is 47 the best score we can achieve???</a:t>
-            </a:r>
-            <a:endParaRPr lang="en-US" dirty="0"/>
+            <a:pPr>
+              <a:spcBef>
+                <a:spcPts val="2100"/>
+              </a:spcBef>
+            </a:pPr>
+            <a:r>
+              <a:rPr lang="en-US" dirty="0"/>
+              <a:t>Assume Y better than X and Z</a:t>
+            </a:r>
+          </a:p>
+          <a:p>
+            <a:pPr>
+              <a:spcBef>
+                <a:spcPts val="2100"/>
+              </a:spcBef>
+            </a:pPr>
+            <a:r>
+              <a:rPr lang="en-US" dirty="0"/>
+              <a:t>When reached a leaf, and we go up the call tree, only the best between the 2 sub-trees is returned to the caller… all the way up to the root</a:t>
+            </a:r>
+          </a:p>
+          <a:p>
+            <a:pPr>
+              <a:spcBef>
+                <a:spcPts val="2100"/>
+              </a:spcBef>
+            </a:pPr>
+            <a:r>
+              <a:rPr lang="en-US" dirty="0"/>
+              <a:t>Note: the behavior here is very similar to a depth-first search</a:t>
+            </a:r>
+          </a:p>
+          <a:p>
+            <a:pPr>
+              <a:spcBef>
+                <a:spcPts val="2100"/>
+              </a:spcBef>
+            </a:pPr>
+            <a:r>
+              <a:rPr lang="en-US" dirty="0"/>
+              <a:t>Here, not only Y is the best solution starting with 001, but also the best starting with 00 (as better than X), and also the best starting with 0 (as better than Z)</a:t>
+            </a:r>
           </a:p>
         </p:txBody>
       </p:sp>
       <p:graphicFrame>
         <p:nvGraphicFramePr>
-          <p:cNvPr id="4" name="Table 3"/>
+          <p:cNvPr id="4" name="Table 3">
+            <a:extLst>
+              <a:ext uri="{FF2B5EF4-FFF2-40B4-BE49-F238E27FC236}">
+                <a16:creationId xmlns:a16="http://schemas.microsoft.com/office/drawing/2014/main" id="{5CD5D1FB-939B-1141-A920-07BB8853EA8C}"/>
+              </a:ext>
+            </a:extLst>
+          </p:cNvPr>
           <p:cNvGraphicFramePr>
             <a:graphicFrameLocks noGrp="1"/>
           </p:cNvGraphicFramePr>
           <p:nvPr>
             <p:extLst>
               <p:ext uri="{D42A27DB-BD31-4B8C-83A1-F6EECF244321}">
-                <p14:modId xmlns:p14="http://schemas.microsoft.com/office/powerpoint/2010/main" val="1062025571"/>
+                <p14:modId xmlns:p14="http://schemas.microsoft.com/office/powerpoint/2010/main" val="968646"/>
               </p:ext>
             </p:extLst>
           </p:nvPr>
         </p:nvGraphicFramePr>
         <p:xfrm>
-          <a:off x="3047214" y="2585357"/>
-          <a:ext cx="5957448" cy="1112520"/>
+          <a:off x="4955303" y="1884060"/>
+          <a:ext cx="3329715" cy="370840"/>
         </p:xfrm>
         <a:graphic>
           <a:graphicData uri="http://schemas.openxmlformats.org/drawingml/2006/table">
@@ -5062,45 +7129,38 @@
                 <a:tableStyleId>{5940675A-B579-460E-94D1-54222C63F5DA}</a:tableStyleId>
               </a:tblPr>
               <a:tblGrid>
-                <a:gridCol w="992908">
+                <a:gridCol w="665943">
                   <a:extLst>
                     <a:ext uri="{9D8B030D-6E8A-4147-A177-3AD203B41FA5}">
-                      <a16:colId xmlns:a16="http://schemas.microsoft.com/office/drawing/2014/main" val="873697715"/>
+                      <a16:colId xmlns:a16="http://schemas.microsoft.com/office/drawing/2014/main" val="2016634412"/>
                     </a:ext>
                   </a:extLst>
                 </a:gridCol>
-                <a:gridCol w="992908">
+                <a:gridCol w="665943">
                   <a:extLst>
                     <a:ext uri="{9D8B030D-6E8A-4147-A177-3AD203B41FA5}">
-                      <a16:colId xmlns:a16="http://schemas.microsoft.com/office/drawing/2014/main" val="2381380617"/>
+                      <a16:colId xmlns:a16="http://schemas.microsoft.com/office/drawing/2014/main" val="1633594872"/>
                     </a:ext>
                   </a:extLst>
                 </a:gridCol>
-                <a:gridCol w="992908">
+                <a:gridCol w="665943">
                   <a:extLst>
                     <a:ext uri="{9D8B030D-6E8A-4147-A177-3AD203B41FA5}">
-                      <a16:colId xmlns:a16="http://schemas.microsoft.com/office/drawing/2014/main" val="3788322833"/>
+                      <a16:colId xmlns:a16="http://schemas.microsoft.com/office/drawing/2014/main" val="3679600373"/>
                     </a:ext>
                   </a:extLst>
                 </a:gridCol>
-                <a:gridCol w="992908">
+                <a:gridCol w="665943">
                   <a:extLst>
                     <a:ext uri="{9D8B030D-6E8A-4147-A177-3AD203B41FA5}">
-                      <a16:colId xmlns:a16="http://schemas.microsoft.com/office/drawing/2014/main" val="1162321261"/>
+                      <a16:colId xmlns:a16="http://schemas.microsoft.com/office/drawing/2014/main" val="1337591091"/>
                     </a:ext>
                   </a:extLst>
                 </a:gridCol>
-                <a:gridCol w="992908">
+                <a:gridCol w="665943">
                   <a:extLst>
                     <a:ext uri="{9D8B030D-6E8A-4147-A177-3AD203B41FA5}">
-                      <a16:colId xmlns:a16="http://schemas.microsoft.com/office/drawing/2014/main" val="3739274296"/>
-                    </a:ext>
-                  </a:extLst>
-                </a:gridCol>
-                <a:gridCol w="992908">
-                  <a:extLst>
-                    <a:ext uri="{9D8B030D-6E8A-4147-A177-3AD203B41FA5}">
-                      <a16:colId xmlns:a16="http://schemas.microsoft.com/office/drawing/2014/main" val="3142711952"/>
+                      <a16:colId xmlns:a16="http://schemas.microsoft.com/office/drawing/2014/main" val="1537518633"/>
                     </a:ext>
                   </a:extLst>
                 </a:gridCol>
@@ -5112,28 +7172,9 @@
                     <a:lstStyle/>
                     <a:p>
                       <a:r>
-                        <a:rPr lang="en-US" dirty="0" smtClean="0"/>
-                        <a:t>X</a:t>
+                        <a:rPr lang="en-US" dirty="0"/>
+                        <a:t>0</a:t>
                       </a:r>
-                      <a:endParaRPr lang="en-US" dirty="0"/>
-                    </a:p>
-                  </a:txBody>
-                  <a:tcPr>
-                    <a:solidFill>
-                      <a:schemeClr val="accent3"/>
-                    </a:solidFill>
-                  </a:tcPr>
-                </a:tc>
-                <a:tc>
-                  <a:txBody>
-                    <a:bodyPr/>
-                    <a:lstStyle/>
-                    <a:p>
-                      <a:r>
-                        <a:rPr lang="en-US" dirty="0" smtClean="0"/>
-                        <a:t>1</a:t>
-                      </a:r>
-                      <a:endParaRPr lang="en-US" dirty="0"/>
                     </a:p>
                   </a:txBody>
                   <a:tcPr>
@@ -5148,13 +7189,16 @@
                     <a:lstStyle/>
                     <a:p>
                       <a:r>
-                        <a:rPr lang="en-US" dirty="0" smtClean="0"/>
-                        <a:t>0</a:t>
+                        <a:rPr lang="en-US" dirty="0"/>
+                        <a:t>?</a:t>
                       </a:r>
-                      <a:endParaRPr lang="en-US" dirty="0"/>
                     </a:p>
                   </a:txBody>
-                  <a:tcPr/>
+                  <a:tcPr>
+                    <a:solidFill>
+                      <a:schemeClr val="bg1"/>
+                    </a:solidFill>
+                  </a:tcPr>
                 </a:tc>
                 <a:tc>
                   <a:txBody>
@@ -5162,10 +7206,187 @@
                     <a:lstStyle/>
                     <a:p>
                       <a:r>
-                        <a:rPr lang="en-US" dirty="0" smtClean="0"/>
-                        <a:t>1</a:t>
+                        <a:rPr lang="en-US" dirty="0"/>
+                        <a:t>?</a:t>
                       </a:r>
-                      <a:endParaRPr lang="en-US" dirty="0"/>
+                    </a:p>
+                  </a:txBody>
+                  <a:tcPr>
+                    <a:solidFill>
+                      <a:schemeClr val="bg1"/>
+                    </a:solidFill>
+                  </a:tcPr>
+                </a:tc>
+                <a:tc>
+                  <a:txBody>
+                    <a:bodyPr/>
+                    <a:lstStyle/>
+                    <a:p>
+                      <a:r>
+                        <a:rPr lang="en-US" dirty="0"/>
+                        <a:t>?</a:t>
+                      </a:r>
+                    </a:p>
+                  </a:txBody>
+                  <a:tcPr>
+                    <a:solidFill>
+                      <a:schemeClr val="bg1"/>
+                    </a:solidFill>
+                  </a:tcPr>
+                </a:tc>
+                <a:tc>
+                  <a:txBody>
+                    <a:bodyPr/>
+                    <a:lstStyle/>
+                    <a:p>
+                      <a:r>
+                        <a:rPr lang="en-US" dirty="0"/>
+                        <a:t>?</a:t>
+                      </a:r>
+                    </a:p>
+                  </a:txBody>
+                  <a:tcPr>
+                    <a:solidFill>
+                      <a:schemeClr val="bg1"/>
+                    </a:solidFill>
+                  </a:tcPr>
+                </a:tc>
+                <a:extLst>
+                  <a:ext uri="{0D108BD9-81ED-4DB2-BD59-A6C34878D82A}">
+                    <a16:rowId xmlns:a16="http://schemas.microsoft.com/office/drawing/2014/main" val="2599666577"/>
+                  </a:ext>
+                </a:extLst>
+              </a:tr>
+            </a:tbl>
+          </a:graphicData>
+        </a:graphic>
+      </p:graphicFrame>
+      <p:cxnSp>
+        <p:nvCxnSpPr>
+          <p:cNvPr id="8" name="Straight Arrow Connector 7">
+            <a:extLst>
+              <a:ext uri="{FF2B5EF4-FFF2-40B4-BE49-F238E27FC236}">
+                <a16:creationId xmlns:a16="http://schemas.microsoft.com/office/drawing/2014/main" id="{DF1A4B23-3EBF-164A-90E4-7C33BFFEB38E}"/>
+              </a:ext>
+            </a:extLst>
+          </p:cNvPr>
+          <p:cNvCxnSpPr>
+            <a:cxnSpLocks/>
+            <a:stCxn id="13" idx="0"/>
+            <a:endCxn id="12" idx="2"/>
+          </p:cNvCxnSpPr>
+          <p:nvPr/>
+        </p:nvCxnSpPr>
+        <p:spPr>
+          <a:xfrm flipV="1">
+            <a:off x="2186706" y="4086397"/>
+            <a:ext cx="2313709" cy="1019373"/>
+          </a:xfrm>
+          <a:prstGeom prst="straightConnector1">
+            <a:avLst/>
+          </a:prstGeom>
+          <a:noFill/>
+          <a:ln w="50800" cap="flat">
+            <a:solidFill>
+              <a:srgbClr val="000000"/>
+            </a:solidFill>
+            <a:prstDash val="solid"/>
+            <a:miter lim="400000"/>
+            <a:tailEnd type="triangle"/>
+          </a:ln>
+          <a:effectLst/>
+          <a:sp3d/>
+        </p:spPr>
+        <p:style>
+          <a:lnRef idx="0">
+            <a:scrgbClr r="0" g="0" b="0"/>
+          </a:lnRef>
+          <a:fillRef idx="0">
+            <a:scrgbClr r="0" g="0" b="0"/>
+          </a:fillRef>
+          <a:effectRef idx="0">
+            <a:scrgbClr r="0" g="0" b="0"/>
+          </a:effectRef>
+          <a:fontRef idx="none"/>
+        </p:style>
+      </p:cxnSp>
+      <p:graphicFrame>
+        <p:nvGraphicFramePr>
+          <p:cNvPr id="12" name="Table 11">
+            <a:extLst>
+              <a:ext uri="{FF2B5EF4-FFF2-40B4-BE49-F238E27FC236}">
+                <a16:creationId xmlns:a16="http://schemas.microsoft.com/office/drawing/2014/main" id="{74548ED0-9321-084C-AF12-253121571486}"/>
+              </a:ext>
+            </a:extLst>
+          </p:cNvPr>
+          <p:cNvGraphicFramePr>
+            <a:graphicFrameLocks noGrp="1"/>
+          </p:cNvGraphicFramePr>
+          <p:nvPr>
+            <p:extLst>
+              <p:ext uri="{D42A27DB-BD31-4B8C-83A1-F6EECF244321}">
+                <p14:modId xmlns:p14="http://schemas.microsoft.com/office/powerpoint/2010/main" val="2479177728"/>
+              </p:ext>
+            </p:extLst>
+          </p:nvPr>
+        </p:nvGraphicFramePr>
+        <p:xfrm>
+          <a:off x="2835558" y="3715557"/>
+          <a:ext cx="3329715" cy="370840"/>
+        </p:xfrm>
+        <a:graphic>
+          <a:graphicData uri="http://schemas.openxmlformats.org/drawingml/2006/table">
+            <a:tbl>
+              <a:tblPr firstRow="1" bandRow="1">
+                <a:tableStyleId>{5940675A-B579-460E-94D1-54222C63F5DA}</a:tableStyleId>
+              </a:tblPr>
+              <a:tblGrid>
+                <a:gridCol w="665943">
+                  <a:extLst>
+                    <a:ext uri="{9D8B030D-6E8A-4147-A177-3AD203B41FA5}">
+                      <a16:colId xmlns:a16="http://schemas.microsoft.com/office/drawing/2014/main" val="2016634412"/>
+                    </a:ext>
+                  </a:extLst>
+                </a:gridCol>
+                <a:gridCol w="665943">
+                  <a:extLst>
+                    <a:ext uri="{9D8B030D-6E8A-4147-A177-3AD203B41FA5}">
+                      <a16:colId xmlns:a16="http://schemas.microsoft.com/office/drawing/2014/main" val="1633594872"/>
+                    </a:ext>
+                  </a:extLst>
+                </a:gridCol>
+                <a:gridCol w="665943">
+                  <a:extLst>
+                    <a:ext uri="{9D8B030D-6E8A-4147-A177-3AD203B41FA5}">
+                      <a16:colId xmlns:a16="http://schemas.microsoft.com/office/drawing/2014/main" val="3679600373"/>
+                    </a:ext>
+                  </a:extLst>
+                </a:gridCol>
+                <a:gridCol w="665943">
+                  <a:extLst>
+                    <a:ext uri="{9D8B030D-6E8A-4147-A177-3AD203B41FA5}">
+                      <a16:colId xmlns:a16="http://schemas.microsoft.com/office/drawing/2014/main" val="1337591091"/>
+                    </a:ext>
+                  </a:extLst>
+                </a:gridCol>
+                <a:gridCol w="665943">
+                  <a:extLst>
+                    <a:ext uri="{9D8B030D-6E8A-4147-A177-3AD203B41FA5}">
+                      <a16:colId xmlns:a16="http://schemas.microsoft.com/office/drawing/2014/main" val="1537518633"/>
+                    </a:ext>
+                  </a:extLst>
+                </a:gridCol>
+              </a:tblGrid>
+              <a:tr h="370840">
+                <a:tc>
+                  <a:txBody>
+                    <a:bodyPr/>
+                    <a:lstStyle/>
+                    <a:p>
+                      <a:r>
+                        <a:rPr lang="en-US" dirty="0"/>
+                        <a:t>0</a:t>
+                      </a:r>
                     </a:p>
                   </a:txBody>
                   <a:tcPr>
@@ -5180,63 +7401,9 @@
                     <a:lstStyle/>
                     <a:p>
                       <a:r>
-                        <a:rPr lang="en-US" dirty="0" smtClean="0"/>
+                        <a:rPr lang="en-US" dirty="0"/>
                         <a:t>0</a:t>
                       </a:r>
-                      <a:endParaRPr lang="en-US" dirty="0"/>
-                    </a:p>
-                  </a:txBody>
-                  <a:tcPr/>
-                </a:tc>
-                <a:tc>
-                  <a:txBody>
-                    <a:bodyPr/>
-                    <a:lstStyle/>
-                    <a:p>
-                      <a:r>
-                        <a:rPr lang="en-US" dirty="0" smtClean="0"/>
-                        <a:t>0</a:t>
-                      </a:r>
-                      <a:endParaRPr lang="en-US" dirty="0"/>
-                    </a:p>
-                  </a:txBody>
-                  <a:tcPr/>
-                </a:tc>
-                <a:extLst>
-                  <a:ext uri="{0D108BD9-81ED-4DB2-BD59-A6C34878D82A}">
-                    <a16:rowId xmlns:a16="http://schemas.microsoft.com/office/drawing/2014/main" val="2356717137"/>
-                  </a:ext>
-                </a:extLst>
-              </a:tr>
-              <a:tr h="370840">
-                <a:tc>
-                  <a:txBody>
-                    <a:bodyPr/>
-                    <a:lstStyle/>
-                    <a:p>
-                      <a:r>
-                        <a:rPr lang="en-US" dirty="0" smtClean="0"/>
-                        <a:t>W</a:t>
-                      </a:r>
-                      <a:endParaRPr lang="en-US" dirty="0"/>
-                    </a:p>
-                  </a:txBody>
-                  <a:tcPr>
-                    <a:solidFill>
-                      <a:schemeClr val="accent3"/>
-                    </a:solidFill>
-                  </a:tcPr>
-                </a:tc>
-                <a:tc>
-                  <a:txBody>
-                    <a:bodyPr/>
-                    <a:lstStyle/>
-                    <a:p>
-                      <a:r>
-                        <a:rPr lang="en-US" dirty="0" smtClean="0"/>
-                        <a:t>12</a:t>
-                      </a:r>
-                      <a:endParaRPr lang="en-US" dirty="0"/>
                     </a:p>
                   </a:txBody>
                   <a:tcPr>
@@ -5251,29 +7418,14 @@
                     <a:lstStyle/>
                     <a:p>
                       <a:r>
-                        <a:rPr lang="en-US" dirty="0" smtClean="0"/>
-                        <a:t>7</a:t>
+                        <a:rPr lang="en-US" dirty="0"/>
+                        <a:t>?</a:t>
                       </a:r>
-                      <a:endParaRPr lang="en-US" dirty="0"/>
-                    </a:p>
-                  </a:txBody>
-                  <a:tcPr/>
-                </a:tc>
-                <a:tc>
-                  <a:txBody>
-                    <a:bodyPr/>
-                    <a:lstStyle/>
-                    <a:p>
-                      <a:r>
-                        <a:rPr lang="en-US" dirty="0" smtClean="0"/>
-                        <a:t>11</a:t>
-                      </a:r>
-                      <a:endParaRPr lang="en-US" dirty="0"/>
                     </a:p>
                   </a:txBody>
                   <a:tcPr>
                     <a:solidFill>
-                      <a:schemeClr val="accent1"/>
+                      <a:schemeClr val="bg1"/>
                     </a:solidFill>
                   </a:tcPr>
                 </a:tc>
@@ -5283,50 +7435,14 @@
                     <a:lstStyle/>
                     <a:p>
                       <a:r>
-                        <a:rPr lang="en-US" dirty="0" smtClean="0"/>
-                        <a:t>8</a:t>
+                        <a:rPr lang="en-US" dirty="0"/>
+                        <a:t>?</a:t>
                       </a:r>
-                      <a:endParaRPr lang="en-US" dirty="0"/>
-                    </a:p>
-                  </a:txBody>
-                  <a:tcPr/>
-                </a:tc>
-                <a:tc>
-                  <a:txBody>
-                    <a:bodyPr/>
-                    <a:lstStyle/>
-                    <a:p>
-                      <a:r>
-                        <a:rPr lang="en-US" dirty="0" smtClean="0"/>
-                        <a:t>9</a:t>
-                      </a:r>
-                      <a:endParaRPr lang="en-US" dirty="0"/>
-                    </a:p>
-                  </a:txBody>
-                  <a:tcPr/>
-                </a:tc>
-                <a:extLst>
-                  <a:ext uri="{0D108BD9-81ED-4DB2-BD59-A6C34878D82A}">
-                    <a16:rowId xmlns:a16="http://schemas.microsoft.com/office/drawing/2014/main" val="26620943"/>
-                  </a:ext>
-                </a:extLst>
-              </a:tr>
-              <a:tr h="370840">
-                <a:tc>
-                  <a:txBody>
-                    <a:bodyPr/>
-                    <a:lstStyle/>
-                    <a:p>
-                      <a:r>
-                        <a:rPr lang="en-US" dirty="0" smtClean="0"/>
-                        <a:t>V</a:t>
-                      </a:r>
-                      <a:endParaRPr lang="en-US" dirty="0"/>
                     </a:p>
                   </a:txBody>
                   <a:tcPr>
                     <a:solidFill>
-                      <a:schemeClr val="accent3"/>
+                      <a:schemeClr val="bg1"/>
                     </a:solidFill>
                   </a:tcPr>
                 </a:tc>
@@ -5336,73 +7452,20 @@
                     <a:lstStyle/>
                     <a:p>
                       <a:r>
-                        <a:rPr lang="en-US" dirty="0" smtClean="0"/>
-                        <a:t>24</a:t>
+                        <a:rPr lang="en-US" dirty="0"/>
+                        <a:t>?</a:t>
                       </a:r>
-                      <a:endParaRPr lang="en-US" dirty="0"/>
                     </a:p>
                   </a:txBody>
-                  <a:tcPr/>
-                </a:tc>
-                <a:tc>
-                  <a:txBody>
-                    <a:bodyPr/>
-                    <a:lstStyle/>
-                    <a:p>
-                      <a:r>
-                        <a:rPr lang="en-US" dirty="0" smtClean="0"/>
-                        <a:t>13</a:t>
-                      </a:r>
-                      <a:endParaRPr lang="en-US" dirty="0"/>
-                    </a:p>
-                  </a:txBody>
-                  <a:tcPr/>
-                </a:tc>
-                <a:tc>
-                  <a:txBody>
-                    <a:bodyPr/>
-                    <a:lstStyle/>
-                    <a:p>
-                      <a:r>
-                        <a:rPr lang="en-US" dirty="0" smtClean="0"/>
-                        <a:t>23</a:t>
-                      </a:r>
-                      <a:endParaRPr lang="en-US" dirty="0"/>
-                    </a:p>
-                  </a:txBody>
-                  <a:tcPr/>
-                </a:tc>
-                <a:tc>
-                  <a:txBody>
-                    <a:bodyPr/>
-                    <a:lstStyle/>
-                    <a:p>
-                      <a:r>
-                        <a:rPr lang="en-US" dirty="0" smtClean="0"/>
-                        <a:t>15</a:t>
-                      </a:r>
-                      <a:endParaRPr lang="en-US" dirty="0"/>
-                    </a:p>
-                  </a:txBody>
-                  <a:tcPr/>
-                </a:tc>
-                <a:tc>
-                  <a:txBody>
-                    <a:bodyPr/>
-                    <a:lstStyle/>
-                    <a:p>
-                      <a:r>
-                        <a:rPr lang="en-US" dirty="0" smtClean="0"/>
-                        <a:t>16</a:t>
-                      </a:r>
-                      <a:endParaRPr lang="en-US" dirty="0"/>
-                    </a:p>
-                  </a:txBody>
-                  <a:tcPr/>
+                  <a:tcPr>
+                    <a:solidFill>
+                      <a:schemeClr val="bg1"/>
+                    </a:solidFill>
+                  </a:tcPr>
                 </a:tc>
                 <a:extLst>
                   <a:ext uri="{0D108BD9-81ED-4DB2-BD59-A6C34878D82A}">
-                    <a16:rowId xmlns:a16="http://schemas.microsoft.com/office/drawing/2014/main" val="543697231"/>
+                    <a16:rowId xmlns:a16="http://schemas.microsoft.com/office/drawing/2014/main" val="2599666577"/>
                   </a:ext>
                 </a:extLst>
               </a:tr>
@@ -5410,10 +7473,886 @@
           </a:graphicData>
         </a:graphic>
       </p:graphicFrame>
+      <p:sp>
+        <p:nvSpPr>
+          <p:cNvPr id="13" name="Oval 12">
+            <a:extLst>
+              <a:ext uri="{FF2B5EF4-FFF2-40B4-BE49-F238E27FC236}">
+                <a16:creationId xmlns:a16="http://schemas.microsoft.com/office/drawing/2014/main" id="{C92393D6-C540-0B41-8297-23776CCA690E}"/>
+              </a:ext>
+            </a:extLst>
+          </p:cNvPr>
+          <p:cNvSpPr/>
+          <p:nvPr/>
+        </p:nvSpPr>
+        <p:spPr>
+          <a:xfrm>
+            <a:off x="346357" y="5105770"/>
+            <a:ext cx="3680698" cy="1182965"/>
+          </a:xfrm>
+          <a:prstGeom prst="ellipse">
+            <a:avLst/>
+          </a:prstGeom>
+          <a:solidFill>
+            <a:schemeClr val="accent3"/>
+          </a:solidFill>
+          <a:ln w="12700" cap="flat">
+            <a:noFill/>
+            <a:miter lim="400000"/>
+          </a:ln>
+          <a:effectLst>
+            <a:outerShdw blurRad="38100" dist="25400" dir="5400000" rotWithShape="0">
+              <a:srgbClr val="000000">
+                <a:alpha val="50000"/>
+              </a:srgbClr>
+            </a:outerShdw>
+          </a:effectLst>
+          <a:sp3d/>
+        </p:spPr>
+        <p:style>
+          <a:lnRef idx="0">
+            <a:scrgbClr r="0" g="0" b="0"/>
+          </a:lnRef>
+          <a:fillRef idx="0">
+            <a:scrgbClr r="0" g="0" b="0"/>
+          </a:fillRef>
+          <a:effectRef idx="0">
+            <a:scrgbClr r="0" g="0" b="0"/>
+          </a:effectRef>
+          <a:fontRef idx="none"/>
+        </p:style>
+        <p:txBody>
+          <a:bodyPr rot="0" spcFirstLastPara="1" vertOverflow="overflow" horzOverflow="overflow" vert="horz" wrap="square" lIns="50800" tIns="50800" rIns="50800" bIns="50800" numCol="1" spcCol="38100" rtlCol="0" anchor="ctr">
+            <a:spAutoFit/>
+          </a:bodyPr>
+          <a:lstStyle/>
+          <a:p>
+            <a:pPr marL="0" marR="0" indent="0" algn="ctr" defTabSz="584200" rtl="0" fontAlgn="auto" latinLnBrk="0" hangingPunct="0">
+              <a:lnSpc>
+                <a:spcPct val="100000"/>
+              </a:lnSpc>
+              <a:spcBef>
+                <a:spcPts val="0"/>
+              </a:spcBef>
+              <a:spcAft>
+                <a:spcPts val="0"/>
+              </a:spcAft>
+              <a:buClrTx/>
+              <a:buSzTx/>
+              <a:buFontTx/>
+              <a:buNone/>
+              <a:tabLst/>
+            </a:pPr>
+            <a:r>
+              <a:rPr kumimoji="0" lang="en-US" sz="2400" b="0" i="0" u="none" strike="noStrike" cap="none" spc="0" normalizeH="0" baseline="0" dirty="0">
+                <a:ln>
+                  <a:noFill/>
+                </a:ln>
+                <a:solidFill>
+                  <a:srgbClr val="FFFFFF"/>
+                </a:solidFill>
+                <a:effectLst/>
+                <a:uFillTx/>
+                <a:latin typeface="+mn-lt"/>
+                <a:ea typeface="+mn-ea"/>
+                <a:cs typeface="+mn-cs"/>
+                <a:sym typeface="Helvetica Light"/>
+              </a:rPr>
+              <a:t>X: Best starting 000…</a:t>
+            </a:r>
+          </a:p>
+        </p:txBody>
+      </p:sp>
+      <p:sp>
+        <p:nvSpPr>
+          <p:cNvPr id="14" name="Oval 13">
+            <a:extLst>
+              <a:ext uri="{FF2B5EF4-FFF2-40B4-BE49-F238E27FC236}">
+                <a16:creationId xmlns:a16="http://schemas.microsoft.com/office/drawing/2014/main" id="{8357C652-5CD3-8C4C-8A32-2CC11AA38A27}"/>
+              </a:ext>
+            </a:extLst>
+          </p:cNvPr>
+          <p:cNvSpPr/>
+          <p:nvPr/>
+        </p:nvSpPr>
+        <p:spPr>
+          <a:xfrm>
+            <a:off x="8285018" y="3309494"/>
+            <a:ext cx="3680698" cy="1182965"/>
+          </a:xfrm>
+          <a:prstGeom prst="ellipse">
+            <a:avLst/>
+          </a:prstGeom>
+          <a:solidFill>
+            <a:schemeClr val="accent3"/>
+          </a:solidFill>
+          <a:ln w="12700" cap="flat">
+            <a:noFill/>
+            <a:miter lim="400000"/>
+          </a:ln>
+          <a:effectLst>
+            <a:outerShdw blurRad="38100" dist="25400" dir="5400000" rotWithShape="0">
+              <a:srgbClr val="000000">
+                <a:alpha val="50000"/>
+              </a:srgbClr>
+            </a:outerShdw>
+          </a:effectLst>
+          <a:sp3d/>
+        </p:spPr>
+        <p:style>
+          <a:lnRef idx="0">
+            <a:scrgbClr r="0" g="0" b="0"/>
+          </a:lnRef>
+          <a:fillRef idx="0">
+            <a:scrgbClr r="0" g="0" b="0"/>
+          </a:fillRef>
+          <a:effectRef idx="0">
+            <a:scrgbClr r="0" g="0" b="0"/>
+          </a:effectRef>
+          <a:fontRef idx="none"/>
+        </p:style>
+        <p:txBody>
+          <a:bodyPr rot="0" spcFirstLastPara="1" vertOverflow="overflow" horzOverflow="overflow" vert="horz" wrap="square" lIns="50800" tIns="50800" rIns="50800" bIns="50800" numCol="1" spcCol="38100" rtlCol="0" anchor="ctr">
+            <a:spAutoFit/>
+          </a:bodyPr>
+          <a:lstStyle/>
+          <a:p>
+            <a:pPr marL="0" marR="0" indent="0" algn="ctr" defTabSz="584200" rtl="0" fontAlgn="auto" latinLnBrk="0" hangingPunct="0">
+              <a:lnSpc>
+                <a:spcPct val="100000"/>
+              </a:lnSpc>
+              <a:spcBef>
+                <a:spcPts val="0"/>
+              </a:spcBef>
+              <a:spcAft>
+                <a:spcPts val="0"/>
+              </a:spcAft>
+              <a:buClrTx/>
+              <a:buSzTx/>
+              <a:buFontTx/>
+              <a:buNone/>
+              <a:tabLst/>
+            </a:pPr>
+            <a:r>
+              <a:rPr kumimoji="0" lang="en-US" sz="2400" b="0" i="0" u="none" strike="noStrike" cap="none" spc="0" normalizeH="0" baseline="0" dirty="0">
+                <a:ln>
+                  <a:noFill/>
+                </a:ln>
+                <a:solidFill>
+                  <a:srgbClr val="FFFFFF"/>
+                </a:solidFill>
+                <a:effectLst/>
+                <a:uFillTx/>
+                <a:latin typeface="+mn-lt"/>
+                <a:ea typeface="+mn-ea"/>
+                <a:cs typeface="+mn-cs"/>
+                <a:sym typeface="Helvetica Light"/>
+              </a:rPr>
+              <a:t>Z: Best starting 01…</a:t>
+            </a:r>
+          </a:p>
+        </p:txBody>
+      </p:sp>
+      <p:cxnSp>
+        <p:nvCxnSpPr>
+          <p:cNvPr id="17" name="Straight Arrow Connector 16">
+            <a:extLst>
+              <a:ext uri="{FF2B5EF4-FFF2-40B4-BE49-F238E27FC236}">
+                <a16:creationId xmlns:a16="http://schemas.microsoft.com/office/drawing/2014/main" id="{636CE956-B7C6-3845-8893-7154831873D2}"/>
+              </a:ext>
+            </a:extLst>
+          </p:cNvPr>
+          <p:cNvCxnSpPr>
+            <a:cxnSpLocks/>
+            <a:stCxn id="23" idx="0"/>
+            <a:endCxn id="12" idx="2"/>
+          </p:cNvCxnSpPr>
+          <p:nvPr/>
+        </p:nvCxnSpPr>
+        <p:spPr>
+          <a:xfrm flipH="1" flipV="1">
+            <a:off x="4500415" y="4086397"/>
+            <a:ext cx="2119745" cy="1016534"/>
+          </a:xfrm>
+          <a:prstGeom prst="straightConnector1">
+            <a:avLst/>
+          </a:prstGeom>
+          <a:noFill/>
+          <a:ln w="50800" cap="flat">
+            <a:solidFill>
+              <a:srgbClr val="000000"/>
+            </a:solidFill>
+            <a:prstDash val="solid"/>
+            <a:miter lim="400000"/>
+            <a:tailEnd type="triangle"/>
+          </a:ln>
+          <a:effectLst/>
+          <a:sp3d/>
+        </p:spPr>
+        <p:style>
+          <a:lnRef idx="0">
+            <a:scrgbClr r="0" g="0" b="0"/>
+          </a:lnRef>
+          <a:fillRef idx="0">
+            <a:scrgbClr r="0" g="0" b="0"/>
+          </a:fillRef>
+          <a:effectRef idx="0">
+            <a:scrgbClr r="0" g="0" b="0"/>
+          </a:effectRef>
+          <a:fontRef idx="none"/>
+        </p:style>
+      </p:cxnSp>
+      <p:sp>
+        <p:nvSpPr>
+          <p:cNvPr id="23" name="Oval 22">
+            <a:extLst>
+              <a:ext uri="{FF2B5EF4-FFF2-40B4-BE49-F238E27FC236}">
+                <a16:creationId xmlns:a16="http://schemas.microsoft.com/office/drawing/2014/main" id="{9B9028A7-FD93-464B-83E2-E074EEAA2EFA}"/>
+              </a:ext>
+            </a:extLst>
+          </p:cNvPr>
+          <p:cNvSpPr/>
+          <p:nvPr/>
+        </p:nvSpPr>
+        <p:spPr>
+          <a:xfrm>
+            <a:off x="4779811" y="5102931"/>
+            <a:ext cx="3680698" cy="1182965"/>
+          </a:xfrm>
+          <a:prstGeom prst="ellipse">
+            <a:avLst/>
+          </a:prstGeom>
+          <a:solidFill>
+            <a:schemeClr val="accent3"/>
+          </a:solidFill>
+          <a:ln w="12700" cap="flat">
+            <a:noFill/>
+            <a:miter lim="400000"/>
+          </a:ln>
+          <a:effectLst>
+            <a:outerShdw blurRad="38100" dist="25400" dir="5400000" rotWithShape="0">
+              <a:srgbClr val="000000">
+                <a:alpha val="50000"/>
+              </a:srgbClr>
+            </a:outerShdw>
+          </a:effectLst>
+          <a:sp3d/>
+        </p:spPr>
+        <p:style>
+          <a:lnRef idx="0">
+            <a:scrgbClr r="0" g="0" b="0"/>
+          </a:lnRef>
+          <a:fillRef idx="0">
+            <a:scrgbClr r="0" g="0" b="0"/>
+          </a:fillRef>
+          <a:effectRef idx="0">
+            <a:scrgbClr r="0" g="0" b="0"/>
+          </a:effectRef>
+          <a:fontRef idx="none"/>
+        </p:style>
+        <p:txBody>
+          <a:bodyPr rot="0" spcFirstLastPara="1" vertOverflow="overflow" horzOverflow="overflow" vert="horz" wrap="square" lIns="50800" tIns="50800" rIns="50800" bIns="50800" numCol="1" spcCol="38100" rtlCol="0" anchor="ctr">
+            <a:spAutoFit/>
+          </a:bodyPr>
+          <a:lstStyle/>
+          <a:p>
+            <a:pPr marL="0" marR="0" indent="0" algn="ctr" defTabSz="584200" rtl="0" fontAlgn="auto" latinLnBrk="0" hangingPunct="0">
+              <a:lnSpc>
+                <a:spcPct val="100000"/>
+              </a:lnSpc>
+              <a:spcBef>
+                <a:spcPts val="0"/>
+              </a:spcBef>
+              <a:spcAft>
+                <a:spcPts val="0"/>
+              </a:spcAft>
+              <a:buClrTx/>
+              <a:buSzTx/>
+              <a:buFontTx/>
+              <a:buNone/>
+              <a:tabLst/>
+            </a:pPr>
+            <a:r>
+              <a:rPr kumimoji="0" lang="en-US" sz="2400" b="0" i="0" u="none" strike="noStrike" cap="none" spc="0" normalizeH="0" baseline="0" dirty="0">
+                <a:ln>
+                  <a:noFill/>
+                </a:ln>
+                <a:solidFill>
+                  <a:srgbClr val="FFFFFF"/>
+                </a:solidFill>
+                <a:effectLst/>
+                <a:uFillTx/>
+                <a:latin typeface="+mn-lt"/>
+                <a:ea typeface="+mn-ea"/>
+                <a:cs typeface="+mn-cs"/>
+                <a:sym typeface="Helvetica Light"/>
+              </a:rPr>
+              <a:t>Y: Best starting 001…</a:t>
+            </a:r>
+          </a:p>
+        </p:txBody>
+      </p:sp>
+      <p:cxnSp>
+        <p:nvCxnSpPr>
+          <p:cNvPr id="27" name="Straight Arrow Connector 26">
+            <a:extLst>
+              <a:ext uri="{FF2B5EF4-FFF2-40B4-BE49-F238E27FC236}">
+                <a16:creationId xmlns:a16="http://schemas.microsoft.com/office/drawing/2014/main" id="{0EF89941-A580-F94C-AB2A-933E511EC137}"/>
+              </a:ext>
+            </a:extLst>
+          </p:cNvPr>
+          <p:cNvCxnSpPr>
+            <a:cxnSpLocks/>
+            <a:stCxn id="14" idx="1"/>
+            <a:endCxn id="4" idx="2"/>
+          </p:cNvCxnSpPr>
+          <p:nvPr/>
+        </p:nvCxnSpPr>
+        <p:spPr>
+          <a:xfrm flipH="1" flipV="1">
+            <a:off x="6620160" y="2254900"/>
+            <a:ext cx="2203884" cy="1227835"/>
+          </a:xfrm>
+          <a:prstGeom prst="straightConnector1">
+            <a:avLst/>
+          </a:prstGeom>
+          <a:noFill/>
+          <a:ln w="50800" cap="flat">
+            <a:solidFill>
+              <a:srgbClr val="000000"/>
+            </a:solidFill>
+            <a:prstDash val="solid"/>
+            <a:miter lim="400000"/>
+            <a:tailEnd type="triangle"/>
+          </a:ln>
+          <a:effectLst/>
+          <a:sp3d/>
+        </p:spPr>
+        <p:style>
+          <a:lnRef idx="0">
+            <a:scrgbClr r="0" g="0" b="0"/>
+          </a:lnRef>
+          <a:fillRef idx="0">
+            <a:scrgbClr r="0" g="0" b="0"/>
+          </a:fillRef>
+          <a:effectRef idx="0">
+            <a:scrgbClr r="0" g="0" b="0"/>
+          </a:effectRef>
+          <a:fontRef idx="none"/>
+        </p:style>
+      </p:cxnSp>
+      <p:cxnSp>
+        <p:nvCxnSpPr>
+          <p:cNvPr id="30" name="Straight Arrow Connector 29">
+            <a:extLst>
+              <a:ext uri="{FF2B5EF4-FFF2-40B4-BE49-F238E27FC236}">
+                <a16:creationId xmlns:a16="http://schemas.microsoft.com/office/drawing/2014/main" id="{69774182-A8AF-1E4A-887B-9483A2B40CFF}"/>
+              </a:ext>
+            </a:extLst>
+          </p:cNvPr>
+          <p:cNvCxnSpPr>
+            <a:cxnSpLocks/>
+            <a:stCxn id="12" idx="0"/>
+            <a:endCxn id="4" idx="2"/>
+          </p:cNvCxnSpPr>
+          <p:nvPr/>
+        </p:nvCxnSpPr>
+        <p:spPr>
+          <a:xfrm flipV="1">
+            <a:off x="4500415" y="2254900"/>
+            <a:ext cx="2119745" cy="1460657"/>
+          </a:xfrm>
+          <a:prstGeom prst="straightConnector1">
+            <a:avLst/>
+          </a:prstGeom>
+          <a:noFill/>
+          <a:ln w="50800" cap="flat">
+            <a:solidFill>
+              <a:srgbClr val="000000"/>
+            </a:solidFill>
+            <a:prstDash val="solid"/>
+            <a:miter lim="400000"/>
+            <a:tailEnd type="triangle"/>
+          </a:ln>
+          <a:effectLst/>
+          <a:sp3d/>
+        </p:spPr>
+        <p:style>
+          <a:lnRef idx="0">
+            <a:scrgbClr r="0" g="0" b="0"/>
+          </a:lnRef>
+          <a:fillRef idx="0">
+            <a:scrgbClr r="0" g="0" b="0"/>
+          </a:fillRef>
+          <a:effectRef idx="0">
+            <a:scrgbClr r="0" g="0" b="0"/>
+          </a:effectRef>
+          <a:fontRef idx="none"/>
+        </p:style>
+      </p:cxnSp>
+      <p:cxnSp>
+        <p:nvCxnSpPr>
+          <p:cNvPr id="33" name="Straight Arrow Connector 32">
+            <a:extLst>
+              <a:ext uri="{FF2B5EF4-FFF2-40B4-BE49-F238E27FC236}">
+                <a16:creationId xmlns:a16="http://schemas.microsoft.com/office/drawing/2014/main" id="{B9CD0ED2-EE2A-2645-A9A3-36F75C04EE6A}"/>
+              </a:ext>
+            </a:extLst>
+          </p:cNvPr>
+          <p:cNvCxnSpPr>
+            <a:cxnSpLocks/>
+            <a:stCxn id="4" idx="0"/>
+          </p:cNvCxnSpPr>
+          <p:nvPr/>
+        </p:nvCxnSpPr>
+        <p:spPr>
+          <a:xfrm flipV="1">
+            <a:off x="6620160" y="596323"/>
+            <a:ext cx="1489367" cy="1287737"/>
+          </a:xfrm>
+          <a:prstGeom prst="straightConnector1">
+            <a:avLst/>
+          </a:prstGeom>
+          <a:noFill/>
+          <a:ln w="50800" cap="flat">
+            <a:solidFill>
+              <a:srgbClr val="000000"/>
+            </a:solidFill>
+            <a:prstDash val="solid"/>
+            <a:miter lim="400000"/>
+            <a:tailEnd type="triangle"/>
+          </a:ln>
+          <a:effectLst/>
+          <a:sp3d/>
+        </p:spPr>
+        <p:style>
+          <a:lnRef idx="0">
+            <a:scrgbClr r="0" g="0" b="0"/>
+          </a:lnRef>
+          <a:fillRef idx="0">
+            <a:scrgbClr r="0" g="0" b="0"/>
+          </a:fillRef>
+          <a:effectRef idx="0">
+            <a:scrgbClr r="0" g="0" b="0"/>
+          </a:effectRef>
+          <a:fontRef idx="none"/>
+        </p:style>
+      </p:cxnSp>
+      <p:sp>
+        <p:nvSpPr>
+          <p:cNvPr id="37" name="TextBox 36">
+            <a:extLst>
+              <a:ext uri="{FF2B5EF4-FFF2-40B4-BE49-F238E27FC236}">
+                <a16:creationId xmlns:a16="http://schemas.microsoft.com/office/drawing/2014/main" id="{216A3BBB-301F-3C48-98B1-53344071F27D}"/>
+              </a:ext>
+            </a:extLst>
+          </p:cNvPr>
+          <p:cNvSpPr txBox="1"/>
+          <p:nvPr/>
+        </p:nvSpPr>
+        <p:spPr>
+          <a:xfrm>
+            <a:off x="2069202" y="4276088"/>
+            <a:ext cx="974963" cy="656590"/>
+          </a:xfrm>
+          <a:prstGeom prst="rect">
+            <a:avLst/>
+          </a:prstGeom>
+          <a:noFill/>
+          <a:ln w="12700" cap="flat">
+            <a:noFill/>
+            <a:miter lim="400000"/>
+          </a:ln>
+          <a:effectLst/>
+          <a:sp3d/>
+        </p:spPr>
+        <p:style>
+          <a:lnRef idx="0">
+            <a:scrgbClr r="0" g="0" b="0"/>
+          </a:lnRef>
+          <a:fillRef idx="0">
+            <a:scrgbClr r="0" g="0" b="0"/>
+          </a:fillRef>
+          <a:effectRef idx="0">
+            <a:scrgbClr r="0" g="0" b="0"/>
+          </a:effectRef>
+          <a:fontRef idx="none"/>
+        </p:style>
+        <p:txBody>
+          <a:bodyPr rot="0" spcFirstLastPara="1" vertOverflow="overflow" horzOverflow="overflow" vert="horz" wrap="square" lIns="50800" tIns="50800" rIns="50800" bIns="50800" numCol="1" spcCol="38100" rtlCol="0" anchor="ctr">
+            <a:spAutoFit/>
+          </a:bodyPr>
+          <a:lstStyle/>
+          <a:p>
+            <a:pPr marL="0" marR="0" indent="0" algn="ctr" defTabSz="584200" rtl="0" fontAlgn="auto" latinLnBrk="0" hangingPunct="0">
+              <a:lnSpc>
+                <a:spcPct val="100000"/>
+              </a:lnSpc>
+              <a:spcBef>
+                <a:spcPts val="0"/>
+              </a:spcBef>
+              <a:spcAft>
+                <a:spcPts val="0"/>
+              </a:spcAft>
+              <a:buClrTx/>
+              <a:buSzTx/>
+              <a:buFontTx/>
+              <a:buNone/>
+              <a:tabLst/>
+            </a:pPr>
+            <a:r>
+              <a:rPr kumimoji="0" lang="en-US" sz="3600" b="0" i="0" u="none" strike="noStrike" cap="none" spc="0" normalizeH="0" baseline="0" dirty="0">
+                <a:ln>
+                  <a:noFill/>
+                </a:ln>
+                <a:solidFill>
+                  <a:srgbClr val="000000"/>
+                </a:solidFill>
+                <a:effectLst/>
+                <a:uFillTx/>
+                <a:latin typeface="+mn-lt"/>
+                <a:ea typeface="+mn-ea"/>
+                <a:cs typeface="+mn-cs"/>
+                <a:sym typeface="Helvetica Light"/>
+              </a:rPr>
+              <a:t>X</a:t>
+            </a:r>
+          </a:p>
+        </p:txBody>
+      </p:sp>
+      <p:sp>
+        <p:nvSpPr>
+          <p:cNvPr id="38" name="TextBox 37">
+            <a:extLst>
+              <a:ext uri="{FF2B5EF4-FFF2-40B4-BE49-F238E27FC236}">
+                <a16:creationId xmlns:a16="http://schemas.microsoft.com/office/drawing/2014/main" id="{7CAF7CC8-B321-624D-9534-8778BA1768DA}"/>
+              </a:ext>
+            </a:extLst>
+          </p:cNvPr>
+          <p:cNvSpPr txBox="1"/>
+          <p:nvPr/>
+        </p:nvSpPr>
+        <p:spPr>
+          <a:xfrm>
+            <a:off x="6616427" y="697118"/>
+            <a:ext cx="974963" cy="656590"/>
+          </a:xfrm>
+          <a:prstGeom prst="rect">
+            <a:avLst/>
+          </a:prstGeom>
+          <a:noFill/>
+          <a:ln w="12700" cap="flat">
+            <a:noFill/>
+            <a:miter lim="400000"/>
+          </a:ln>
+          <a:effectLst/>
+          <a:sp3d/>
+        </p:spPr>
+        <p:style>
+          <a:lnRef idx="0">
+            <a:scrgbClr r="0" g="0" b="0"/>
+          </a:lnRef>
+          <a:fillRef idx="0">
+            <a:scrgbClr r="0" g="0" b="0"/>
+          </a:fillRef>
+          <a:effectRef idx="0">
+            <a:scrgbClr r="0" g="0" b="0"/>
+          </a:effectRef>
+          <a:fontRef idx="none"/>
+        </p:style>
+        <p:txBody>
+          <a:bodyPr rot="0" spcFirstLastPara="1" vertOverflow="overflow" horzOverflow="overflow" vert="horz" wrap="square" lIns="50800" tIns="50800" rIns="50800" bIns="50800" numCol="1" spcCol="38100" rtlCol="0" anchor="ctr">
+            <a:spAutoFit/>
+          </a:bodyPr>
+          <a:lstStyle/>
+          <a:p>
+            <a:pPr marL="0" marR="0" indent="0" algn="ctr" defTabSz="584200" rtl="0" fontAlgn="auto" latinLnBrk="0" hangingPunct="0">
+              <a:lnSpc>
+                <a:spcPct val="100000"/>
+              </a:lnSpc>
+              <a:spcBef>
+                <a:spcPts val="0"/>
+              </a:spcBef>
+              <a:spcAft>
+                <a:spcPts val="0"/>
+              </a:spcAft>
+              <a:buClrTx/>
+              <a:buSzTx/>
+              <a:buFontTx/>
+              <a:buNone/>
+              <a:tabLst/>
+            </a:pPr>
+            <a:r>
+              <a:rPr kumimoji="0" lang="en-US" sz="3600" b="0" i="0" u="none" strike="noStrike" cap="none" spc="0" normalizeH="0" baseline="0" dirty="0">
+                <a:ln>
+                  <a:noFill/>
+                </a:ln>
+                <a:solidFill>
+                  <a:srgbClr val="000000"/>
+                </a:solidFill>
+                <a:effectLst/>
+                <a:uFillTx/>
+                <a:latin typeface="+mn-lt"/>
+                <a:ea typeface="+mn-ea"/>
+                <a:cs typeface="+mn-cs"/>
+                <a:sym typeface="Helvetica Light"/>
+              </a:rPr>
+              <a:t>Y</a:t>
+            </a:r>
+          </a:p>
+        </p:txBody>
+      </p:sp>
+      <p:sp>
+        <p:nvSpPr>
+          <p:cNvPr id="39" name="TextBox 38">
+            <a:extLst>
+              <a:ext uri="{FF2B5EF4-FFF2-40B4-BE49-F238E27FC236}">
+                <a16:creationId xmlns:a16="http://schemas.microsoft.com/office/drawing/2014/main" id="{FFC33D2E-15BE-354C-8DD8-D96ADF0B1983}"/>
+              </a:ext>
+            </a:extLst>
+          </p:cNvPr>
+          <p:cNvSpPr txBox="1"/>
+          <p:nvPr/>
+        </p:nvSpPr>
+        <p:spPr>
+          <a:xfrm>
+            <a:off x="4541973" y="2646609"/>
+            <a:ext cx="974963" cy="656590"/>
+          </a:xfrm>
+          <a:prstGeom prst="rect">
+            <a:avLst/>
+          </a:prstGeom>
+          <a:noFill/>
+          <a:ln w="12700" cap="flat">
+            <a:noFill/>
+            <a:miter lim="400000"/>
+          </a:ln>
+          <a:effectLst/>
+          <a:sp3d/>
+        </p:spPr>
+        <p:style>
+          <a:lnRef idx="0">
+            <a:scrgbClr r="0" g="0" b="0"/>
+          </a:lnRef>
+          <a:fillRef idx="0">
+            <a:scrgbClr r="0" g="0" b="0"/>
+          </a:fillRef>
+          <a:effectRef idx="0">
+            <a:scrgbClr r="0" g="0" b="0"/>
+          </a:effectRef>
+          <a:fontRef idx="none"/>
+        </p:style>
+        <p:txBody>
+          <a:bodyPr rot="0" spcFirstLastPara="1" vertOverflow="overflow" horzOverflow="overflow" vert="horz" wrap="square" lIns="50800" tIns="50800" rIns="50800" bIns="50800" numCol="1" spcCol="38100" rtlCol="0" anchor="ctr">
+            <a:spAutoFit/>
+          </a:bodyPr>
+          <a:lstStyle/>
+          <a:p>
+            <a:pPr marL="0" marR="0" indent="0" algn="ctr" defTabSz="584200" rtl="0" fontAlgn="auto" latinLnBrk="0" hangingPunct="0">
+              <a:lnSpc>
+                <a:spcPct val="100000"/>
+              </a:lnSpc>
+              <a:spcBef>
+                <a:spcPts val="0"/>
+              </a:spcBef>
+              <a:spcAft>
+                <a:spcPts val="0"/>
+              </a:spcAft>
+              <a:buClrTx/>
+              <a:buSzTx/>
+              <a:buFontTx/>
+              <a:buNone/>
+              <a:tabLst/>
+            </a:pPr>
+            <a:r>
+              <a:rPr kumimoji="0" lang="en-US" sz="3600" b="0" i="0" u="none" strike="noStrike" cap="none" spc="0" normalizeH="0" baseline="0" dirty="0">
+                <a:ln>
+                  <a:noFill/>
+                </a:ln>
+                <a:solidFill>
+                  <a:srgbClr val="000000"/>
+                </a:solidFill>
+                <a:effectLst/>
+                <a:uFillTx/>
+                <a:latin typeface="+mn-lt"/>
+                <a:ea typeface="+mn-ea"/>
+                <a:cs typeface="+mn-cs"/>
+                <a:sym typeface="Helvetica Light"/>
+              </a:rPr>
+              <a:t>Y</a:t>
+            </a:r>
+          </a:p>
+        </p:txBody>
+      </p:sp>
+      <p:sp>
+        <p:nvSpPr>
+          <p:cNvPr id="40" name="TextBox 39">
+            <a:extLst>
+              <a:ext uri="{FF2B5EF4-FFF2-40B4-BE49-F238E27FC236}">
+                <a16:creationId xmlns:a16="http://schemas.microsoft.com/office/drawing/2014/main" id="{839192D8-EB68-F749-8235-47256012C730}"/>
+              </a:ext>
+            </a:extLst>
+          </p:cNvPr>
+          <p:cNvSpPr txBox="1"/>
+          <p:nvPr/>
+        </p:nvSpPr>
+        <p:spPr>
+          <a:xfrm>
+            <a:off x="7973027" y="2652904"/>
+            <a:ext cx="974963" cy="656590"/>
+          </a:xfrm>
+          <a:prstGeom prst="rect">
+            <a:avLst/>
+          </a:prstGeom>
+          <a:noFill/>
+          <a:ln w="12700" cap="flat">
+            <a:noFill/>
+            <a:miter lim="400000"/>
+          </a:ln>
+          <a:effectLst/>
+          <a:sp3d/>
+        </p:spPr>
+        <p:style>
+          <a:lnRef idx="0">
+            <a:scrgbClr r="0" g="0" b="0"/>
+          </a:lnRef>
+          <a:fillRef idx="0">
+            <a:scrgbClr r="0" g="0" b="0"/>
+          </a:fillRef>
+          <a:effectRef idx="0">
+            <a:scrgbClr r="0" g="0" b="0"/>
+          </a:effectRef>
+          <a:fontRef idx="none"/>
+        </p:style>
+        <p:txBody>
+          <a:bodyPr rot="0" spcFirstLastPara="1" vertOverflow="overflow" horzOverflow="overflow" vert="horz" wrap="square" lIns="50800" tIns="50800" rIns="50800" bIns="50800" numCol="1" spcCol="38100" rtlCol="0" anchor="ctr">
+            <a:spAutoFit/>
+          </a:bodyPr>
+          <a:lstStyle/>
+          <a:p>
+            <a:pPr marL="0" marR="0" indent="0" algn="ctr" defTabSz="584200" rtl="0" fontAlgn="auto" latinLnBrk="0" hangingPunct="0">
+              <a:lnSpc>
+                <a:spcPct val="100000"/>
+              </a:lnSpc>
+              <a:spcBef>
+                <a:spcPts val="0"/>
+              </a:spcBef>
+              <a:spcAft>
+                <a:spcPts val="0"/>
+              </a:spcAft>
+              <a:buClrTx/>
+              <a:buSzTx/>
+              <a:buFontTx/>
+              <a:buNone/>
+              <a:tabLst/>
+            </a:pPr>
+            <a:r>
+              <a:rPr lang="en-US" dirty="0"/>
+              <a:t>Z</a:t>
+            </a:r>
+            <a:endParaRPr kumimoji="0" lang="en-US" sz="3600" b="0" i="0" u="none" strike="noStrike" cap="none" spc="0" normalizeH="0" baseline="0" dirty="0">
+              <a:ln>
+                <a:noFill/>
+              </a:ln>
+              <a:solidFill>
+                <a:srgbClr val="000000"/>
+              </a:solidFill>
+              <a:effectLst/>
+              <a:uFillTx/>
+              <a:latin typeface="+mn-lt"/>
+              <a:ea typeface="+mn-ea"/>
+              <a:cs typeface="+mn-cs"/>
+              <a:sym typeface="Helvetica Light"/>
+            </a:endParaRPr>
+          </a:p>
+        </p:txBody>
+      </p:sp>
+      <p:sp>
+        <p:nvSpPr>
+          <p:cNvPr id="41" name="TextBox 40">
+            <a:extLst>
+              <a:ext uri="{FF2B5EF4-FFF2-40B4-BE49-F238E27FC236}">
+                <a16:creationId xmlns:a16="http://schemas.microsoft.com/office/drawing/2014/main" id="{F1EFAD32-AC2F-7343-8562-DCF136BCCA45}"/>
+              </a:ext>
+            </a:extLst>
+          </p:cNvPr>
+          <p:cNvSpPr txBox="1"/>
+          <p:nvPr/>
+        </p:nvSpPr>
+        <p:spPr>
+          <a:xfrm>
+            <a:off x="5762701" y="4260922"/>
+            <a:ext cx="974963" cy="656590"/>
+          </a:xfrm>
+          <a:prstGeom prst="rect">
+            <a:avLst/>
+          </a:prstGeom>
+          <a:noFill/>
+          <a:ln w="12700" cap="flat">
+            <a:noFill/>
+            <a:miter lim="400000"/>
+          </a:ln>
+          <a:effectLst/>
+          <a:sp3d/>
+        </p:spPr>
+        <p:style>
+          <a:lnRef idx="0">
+            <a:scrgbClr r="0" g="0" b="0"/>
+          </a:lnRef>
+          <a:fillRef idx="0">
+            <a:scrgbClr r="0" g="0" b="0"/>
+          </a:fillRef>
+          <a:effectRef idx="0">
+            <a:scrgbClr r="0" g="0" b="0"/>
+          </a:effectRef>
+          <a:fontRef idx="none"/>
+        </p:style>
+        <p:txBody>
+          <a:bodyPr rot="0" spcFirstLastPara="1" vertOverflow="overflow" horzOverflow="overflow" vert="horz" wrap="square" lIns="50800" tIns="50800" rIns="50800" bIns="50800" numCol="1" spcCol="38100" rtlCol="0" anchor="ctr">
+            <a:spAutoFit/>
+          </a:bodyPr>
+          <a:lstStyle/>
+          <a:p>
+            <a:pPr marL="0" marR="0" indent="0" algn="ctr" defTabSz="584200" rtl="0" fontAlgn="auto" latinLnBrk="0" hangingPunct="0">
+              <a:lnSpc>
+                <a:spcPct val="100000"/>
+              </a:lnSpc>
+              <a:spcBef>
+                <a:spcPts val="0"/>
+              </a:spcBef>
+              <a:spcAft>
+                <a:spcPts val="0"/>
+              </a:spcAft>
+              <a:buClrTx/>
+              <a:buSzTx/>
+              <a:buFontTx/>
+              <a:buNone/>
+              <a:tabLst/>
+            </a:pPr>
+            <a:r>
+              <a:rPr kumimoji="0" lang="en-US" sz="3600" b="0" i="0" u="none" strike="noStrike" cap="none" spc="0" normalizeH="0" baseline="0" dirty="0">
+                <a:ln>
+                  <a:noFill/>
+                </a:ln>
+                <a:solidFill>
+                  <a:srgbClr val="000000"/>
+                </a:solidFill>
+                <a:effectLst/>
+                <a:uFillTx/>
+                <a:latin typeface="+mn-lt"/>
+                <a:ea typeface="+mn-ea"/>
+                <a:cs typeface="+mn-cs"/>
+                <a:sym typeface="Helvetica Light"/>
+              </a:rPr>
+              <a:t>Y</a:t>
+            </a:r>
+          </a:p>
+        </p:txBody>
+      </p:sp>
     </p:spTree>
     <p:extLst>
       <p:ext uri="{BB962C8B-B14F-4D97-AF65-F5344CB8AC3E}">
-        <p14:creationId xmlns:p14="http://schemas.microsoft.com/office/powerpoint/2010/main" val="445951387"/>
+        <p14:creationId xmlns:p14="http://schemas.microsoft.com/office/powerpoint/2010/main" val="3146162415"/>
       </p:ext>
     </p:extLst>
   </p:cSld>
@@ -5459,10 +8398,9 @@
           <a:lstStyle/>
           <a:p>
             <a:r>
-              <a:rPr lang="en-US" dirty="0" smtClean="0"/>
+              <a:rPr lang="en-US" dirty="0"/>
               <a:t>Runtime Of Algorithms</a:t>
             </a:r>
-            <a:endParaRPr lang="en-US" dirty="0"/>
           </a:p>
         </p:txBody>
       </p:sp>
@@ -5489,17 +8427,17 @@
               <a:lstStyle/>
               <a:p>
                 <a:r>
-                  <a:rPr lang="en-US" dirty="0" smtClean="0"/>
+                  <a:rPr lang="en-US" dirty="0"/>
                   <a:t>Depending on input size N of the addressed problem</a:t>
                 </a:r>
               </a:p>
               <a:p>
                 <a:r>
-                  <a:rPr lang="en-US" i="1" dirty="0" smtClean="0"/>
+                  <a:rPr lang="en-US" i="1" dirty="0"/>
                   <a:t>Polynomial</a:t>
                 </a:r>
                 <a:r>
-                  <a:rPr lang="en-US" dirty="0" smtClean="0"/>
+                  <a:rPr lang="en-US" dirty="0"/>
                   <a:t> </a:t>
                 </a:r>
                 <a14:m>
@@ -5549,21 +8487,21 @@
                   </m:oMath>
                 </a14:m>
                 <a:r>
-                  <a:rPr lang="en-US" dirty="0" smtClean="0"/>
+                  <a:rPr lang="en-US" dirty="0"/>
                   <a:t>: usually fine, for small </a:t>
                 </a:r>
                 <a:r>
-                  <a:rPr lang="en-US" i="1" dirty="0" smtClean="0"/>
+                  <a:rPr lang="en-US" i="1" dirty="0"/>
                   <a:t>k</a:t>
                 </a:r>
               </a:p>
               <a:p>
                 <a:r>
-                  <a:rPr lang="en-US" i="1" dirty="0" smtClean="0"/>
+                  <a:rPr lang="en-US" i="1" dirty="0"/>
                   <a:t>Exponential</a:t>
                 </a:r>
                 <a:r>
-                  <a:rPr lang="en-US" dirty="0" smtClean="0"/>
+                  <a:rPr lang="en-US" dirty="0"/>
                   <a:t> </a:t>
                 </a:r>
                 <a14:m>
@@ -5614,26 +8552,26 @@
                   </m:oMath>
                 </a14:m>
                 <a:r>
-                  <a:rPr lang="en-US" dirty="0" smtClean="0"/>
+                  <a:rPr lang="en-US" dirty="0"/>
                   <a:t>: </a:t>
                 </a:r>
                 <a:r>
-                  <a:rPr lang="en-US" b="1" dirty="0" smtClean="0"/>
+                  <a:rPr lang="en-US" b="1" dirty="0"/>
                   <a:t>hopeless</a:t>
                 </a:r>
                 <a:r>
-                  <a:rPr lang="en-US" dirty="0" smtClean="0"/>
+                  <a:rPr lang="en-US" dirty="0"/>
                   <a:t>, unless tiny N</a:t>
                 </a:r>
               </a:p>
               <a:p>
                 <a:pPr lvl="1"/>
                 <a:r>
-                  <a:rPr lang="en-US" dirty="0" err="1" smtClean="0"/>
+                  <a:rPr lang="en-US" dirty="0" err="1"/>
                   <a:t>Eg</a:t>
                 </a:r>
                 <a:r>
-                  <a:rPr lang="en-US" dirty="0" smtClean="0"/>
+                  <a:rPr lang="en-US" dirty="0"/>
                   <a:t>, number of atoms in the whole universe is estimated to be no more than </a:t>
                 </a:r>
                 <a14:m>
@@ -5755,10 +8693,241 @@
           <a:lstStyle/>
           <a:p>
             <a:r>
-              <a:rPr lang="en-US" dirty="0" smtClean="0"/>
-              <a:t>Greedy: Lightest First</a:t>
+              <a:rPr lang="en-US" dirty="0"/>
+              <a:t>Greedy Algorithm</a:t>
+            </a:r>
+          </a:p>
+        </p:txBody>
+      </p:sp>
+      <p:sp>
+        <p:nvSpPr>
+          <p:cNvPr id="3" name="Text Placeholder 2"/>
+          <p:cNvSpPr>
+            <a:spLocks noGrp="1"/>
+          </p:cNvSpPr>
+          <p:nvPr>
+            <p:ph type="body" idx="1"/>
+          </p:nvPr>
+        </p:nvSpPr>
+        <p:spPr/>
+        <p:txBody>
+          <a:bodyPr/>
+          <a:lstStyle/>
+          <a:p>
+            <a:r>
+              <a:rPr lang="en-US" dirty="0"/>
+              <a:t>Build a solution as quickly as possible</a:t>
+            </a:r>
+          </a:p>
+          <a:p>
+            <a:r>
+              <a:rPr lang="en-US" dirty="0"/>
+              <a:t>Don’t explore the search space, but rather focus on the most promising path in it</a:t>
+            </a:r>
+          </a:p>
+          <a:p>
+            <a:r>
+              <a:rPr lang="en-US" dirty="0"/>
+              <a:t>Actual implementation is problem dependent</a:t>
+            </a:r>
+          </a:p>
+          <a:p>
+            <a:r>
+              <a:rPr lang="en-US" dirty="0"/>
+              <a:t>For example on KP:</a:t>
+            </a:r>
+          </a:p>
+          <a:p>
+            <a:pPr lvl="1"/>
+            <a:r>
+              <a:rPr lang="en-US" dirty="0"/>
+              <a:t>Start from empty selection </a:t>
+            </a:r>
+            <a:r>
+              <a:rPr lang="en-US" i="1" dirty="0"/>
+              <a:t>x</a:t>
+            </a:r>
+          </a:p>
+          <a:p>
+            <a:pPr lvl="1"/>
+            <a:r>
+              <a:rPr lang="en-US" dirty="0"/>
+              <a:t>Add 1 item at a time to </a:t>
+            </a:r>
+            <a:r>
+              <a:rPr lang="en-US" i="1" dirty="0"/>
+              <a:t>x </a:t>
+            </a:r>
+            <a:r>
+              <a:rPr lang="en-US" dirty="0"/>
+              <a:t>(but how to choose???)</a:t>
+            </a:r>
+          </a:p>
+          <a:p>
+            <a:pPr lvl="1"/>
+            <a:r>
+              <a:rPr lang="en-US" dirty="0"/>
+              <a:t>Stop when not possible to add any item</a:t>
+            </a:r>
+          </a:p>
+        </p:txBody>
+      </p:sp>
+    </p:spTree>
+    <p:extLst>
+      <p:ext uri="{BB962C8B-B14F-4D97-AF65-F5344CB8AC3E}">
+        <p14:creationId xmlns:p14="http://schemas.microsoft.com/office/powerpoint/2010/main" val="922076762"/>
+      </p:ext>
+    </p:extLst>
+  </p:cSld>
+  <p:clrMapOvr>
+    <a:masterClrMapping/>
+  </p:clrMapOvr>
+  <p:transition spd="med"/>
+</p:sld>
+</file>
+
+<file path=ppt/slides/slide21.xml><?xml version="1.0" encoding="utf-8"?>
+<p:sld xmlns:a="http://schemas.openxmlformats.org/drawingml/2006/main" xmlns:r="http://schemas.openxmlformats.org/officeDocument/2006/relationships" xmlns:p="http://schemas.openxmlformats.org/presentationml/2006/main">
+  <p:cSld>
+    <p:spTree>
+      <p:nvGrpSpPr>
+        <p:cNvPr id="1" name=""/>
+        <p:cNvGrpSpPr/>
+        <p:nvPr/>
+      </p:nvGrpSpPr>
+      <p:grpSpPr>
+        <a:xfrm>
+          <a:off x="0" y="0"/>
+          <a:ext cx="0" cy="0"/>
+          <a:chOff x="0" y="0"/>
+          <a:chExt cx="0" cy="0"/>
+        </a:xfrm>
+      </p:grpSpPr>
+      <p:sp>
+        <p:nvSpPr>
+          <p:cNvPr id="2" name="Title 1"/>
+          <p:cNvSpPr>
+            <a:spLocks noGrp="1"/>
+          </p:cNvSpPr>
+          <p:nvPr>
+            <p:ph type="title"/>
+          </p:nvPr>
+        </p:nvSpPr>
+        <p:spPr/>
+        <p:txBody>
+          <a:bodyPr/>
+          <a:lstStyle/>
+          <a:p>
+            <a:r>
+              <a:rPr lang="en-US" dirty="0"/>
+              <a:t>KP Example</a:t>
+            </a:r>
+          </a:p>
+        </p:txBody>
+      </p:sp>
+      <p:sp>
+        <p:nvSpPr>
+          <p:cNvPr id="3" name="Text Placeholder 2"/>
+          <p:cNvSpPr>
+            <a:spLocks noGrp="1"/>
+          </p:cNvSpPr>
+          <p:nvPr>
+            <p:ph type="body" idx="1"/>
+          </p:nvPr>
+        </p:nvSpPr>
+        <p:spPr/>
+        <p:txBody>
+          <a:bodyPr/>
+          <a:lstStyle/>
+          <a:p>
+            <a:r>
+              <a:rPr lang="en-US" dirty="0"/>
+              <a:t>L = 26</a:t>
+            </a:r>
+          </a:p>
+          <a:p>
+            <a:r>
+              <a:rPr lang="en-US" dirty="0"/>
+              <a:t>W = [12,   7, 11,   8,   9]</a:t>
+            </a:r>
+          </a:p>
+          <a:p>
+            <a:r>
+              <a:rPr lang="en-US" dirty="0"/>
+              <a:t>V  = [24, 13, 23, 15, 16]</a:t>
+            </a:r>
+          </a:p>
+          <a:p>
+            <a:r>
+              <a:rPr lang="en-US" dirty="0"/>
+              <a:t>From </a:t>
+            </a:r>
+            <a:r>
+              <a:rPr lang="en-US" dirty="0">
+                <a:hlinkClick r:id="rId2"/>
+              </a:rPr>
+              <a:t>https://people.sc.fsu.edu/~jburkardt/datasets/knapsack_01/knapsack_01.html</a:t>
             </a:r>
             <a:endParaRPr lang="en-US" dirty="0"/>
+          </a:p>
+          <a:p>
+            <a:pPr marL="0" indent="0">
+              <a:buNone/>
+            </a:pPr>
+            <a:endParaRPr lang="en-US" dirty="0"/>
+          </a:p>
+        </p:txBody>
+      </p:sp>
+    </p:spTree>
+    <p:extLst>
+      <p:ext uri="{BB962C8B-B14F-4D97-AF65-F5344CB8AC3E}">
+        <p14:creationId xmlns:p14="http://schemas.microsoft.com/office/powerpoint/2010/main" val="2347469872"/>
+      </p:ext>
+    </p:extLst>
+  </p:cSld>
+  <p:clrMapOvr>
+    <a:masterClrMapping/>
+  </p:clrMapOvr>
+  <p:transition spd="med"/>
+</p:sld>
+</file>
+
+<file path=ppt/slides/slide22.xml><?xml version="1.0" encoding="utf-8"?>
+<p:sld xmlns:a="http://schemas.openxmlformats.org/drawingml/2006/main" xmlns:r="http://schemas.openxmlformats.org/officeDocument/2006/relationships" xmlns:p="http://schemas.openxmlformats.org/presentationml/2006/main">
+  <p:cSld>
+    <p:spTree>
+      <p:nvGrpSpPr>
+        <p:cNvPr id="1" name=""/>
+        <p:cNvGrpSpPr/>
+        <p:nvPr/>
+      </p:nvGrpSpPr>
+      <p:grpSpPr>
+        <a:xfrm>
+          <a:off x="0" y="0"/>
+          <a:ext cx="0" cy="0"/>
+          <a:chOff x="0" y="0"/>
+          <a:chExt cx="0" cy="0"/>
+        </a:xfrm>
+      </p:grpSpPr>
+      <p:sp>
+        <p:nvSpPr>
+          <p:cNvPr id="2" name="Title 1"/>
+          <p:cNvSpPr>
+            <a:spLocks noGrp="1"/>
+          </p:cNvSpPr>
+          <p:nvPr>
+            <p:ph type="title"/>
+          </p:nvPr>
+        </p:nvSpPr>
+        <p:spPr/>
+        <p:txBody>
+          <a:bodyPr/>
+          <a:lstStyle/>
+          <a:p>
+            <a:r>
+              <a:rPr lang="en-US" dirty="0"/>
+              <a:t>Greedy: Heaviest First</a:t>
+            </a:r>
           </a:p>
         </p:txBody>
       </p:sp>
@@ -5780,39 +8949,505 @@
         </p:spPr>
         <p:txBody>
           <a:bodyPr>
-            <a:normAutofit/>
+            <a:normAutofit fontScale="85000" lnSpcReduction="20000"/>
           </a:bodyPr>
           <a:lstStyle/>
           <a:p>
             <a:r>
-              <a:rPr lang="en-US" dirty="0" smtClean="0"/>
+              <a:rPr lang="en-US" dirty="0"/>
+              <a:t>First choose (12,24)</a:t>
+            </a:r>
+          </a:p>
+          <a:p>
+            <a:r>
+              <a:rPr lang="en-US" dirty="0"/>
+              <a:t>Then choose (11,13)</a:t>
+            </a:r>
+          </a:p>
+          <a:p>
+            <a:r>
+              <a:rPr lang="en-US" dirty="0"/>
+              <a:t>Weight becomes 12 + 11 = 23 </a:t>
+            </a:r>
+          </a:p>
+          <a:p>
+            <a:r>
+              <a:rPr lang="en-US" dirty="0"/>
+              <a:t>Cannot add any other element without exceeding L=26</a:t>
+            </a:r>
+          </a:p>
+          <a:p>
+            <a:r>
+              <a:rPr lang="en-US" dirty="0"/>
+              <a:t>f(x) = 24 + 23 = 47</a:t>
+            </a:r>
+          </a:p>
+          <a:p>
+            <a:r>
+              <a:rPr lang="en-US" dirty="0"/>
+              <a:t>Is 47 the best score we can achieve???</a:t>
+            </a:r>
+          </a:p>
+        </p:txBody>
+      </p:sp>
+      <p:graphicFrame>
+        <p:nvGraphicFramePr>
+          <p:cNvPr id="4" name="Table 3"/>
+          <p:cNvGraphicFramePr>
+            <a:graphicFrameLocks noGrp="1"/>
+          </p:cNvGraphicFramePr>
+          <p:nvPr>
+            <p:extLst>
+              <p:ext uri="{D42A27DB-BD31-4B8C-83A1-F6EECF244321}">
+                <p14:modId xmlns:p14="http://schemas.microsoft.com/office/powerpoint/2010/main" val="1062025571"/>
+              </p:ext>
+            </p:extLst>
+          </p:nvPr>
+        </p:nvGraphicFramePr>
+        <p:xfrm>
+          <a:off x="3047214" y="2585357"/>
+          <a:ext cx="5957448" cy="1112520"/>
+        </p:xfrm>
+        <a:graphic>
+          <a:graphicData uri="http://schemas.openxmlformats.org/drawingml/2006/table">
+            <a:tbl>
+              <a:tblPr firstRow="1" bandRow="1">
+                <a:tableStyleId>{5940675A-B579-460E-94D1-54222C63F5DA}</a:tableStyleId>
+              </a:tblPr>
+              <a:tblGrid>
+                <a:gridCol w="992908">
+                  <a:extLst>
+                    <a:ext uri="{9D8B030D-6E8A-4147-A177-3AD203B41FA5}">
+                      <a16:colId xmlns:a16="http://schemas.microsoft.com/office/drawing/2014/main" val="873697715"/>
+                    </a:ext>
+                  </a:extLst>
+                </a:gridCol>
+                <a:gridCol w="992908">
+                  <a:extLst>
+                    <a:ext uri="{9D8B030D-6E8A-4147-A177-3AD203B41FA5}">
+                      <a16:colId xmlns:a16="http://schemas.microsoft.com/office/drawing/2014/main" val="2381380617"/>
+                    </a:ext>
+                  </a:extLst>
+                </a:gridCol>
+                <a:gridCol w="992908">
+                  <a:extLst>
+                    <a:ext uri="{9D8B030D-6E8A-4147-A177-3AD203B41FA5}">
+                      <a16:colId xmlns:a16="http://schemas.microsoft.com/office/drawing/2014/main" val="3788322833"/>
+                    </a:ext>
+                  </a:extLst>
+                </a:gridCol>
+                <a:gridCol w="992908">
+                  <a:extLst>
+                    <a:ext uri="{9D8B030D-6E8A-4147-A177-3AD203B41FA5}">
+                      <a16:colId xmlns:a16="http://schemas.microsoft.com/office/drawing/2014/main" val="1162321261"/>
+                    </a:ext>
+                  </a:extLst>
+                </a:gridCol>
+                <a:gridCol w="992908">
+                  <a:extLst>
+                    <a:ext uri="{9D8B030D-6E8A-4147-A177-3AD203B41FA5}">
+                      <a16:colId xmlns:a16="http://schemas.microsoft.com/office/drawing/2014/main" val="3739274296"/>
+                    </a:ext>
+                  </a:extLst>
+                </a:gridCol>
+                <a:gridCol w="992908">
+                  <a:extLst>
+                    <a:ext uri="{9D8B030D-6E8A-4147-A177-3AD203B41FA5}">
+                      <a16:colId xmlns:a16="http://schemas.microsoft.com/office/drawing/2014/main" val="3142711952"/>
+                    </a:ext>
+                  </a:extLst>
+                </a:gridCol>
+              </a:tblGrid>
+              <a:tr h="370840">
+                <a:tc>
+                  <a:txBody>
+                    <a:bodyPr/>
+                    <a:lstStyle/>
+                    <a:p>
+                      <a:r>
+                        <a:rPr lang="en-US" dirty="0"/>
+                        <a:t>X</a:t>
+                      </a:r>
+                    </a:p>
+                  </a:txBody>
+                  <a:tcPr>
+                    <a:solidFill>
+                      <a:schemeClr val="accent3"/>
+                    </a:solidFill>
+                  </a:tcPr>
+                </a:tc>
+                <a:tc>
+                  <a:txBody>
+                    <a:bodyPr/>
+                    <a:lstStyle/>
+                    <a:p>
+                      <a:r>
+                        <a:rPr lang="en-US" dirty="0"/>
+                        <a:t>1</a:t>
+                      </a:r>
+                    </a:p>
+                  </a:txBody>
+                  <a:tcPr>
+                    <a:solidFill>
+                      <a:schemeClr val="accent1"/>
+                    </a:solidFill>
+                  </a:tcPr>
+                </a:tc>
+                <a:tc>
+                  <a:txBody>
+                    <a:bodyPr/>
+                    <a:lstStyle/>
+                    <a:p>
+                      <a:r>
+                        <a:rPr lang="en-US" dirty="0"/>
+                        <a:t>0</a:t>
+                      </a:r>
+                    </a:p>
+                  </a:txBody>
+                  <a:tcPr/>
+                </a:tc>
+                <a:tc>
+                  <a:txBody>
+                    <a:bodyPr/>
+                    <a:lstStyle/>
+                    <a:p>
+                      <a:r>
+                        <a:rPr lang="en-US" dirty="0"/>
+                        <a:t>1</a:t>
+                      </a:r>
+                    </a:p>
+                  </a:txBody>
+                  <a:tcPr>
+                    <a:solidFill>
+                      <a:schemeClr val="accent1"/>
+                    </a:solidFill>
+                  </a:tcPr>
+                </a:tc>
+                <a:tc>
+                  <a:txBody>
+                    <a:bodyPr/>
+                    <a:lstStyle/>
+                    <a:p>
+                      <a:r>
+                        <a:rPr lang="en-US" dirty="0"/>
+                        <a:t>0</a:t>
+                      </a:r>
+                    </a:p>
+                  </a:txBody>
+                  <a:tcPr/>
+                </a:tc>
+                <a:tc>
+                  <a:txBody>
+                    <a:bodyPr/>
+                    <a:lstStyle/>
+                    <a:p>
+                      <a:r>
+                        <a:rPr lang="en-US" dirty="0"/>
+                        <a:t>0</a:t>
+                      </a:r>
+                    </a:p>
+                  </a:txBody>
+                  <a:tcPr/>
+                </a:tc>
+                <a:extLst>
+                  <a:ext uri="{0D108BD9-81ED-4DB2-BD59-A6C34878D82A}">
+                    <a16:rowId xmlns:a16="http://schemas.microsoft.com/office/drawing/2014/main" val="2356717137"/>
+                  </a:ext>
+                </a:extLst>
+              </a:tr>
+              <a:tr h="370840">
+                <a:tc>
+                  <a:txBody>
+                    <a:bodyPr/>
+                    <a:lstStyle/>
+                    <a:p>
+                      <a:r>
+                        <a:rPr lang="en-US" dirty="0"/>
+                        <a:t>W</a:t>
+                      </a:r>
+                    </a:p>
+                  </a:txBody>
+                  <a:tcPr>
+                    <a:solidFill>
+                      <a:schemeClr val="accent3"/>
+                    </a:solidFill>
+                  </a:tcPr>
+                </a:tc>
+                <a:tc>
+                  <a:txBody>
+                    <a:bodyPr/>
+                    <a:lstStyle/>
+                    <a:p>
+                      <a:r>
+                        <a:rPr lang="en-US" dirty="0"/>
+                        <a:t>12</a:t>
+                      </a:r>
+                    </a:p>
+                  </a:txBody>
+                  <a:tcPr>
+                    <a:solidFill>
+                      <a:schemeClr val="accent1"/>
+                    </a:solidFill>
+                  </a:tcPr>
+                </a:tc>
+                <a:tc>
+                  <a:txBody>
+                    <a:bodyPr/>
+                    <a:lstStyle/>
+                    <a:p>
+                      <a:r>
+                        <a:rPr lang="en-US" dirty="0"/>
+                        <a:t>7</a:t>
+                      </a:r>
+                    </a:p>
+                  </a:txBody>
+                  <a:tcPr/>
+                </a:tc>
+                <a:tc>
+                  <a:txBody>
+                    <a:bodyPr/>
+                    <a:lstStyle/>
+                    <a:p>
+                      <a:r>
+                        <a:rPr lang="en-US" dirty="0"/>
+                        <a:t>11</a:t>
+                      </a:r>
+                    </a:p>
+                  </a:txBody>
+                  <a:tcPr>
+                    <a:solidFill>
+                      <a:schemeClr val="accent1"/>
+                    </a:solidFill>
+                  </a:tcPr>
+                </a:tc>
+                <a:tc>
+                  <a:txBody>
+                    <a:bodyPr/>
+                    <a:lstStyle/>
+                    <a:p>
+                      <a:r>
+                        <a:rPr lang="en-US" dirty="0"/>
+                        <a:t>8</a:t>
+                      </a:r>
+                    </a:p>
+                  </a:txBody>
+                  <a:tcPr/>
+                </a:tc>
+                <a:tc>
+                  <a:txBody>
+                    <a:bodyPr/>
+                    <a:lstStyle/>
+                    <a:p>
+                      <a:r>
+                        <a:rPr lang="en-US" dirty="0"/>
+                        <a:t>9</a:t>
+                      </a:r>
+                    </a:p>
+                  </a:txBody>
+                  <a:tcPr/>
+                </a:tc>
+                <a:extLst>
+                  <a:ext uri="{0D108BD9-81ED-4DB2-BD59-A6C34878D82A}">
+                    <a16:rowId xmlns:a16="http://schemas.microsoft.com/office/drawing/2014/main" val="26620943"/>
+                  </a:ext>
+                </a:extLst>
+              </a:tr>
+              <a:tr h="370840">
+                <a:tc>
+                  <a:txBody>
+                    <a:bodyPr/>
+                    <a:lstStyle/>
+                    <a:p>
+                      <a:r>
+                        <a:rPr lang="en-US" dirty="0"/>
+                        <a:t>V</a:t>
+                      </a:r>
+                    </a:p>
+                  </a:txBody>
+                  <a:tcPr>
+                    <a:solidFill>
+                      <a:schemeClr val="accent3"/>
+                    </a:solidFill>
+                  </a:tcPr>
+                </a:tc>
+                <a:tc>
+                  <a:txBody>
+                    <a:bodyPr/>
+                    <a:lstStyle/>
+                    <a:p>
+                      <a:r>
+                        <a:rPr lang="en-US" dirty="0"/>
+                        <a:t>24</a:t>
+                      </a:r>
+                    </a:p>
+                  </a:txBody>
+                  <a:tcPr/>
+                </a:tc>
+                <a:tc>
+                  <a:txBody>
+                    <a:bodyPr/>
+                    <a:lstStyle/>
+                    <a:p>
+                      <a:r>
+                        <a:rPr lang="en-US" dirty="0"/>
+                        <a:t>13</a:t>
+                      </a:r>
+                    </a:p>
+                  </a:txBody>
+                  <a:tcPr/>
+                </a:tc>
+                <a:tc>
+                  <a:txBody>
+                    <a:bodyPr/>
+                    <a:lstStyle/>
+                    <a:p>
+                      <a:r>
+                        <a:rPr lang="en-US" dirty="0"/>
+                        <a:t>23</a:t>
+                      </a:r>
+                    </a:p>
+                  </a:txBody>
+                  <a:tcPr/>
+                </a:tc>
+                <a:tc>
+                  <a:txBody>
+                    <a:bodyPr/>
+                    <a:lstStyle/>
+                    <a:p>
+                      <a:r>
+                        <a:rPr lang="en-US" dirty="0"/>
+                        <a:t>15</a:t>
+                      </a:r>
+                    </a:p>
+                  </a:txBody>
+                  <a:tcPr/>
+                </a:tc>
+                <a:tc>
+                  <a:txBody>
+                    <a:bodyPr/>
+                    <a:lstStyle/>
+                    <a:p>
+                      <a:r>
+                        <a:rPr lang="en-US" dirty="0"/>
+                        <a:t>16</a:t>
+                      </a:r>
+                    </a:p>
+                  </a:txBody>
+                  <a:tcPr/>
+                </a:tc>
+                <a:extLst>
+                  <a:ext uri="{0D108BD9-81ED-4DB2-BD59-A6C34878D82A}">
+                    <a16:rowId xmlns:a16="http://schemas.microsoft.com/office/drawing/2014/main" val="543697231"/>
+                  </a:ext>
+                </a:extLst>
+              </a:tr>
+            </a:tbl>
+          </a:graphicData>
+        </a:graphic>
+      </p:graphicFrame>
+    </p:spTree>
+    <p:extLst>
+      <p:ext uri="{BB962C8B-B14F-4D97-AF65-F5344CB8AC3E}">
+        <p14:creationId xmlns:p14="http://schemas.microsoft.com/office/powerpoint/2010/main" val="445951387"/>
+      </p:ext>
+    </p:extLst>
+  </p:cSld>
+  <p:clrMapOvr>
+    <a:masterClrMapping/>
+  </p:clrMapOvr>
+  <p:transition spd="med"/>
+</p:sld>
+</file>
+
+<file path=ppt/slides/slide23.xml><?xml version="1.0" encoding="utf-8"?>
+<p:sld xmlns:a="http://schemas.openxmlformats.org/drawingml/2006/main" xmlns:r="http://schemas.openxmlformats.org/officeDocument/2006/relationships" xmlns:p="http://schemas.openxmlformats.org/presentationml/2006/main">
+  <p:cSld>
+    <p:spTree>
+      <p:nvGrpSpPr>
+        <p:cNvPr id="1" name=""/>
+        <p:cNvGrpSpPr/>
+        <p:nvPr/>
+      </p:nvGrpSpPr>
+      <p:grpSpPr>
+        <a:xfrm>
+          <a:off x="0" y="0"/>
+          <a:ext cx="0" cy="0"/>
+          <a:chOff x="0" y="0"/>
+          <a:chExt cx="0" cy="0"/>
+        </a:xfrm>
+      </p:grpSpPr>
+      <p:sp>
+        <p:nvSpPr>
+          <p:cNvPr id="2" name="Title 1"/>
+          <p:cNvSpPr>
+            <a:spLocks noGrp="1"/>
+          </p:cNvSpPr>
+          <p:nvPr>
+            <p:ph type="title"/>
+          </p:nvPr>
+        </p:nvSpPr>
+        <p:spPr/>
+        <p:txBody>
+          <a:bodyPr/>
+          <a:lstStyle/>
+          <a:p>
+            <a:r>
+              <a:rPr lang="en-US" dirty="0"/>
+              <a:t>Greedy: Lightest First</a:t>
+            </a:r>
+          </a:p>
+        </p:txBody>
+      </p:sp>
+      <p:sp>
+        <p:nvSpPr>
+          <p:cNvPr id="3" name="Text Placeholder 2"/>
+          <p:cNvSpPr>
+            <a:spLocks noGrp="1"/>
+          </p:cNvSpPr>
+          <p:nvPr>
+            <p:ph type="body" idx="1"/>
+          </p:nvPr>
+        </p:nvSpPr>
+        <p:spPr>
+          <a:xfrm>
+            <a:off x="952500" y="4023360"/>
+            <a:ext cx="11666220" cy="5259977"/>
+          </a:xfrm>
+        </p:spPr>
+        <p:txBody>
+          <a:bodyPr>
+            <a:normAutofit lnSpcReduction="10000"/>
+          </a:bodyPr>
+          <a:lstStyle/>
+          <a:p>
+            <a:r>
+              <a:rPr lang="en-US" dirty="0"/>
               <a:t>Choosing (7,13), (8,15) and (9,16)</a:t>
             </a:r>
           </a:p>
           <a:p>
             <a:r>
-              <a:rPr lang="en-US" dirty="0" smtClean="0"/>
+              <a:rPr lang="en-US" dirty="0"/>
               <a:t>Weight becomes 7 + 8 + 9 = 24 &lt; 26 </a:t>
             </a:r>
           </a:p>
           <a:p>
             <a:r>
-              <a:rPr lang="en-US" dirty="0" smtClean="0"/>
+              <a:rPr lang="en-US" dirty="0"/>
               <a:t>Cannot add any other element without exceeding L=26</a:t>
             </a:r>
           </a:p>
           <a:p>
             <a:r>
-              <a:rPr lang="en-US" dirty="0" smtClean="0"/>
+              <a:rPr lang="en-US" dirty="0"/>
               <a:t>f(x) = 13 + 15 + 16 = 44</a:t>
             </a:r>
           </a:p>
           <a:p>
             <a:r>
-              <a:rPr lang="en-US" dirty="0" smtClean="0"/>
+              <a:rPr lang="en-US" dirty="0"/>
               <a:t>Worse solution 44 than previous 47</a:t>
             </a:r>
-            <a:endParaRPr lang="en-US" dirty="0"/>
           </a:p>
         </p:txBody>
       </p:sp>
@@ -5891,10 +9526,9 @@
                     <a:lstStyle/>
                     <a:p>
                       <a:r>
-                        <a:rPr lang="en-US" dirty="0" smtClean="0"/>
+                        <a:rPr lang="en-US" dirty="0"/>
                         <a:t>X</a:t>
                       </a:r>
-                      <a:endParaRPr lang="en-US" dirty="0"/>
                     </a:p>
                   </a:txBody>
                   <a:tcPr>
@@ -5909,10 +9543,9 @@
                     <a:lstStyle/>
                     <a:p>
                       <a:r>
-                        <a:rPr lang="en-US" dirty="0" smtClean="0"/>
+                        <a:rPr lang="en-US" dirty="0"/>
                         <a:t>0</a:t>
                       </a:r>
-                      <a:endParaRPr lang="en-US" dirty="0"/>
                     </a:p>
                   </a:txBody>
                   <a:tcPr>
@@ -5925,10 +9558,9 @@
                     <a:lstStyle/>
                     <a:p>
                       <a:r>
-                        <a:rPr lang="en-US" dirty="0" smtClean="0"/>
+                        <a:rPr lang="en-US" dirty="0"/>
                         <a:t>1</a:t>
                       </a:r>
-                      <a:endParaRPr lang="en-US" dirty="0"/>
                     </a:p>
                   </a:txBody>
                   <a:tcPr>
@@ -5943,10 +9575,9 @@
                     <a:lstStyle/>
                     <a:p>
                       <a:r>
-                        <a:rPr lang="en-US" dirty="0" smtClean="0"/>
+                        <a:rPr lang="en-US" dirty="0"/>
                         <a:t>0</a:t>
                       </a:r>
-                      <a:endParaRPr lang="en-US" dirty="0"/>
                     </a:p>
                   </a:txBody>
                   <a:tcPr>
@@ -5959,10 +9590,9 @@
                     <a:lstStyle/>
                     <a:p>
                       <a:r>
-                        <a:rPr lang="en-US" dirty="0" smtClean="0"/>
+                        <a:rPr lang="en-US" dirty="0"/>
                         <a:t>1</a:t>
                       </a:r>
-                      <a:endParaRPr lang="en-US" dirty="0"/>
                     </a:p>
                   </a:txBody>
                   <a:tcPr>
@@ -5977,10 +9607,9 @@
                     <a:lstStyle/>
                     <a:p>
                       <a:r>
-                        <a:rPr lang="en-US" dirty="0" smtClean="0"/>
+                        <a:rPr lang="en-US" dirty="0"/>
                         <a:t>1</a:t>
                       </a:r>
-                      <a:endParaRPr lang="en-US" dirty="0"/>
                     </a:p>
                   </a:txBody>
                   <a:tcPr>
@@ -6002,10 +9631,9 @@
                     <a:lstStyle/>
                     <a:p>
                       <a:r>
-                        <a:rPr lang="en-US" dirty="0" smtClean="0"/>
+                        <a:rPr lang="en-US" dirty="0"/>
                         <a:t>W</a:t>
                       </a:r>
-                      <a:endParaRPr lang="en-US" dirty="0"/>
                     </a:p>
                   </a:txBody>
                   <a:tcPr>
@@ -6020,10 +9648,9 @@
                     <a:lstStyle/>
                     <a:p>
                       <a:r>
-                        <a:rPr lang="en-US" dirty="0" smtClean="0"/>
+                        <a:rPr lang="en-US" dirty="0"/>
                         <a:t>12</a:t>
                       </a:r>
-                      <a:endParaRPr lang="en-US" dirty="0"/>
                     </a:p>
                   </a:txBody>
                   <a:tcPr>
@@ -6036,10 +9663,9 @@
                     <a:lstStyle/>
                     <a:p>
                       <a:r>
-                        <a:rPr lang="en-US" dirty="0" smtClean="0"/>
+                        <a:rPr lang="en-US" dirty="0"/>
                         <a:t>7</a:t>
                       </a:r>
-                      <a:endParaRPr lang="en-US" dirty="0"/>
                     </a:p>
                   </a:txBody>
                   <a:tcPr>
@@ -6054,10 +9680,9 @@
                     <a:lstStyle/>
                     <a:p>
                       <a:r>
-                        <a:rPr lang="en-US" dirty="0" smtClean="0"/>
+                        <a:rPr lang="en-US" dirty="0"/>
                         <a:t>11</a:t>
                       </a:r>
-                      <a:endParaRPr lang="en-US" dirty="0"/>
                     </a:p>
                   </a:txBody>
                   <a:tcPr>
@@ -6070,10 +9695,9 @@
                     <a:lstStyle/>
                     <a:p>
                       <a:r>
-                        <a:rPr lang="en-US" dirty="0" smtClean="0"/>
+                        <a:rPr lang="en-US" dirty="0"/>
                         <a:t>8</a:t>
                       </a:r>
-                      <a:endParaRPr lang="en-US" dirty="0"/>
                     </a:p>
                   </a:txBody>
                   <a:tcPr>
@@ -6088,10 +9712,9 @@
                     <a:lstStyle/>
                     <a:p>
                       <a:r>
-                        <a:rPr lang="en-US" dirty="0" smtClean="0"/>
+                        <a:rPr lang="en-US" dirty="0"/>
                         <a:t>9</a:t>
                       </a:r>
-                      <a:endParaRPr lang="en-US" dirty="0"/>
                     </a:p>
                   </a:txBody>
                   <a:tcPr>
@@ -6113,10 +9736,9 @@
                     <a:lstStyle/>
                     <a:p>
                       <a:r>
-                        <a:rPr lang="en-US" dirty="0" smtClean="0"/>
+                        <a:rPr lang="en-US" dirty="0"/>
                         <a:t>V</a:t>
                       </a:r>
-                      <a:endParaRPr lang="en-US" dirty="0"/>
                     </a:p>
                   </a:txBody>
                   <a:tcPr>
@@ -6131,10 +9753,9 @@
                     <a:lstStyle/>
                     <a:p>
                       <a:r>
-                        <a:rPr lang="en-US" dirty="0" smtClean="0"/>
+                        <a:rPr lang="en-US" dirty="0"/>
                         <a:t>24</a:t>
                       </a:r>
-                      <a:endParaRPr lang="en-US" dirty="0"/>
                     </a:p>
                   </a:txBody>
                   <a:tcPr/>
@@ -6145,10 +9766,9 @@
                     <a:lstStyle/>
                     <a:p>
                       <a:r>
-                        <a:rPr lang="en-US" dirty="0" smtClean="0"/>
+                        <a:rPr lang="en-US" dirty="0"/>
                         <a:t>13</a:t>
                       </a:r>
-                      <a:endParaRPr lang="en-US" dirty="0"/>
                     </a:p>
                   </a:txBody>
                   <a:tcPr/>
@@ -6159,10 +9779,9 @@
                     <a:lstStyle/>
                     <a:p>
                       <a:r>
-                        <a:rPr lang="en-US" dirty="0" smtClean="0"/>
+                        <a:rPr lang="en-US" dirty="0"/>
                         <a:t>23</a:t>
                       </a:r>
-                      <a:endParaRPr lang="en-US" dirty="0"/>
                     </a:p>
                   </a:txBody>
                   <a:tcPr/>
@@ -6173,10 +9792,9 @@
                     <a:lstStyle/>
                     <a:p>
                       <a:r>
-                        <a:rPr lang="en-US" dirty="0" smtClean="0"/>
+                        <a:rPr lang="en-US" dirty="0"/>
                         <a:t>15</a:t>
                       </a:r>
-                      <a:endParaRPr lang="en-US" dirty="0"/>
                     </a:p>
                   </a:txBody>
                   <a:tcPr/>
@@ -6187,10 +9805,9 @@
                     <a:lstStyle/>
                     <a:p>
                       <a:r>
-                        <a:rPr lang="en-US" dirty="0" smtClean="0"/>
+                        <a:rPr lang="en-US" dirty="0"/>
                         <a:t>16</a:t>
                       </a:r>
-                      <a:endParaRPr lang="en-US" dirty="0"/>
                     </a:p>
                   </a:txBody>
                   <a:tcPr/>
@@ -6219,7 +9836,7 @@
 </p:sld>
 </file>
 
-<file path=ppt/slides/slide21.xml><?xml version="1.0" encoding="utf-8"?>
+<file path=ppt/slides/slide24.xml><?xml version="1.0" encoding="utf-8"?>
 <p:sld xmlns:a="http://schemas.openxmlformats.org/drawingml/2006/main" xmlns:r="http://schemas.openxmlformats.org/officeDocument/2006/relationships" xmlns:p="http://schemas.openxmlformats.org/presentationml/2006/main">
   <p:cSld>
     <p:spTree>
@@ -6252,10 +9869,9 @@
           <a:lstStyle/>
           <a:p>
             <a:r>
-              <a:rPr lang="en-US" dirty="0" smtClean="0"/>
+              <a:rPr lang="en-US" dirty="0"/>
               <a:t>Greedy: Best Ratio</a:t>
             </a:r>
-            <a:endParaRPr lang="en-US" dirty="0"/>
           </a:p>
         </p:txBody>
       </p:sp>
@@ -6277,7 +9893,7 @@
         </p:spPr>
         <p:txBody>
           <a:bodyPr>
-            <a:normAutofit/>
+            <a:normAutofit fontScale="92500"/>
           </a:bodyPr>
           <a:lstStyle/>
           <a:p>
@@ -6287,15 +9903,15 @@
               </a:spcBef>
             </a:pPr>
             <a:r>
-              <a:rPr lang="en-US" dirty="0" smtClean="0"/>
+              <a:rPr lang="en-US" dirty="0"/>
               <a:t>Consider first the best ratio v/w, </a:t>
             </a:r>
             <a:r>
-              <a:rPr lang="en-US" dirty="0" err="1" smtClean="0"/>
+              <a:rPr lang="en-US" dirty="0" err="1"/>
               <a:t>ie</a:t>
             </a:r>
             <a:r>
-              <a:rPr lang="en-US" dirty="0" smtClean="0"/>
+              <a:rPr lang="en-US" dirty="0"/>
               <a:t> which item gives best return for unit of weight</a:t>
             </a:r>
           </a:p>
@@ -6306,7 +9922,7 @@
               </a:spcBef>
             </a:pPr>
             <a:r>
-              <a:rPr lang="en-US" dirty="0" smtClean="0"/>
+              <a:rPr lang="en-US" dirty="0"/>
               <a:t>Choose (11,23) and then (12,24)</a:t>
             </a:r>
           </a:p>
@@ -6317,7 +9933,7 @@
               </a:spcBef>
             </a:pPr>
             <a:r>
-              <a:rPr lang="en-US" dirty="0" smtClean="0"/>
+              <a:rPr lang="en-US" dirty="0"/>
               <a:t>Cannot add any other element without exceeding L=26</a:t>
             </a:r>
           </a:p>
@@ -6328,7 +9944,7 @@
               </a:spcBef>
             </a:pPr>
             <a:r>
-              <a:rPr lang="en-US" dirty="0" smtClean="0"/>
+              <a:rPr lang="en-US" dirty="0"/>
               <a:t>f(x) = 24 + 23 = 47</a:t>
             </a:r>
           </a:p>
@@ -6339,7 +9955,7 @@
               </a:spcBef>
             </a:pPr>
             <a:r>
-              <a:rPr lang="en-US" dirty="0" smtClean="0"/>
+              <a:rPr lang="en-US" dirty="0"/>
               <a:t>Different order of insertion, but still 47</a:t>
             </a:r>
           </a:p>
@@ -6420,10 +10036,9 @@
                     <a:lstStyle/>
                     <a:p>
                       <a:r>
-                        <a:rPr lang="en-US" dirty="0" smtClean="0"/>
+                        <a:rPr lang="en-US" dirty="0"/>
                         <a:t>X</a:t>
                       </a:r>
-                      <a:endParaRPr lang="en-US" dirty="0"/>
                     </a:p>
                   </a:txBody>
                   <a:tcPr>
@@ -6438,10 +10053,9 @@
                     <a:lstStyle/>
                     <a:p>
                       <a:r>
-                        <a:rPr lang="en-US" dirty="0" smtClean="0"/>
+                        <a:rPr lang="en-US" dirty="0"/>
                         <a:t>1</a:t>
                       </a:r>
-                      <a:endParaRPr lang="en-US" dirty="0"/>
                     </a:p>
                   </a:txBody>
                   <a:tcPr>
@@ -6456,10 +10070,9 @@
                     <a:lstStyle/>
                     <a:p>
                       <a:r>
-                        <a:rPr lang="en-US" dirty="0" smtClean="0"/>
+                        <a:rPr lang="en-US" dirty="0"/>
                         <a:t>0</a:t>
                       </a:r>
-                      <a:endParaRPr lang="en-US" dirty="0"/>
                     </a:p>
                   </a:txBody>
                   <a:tcPr/>
@@ -6470,10 +10083,9 @@
                     <a:lstStyle/>
                     <a:p>
                       <a:r>
-                        <a:rPr lang="en-US" dirty="0" smtClean="0"/>
+                        <a:rPr lang="en-US" dirty="0"/>
                         <a:t>1</a:t>
                       </a:r>
-                      <a:endParaRPr lang="en-US" dirty="0"/>
                     </a:p>
                   </a:txBody>
                   <a:tcPr>
@@ -6488,10 +10100,9 @@
                     <a:lstStyle/>
                     <a:p>
                       <a:r>
-                        <a:rPr lang="en-US" dirty="0" smtClean="0"/>
+                        <a:rPr lang="en-US" dirty="0"/>
                         <a:t>0</a:t>
                       </a:r>
-                      <a:endParaRPr lang="en-US" dirty="0"/>
                     </a:p>
                   </a:txBody>
                   <a:tcPr/>
@@ -6502,10 +10113,9 @@
                     <a:lstStyle/>
                     <a:p>
                       <a:r>
-                        <a:rPr lang="en-US" dirty="0" smtClean="0"/>
+                        <a:rPr lang="en-US" dirty="0"/>
                         <a:t>0</a:t>
                       </a:r>
-                      <a:endParaRPr lang="en-US" dirty="0"/>
                     </a:p>
                   </a:txBody>
                   <a:tcPr/>
@@ -6523,10 +10133,9 @@
                     <a:lstStyle/>
                     <a:p>
                       <a:r>
-                        <a:rPr lang="en-US" dirty="0" smtClean="0"/>
+                        <a:rPr lang="en-US" dirty="0"/>
                         <a:t>W</a:t>
                       </a:r>
-                      <a:endParaRPr lang="en-US" dirty="0"/>
                     </a:p>
                   </a:txBody>
                   <a:tcPr>
@@ -6541,10 +10150,9 @@
                     <a:lstStyle/>
                     <a:p>
                       <a:r>
-                        <a:rPr lang="en-US" dirty="0" smtClean="0"/>
+                        <a:rPr lang="en-US" dirty="0"/>
                         <a:t>12</a:t>
                       </a:r>
-                      <a:endParaRPr lang="en-US" dirty="0"/>
                     </a:p>
                   </a:txBody>
                   <a:tcPr>
@@ -6559,10 +10167,9 @@
                     <a:lstStyle/>
                     <a:p>
                       <a:r>
-                        <a:rPr lang="en-US" dirty="0" smtClean="0"/>
+                        <a:rPr lang="en-US" dirty="0"/>
                         <a:t>7</a:t>
                       </a:r>
-                      <a:endParaRPr lang="en-US" dirty="0"/>
                     </a:p>
                   </a:txBody>
                   <a:tcPr/>
@@ -6573,10 +10180,9 @@
                     <a:lstStyle/>
                     <a:p>
                       <a:r>
-                        <a:rPr lang="en-US" dirty="0" smtClean="0"/>
+                        <a:rPr lang="en-US" dirty="0"/>
                         <a:t>11</a:t>
                       </a:r>
-                      <a:endParaRPr lang="en-US" dirty="0"/>
                     </a:p>
                   </a:txBody>
                   <a:tcPr>
@@ -6591,10 +10197,9 @@
                     <a:lstStyle/>
                     <a:p>
                       <a:r>
-                        <a:rPr lang="en-US" dirty="0" smtClean="0"/>
+                        <a:rPr lang="en-US" dirty="0"/>
                         <a:t>8</a:t>
                       </a:r>
-                      <a:endParaRPr lang="en-US" dirty="0"/>
                     </a:p>
                   </a:txBody>
                   <a:tcPr/>
@@ -6605,10 +10210,9 @@
                     <a:lstStyle/>
                     <a:p>
                       <a:r>
-                        <a:rPr lang="en-US" dirty="0" smtClean="0"/>
+                        <a:rPr lang="en-US" dirty="0"/>
                         <a:t>9</a:t>
                       </a:r>
-                      <a:endParaRPr lang="en-US" dirty="0"/>
                     </a:p>
                   </a:txBody>
                   <a:tcPr/>
@@ -6626,10 +10230,9 @@
                     <a:lstStyle/>
                     <a:p>
                       <a:r>
-                        <a:rPr lang="en-US" dirty="0" smtClean="0"/>
+                        <a:rPr lang="en-US" dirty="0"/>
                         <a:t>V</a:t>
                       </a:r>
-                      <a:endParaRPr lang="en-US" dirty="0"/>
                     </a:p>
                   </a:txBody>
                   <a:tcPr>
@@ -6644,10 +10247,9 @@
                     <a:lstStyle/>
                     <a:p>
                       <a:r>
-                        <a:rPr lang="en-US" dirty="0" smtClean="0"/>
+                        <a:rPr lang="en-US" dirty="0"/>
                         <a:t>24</a:t>
                       </a:r>
-                      <a:endParaRPr lang="en-US" dirty="0"/>
                     </a:p>
                   </a:txBody>
                   <a:tcPr/>
@@ -6658,10 +10260,9 @@
                     <a:lstStyle/>
                     <a:p>
                       <a:r>
-                        <a:rPr lang="en-US" dirty="0" smtClean="0"/>
+                        <a:rPr lang="en-US" dirty="0"/>
                         <a:t>13</a:t>
                       </a:r>
-                      <a:endParaRPr lang="en-US" dirty="0"/>
                     </a:p>
                   </a:txBody>
                   <a:tcPr/>
@@ -6672,10 +10273,9 @@
                     <a:lstStyle/>
                     <a:p>
                       <a:r>
-                        <a:rPr lang="en-US" dirty="0" smtClean="0"/>
+                        <a:rPr lang="en-US" dirty="0"/>
                         <a:t>23</a:t>
                       </a:r>
-                      <a:endParaRPr lang="en-US" dirty="0"/>
                     </a:p>
                   </a:txBody>
                   <a:tcPr/>
@@ -6686,10 +10286,9 @@
                     <a:lstStyle/>
                     <a:p>
                       <a:r>
-                        <a:rPr lang="en-US" dirty="0" smtClean="0"/>
+                        <a:rPr lang="en-US" dirty="0"/>
                         <a:t>15</a:t>
                       </a:r>
-                      <a:endParaRPr lang="en-US" dirty="0"/>
                     </a:p>
                   </a:txBody>
                   <a:tcPr/>
@@ -6700,10 +10299,9 @@
                     <a:lstStyle/>
                     <a:p>
                       <a:r>
-                        <a:rPr lang="en-US" dirty="0" smtClean="0"/>
+                        <a:rPr lang="en-US" dirty="0"/>
                         <a:t>16</a:t>
                       </a:r>
-                      <a:endParaRPr lang="en-US" dirty="0"/>
                     </a:p>
                   </a:txBody>
                   <a:tcPr/>
@@ -6721,10 +10319,9 @@
                     <a:lstStyle/>
                     <a:p>
                       <a:r>
-                        <a:rPr lang="en-US" dirty="0" smtClean="0"/>
+                        <a:rPr lang="en-US" dirty="0"/>
                         <a:t>Ratio</a:t>
                       </a:r>
-                      <a:endParaRPr lang="en-US" dirty="0"/>
                     </a:p>
                   </a:txBody>
                   <a:tcPr>
@@ -6739,10 +10336,9 @@
                     <a:lstStyle/>
                     <a:p>
                       <a:r>
-                        <a:rPr lang="en-US" dirty="0" smtClean="0"/>
+                        <a:rPr lang="en-US" dirty="0"/>
                         <a:t>2.00</a:t>
                       </a:r>
-                      <a:endParaRPr lang="en-US" dirty="0"/>
                     </a:p>
                   </a:txBody>
                   <a:tcPr/>
@@ -6753,10 +10349,9 @@
                     <a:lstStyle/>
                     <a:p>
                       <a:r>
-                        <a:rPr lang="en-US" dirty="0" smtClean="0"/>
+                        <a:rPr lang="en-US" dirty="0"/>
                         <a:t>1.85</a:t>
                       </a:r>
-                      <a:endParaRPr lang="en-US" dirty="0"/>
                     </a:p>
                   </a:txBody>
                   <a:tcPr/>
@@ -6767,10 +10362,9 @@
                     <a:lstStyle/>
                     <a:p>
                       <a:r>
-                        <a:rPr lang="en-US" dirty="0" smtClean="0"/>
+                        <a:rPr lang="en-US" dirty="0"/>
                         <a:t>2.09</a:t>
                       </a:r>
-                      <a:endParaRPr lang="en-US" dirty="0"/>
                     </a:p>
                   </a:txBody>
                   <a:tcPr/>
@@ -6781,10 +10375,9 @@
                     <a:lstStyle/>
                     <a:p>
                       <a:r>
-                        <a:rPr lang="en-US" dirty="0" smtClean="0"/>
+                        <a:rPr lang="en-US" dirty="0"/>
                         <a:t>1.87</a:t>
                       </a:r>
-                      <a:endParaRPr lang="en-US" dirty="0"/>
                     </a:p>
                   </a:txBody>
                   <a:tcPr/>
@@ -6795,10 +10388,9 @@
                     <a:lstStyle/>
                     <a:p>
                       <a:r>
-                        <a:rPr lang="en-US" dirty="0" smtClean="0"/>
+                        <a:rPr lang="en-US" dirty="0"/>
                         <a:t>1.77</a:t>
                       </a:r>
-                      <a:endParaRPr lang="en-US" dirty="0"/>
                     </a:p>
                   </a:txBody>
                   <a:tcPr/>
@@ -6827,7 +10419,7 @@
 </p:sld>
 </file>
 
-<file path=ppt/slides/slide22.xml><?xml version="1.0" encoding="utf-8"?>
+<file path=ppt/slides/slide25.xml><?xml version="1.0" encoding="utf-8"?>
 <p:sld xmlns:a="http://schemas.openxmlformats.org/drawingml/2006/main" xmlns:r="http://schemas.openxmlformats.org/officeDocument/2006/relationships" xmlns:p="http://schemas.openxmlformats.org/presentationml/2006/main">
   <p:cSld>
     <p:spTree>
@@ -6865,10 +10457,9 @@
           <a:lstStyle/>
           <a:p>
             <a:r>
-              <a:rPr lang="en-US" dirty="0" smtClean="0"/>
+              <a:rPr lang="en-US" dirty="0"/>
               <a:t>Best Solution</a:t>
             </a:r>
-            <a:endParaRPr lang="en-US" dirty="0"/>
           </a:p>
         </p:txBody>
       </p:sp>
@@ -6895,34 +10486,33 @@
           <a:lstStyle/>
           <a:p>
             <a:r>
-              <a:rPr lang="en-US" dirty="0" smtClean="0"/>
+              <a:rPr lang="en-US" dirty="0"/>
               <a:t>Weight is 7 + 11 + 8 = 26 </a:t>
             </a:r>
           </a:p>
           <a:p>
             <a:r>
-              <a:rPr lang="en-US" dirty="0" smtClean="0"/>
+              <a:rPr lang="en-US" dirty="0"/>
               <a:t>f(x) = 13 + 23 + 15 = 51</a:t>
             </a:r>
           </a:p>
           <a:p>
             <a:r>
-              <a:rPr lang="en-US" dirty="0" smtClean="0"/>
+              <a:rPr lang="en-US" dirty="0"/>
               <a:t>Better than the previous 47</a:t>
             </a:r>
           </a:p>
           <a:p>
             <a:r>
-              <a:rPr lang="en-US" dirty="0" smtClean="0"/>
+              <a:rPr lang="en-US" dirty="0"/>
               <a:t>Greedy algorithms can be fast, but can give poor results</a:t>
             </a:r>
           </a:p>
           <a:p>
             <a:r>
-              <a:rPr lang="en-US" dirty="0" smtClean="0"/>
+              <a:rPr lang="en-US" dirty="0"/>
               <a:t>Need something more general, with better results</a:t>
             </a:r>
-            <a:endParaRPr lang="en-US" dirty="0"/>
           </a:p>
         </p:txBody>
       </p:sp>
@@ -7001,10 +10591,9 @@
                     <a:lstStyle/>
                     <a:p>
                       <a:r>
-                        <a:rPr lang="en-US" dirty="0" smtClean="0"/>
+                        <a:rPr lang="en-US" dirty="0"/>
                         <a:t>X</a:t>
                       </a:r>
-                      <a:endParaRPr lang="en-US" dirty="0"/>
                     </a:p>
                   </a:txBody>
                   <a:tcPr>
@@ -7019,10 +10608,9 @@
                     <a:lstStyle/>
                     <a:p>
                       <a:r>
-                        <a:rPr lang="en-US" dirty="0" smtClean="0"/>
+                        <a:rPr lang="en-US" dirty="0"/>
                         <a:t>0</a:t>
                       </a:r>
-                      <a:endParaRPr lang="en-US" dirty="0"/>
                     </a:p>
                   </a:txBody>
                   <a:tcPr>
@@ -7035,10 +10623,9 @@
                     <a:lstStyle/>
                     <a:p>
                       <a:r>
-                        <a:rPr lang="en-US" dirty="0" smtClean="0"/>
+                        <a:rPr lang="en-US" dirty="0"/>
                         <a:t>1</a:t>
                       </a:r>
-                      <a:endParaRPr lang="en-US" dirty="0"/>
                     </a:p>
                   </a:txBody>
                   <a:tcPr>
@@ -7053,10 +10640,9 @@
                     <a:lstStyle/>
                     <a:p>
                       <a:r>
-                        <a:rPr lang="en-US" dirty="0" smtClean="0"/>
+                        <a:rPr lang="en-US" dirty="0"/>
                         <a:t>1</a:t>
                       </a:r>
-                      <a:endParaRPr lang="en-US" dirty="0"/>
                     </a:p>
                   </a:txBody>
                   <a:tcPr>
@@ -7071,10 +10657,9 @@
                     <a:lstStyle/>
                     <a:p>
                       <a:r>
-                        <a:rPr lang="en-US" dirty="0" smtClean="0"/>
+                        <a:rPr lang="en-US" dirty="0"/>
                         <a:t>1</a:t>
                       </a:r>
-                      <a:endParaRPr lang="en-US" dirty="0"/>
                     </a:p>
                   </a:txBody>
                   <a:tcPr>
@@ -7089,10 +10674,9 @@
                     <a:lstStyle/>
                     <a:p>
                       <a:r>
-                        <a:rPr lang="en-US" dirty="0" smtClean="0"/>
+                        <a:rPr lang="en-US" dirty="0"/>
                         <a:t>0</a:t>
                       </a:r>
-                      <a:endParaRPr lang="en-US" dirty="0"/>
                     </a:p>
                   </a:txBody>
                   <a:tcPr/>
@@ -7110,10 +10694,9 @@
                     <a:lstStyle/>
                     <a:p>
                       <a:r>
-                        <a:rPr lang="en-US" dirty="0" smtClean="0"/>
+                        <a:rPr lang="en-US" dirty="0"/>
                         <a:t>W</a:t>
                       </a:r>
-                      <a:endParaRPr lang="en-US" dirty="0"/>
                     </a:p>
                   </a:txBody>
                   <a:tcPr>
@@ -7128,10 +10711,9 @@
                     <a:lstStyle/>
                     <a:p>
                       <a:r>
-                        <a:rPr lang="en-US" dirty="0" smtClean="0"/>
+                        <a:rPr lang="en-US" dirty="0"/>
                         <a:t>12</a:t>
                       </a:r>
-                      <a:endParaRPr lang="en-US" dirty="0"/>
                     </a:p>
                   </a:txBody>
                   <a:tcPr>
@@ -7144,10 +10726,9 @@
                     <a:lstStyle/>
                     <a:p>
                       <a:r>
-                        <a:rPr lang="en-US" dirty="0" smtClean="0"/>
+                        <a:rPr lang="en-US" dirty="0"/>
                         <a:t>7</a:t>
                       </a:r>
-                      <a:endParaRPr lang="en-US" dirty="0"/>
                     </a:p>
                   </a:txBody>
                   <a:tcPr>
@@ -7162,10 +10743,9 @@
                     <a:lstStyle/>
                     <a:p>
                       <a:r>
-                        <a:rPr lang="en-US" dirty="0" smtClean="0"/>
+                        <a:rPr lang="en-US" dirty="0"/>
                         <a:t>11</a:t>
                       </a:r>
-                      <a:endParaRPr lang="en-US" dirty="0"/>
                     </a:p>
                   </a:txBody>
                   <a:tcPr>
@@ -7180,10 +10760,9 @@
                     <a:lstStyle/>
                     <a:p>
                       <a:r>
-                        <a:rPr lang="en-US" dirty="0" smtClean="0"/>
+                        <a:rPr lang="en-US" dirty="0"/>
                         <a:t>8</a:t>
                       </a:r>
-                      <a:endParaRPr lang="en-US" dirty="0"/>
                     </a:p>
                   </a:txBody>
                   <a:tcPr>
@@ -7198,10 +10777,9 @@
                     <a:lstStyle/>
                     <a:p>
                       <a:r>
-                        <a:rPr lang="en-US" dirty="0" smtClean="0"/>
+                        <a:rPr lang="en-US" dirty="0"/>
                         <a:t>9</a:t>
                       </a:r>
-                      <a:endParaRPr lang="en-US" dirty="0"/>
                     </a:p>
                   </a:txBody>
                   <a:tcPr/>
@@ -7219,10 +10797,9 @@
                     <a:lstStyle/>
                     <a:p>
                       <a:r>
-                        <a:rPr lang="en-US" dirty="0" smtClean="0"/>
+                        <a:rPr lang="en-US" dirty="0"/>
                         <a:t>V</a:t>
                       </a:r>
-                      <a:endParaRPr lang="en-US" dirty="0"/>
                     </a:p>
                   </a:txBody>
                   <a:tcPr>
@@ -7237,10 +10814,9 @@
                     <a:lstStyle/>
                     <a:p>
                       <a:r>
-                        <a:rPr lang="en-US" dirty="0" smtClean="0"/>
+                        <a:rPr lang="en-US" dirty="0"/>
                         <a:t>24</a:t>
                       </a:r>
-                      <a:endParaRPr lang="en-US" dirty="0"/>
                     </a:p>
                   </a:txBody>
                   <a:tcPr/>
@@ -7251,10 +10827,9 @@
                     <a:lstStyle/>
                     <a:p>
                       <a:r>
-                        <a:rPr lang="en-US" dirty="0" smtClean="0"/>
+                        <a:rPr lang="en-US" dirty="0"/>
                         <a:t>13</a:t>
                       </a:r>
-                      <a:endParaRPr lang="en-US" dirty="0"/>
                     </a:p>
                   </a:txBody>
                   <a:tcPr/>
@@ -7265,10 +10840,9 @@
                     <a:lstStyle/>
                     <a:p>
                       <a:r>
-                        <a:rPr lang="en-US" dirty="0" smtClean="0"/>
+                        <a:rPr lang="en-US" dirty="0"/>
                         <a:t>23</a:t>
                       </a:r>
-                      <a:endParaRPr lang="en-US" dirty="0"/>
                     </a:p>
                   </a:txBody>
                   <a:tcPr/>
@@ -7279,10 +10853,9 @@
                     <a:lstStyle/>
                     <a:p>
                       <a:r>
-                        <a:rPr lang="en-US" dirty="0" smtClean="0"/>
+                        <a:rPr lang="en-US" dirty="0"/>
                         <a:t>15</a:t>
                       </a:r>
-                      <a:endParaRPr lang="en-US" dirty="0"/>
                     </a:p>
                   </a:txBody>
                   <a:tcPr/>
@@ -7293,10 +10866,9 @@
                     <a:lstStyle/>
                     <a:p>
                       <a:r>
-                        <a:rPr lang="en-US" dirty="0" smtClean="0"/>
+                        <a:rPr lang="en-US" dirty="0"/>
                         <a:t>16</a:t>
                       </a:r>
-                      <a:endParaRPr lang="en-US" dirty="0"/>
                     </a:p>
                   </a:txBody>
                   <a:tcPr/>
@@ -7325,7 +10897,7 @@
 </p:sld>
 </file>
 
-<file path=ppt/slides/slide23.xml><?xml version="1.0" encoding="utf-8"?>
+<file path=ppt/slides/slide26.xml><?xml version="1.0" encoding="utf-8"?>
 <p:sld xmlns:a="http://schemas.openxmlformats.org/drawingml/2006/main" xmlns:r="http://schemas.openxmlformats.org/officeDocument/2006/relationships" xmlns:p="http://schemas.openxmlformats.org/presentationml/2006/main">
   <p:cSld>
     <p:spTree>
@@ -7360,10 +10932,9 @@
           <a:lstStyle/>
           <a:p>
             <a:r>
-              <a:rPr lang="en-US" dirty="0" smtClean="0"/>
+              <a:rPr lang="en-US" dirty="0"/>
               <a:t>General Optimization Algorithms</a:t>
             </a:r>
-            <a:endParaRPr lang="en-US" dirty="0"/>
           </a:p>
         </p:txBody>
       </p:sp>
@@ -7390,63 +10961,58 @@
           <a:lstStyle/>
           <a:p>
             <a:r>
-              <a:rPr lang="en-US" b="1" dirty="0" smtClean="0"/>
+              <a:rPr lang="en-US" b="1" dirty="0"/>
               <a:t>Random Search</a:t>
             </a:r>
             <a:r>
-              <a:rPr lang="en-US" dirty="0" smtClean="0"/>
+              <a:rPr lang="en-US" dirty="0"/>
               <a:t> (in this class)</a:t>
             </a:r>
-            <a:endParaRPr lang="en-US" b="1" dirty="0" smtClean="0"/>
-          </a:p>
-          <a:p>
-            <a:r>
-              <a:rPr lang="en-US" b="1" dirty="0" smtClean="0"/>
+            <a:endParaRPr lang="en-US" b="1" dirty="0"/>
+          </a:p>
+          <a:p>
+            <a:r>
+              <a:rPr lang="en-US" b="1" dirty="0"/>
               <a:t>Hill Climbing </a:t>
             </a:r>
             <a:r>
               <a:rPr lang="en-US" dirty="0"/>
-              <a:t>(</a:t>
-            </a:r>
-            <a:r>
-              <a:rPr lang="en-US" dirty="0" smtClean="0"/>
-              <a:t>in this class)</a:t>
-            </a:r>
-          </a:p>
-          <a:p>
-            <a:r>
-              <a:rPr lang="en-US" dirty="0" smtClean="0"/>
+              <a:t>(in this class)</a:t>
+            </a:r>
+          </a:p>
+          <a:p>
+            <a:r>
+              <a:rPr lang="en-US" dirty="0"/>
               <a:t>Simulated Annealing</a:t>
             </a:r>
           </a:p>
           <a:p>
             <a:r>
-              <a:rPr lang="en-US" b="1" dirty="0" smtClean="0"/>
+              <a:rPr lang="en-US" b="1" dirty="0"/>
               <a:t>Genetic Algorithms </a:t>
             </a:r>
             <a:r>
-              <a:rPr lang="en-US" dirty="0" smtClean="0"/>
+              <a:rPr lang="en-US" dirty="0"/>
               <a:t>(next class)</a:t>
             </a:r>
           </a:p>
           <a:p>
             <a:r>
-              <a:rPr lang="en-US" dirty="0" smtClean="0"/>
+              <a:rPr lang="en-US" dirty="0"/>
               <a:t>Ant Colony Algorithms</a:t>
             </a:r>
           </a:p>
           <a:p>
             <a:r>
-              <a:rPr lang="en-US" dirty="0" smtClean="0"/>
+              <a:rPr lang="en-US" dirty="0"/>
               <a:t>Particle Swarm Algorithms</a:t>
             </a:r>
           </a:p>
           <a:p>
             <a:r>
-              <a:rPr lang="en-US" dirty="0" smtClean="0"/>
+              <a:rPr lang="en-US" dirty="0"/>
               <a:t>Etc. etc. (there are many)</a:t>
             </a:r>
-            <a:endParaRPr lang="en-US" dirty="0"/>
           </a:p>
         </p:txBody>
       </p:sp>
@@ -7464,7 +11030,7 @@
 </p:sld>
 </file>
 
-<file path=ppt/slides/slide24.xml><?xml version="1.0" encoding="utf-8"?>
+<file path=ppt/slides/slide27.xml><?xml version="1.0" encoding="utf-8"?>
 <p:sld xmlns:a="http://schemas.openxmlformats.org/drawingml/2006/main" xmlns:r="http://schemas.openxmlformats.org/officeDocument/2006/relationships" xmlns:p="http://schemas.openxmlformats.org/presentationml/2006/main">
   <p:cSld>
     <p:spTree>
@@ -7497,10 +11063,9 @@
           <a:lstStyle/>
           <a:p>
             <a:r>
-              <a:rPr lang="en-US" dirty="0" smtClean="0"/>
+              <a:rPr lang="en-US" dirty="0"/>
               <a:t>Random Search (RS)</a:t>
             </a:r>
-            <a:endParaRPr lang="en-US" dirty="0"/>
           </a:p>
         </p:txBody>
       </p:sp>
@@ -7520,28 +11085,27 @@
           <a:lstStyle/>
           <a:p>
             <a:r>
-              <a:rPr lang="en-US" dirty="0" smtClean="0"/>
+              <a:rPr lang="en-US" dirty="0"/>
               <a:t>Easiest of the optimization algorithms</a:t>
             </a:r>
           </a:p>
           <a:p>
             <a:r>
-              <a:rPr lang="en-US" dirty="0" smtClean="0"/>
+              <a:rPr lang="en-US" dirty="0"/>
               <a:t>Sample a random solution from search space X</a:t>
             </a:r>
           </a:p>
           <a:p>
             <a:r>
-              <a:rPr lang="en-US" dirty="0" smtClean="0"/>
+              <a:rPr lang="en-US" dirty="0"/>
               <a:t>Keep sampling until run out of time</a:t>
             </a:r>
           </a:p>
           <a:p>
             <a:r>
-              <a:rPr lang="en-US" dirty="0" smtClean="0"/>
+              <a:rPr lang="en-US" dirty="0"/>
               <a:t>Keep track of best solution found so far</a:t>
             </a:r>
-            <a:endParaRPr lang="en-US" dirty="0"/>
           </a:p>
         </p:txBody>
       </p:sp>
@@ -7559,7 +11123,7 @@
 </p:sld>
 </file>
 
-<file path=ppt/slides/slide25.xml><?xml version="1.0" encoding="utf-8"?>
+<file path=ppt/slides/slide28.xml><?xml version="1.0" encoding="utf-8"?>
 <p:sld xmlns:a="http://schemas.openxmlformats.org/drawingml/2006/main" xmlns:r="http://schemas.openxmlformats.org/officeDocument/2006/relationships" xmlns:p="http://schemas.openxmlformats.org/presentationml/2006/main">
   <p:cSld>
     <p:spTree>
@@ -7592,10 +11156,9 @@
           <a:lstStyle/>
           <a:p>
             <a:r>
-              <a:rPr lang="en-US" dirty="0" smtClean="0"/>
+              <a:rPr lang="en-US" dirty="0"/>
               <a:t>Hill Climbing (HC)</a:t>
             </a:r>
-            <a:endParaRPr lang="en-US" dirty="0"/>
           </a:p>
         </p:txBody>
       </p:sp>
@@ -7615,50 +11178,49 @@
           <a:lstStyle/>
           <a:p>
             <a:r>
-              <a:rPr lang="en-US" dirty="0" smtClean="0"/>
+              <a:rPr lang="en-US" dirty="0"/>
               <a:t>Start from a random solution</a:t>
             </a:r>
           </a:p>
           <a:p>
             <a:r>
-              <a:rPr lang="en-US" dirty="0" smtClean="0"/>
+              <a:rPr lang="en-US" dirty="0"/>
               <a:t>Keep track of / store one solution</a:t>
             </a:r>
           </a:p>
           <a:p>
             <a:r>
-              <a:rPr lang="en-US" dirty="0" smtClean="0"/>
+              <a:rPr lang="en-US" dirty="0"/>
               <a:t>Use search operator to do small modifications</a:t>
             </a:r>
           </a:p>
           <a:p>
             <a:r>
-              <a:rPr lang="en-US" dirty="0" smtClean="0"/>
+              <a:rPr lang="en-US" dirty="0"/>
               <a:t>If better solution, </a:t>
             </a:r>
             <a:r>
-              <a:rPr lang="en-US" i="1" dirty="0" smtClean="0"/>
+              <a:rPr lang="en-US" i="1" dirty="0"/>
               <a:t>move</a:t>
             </a:r>
             <a:r>
-              <a:rPr lang="en-US" dirty="0" smtClean="0"/>
+              <a:rPr lang="en-US" dirty="0"/>
               <a:t> to it, and repeat</a:t>
             </a:r>
           </a:p>
           <a:p>
             <a:r>
-              <a:rPr lang="en-US" dirty="0" smtClean="0"/>
+              <a:rPr lang="en-US" dirty="0"/>
               <a:t>If no better solution in the </a:t>
             </a:r>
             <a:r>
-              <a:rPr lang="en-US" i="1" dirty="0" smtClean="0"/>
+              <a:rPr lang="en-US" i="1" dirty="0"/>
               <a:t>neighborhood</a:t>
             </a:r>
             <a:r>
-              <a:rPr lang="en-US" dirty="0" smtClean="0"/>
+              <a:rPr lang="en-US" dirty="0"/>
               <a:t>, restart from a random solution </a:t>
             </a:r>
-            <a:endParaRPr lang="en-US" dirty="0"/>
           </a:p>
         </p:txBody>
       </p:sp>
@@ -7717,7 +11279,7 @@
 </p:sld>
 </file>
 
-<file path=ppt/slides/slide26.xml><?xml version="1.0" encoding="utf-8"?>
+<file path=ppt/slides/slide29.xml><?xml version="1.0" encoding="utf-8"?>
 <p:sld xmlns:a="http://schemas.openxmlformats.org/drawingml/2006/main" xmlns:r="http://schemas.openxmlformats.org/officeDocument/2006/relationships" xmlns:p="http://schemas.openxmlformats.org/presentationml/2006/main">
   <p:cSld>
     <p:spTree>
@@ -7752,10 +11314,9 @@
           <a:lstStyle/>
           <a:p>
             <a:r>
-              <a:rPr lang="en-US" dirty="0" smtClean="0"/>
+              <a:rPr lang="en-US" dirty="0"/>
               <a:t>Very Simplified Example</a:t>
             </a:r>
-            <a:endParaRPr lang="en-US" dirty="0"/>
           </a:p>
         </p:txBody>
       </p:sp>
@@ -7782,80 +11343,79 @@
           <a:lstStyle/>
           <a:p>
             <a:r>
-              <a:rPr lang="en-US" dirty="0" smtClean="0"/>
+              <a:rPr lang="en-US" dirty="0"/>
               <a:t>Consider problem in which </a:t>
             </a:r>
             <a:r>
-              <a:rPr lang="en-US" i="1" dirty="0" smtClean="0"/>
+              <a:rPr lang="en-US" i="1" dirty="0"/>
               <a:t>x </a:t>
             </a:r>
             <a:r>
-              <a:rPr lang="en-US" dirty="0" smtClean="0"/>
+              <a:rPr lang="en-US" dirty="0"/>
               <a:t>is a number</a:t>
             </a:r>
           </a:p>
           <a:p>
             <a:r>
-              <a:rPr lang="en-US" dirty="0" smtClean="0"/>
+              <a:rPr lang="en-US" dirty="0"/>
               <a:t>Search operator is +- 1 on such </a:t>
             </a:r>
             <a:r>
-              <a:rPr lang="en-US" i="1" dirty="0" smtClean="0"/>
+              <a:rPr lang="en-US" i="1" dirty="0"/>
               <a:t>x</a:t>
             </a:r>
           </a:p>
           <a:p>
             <a:r>
-              <a:rPr lang="en-US" dirty="0" smtClean="0"/>
+              <a:rPr lang="en-US" dirty="0"/>
               <a:t>“Climb” up to maximize </a:t>
             </a:r>
             <a:r>
-              <a:rPr lang="en-US" i="1" dirty="0" smtClean="0"/>
+              <a:rPr lang="en-US" i="1" dirty="0"/>
               <a:t>f(x)</a:t>
             </a:r>
           </a:p>
           <a:p>
             <a:r>
-              <a:rPr lang="en-US" i="1" dirty="0" smtClean="0"/>
+              <a:rPr lang="en-US" i="1" dirty="0"/>
               <a:t>B</a:t>
             </a:r>
             <a:r>
-              <a:rPr lang="en-US" dirty="0" smtClean="0"/>
+              <a:rPr lang="en-US" dirty="0"/>
               <a:t> is </a:t>
             </a:r>
             <a:r>
-              <a:rPr lang="en-US" i="1" dirty="0" smtClean="0"/>
+              <a:rPr lang="en-US" i="1" dirty="0"/>
               <a:t>global optimum</a:t>
             </a:r>
           </a:p>
           <a:p>
             <a:r>
-              <a:rPr lang="en-US" i="1" dirty="0" smtClean="0"/>
+              <a:rPr lang="en-US" i="1" dirty="0"/>
               <a:t>A</a:t>
             </a:r>
             <a:r>
-              <a:rPr lang="en-US" dirty="0" smtClean="0"/>
+              <a:rPr lang="en-US" dirty="0"/>
               <a:t> and </a:t>
             </a:r>
             <a:r>
-              <a:rPr lang="en-US" i="1" dirty="0" smtClean="0"/>
+              <a:rPr lang="en-US" i="1" dirty="0"/>
               <a:t>C</a:t>
             </a:r>
             <a:r>
-              <a:rPr lang="en-US" dirty="0" smtClean="0"/>
+              <a:rPr lang="en-US" dirty="0"/>
               <a:t> are </a:t>
             </a:r>
             <a:r>
-              <a:rPr lang="en-US" i="1" dirty="0" smtClean="0"/>
+              <a:rPr lang="en-US" i="1" dirty="0"/>
               <a:t>local optima</a:t>
             </a:r>
           </a:p>
           <a:p>
             <a:r>
-              <a:rPr lang="en-US" dirty="0" smtClean="0"/>
+              <a:rPr lang="en-US" dirty="0"/>
               <a:t>Final result depends from starting point</a:t>
             </a:r>
-            <a:endParaRPr lang="en-US" dirty="0"/>
           </a:p>
         </p:txBody>
       </p:sp>
@@ -7960,7 +11520,7 @@
               <a:rPr lang="en-US" dirty="0"/>
               <a:t>x</a:t>
             </a:r>
-            <a:endParaRPr kumimoji="0" lang="en-US" sz="3600" b="0" i="0" u="none" strike="noStrike" cap="none" spc="0" normalizeH="0" baseline="0" dirty="0" smtClean="0">
+            <a:endParaRPr kumimoji="0" lang="en-US" sz="3600" b="0" i="0" u="none" strike="noStrike" cap="none" spc="0" normalizeH="0" baseline="0" dirty="0">
               <a:ln>
                 <a:noFill/>
               </a:ln>
@@ -7992,7 +11552,7 @@
               <a:buNone/>
               <a:tabLst/>
             </a:pPr>
-            <a:endParaRPr kumimoji="0" lang="en-US" sz="3600" b="0" i="0" u="none" strike="noStrike" cap="none" spc="0" normalizeH="0" baseline="0" dirty="0" smtClean="0">
+            <a:endParaRPr kumimoji="0" lang="en-US" sz="3600" b="0" i="0" u="none" strike="noStrike" cap="none" spc="0" normalizeH="0" baseline="0" dirty="0">
               <a:ln>
                 <a:noFill/>
               </a:ln>
@@ -8025,7 +11585,7 @@
               <a:tabLst/>
             </a:pPr>
             <a:r>
-              <a:rPr lang="en-US" dirty="0" smtClean="0"/>
+              <a:rPr lang="en-US" dirty="0"/>
               <a:t>Fitness Landscape</a:t>
             </a:r>
             <a:endParaRPr kumimoji="0" lang="en-US" sz="3600" b="0" i="0" u="none" strike="noStrike" cap="none" spc="0" normalizeH="0" baseline="0" dirty="0">
@@ -8106,7 +11666,7 @@
               <a:t>f</a:t>
             </a:r>
             <a:r>
-              <a:rPr kumimoji="0" lang="en-US" sz="3600" b="0" i="0" u="none" strike="noStrike" cap="none" spc="0" normalizeH="0" baseline="0" dirty="0" smtClean="0">
+              <a:rPr kumimoji="0" lang="en-US" sz="3600" b="0" i="0" u="none" strike="noStrike" cap="none" spc="0" normalizeH="0" baseline="0" dirty="0">
                 <a:ln>
                   <a:noFill/>
                 </a:ln>
@@ -8122,20 +11682,6 @@
               </a:rPr>
               <a:t>(x)</a:t>
             </a:r>
-            <a:endParaRPr kumimoji="0" lang="en-US" sz="3600" b="0" i="0" u="none" strike="noStrike" cap="none" spc="0" normalizeH="0" baseline="0" dirty="0">
-              <a:ln>
-                <a:noFill/>
-              </a:ln>
-              <a:solidFill>
-                <a:srgbClr val="000000"/>
-              </a:solidFill>
-              <a:effectLst/>
-              <a:uFillTx/>
-              <a:latin typeface="+mn-lt"/>
-              <a:ea typeface="+mn-ea"/>
-              <a:cs typeface="+mn-cs"/>
-              <a:sym typeface="Helvetica Light"/>
-            </a:endParaRPr>
           </a:p>
         </p:txBody>
       </p:sp>
@@ -8153,7 +11699,7 @@
 </p:sld>
 </file>
 
-<file path=ppt/slides/slide27.xml><?xml version="1.0" encoding="utf-8"?>
+<file path=ppt/slides/slide3.xml><?xml version="1.0" encoding="utf-8"?>
 <p:sld xmlns:a="http://schemas.openxmlformats.org/drawingml/2006/main" xmlns:r="http://schemas.openxmlformats.org/officeDocument/2006/relationships" xmlns:p="http://schemas.openxmlformats.org/presentationml/2006/main">
   <p:cSld>
     <p:spTree>
@@ -8186,10 +11732,151 @@
           <a:lstStyle/>
           <a:p>
             <a:r>
-              <a:rPr lang="en-US" dirty="0" smtClean="0"/>
+              <a:rPr lang="en-US" dirty="0"/>
+              <a:t>Complex Problems</a:t>
+            </a:r>
+          </a:p>
+        </p:txBody>
+      </p:sp>
+      <p:sp>
+        <p:nvSpPr>
+          <p:cNvPr id="3" name="Text Placeholder 2"/>
+          <p:cNvSpPr>
+            <a:spLocks noGrp="1"/>
+          </p:cNvSpPr>
+          <p:nvPr>
+            <p:ph type="body" idx="1"/>
+          </p:nvPr>
+        </p:nvSpPr>
+        <p:spPr>
+          <a:xfrm>
+            <a:off x="484632" y="2603500"/>
+            <a:ext cx="12207240" cy="6286500"/>
+          </a:xfrm>
+        </p:spPr>
+        <p:txBody>
+          <a:bodyPr/>
+          <a:lstStyle/>
+          <a:p>
+            <a:r>
+              <a:rPr lang="en-US" dirty="0"/>
+              <a:t>There are a lot of problems in science and engineering for which we do not know any algorithm that can solve them in </a:t>
+            </a:r>
+            <a:r>
+              <a:rPr lang="en-US" i="1" dirty="0"/>
+              <a:t>polynomial</a:t>
+            </a:r>
+            <a:r>
+              <a:rPr lang="en-US" dirty="0"/>
+              <a:t> time</a:t>
+            </a:r>
+          </a:p>
+          <a:p>
+            <a:pPr lvl="1"/>
+            <a:r>
+              <a:rPr lang="en-US" dirty="0"/>
+              <a:t>Such algorithms might exist, but we do not know them yet</a:t>
+            </a:r>
+          </a:p>
+          <a:p>
+            <a:r>
+              <a:rPr lang="en-US" i="1" dirty="0"/>
+              <a:t>Brute Force</a:t>
+            </a:r>
+            <a:r>
+              <a:rPr lang="en-US" dirty="0"/>
+              <a:t>: try all possible combinations, until find valid solution… but that is </a:t>
+            </a:r>
+            <a:r>
+              <a:rPr lang="en-US" i="1" dirty="0"/>
+              <a:t>exponential!!!</a:t>
+            </a:r>
+            <a:r>
+              <a:rPr lang="en-US" dirty="0"/>
+              <a:t> </a:t>
+            </a:r>
+          </a:p>
+          <a:p>
+            <a:r>
+              <a:rPr lang="en-US" dirty="0"/>
+              <a:t>We need some </a:t>
+            </a:r>
+            <a:r>
+              <a:rPr lang="en-US" i="1" dirty="0"/>
+              <a:t>heuristics</a:t>
+            </a:r>
+            <a:r>
+              <a:rPr lang="en-US" dirty="0"/>
+              <a:t> to address these problems</a:t>
+            </a:r>
+          </a:p>
+          <a:p>
+            <a:pPr lvl="1"/>
+            <a:r>
+              <a:rPr lang="en-US" dirty="0"/>
+              <a:t>But </a:t>
+            </a:r>
+            <a:r>
+              <a:rPr lang="en-US" b="1" dirty="0"/>
+              <a:t>no guarantee </a:t>
+            </a:r>
+            <a:r>
+              <a:rPr lang="en-US" dirty="0"/>
+              <a:t>that we can find a solution in reasonable time</a:t>
+            </a:r>
+          </a:p>
+        </p:txBody>
+      </p:sp>
+    </p:spTree>
+    <p:extLst>
+      <p:ext uri="{BB962C8B-B14F-4D97-AF65-F5344CB8AC3E}">
+        <p14:creationId xmlns:p14="http://schemas.microsoft.com/office/powerpoint/2010/main" val="3090562527"/>
+      </p:ext>
+    </p:extLst>
+  </p:cSld>
+  <p:clrMapOvr>
+    <a:masterClrMapping/>
+  </p:clrMapOvr>
+  <p:transition spd="med"/>
+</p:sld>
+</file>
+
+<file path=ppt/slides/slide30.xml><?xml version="1.0" encoding="utf-8"?>
+<p:sld xmlns:a="http://schemas.openxmlformats.org/drawingml/2006/main" xmlns:r="http://schemas.openxmlformats.org/officeDocument/2006/relationships" xmlns:p="http://schemas.openxmlformats.org/presentationml/2006/main">
+  <p:cSld>
+    <p:spTree>
+      <p:nvGrpSpPr>
+        <p:cNvPr id="1" name=""/>
+        <p:cNvGrpSpPr/>
+        <p:nvPr/>
+      </p:nvGrpSpPr>
+      <p:grpSpPr>
+        <a:xfrm>
+          <a:off x="0" y="0"/>
+          <a:ext cx="0" cy="0"/>
+          <a:chOff x="0" y="0"/>
+          <a:chExt cx="0" cy="0"/>
+        </a:xfrm>
+      </p:grpSpPr>
+      <p:sp>
+        <p:nvSpPr>
+          <p:cNvPr id="2" name="Title 1"/>
+          <p:cNvSpPr>
+            <a:spLocks noGrp="1"/>
+          </p:cNvSpPr>
+          <p:nvPr>
+            <p:ph type="title"/>
+          </p:nvPr>
+        </p:nvSpPr>
+        <p:spPr/>
+        <p:txBody>
+          <a:bodyPr/>
+          <a:lstStyle/>
+          <a:p>
+            <a:r>
+              <a:rPr lang="en-US" dirty="0"/>
               <a:t>HC for KP</a:t>
             </a:r>
-            <a:endParaRPr lang="en-US" dirty="0"/>
           </a:p>
         </p:txBody>
       </p:sp>
@@ -8211,50 +11898,50 @@
           <a:lstStyle/>
           <a:p>
             <a:r>
-              <a:rPr lang="en-US" dirty="0" smtClean="0"/>
+              <a:rPr lang="en-US" dirty="0"/>
               <a:t>HC is a general algorithm</a:t>
             </a:r>
           </a:p>
           <a:p>
             <a:r>
-              <a:rPr lang="en-US" dirty="0" smtClean="0"/>
+              <a:rPr lang="en-US" dirty="0"/>
               <a:t>But still need to define a proper search operator for each problem domain</a:t>
             </a:r>
           </a:p>
           <a:p>
             <a:r>
-              <a:rPr lang="en-US" dirty="0" smtClean="0"/>
+              <a:rPr lang="en-US" dirty="0"/>
               <a:t>Example: </a:t>
             </a:r>
           </a:p>
           <a:p>
             <a:pPr lvl="1"/>
             <a:r>
-              <a:rPr lang="en-US" dirty="0" smtClean="0"/>
+              <a:rPr lang="en-US" dirty="0"/>
               <a:t>add/remove 1 item (small neighborhood)</a:t>
             </a:r>
           </a:p>
           <a:p>
             <a:pPr lvl="1"/>
             <a:r>
-              <a:rPr lang="en-US" dirty="0" smtClean="0"/>
+              <a:rPr lang="en-US" dirty="0"/>
               <a:t>remove K items, add J different items  (larger neighborhood)</a:t>
             </a:r>
           </a:p>
           <a:p>
             <a:r>
-              <a:rPr lang="en-US" dirty="0" smtClean="0"/>
+              <a:rPr lang="en-US" dirty="0"/>
               <a:t>The larger the neighborhood, the slower the ascent, so the less restart we can do within same time</a:t>
             </a:r>
           </a:p>
           <a:p>
             <a:pPr lvl="1"/>
             <a:r>
-              <a:rPr lang="en-US" dirty="0" err="1" smtClean="0"/>
+              <a:rPr lang="en-US" dirty="0" err="1"/>
               <a:t>Ie</a:t>
             </a:r>
             <a:r>
-              <a:rPr lang="en-US" dirty="0" smtClean="0"/>
+              <a:rPr lang="en-US" dirty="0"/>
               <a:t>, it is not necessarily better</a:t>
             </a:r>
           </a:p>
@@ -8274,7 +11961,7 @@
 </p:sld>
 </file>
 
-<file path=ppt/slides/slide28.xml><?xml version="1.0" encoding="utf-8"?>
+<file path=ppt/slides/slide31.xml><?xml version="1.0" encoding="utf-8"?>
 <p:sld xmlns:a="http://schemas.openxmlformats.org/drawingml/2006/main" xmlns:r="http://schemas.openxmlformats.org/officeDocument/2006/relationships" xmlns:p="http://schemas.openxmlformats.org/presentationml/2006/main">
   <p:cSld>
     <p:spTree>
@@ -8309,10 +11996,9 @@
           <a:lstStyle/>
           <a:p>
             <a:r>
-              <a:rPr lang="en-US" dirty="0" smtClean="0"/>
+              <a:rPr lang="en-US" dirty="0"/>
               <a:t>No Free Lunch (NFL) Theorem</a:t>
             </a:r>
-            <a:endParaRPr lang="en-US" dirty="0"/>
           </a:p>
         </p:txBody>
       </p:sp>
@@ -8339,72 +12025,71 @@
           <a:lstStyle/>
           <a:p>
             <a:r>
-              <a:rPr lang="en-US" dirty="0" smtClean="0"/>
+              <a:rPr lang="en-US" dirty="0"/>
               <a:t>What is the best optimization algorithm?</a:t>
             </a:r>
           </a:p>
           <a:p>
             <a:pPr lvl="1"/>
             <a:r>
-              <a:rPr lang="en-US" dirty="0" smtClean="0"/>
+              <a:rPr lang="en-US" dirty="0"/>
               <a:t>Which best variants / choice of parameters?</a:t>
             </a:r>
           </a:p>
           <a:p>
             <a:r>
-              <a:rPr lang="en-US" dirty="0" smtClean="0"/>
+              <a:rPr lang="en-US" dirty="0"/>
               <a:t>Considering </a:t>
             </a:r>
             <a:r>
-              <a:rPr lang="en-US" i="1" dirty="0" smtClean="0"/>
+              <a:rPr lang="en-US" i="1" dirty="0"/>
               <a:t>all</a:t>
             </a:r>
             <a:r>
-              <a:rPr lang="en-US" dirty="0" smtClean="0"/>
+              <a:rPr lang="en-US" dirty="0"/>
               <a:t> optimization problems, mathematically proved (NFL) that </a:t>
             </a:r>
             <a:r>
-              <a:rPr lang="en-US" b="1" dirty="0" smtClean="0"/>
+              <a:rPr lang="en-US" b="1" dirty="0"/>
               <a:t>all optimization algorithms perform on average the same</a:t>
             </a:r>
           </a:p>
           <a:p>
             <a:pPr lvl="1"/>
             <a:r>
-              <a:rPr lang="en-US" dirty="0" smtClean="0"/>
+              <a:rPr lang="en-US" dirty="0"/>
               <a:t>Yes, it follows that, on some problems, RS is the best</a:t>
             </a:r>
           </a:p>
           <a:p>
             <a:r>
-              <a:rPr lang="en-US" dirty="0" smtClean="0"/>
+              <a:rPr lang="en-US" dirty="0"/>
               <a:t>There exist no best algorithm</a:t>
             </a:r>
           </a:p>
           <a:p>
             <a:r>
-              <a:rPr lang="en-US" dirty="0" smtClean="0"/>
+              <a:rPr lang="en-US" dirty="0"/>
               <a:t>But on </a:t>
             </a:r>
             <a:r>
-              <a:rPr lang="en-US" i="1" dirty="0" smtClean="0"/>
+              <a:rPr lang="en-US" i="1" dirty="0"/>
               <a:t>specific</a:t>
             </a:r>
             <a:r>
-              <a:rPr lang="en-US" dirty="0" smtClean="0"/>
+              <a:rPr lang="en-US" dirty="0"/>
               <a:t> problems, you can have some algorithms that are better than others, especially by exploiting </a:t>
             </a:r>
             <a:r>
-              <a:rPr lang="en-US" i="1" dirty="0" smtClean="0"/>
+              <a:rPr lang="en-US" i="1" dirty="0"/>
               <a:t>domain knowledge </a:t>
             </a:r>
           </a:p>
           <a:p>
             <a:r>
-              <a:rPr lang="en-US" dirty="0" smtClean="0"/>
+              <a:rPr lang="en-US" dirty="0"/>
               <a:t>It follows that a general algorithm will perform worse than a specialized variant for a specific problem</a:t>
             </a:r>
-            <a:endParaRPr lang="en-US" dirty="0"/>
           </a:p>
         </p:txBody>
       </p:sp>
@@ -8422,7 +12107,7 @@
 </p:sld>
 </file>
 
-<file path=ppt/slides/slide29.xml><?xml version="1.0" encoding="utf-8"?>
+<file path=ppt/slides/slide32.xml><?xml version="1.0" encoding="utf-8"?>
 <p:sld xmlns:a="http://schemas.openxmlformats.org/drawingml/2006/main" xmlns:r="http://schemas.openxmlformats.org/officeDocument/2006/relationships" xmlns:p="http://schemas.openxmlformats.org/presentationml/2006/main">
   <p:cSld>
     <p:spTree>
@@ -8455,10 +12140,9 @@
           <a:lstStyle/>
           <a:p>
             <a:r>
-              <a:rPr lang="en-US" dirty="0" smtClean="0"/>
+              <a:rPr lang="en-US" dirty="0"/>
               <a:t>Queen Puzzle (QP)</a:t>
             </a:r>
-            <a:endParaRPr lang="en-US" dirty="0"/>
           </a:p>
         </p:txBody>
       </p:sp>
@@ -8483,16 +12167,15 @@
           <a:lstStyle/>
           <a:p>
             <a:r>
-              <a:rPr lang="en-US" dirty="0" smtClean="0"/>
+              <a:rPr lang="en-US" dirty="0"/>
               <a:t>Position 8 queens such that no 2 queens threaten each other</a:t>
             </a:r>
           </a:p>
           <a:p>
             <a:r>
-              <a:rPr lang="en-US" dirty="0" smtClean="0"/>
+              <a:rPr lang="en-US" dirty="0"/>
               <a:t>Generalization: N queens into a N*N board</a:t>
             </a:r>
-            <a:endParaRPr lang="en-US" dirty="0"/>
           </a:p>
         </p:txBody>
       </p:sp>
@@ -8551,7 +12234,7 @@
 </p:sld>
 </file>
 
-<file path=ppt/slides/slide3.xml><?xml version="1.0" encoding="utf-8"?>
+<file path=ppt/slides/slide33.xml><?xml version="1.0" encoding="utf-8"?>
 <p:sld xmlns:a="http://schemas.openxmlformats.org/drawingml/2006/main" xmlns:r="http://schemas.openxmlformats.org/officeDocument/2006/relationships" xmlns:p="http://schemas.openxmlformats.org/presentationml/2006/main">
   <p:cSld>
     <p:spTree>
@@ -8584,154 +12267,9 @@
           <a:lstStyle/>
           <a:p>
             <a:r>
-              <a:rPr lang="en-US" dirty="0" smtClean="0"/>
-              <a:t>Complex Problems</a:t>
-            </a:r>
-            <a:endParaRPr lang="en-US" dirty="0"/>
-          </a:p>
-        </p:txBody>
-      </p:sp>
-      <p:sp>
-        <p:nvSpPr>
-          <p:cNvPr id="3" name="Text Placeholder 2"/>
-          <p:cNvSpPr>
-            <a:spLocks noGrp="1"/>
-          </p:cNvSpPr>
-          <p:nvPr>
-            <p:ph type="body" idx="1"/>
-          </p:nvPr>
-        </p:nvSpPr>
-        <p:spPr>
-          <a:xfrm>
-            <a:off x="484632" y="2603500"/>
-            <a:ext cx="12207240" cy="6286500"/>
-          </a:xfrm>
-        </p:spPr>
-        <p:txBody>
-          <a:bodyPr/>
-          <a:lstStyle/>
-          <a:p>
-            <a:r>
-              <a:rPr lang="en-US" dirty="0" smtClean="0"/>
-              <a:t>There are a lot of problems in science and engineering for which we do not know any algorithm that can solve them in </a:t>
-            </a:r>
-            <a:r>
-              <a:rPr lang="en-US" i="1" dirty="0" smtClean="0"/>
-              <a:t>polynomial</a:t>
-            </a:r>
-            <a:r>
-              <a:rPr lang="en-US" dirty="0" smtClean="0"/>
-              <a:t> time</a:t>
-            </a:r>
-          </a:p>
-          <a:p>
-            <a:pPr lvl="1"/>
-            <a:r>
-              <a:rPr lang="en-US" dirty="0" smtClean="0"/>
-              <a:t>Such algorithms might exist, but we do not know them yet</a:t>
-            </a:r>
-          </a:p>
-          <a:p>
-            <a:r>
-              <a:rPr lang="en-US" i="1" dirty="0" smtClean="0"/>
-              <a:t>Brute Force</a:t>
-            </a:r>
-            <a:r>
-              <a:rPr lang="en-US" dirty="0" smtClean="0"/>
-              <a:t>: try all possible combinations, until find valid solution… but that is </a:t>
-            </a:r>
-            <a:r>
-              <a:rPr lang="en-US" i="1" dirty="0" smtClean="0"/>
-              <a:t>exponential!!!</a:t>
-            </a:r>
-            <a:r>
-              <a:rPr lang="en-US" dirty="0" smtClean="0"/>
-              <a:t> </a:t>
-            </a:r>
-          </a:p>
-          <a:p>
-            <a:r>
-              <a:rPr lang="en-US" dirty="0" smtClean="0"/>
-              <a:t>We need some </a:t>
-            </a:r>
-            <a:r>
-              <a:rPr lang="en-US" i="1" dirty="0" smtClean="0"/>
-              <a:t>heuristics</a:t>
-            </a:r>
-            <a:r>
-              <a:rPr lang="en-US" dirty="0" smtClean="0"/>
-              <a:t> to address these problems</a:t>
-            </a:r>
-          </a:p>
-          <a:p>
-            <a:pPr lvl="1"/>
-            <a:r>
-              <a:rPr lang="en-US" dirty="0" smtClean="0"/>
-              <a:t>But </a:t>
-            </a:r>
-            <a:r>
-              <a:rPr lang="en-US" b="1" dirty="0" smtClean="0"/>
-              <a:t>no guarantee </a:t>
-            </a:r>
-            <a:r>
-              <a:rPr lang="en-US" dirty="0" smtClean="0"/>
-              <a:t>that we can find a solution in reasonable time</a:t>
-            </a:r>
-            <a:endParaRPr lang="en-US" dirty="0"/>
-          </a:p>
-        </p:txBody>
-      </p:sp>
-    </p:spTree>
-    <p:extLst>
-      <p:ext uri="{BB962C8B-B14F-4D97-AF65-F5344CB8AC3E}">
-        <p14:creationId xmlns:p14="http://schemas.microsoft.com/office/powerpoint/2010/main" val="3090562527"/>
-      </p:ext>
-    </p:extLst>
-  </p:cSld>
-  <p:clrMapOvr>
-    <a:masterClrMapping/>
-  </p:clrMapOvr>
-  <p:transition spd="med"/>
-</p:sld>
-</file>
-
-<file path=ppt/slides/slide30.xml><?xml version="1.0" encoding="utf-8"?>
-<p:sld xmlns:a="http://schemas.openxmlformats.org/drawingml/2006/main" xmlns:r="http://schemas.openxmlformats.org/officeDocument/2006/relationships" xmlns:p="http://schemas.openxmlformats.org/presentationml/2006/main">
-  <p:cSld>
-    <p:spTree>
-      <p:nvGrpSpPr>
-        <p:cNvPr id="1" name=""/>
-        <p:cNvGrpSpPr/>
-        <p:nvPr/>
-      </p:nvGrpSpPr>
-      <p:grpSpPr>
-        <a:xfrm>
-          <a:off x="0" y="0"/>
-          <a:ext cx="0" cy="0"/>
-          <a:chOff x="0" y="0"/>
-          <a:chExt cx="0" cy="0"/>
-        </a:xfrm>
-      </p:grpSpPr>
-      <p:sp>
-        <p:nvSpPr>
-          <p:cNvPr id="2" name="Title 1"/>
-          <p:cNvSpPr>
-            <a:spLocks noGrp="1"/>
-          </p:cNvSpPr>
-          <p:nvPr>
-            <p:ph type="title"/>
-          </p:nvPr>
-        </p:nvSpPr>
-        <p:spPr/>
-        <p:txBody>
-          <a:bodyPr/>
-          <a:lstStyle/>
-          <a:p>
-            <a:r>
-              <a:rPr lang="en-US" dirty="0" smtClean="0"/>
+              <a:rPr lang="en-US" dirty="0"/>
               <a:t>QP As Optimization</a:t>
             </a:r>
-            <a:endParaRPr lang="en-US" dirty="0"/>
           </a:p>
         </p:txBody>
       </p:sp>
@@ -8756,29 +12294,28 @@
           <a:lstStyle/>
           <a:p>
             <a:r>
-              <a:rPr lang="en-US" dirty="0" smtClean="0"/>
+              <a:rPr lang="en-US" dirty="0"/>
               <a:t>Search Space: matrix N*N of bits</a:t>
             </a:r>
           </a:p>
           <a:p>
             <a:pPr lvl="1"/>
             <a:r>
-              <a:rPr lang="en-US" dirty="0" smtClean="0"/>
+              <a:rPr lang="en-US" dirty="0"/>
               <a:t>1 for a queen in that position, 0 otherwise</a:t>
             </a:r>
           </a:p>
           <a:p>
             <a:r>
-              <a:rPr lang="en-US" dirty="0" smtClean="0"/>
+              <a:rPr lang="en-US" dirty="0"/>
               <a:t>Search operator: flip bits in the matrix</a:t>
             </a:r>
           </a:p>
           <a:p>
             <a:r>
-              <a:rPr lang="en-US" dirty="0" smtClean="0"/>
+              <a:rPr lang="en-US" dirty="0"/>
               <a:t>Fitness: need to reward having N queens, and minimize number of threatened queens </a:t>
             </a:r>
-            <a:endParaRPr lang="en-US" dirty="0"/>
           </a:p>
         </p:txBody>
       </p:sp>
@@ -8839,7 +12376,7 @@
               <a:tabLst/>
             </a:pPr>
             <a:r>
-              <a:rPr kumimoji="0" lang="en-US" sz="3600" b="0" i="0" u="none" strike="noStrike" cap="none" spc="0" normalizeH="0" baseline="0" dirty="0" smtClean="0">
+              <a:rPr kumimoji="0" lang="en-US" sz="3600" b="0" i="0" u="none" strike="noStrike" cap="none" spc="0" normalizeH="0" baseline="0" dirty="0">
                 <a:ln>
                   <a:noFill/>
                 </a:ln>
@@ -8874,7 +12411,7 @@
               <a:tabLst/>
             </a:pPr>
             <a:r>
-              <a:rPr lang="en-US" dirty="0" smtClean="0"/>
+              <a:rPr lang="en-US" dirty="0"/>
               <a:t>00000010</a:t>
             </a:r>
           </a:p>
@@ -8896,7 +12433,7 @@
               <a:tabLst/>
             </a:pPr>
             <a:r>
-              <a:rPr kumimoji="0" lang="en-US" sz="3600" b="0" i="0" u="none" strike="noStrike" cap="none" spc="0" normalizeH="0" baseline="0" dirty="0" smtClean="0">
+              <a:rPr kumimoji="0" lang="en-US" sz="3600" b="0" i="0" u="none" strike="noStrike" cap="none" spc="0" normalizeH="0" baseline="0" dirty="0">
                 <a:ln>
                   <a:noFill/>
                 </a:ln>
@@ -8931,7 +12468,7 @@
               <a:tabLst/>
             </a:pPr>
             <a:r>
-              <a:rPr lang="en-US" dirty="0" smtClean="0"/>
+              <a:rPr lang="en-US" dirty="0"/>
               <a:t>00000001</a:t>
             </a:r>
           </a:p>
@@ -8953,7 +12490,7 @@
               <a:tabLst/>
             </a:pPr>
             <a:r>
-              <a:rPr lang="en-US" dirty="0" smtClean="0"/>
+              <a:rPr lang="en-US" dirty="0"/>
               <a:t>01000000</a:t>
             </a:r>
           </a:p>
@@ -8975,7 +12512,7 @@
               <a:tabLst/>
             </a:pPr>
             <a:r>
-              <a:rPr kumimoji="0" lang="en-US" sz="3600" b="0" i="0" u="none" strike="noStrike" cap="none" spc="0" normalizeH="0" baseline="0" dirty="0" smtClean="0">
+              <a:rPr kumimoji="0" lang="en-US" sz="3600" b="0" i="0" u="none" strike="noStrike" cap="none" spc="0" normalizeH="0" baseline="0" dirty="0">
                 <a:ln>
                   <a:noFill/>
                 </a:ln>
@@ -9010,7 +12547,7 @@
               <a:tabLst/>
             </a:pPr>
             <a:r>
-              <a:rPr lang="en-US" dirty="0" smtClean="0"/>
+              <a:rPr lang="en-US" dirty="0"/>
               <a:t>10000000</a:t>
             </a:r>
           </a:p>
@@ -9032,7 +12569,7 @@
               <a:tabLst/>
             </a:pPr>
             <a:r>
-              <a:rPr lang="en-US" dirty="0" smtClean="0"/>
+              <a:rPr lang="en-US" dirty="0"/>
               <a:t>00000100</a:t>
             </a:r>
             <a:endParaRPr kumimoji="0" lang="en-US" sz="3600" b="0" i="0" u="none" strike="noStrike" cap="none" spc="0" normalizeH="0" baseline="0" dirty="0">
@@ -9107,7 +12644,7 @@
 </p:sld>
 </file>
 
-<file path=ppt/slides/slide31.xml><?xml version="1.0" encoding="utf-8"?>
+<file path=ppt/slides/slide34.xml><?xml version="1.0" encoding="utf-8"?>
 <p:sld xmlns:a="http://schemas.openxmlformats.org/drawingml/2006/main" xmlns:r="http://schemas.openxmlformats.org/officeDocument/2006/relationships" xmlns:p="http://schemas.openxmlformats.org/presentationml/2006/main">
   <p:cSld>
     <p:spTree>
@@ -9142,10 +12679,9 @@
           <a:lstStyle/>
           <a:p>
             <a:r>
-              <a:rPr lang="en-US" dirty="0" smtClean="0"/>
+              <a:rPr lang="en-US" dirty="0"/>
               <a:t>QP: Better Representation</a:t>
             </a:r>
-            <a:endParaRPr lang="en-US" dirty="0"/>
           </a:p>
         </p:txBody>
       </p:sp>
@@ -9162,39 +12698,39 @@
         <p:spPr/>
         <p:txBody>
           <a:bodyPr>
-            <a:normAutofit lnSpcReduction="10000"/>
+            <a:normAutofit fontScale="92500"/>
           </a:bodyPr>
           <a:lstStyle/>
           <a:p>
             <a:r>
-              <a:rPr lang="en-US" dirty="0" smtClean="0"/>
+              <a:rPr lang="en-US" dirty="0"/>
               <a:t>Binary matrix N*N would allow for any number of queens on the board (</a:t>
             </a:r>
             <a:r>
-              <a:rPr lang="en-US" dirty="0" err="1" smtClean="0"/>
+              <a:rPr lang="en-US" dirty="0" err="1"/>
               <a:t>eg</a:t>
             </a:r>
             <a:r>
-              <a:rPr lang="en-US" dirty="0" smtClean="0"/>
+              <a:rPr lang="en-US" dirty="0"/>
               <a:t> all 1s)</a:t>
             </a:r>
           </a:p>
           <a:p>
             <a:r>
-              <a:rPr lang="en-US" dirty="0" smtClean="0"/>
+              <a:rPr lang="en-US" dirty="0"/>
               <a:t>Domain knowledge: no 2 queens on same row, no 2 queens on the same column</a:t>
             </a:r>
           </a:p>
           <a:p>
             <a:pPr lvl="1"/>
             <a:r>
-              <a:rPr lang="en-US" dirty="0" smtClean="0"/>
+              <a:rPr lang="en-US" dirty="0"/>
               <a:t>Choose representation and search operator to only explore solution for which these constraints are satisfied</a:t>
             </a:r>
           </a:p>
           <a:p>
             <a:r>
-              <a:rPr lang="en-US" dirty="0" smtClean="0"/>
+              <a:rPr lang="en-US" dirty="0"/>
               <a:t>New representation: array of size N, with column indices from 0 to N-1 (position </a:t>
             </a:r>
             <a:r>
@@ -9202,24 +12738,23 @@
               <a:t>i</a:t>
             </a:r>
             <a:r>
-              <a:rPr lang="en-US" dirty="0" smtClean="0"/>
+              <a:rPr lang="en-US" dirty="0"/>
               <a:t> is for queen in row </a:t>
             </a:r>
             <a:r>
-              <a:rPr lang="en-US" i="1" dirty="0" err="1" smtClean="0"/>
+              <a:rPr lang="en-US" i="1" dirty="0" err="1"/>
               <a:t>i</a:t>
             </a:r>
             <a:r>
-              <a:rPr lang="en-US" dirty="0" smtClean="0"/>
+              <a:rPr lang="en-US" dirty="0"/>
               <a:t>)</a:t>
             </a:r>
           </a:p>
           <a:p>
             <a:r>
-              <a:rPr lang="en-US" dirty="0" smtClean="0"/>
+              <a:rPr lang="en-US" dirty="0"/>
               <a:t>New operator: swap 2 column indices</a:t>
             </a:r>
-            <a:endParaRPr lang="en-US" dirty="0"/>
           </a:p>
         </p:txBody>
       </p:sp>
@@ -9237,7 +12772,7 @@
 </p:sld>
 </file>
 
-<file path=ppt/slides/slide32.xml><?xml version="1.0" encoding="utf-8"?>
+<file path=ppt/slides/slide35.xml><?xml version="1.0" encoding="utf-8"?>
 <p:sld xmlns:a="http://schemas.openxmlformats.org/drawingml/2006/main" xmlns:r="http://schemas.openxmlformats.org/officeDocument/2006/relationships" xmlns:p="http://schemas.openxmlformats.org/presentationml/2006/main">
   <p:cSld>
     <p:spTree>
@@ -9270,10 +12805,9 @@
           <a:lstStyle/>
           <a:p>
             <a:r>
-              <a:rPr lang="en-US" dirty="0" smtClean="0"/>
+              <a:rPr lang="en-US" dirty="0"/>
               <a:t>QP Cont.</a:t>
             </a:r>
-            <a:endParaRPr lang="en-US" dirty="0"/>
           </a:p>
         </p:txBody>
       </p:sp>
@@ -9293,91 +12827,91 @@
           <a:lstStyle/>
           <a:p>
             <a:r>
-              <a:rPr lang="en-US" dirty="0" smtClean="0"/>
+              <a:rPr lang="en-US" dirty="0"/>
               <a:t>Representation: [</a:t>
             </a:r>
             <a:r>
-              <a:rPr lang="en-US" dirty="0" err="1" smtClean="0"/>
+              <a:rPr lang="en-US" dirty="0" err="1"/>
               <a:t>f,a,e,b,h,c,g,d</a:t>
             </a:r>
             <a:r>
-              <a:rPr lang="en-US" dirty="0" smtClean="0"/>
+              <a:rPr lang="en-US" dirty="0"/>
               <a:t>]</a:t>
             </a:r>
           </a:p>
           <a:p>
             <a:pPr lvl="1"/>
             <a:r>
-              <a:rPr lang="en-US" dirty="0" err="1" smtClean="0"/>
+              <a:rPr lang="en-US" dirty="0" err="1"/>
               <a:t>Eg</a:t>
             </a:r>
             <a:r>
-              <a:rPr lang="en-US" dirty="0" smtClean="0"/>
+              <a:rPr lang="en-US" dirty="0"/>
               <a:t>, queen in row 1 is in column </a:t>
             </a:r>
             <a:r>
-              <a:rPr lang="en-US" i="1" dirty="0" smtClean="0"/>
+              <a:rPr lang="en-US" i="1" dirty="0"/>
               <a:t>“f”,</a:t>
             </a:r>
             <a:r>
-              <a:rPr lang="en-US" dirty="0" smtClean="0"/>
+              <a:rPr lang="en-US" dirty="0"/>
               <a:t> row 2 is in column </a:t>
             </a:r>
             <a:r>
-              <a:rPr lang="en-US" i="1" dirty="0" smtClean="0"/>
+              <a:rPr lang="en-US" i="1" dirty="0"/>
               <a:t>“a”</a:t>
             </a:r>
             <a:r>
-              <a:rPr lang="en-US" dirty="0" smtClean="0"/>
+              <a:rPr lang="en-US" dirty="0"/>
               <a:t>, </a:t>
             </a:r>
             <a:r>
-              <a:rPr lang="en-US" dirty="0" err="1" smtClean="0"/>
+              <a:rPr lang="en-US" dirty="0" err="1"/>
               <a:t>etc</a:t>
             </a:r>
-            <a:endParaRPr lang="en-US" dirty="0" smtClean="0"/>
-          </a:p>
-          <a:p>
-            <a:r>
-              <a:rPr lang="en-US" dirty="0" smtClean="0"/>
+            <a:endParaRPr lang="en-US" dirty="0"/>
+          </a:p>
+          <a:p>
+            <a:r>
+              <a:rPr lang="en-US" dirty="0"/>
               <a:t>Search operator: swap two elements</a:t>
             </a:r>
           </a:p>
           <a:p>
             <a:pPr lvl="1"/>
             <a:r>
-              <a:rPr lang="en-US" dirty="0" err="1" smtClean="0"/>
+              <a:rPr lang="en-US" dirty="0" err="1"/>
               <a:t>Eg</a:t>
             </a:r>
             <a:r>
-              <a:rPr lang="en-US" dirty="0" smtClean="0"/>
+              <a:rPr lang="en-US" dirty="0"/>
               <a:t>, swap “f” with “c”, [</a:t>
             </a:r>
             <a:r>
-              <a:rPr lang="en-US" dirty="0" err="1" smtClean="0"/>
+              <a:rPr lang="en-US" dirty="0" err="1"/>
               <a:t>c,a,e,b,h,f,g,d</a:t>
             </a:r>
             <a:r>
-              <a:rPr lang="en-US" dirty="0" smtClean="0"/>
+              <a:rPr lang="en-US" dirty="0"/>
               <a:t>]</a:t>
             </a:r>
           </a:p>
           <a:p>
             <a:r>
-              <a:rPr lang="en-US" dirty="0" smtClean="0"/>
+              <a:rPr lang="en-US" dirty="0"/>
               <a:t>By construction, I am only exploring board configurations that do not clash on columns/rows</a:t>
             </a:r>
           </a:p>
           <a:p>
             <a:pPr lvl="1"/>
             <a:r>
-              <a:rPr lang="en-US" dirty="0" smtClean="0"/>
+              <a:rPr lang="en-US" dirty="0"/>
               <a:t>But still a problem, as need to handle threating on diagonals</a:t>
             </a:r>
           </a:p>
           <a:p>
             <a:pPr lvl="1"/>
-            <a:endParaRPr lang="en-US" dirty="0" smtClean="0"/>
+            <a:endParaRPr lang="en-US" dirty="0"/>
           </a:p>
           <a:p>
             <a:pPr lvl="1"/>
@@ -9440,457 +12974,6 @@
 </p:sld>
 </file>
 
-<file path=ppt/slides/slide33.xml><?xml version="1.0" encoding="utf-8"?>
-<p:sld xmlns:a="http://schemas.openxmlformats.org/drawingml/2006/main" xmlns:r="http://schemas.openxmlformats.org/officeDocument/2006/relationships" xmlns:p="http://schemas.openxmlformats.org/presentationml/2006/main">
-  <p:cSld>
-    <p:spTree>
-      <p:nvGrpSpPr>
-        <p:cNvPr id="1" name=""/>
-        <p:cNvGrpSpPr/>
-        <p:nvPr/>
-      </p:nvGrpSpPr>
-      <p:grpSpPr>
-        <a:xfrm>
-          <a:off x="0" y="0"/>
-          <a:ext cx="0" cy="0"/>
-          <a:chOff x="0" y="0"/>
-          <a:chExt cx="0" cy="0"/>
-        </a:xfrm>
-      </p:grpSpPr>
-      <p:sp>
-        <p:nvSpPr>
-          <p:cNvPr id="2" name="Title 1"/>
-          <p:cNvSpPr>
-            <a:spLocks noGrp="1"/>
-          </p:cNvSpPr>
-          <p:nvPr>
-            <p:ph type="title"/>
-          </p:nvPr>
-        </p:nvSpPr>
-        <p:spPr/>
-        <p:txBody>
-          <a:bodyPr/>
-          <a:lstStyle/>
-          <a:p>
-            <a:r>
-              <a:rPr lang="en-US" dirty="0" smtClean="0"/>
-              <a:t>Decision Problem</a:t>
-            </a:r>
-            <a:endParaRPr lang="en-US" dirty="0"/>
-          </a:p>
-        </p:txBody>
-      </p:sp>
-      <p:sp>
-        <p:nvSpPr>
-          <p:cNvPr id="3" name="Text Placeholder 2"/>
-          <p:cNvSpPr>
-            <a:spLocks noGrp="1"/>
-          </p:cNvSpPr>
-          <p:nvPr>
-            <p:ph type="body" idx="1"/>
-          </p:nvPr>
-        </p:nvSpPr>
-        <p:spPr>
-          <a:xfrm>
-            <a:off x="296091" y="2603499"/>
-            <a:ext cx="12557760" cy="6714671"/>
-          </a:xfrm>
-        </p:spPr>
-        <p:txBody>
-          <a:bodyPr>
-            <a:normAutofit fontScale="77500" lnSpcReduction="20000"/>
-          </a:bodyPr>
-          <a:lstStyle/>
-          <a:p>
-            <a:r>
-              <a:rPr lang="en-US" dirty="0" smtClean="0"/>
-              <a:t>Technically, QP is a </a:t>
-            </a:r>
-            <a:r>
-              <a:rPr lang="en-US" i="1" dirty="0" smtClean="0"/>
-              <a:t>decision</a:t>
-            </a:r>
-            <a:r>
-              <a:rPr lang="en-US" dirty="0" smtClean="0"/>
-              <a:t> problem</a:t>
-            </a:r>
-          </a:p>
-          <a:p>
-            <a:r>
-              <a:rPr lang="en-US" dirty="0" smtClean="0"/>
-              <a:t>Once we find a solution with N queens no threating any other, we know we have found a global optimum</a:t>
-            </a:r>
-          </a:p>
-          <a:p>
-            <a:r>
-              <a:rPr lang="en-US" dirty="0" smtClean="0"/>
-              <a:t>In optimization problems, usually we cannot know if we found the best</a:t>
-            </a:r>
-          </a:p>
-          <a:p>
-            <a:r>
-              <a:rPr lang="en-US" dirty="0" smtClean="0"/>
-              <a:t>Decision Problem: can say “yes” or “no” about if a solution is optimal or not</a:t>
-            </a:r>
-          </a:p>
-          <a:p>
-            <a:r>
-              <a:rPr lang="en-US" dirty="0" smtClean="0"/>
-              <a:t>For decision problems, still doing the same as optimization, only difference is that we can know when best solution is found</a:t>
-            </a:r>
-          </a:p>
-          <a:p>
-            <a:r>
-              <a:rPr lang="en-US" dirty="0" smtClean="0"/>
-              <a:t>Practically all optimization problems have a decision variant for some metric K, </a:t>
-            </a:r>
-            <a:r>
-              <a:rPr lang="en-US" dirty="0" err="1" smtClean="0"/>
-              <a:t>eg</a:t>
-            </a:r>
-            <a:r>
-              <a:rPr lang="en-US" dirty="0" smtClean="0"/>
-              <a:t> “find knapsack configuration with total item values of at least K”</a:t>
-            </a:r>
-          </a:p>
-        </p:txBody>
-      </p:sp>
-    </p:spTree>
-    <p:extLst>
-      <p:ext uri="{BB962C8B-B14F-4D97-AF65-F5344CB8AC3E}">
-        <p14:creationId xmlns:p14="http://schemas.microsoft.com/office/powerpoint/2010/main" val="63164798"/>
-      </p:ext>
-    </p:extLst>
-  </p:cSld>
-  <p:clrMapOvr>
-    <a:masterClrMapping/>
-  </p:clrMapOvr>
-  <p:transition spd="med"/>
-</p:sld>
-</file>
-
-<file path=ppt/slides/slide34.xml><?xml version="1.0" encoding="utf-8"?>
-<p:sld xmlns:a="http://schemas.openxmlformats.org/drawingml/2006/main" xmlns:r="http://schemas.openxmlformats.org/officeDocument/2006/relationships" xmlns:p="http://schemas.openxmlformats.org/presentationml/2006/main">
-  <p:cSld>
-    <p:spTree>
-      <p:nvGrpSpPr>
-        <p:cNvPr id="1" name=""/>
-        <p:cNvGrpSpPr/>
-        <p:nvPr/>
-      </p:nvGrpSpPr>
-      <p:grpSpPr>
-        <a:xfrm>
-          <a:off x="0" y="0"/>
-          <a:ext cx="0" cy="0"/>
-          <a:chOff x="0" y="0"/>
-          <a:chExt cx="0" cy="0"/>
-        </a:xfrm>
-      </p:grpSpPr>
-      <p:sp>
-        <p:nvSpPr>
-          <p:cNvPr id="2" name="Title 1"/>
-          <p:cNvSpPr>
-            <a:spLocks noGrp="1"/>
-          </p:cNvSpPr>
-          <p:nvPr>
-            <p:ph type="title"/>
-          </p:nvPr>
-        </p:nvSpPr>
-        <p:spPr/>
-        <p:txBody>
-          <a:bodyPr/>
-          <a:lstStyle/>
-          <a:p>
-            <a:r>
-              <a:rPr lang="en-US" b="1" dirty="0" smtClean="0"/>
-              <a:t>NP</a:t>
-            </a:r>
-            <a:endParaRPr lang="en-US" b="1" dirty="0"/>
-          </a:p>
-        </p:txBody>
-      </p:sp>
-      <p:sp>
-        <p:nvSpPr>
-          <p:cNvPr id="3" name="Text Placeholder 2"/>
-          <p:cNvSpPr>
-            <a:spLocks noGrp="1"/>
-          </p:cNvSpPr>
-          <p:nvPr>
-            <p:ph type="body" idx="1"/>
-          </p:nvPr>
-        </p:nvSpPr>
-        <p:spPr>
-          <a:xfrm>
-            <a:off x="470263" y="2603500"/>
-            <a:ext cx="12261668" cy="6286500"/>
-          </a:xfrm>
-        </p:spPr>
-        <p:txBody>
-          <a:bodyPr>
-            <a:normAutofit fontScale="92500" lnSpcReduction="20000"/>
-          </a:bodyPr>
-          <a:lstStyle/>
-          <a:p>
-            <a:r>
-              <a:rPr lang="en-US" b="1" dirty="0" smtClean="0"/>
-              <a:t>NP</a:t>
-            </a:r>
-            <a:r>
-              <a:rPr lang="en-US" dirty="0" smtClean="0"/>
-              <a:t>: “</a:t>
-            </a:r>
-            <a:r>
-              <a:rPr lang="en-US" b="1" dirty="0"/>
-              <a:t>N</a:t>
-            </a:r>
-            <a:r>
-              <a:rPr lang="en-US" dirty="0" smtClean="0"/>
-              <a:t>ondeterministic</a:t>
-            </a:r>
-            <a:r>
-              <a:rPr lang="en-US" dirty="0"/>
-              <a:t> </a:t>
-            </a:r>
-            <a:r>
-              <a:rPr lang="en-US" b="1" dirty="0" smtClean="0"/>
-              <a:t>P</a:t>
-            </a:r>
-            <a:r>
-              <a:rPr lang="en-US" dirty="0" smtClean="0"/>
-              <a:t>olynomial time”</a:t>
-            </a:r>
-          </a:p>
-          <a:p>
-            <a:r>
-              <a:rPr lang="en-US" b="1" dirty="0" smtClean="0"/>
-              <a:t>NP</a:t>
-            </a:r>
-            <a:r>
-              <a:rPr lang="en-US" dirty="0" smtClean="0"/>
-              <a:t> is “the set of all </a:t>
-            </a:r>
-            <a:r>
-              <a:rPr lang="en-US" i="1" dirty="0" smtClean="0"/>
-              <a:t>decision </a:t>
-            </a:r>
-            <a:r>
-              <a:rPr lang="en-US" dirty="0" smtClean="0"/>
-              <a:t>problems that can be solved in polynomial time on a theoretical non-deterministic Turing machine”</a:t>
-            </a:r>
-          </a:p>
-          <a:p>
-            <a:r>
-              <a:rPr lang="en-US" dirty="0" smtClean="0"/>
-              <a:t>Equivalent, easier definition: “</a:t>
-            </a:r>
-            <a:r>
-              <a:rPr lang="en-US" i="1" dirty="0" smtClean="0"/>
-              <a:t>set of all decision problems whose solutions can be verified in polynomial time</a:t>
-            </a:r>
-            <a:r>
-              <a:rPr lang="en-US" dirty="0" smtClean="0"/>
-              <a:t>”</a:t>
-            </a:r>
-          </a:p>
-          <a:p>
-            <a:pPr lvl="1"/>
-            <a:r>
-              <a:rPr lang="en-US" dirty="0" err="1" smtClean="0"/>
-              <a:t>Ie</a:t>
-            </a:r>
-            <a:r>
-              <a:rPr lang="en-US" dirty="0" smtClean="0"/>
-              <a:t>, can answer “yes” or “no” in polynomial time</a:t>
-            </a:r>
-          </a:p>
-          <a:p>
-            <a:r>
-              <a:rPr lang="en-US" dirty="0" smtClean="0"/>
-              <a:t>KP and QP are in </a:t>
-            </a:r>
-            <a:r>
-              <a:rPr lang="en-US" b="1" dirty="0" smtClean="0"/>
-              <a:t>NP</a:t>
-            </a:r>
-            <a:r>
-              <a:rPr lang="en-US" dirty="0" smtClean="0"/>
-              <a:t>:</a:t>
-            </a:r>
-          </a:p>
-          <a:p>
-            <a:pPr lvl="1"/>
-            <a:r>
-              <a:rPr lang="en-US" dirty="0" smtClean="0"/>
-              <a:t>QP: can quickly verify if N queens do not threaten each other</a:t>
-            </a:r>
-          </a:p>
-          <a:p>
-            <a:pPr lvl="1"/>
-            <a:r>
-              <a:rPr lang="en-US" dirty="0" smtClean="0"/>
-              <a:t>KP: can quickly verify in linear time if a solution has at least a certain value </a:t>
-            </a:r>
-          </a:p>
-        </p:txBody>
-      </p:sp>
-    </p:spTree>
-    <p:extLst>
-      <p:ext uri="{BB962C8B-B14F-4D97-AF65-F5344CB8AC3E}">
-        <p14:creationId xmlns:p14="http://schemas.microsoft.com/office/powerpoint/2010/main" val="1762231097"/>
-      </p:ext>
-    </p:extLst>
-  </p:cSld>
-  <p:clrMapOvr>
-    <a:masterClrMapping/>
-  </p:clrMapOvr>
-  <p:transition spd="med"/>
-</p:sld>
-</file>
-
-<file path=ppt/slides/slide35.xml><?xml version="1.0" encoding="utf-8"?>
-<p:sld xmlns:a="http://schemas.openxmlformats.org/drawingml/2006/main" xmlns:r="http://schemas.openxmlformats.org/officeDocument/2006/relationships" xmlns:p="http://schemas.openxmlformats.org/presentationml/2006/main">
-  <p:cSld>
-    <p:spTree>
-      <p:nvGrpSpPr>
-        <p:cNvPr id="1" name=""/>
-        <p:cNvGrpSpPr/>
-        <p:nvPr/>
-      </p:nvGrpSpPr>
-      <p:grpSpPr>
-        <a:xfrm>
-          <a:off x="0" y="0"/>
-          <a:ext cx="0" cy="0"/>
-          <a:chOff x="0" y="0"/>
-          <a:chExt cx="0" cy="0"/>
-        </a:xfrm>
-      </p:grpSpPr>
-      <p:sp>
-        <p:nvSpPr>
-          <p:cNvPr id="2" name="Title 1"/>
-          <p:cNvSpPr>
-            <a:spLocks noGrp="1"/>
-          </p:cNvSpPr>
-          <p:nvPr>
-            <p:ph type="title"/>
-          </p:nvPr>
-        </p:nvSpPr>
-        <p:spPr/>
-        <p:txBody>
-          <a:bodyPr/>
-          <a:lstStyle/>
-          <a:p>
-            <a:r>
-              <a:rPr lang="en-US" b="1" dirty="0" smtClean="0"/>
-              <a:t>P</a:t>
-            </a:r>
-            <a:endParaRPr lang="en-US" b="1" dirty="0"/>
-          </a:p>
-        </p:txBody>
-      </p:sp>
-      <p:sp>
-        <p:nvSpPr>
-          <p:cNvPr id="3" name="Text Placeholder 2"/>
-          <p:cNvSpPr>
-            <a:spLocks noGrp="1"/>
-          </p:cNvSpPr>
-          <p:nvPr>
-            <p:ph type="body" idx="1"/>
-          </p:nvPr>
-        </p:nvSpPr>
-        <p:spPr>
-          <a:xfrm>
-            <a:off x="271417" y="2229031"/>
-            <a:ext cx="12461966" cy="7150099"/>
-          </a:xfrm>
-        </p:spPr>
-        <p:txBody>
-          <a:bodyPr>
-            <a:normAutofit fontScale="92500" lnSpcReduction="20000"/>
-          </a:bodyPr>
-          <a:lstStyle/>
-          <a:p>
-            <a:r>
-              <a:rPr lang="en-US" b="1" dirty="0" smtClean="0"/>
-              <a:t>P</a:t>
-            </a:r>
-            <a:r>
-              <a:rPr lang="en-US" dirty="0" smtClean="0"/>
-              <a:t> is the set of all decision problems that can be </a:t>
-            </a:r>
-            <a:r>
-              <a:rPr lang="en-US" i="1" dirty="0" smtClean="0"/>
-              <a:t>solved</a:t>
-            </a:r>
-            <a:r>
-              <a:rPr lang="en-US" dirty="0" smtClean="0"/>
-              <a:t> in polynomial time</a:t>
-            </a:r>
-          </a:p>
-          <a:p>
-            <a:r>
-              <a:rPr lang="en-US" b="1" dirty="0" smtClean="0"/>
-              <a:t>P</a:t>
-            </a:r>
-            <a:r>
-              <a:rPr lang="en-US" dirty="0" smtClean="0"/>
-              <a:t> is at least a subset of </a:t>
-            </a:r>
-            <a:r>
-              <a:rPr lang="en-US" b="1" dirty="0" smtClean="0"/>
-              <a:t>NP</a:t>
-            </a:r>
-            <a:r>
-              <a:rPr lang="en-US" dirty="0" smtClean="0"/>
-              <a:t>… but is it a strict subset???</a:t>
-            </a:r>
-          </a:p>
-          <a:p>
-            <a:r>
-              <a:rPr lang="en-US" b="1" dirty="0" smtClean="0"/>
-              <a:t>P = NP ???</a:t>
-            </a:r>
-          </a:p>
-          <a:p>
-            <a:r>
-              <a:rPr lang="en-US" b="1" dirty="0" smtClean="0"/>
-              <a:t>P != NP ???</a:t>
-            </a:r>
-          </a:p>
-          <a:p>
-            <a:r>
-              <a:rPr lang="en-US" i="1" dirty="0" smtClean="0"/>
-              <a:t>This is arguably the most important question in computer science for which we do not have an answer (yet)</a:t>
-            </a:r>
-          </a:p>
-          <a:p>
-            <a:r>
-              <a:rPr lang="en-US" dirty="0" smtClean="0"/>
-              <a:t>Consequence: there might be undiscovered, efficient algorithms to solve today’s complex problems, or those might be impossible to design… we simply have no clue </a:t>
-            </a:r>
-            <a:r>
-              <a:rPr lang="en-US" dirty="0" smtClean="0">
-                <a:sym typeface="Wingdings" panose="05000000000000000000" pitchFamily="2" charset="2"/>
-              </a:rPr>
-              <a:t> </a:t>
-            </a:r>
-            <a:endParaRPr lang="en-US" dirty="0"/>
-          </a:p>
-        </p:txBody>
-      </p:sp>
-    </p:spTree>
-    <p:extLst>
-      <p:ext uri="{BB962C8B-B14F-4D97-AF65-F5344CB8AC3E}">
-        <p14:creationId xmlns:p14="http://schemas.microsoft.com/office/powerpoint/2010/main" val="104883548"/>
-      </p:ext>
-    </p:extLst>
-  </p:cSld>
-  <p:clrMapOvr>
-    <a:masterClrMapping/>
-  </p:clrMapOvr>
-  <p:transition spd="med"/>
-</p:sld>
-</file>
-
 <file path=ppt/slides/slide36.xml><?xml version="1.0" encoding="utf-8"?>
 <p:sld xmlns:a="http://schemas.openxmlformats.org/drawingml/2006/main" xmlns:r="http://schemas.openxmlformats.org/officeDocument/2006/relationships" xmlns:p="http://schemas.openxmlformats.org/presentationml/2006/main">
   <p:cSld>
@@ -9924,10 +13007,453 @@
           <a:lstStyle/>
           <a:p>
             <a:r>
-              <a:rPr lang="en-US" dirty="0" smtClean="0"/>
+              <a:rPr lang="en-US" dirty="0"/>
+              <a:t>Decision Problem</a:t>
+            </a:r>
+          </a:p>
+        </p:txBody>
+      </p:sp>
+      <p:sp>
+        <p:nvSpPr>
+          <p:cNvPr id="3" name="Text Placeholder 2"/>
+          <p:cNvSpPr>
+            <a:spLocks noGrp="1"/>
+          </p:cNvSpPr>
+          <p:nvPr>
+            <p:ph type="body" idx="1"/>
+          </p:nvPr>
+        </p:nvSpPr>
+        <p:spPr>
+          <a:xfrm>
+            <a:off x="296091" y="2603499"/>
+            <a:ext cx="12557760" cy="6714671"/>
+          </a:xfrm>
+        </p:spPr>
+        <p:txBody>
+          <a:bodyPr>
+            <a:normAutofit fontScale="77500" lnSpcReduction="20000"/>
+          </a:bodyPr>
+          <a:lstStyle/>
+          <a:p>
+            <a:r>
+              <a:rPr lang="en-US" dirty="0"/>
+              <a:t>Technically, QP is a </a:t>
+            </a:r>
+            <a:r>
+              <a:rPr lang="en-US" i="1" dirty="0"/>
+              <a:t>decision</a:t>
+            </a:r>
+            <a:r>
+              <a:rPr lang="en-US" dirty="0"/>
+              <a:t> problem</a:t>
+            </a:r>
+          </a:p>
+          <a:p>
+            <a:r>
+              <a:rPr lang="en-US" dirty="0"/>
+              <a:t>Once we find a solution with N queens no threating any other, we know we have found a global optimum</a:t>
+            </a:r>
+          </a:p>
+          <a:p>
+            <a:r>
+              <a:rPr lang="en-US" dirty="0"/>
+              <a:t>In optimization problems, usually we cannot know if we found the best</a:t>
+            </a:r>
+          </a:p>
+          <a:p>
+            <a:r>
+              <a:rPr lang="en-US" dirty="0"/>
+              <a:t>Decision Problem: can say “yes” or “no” about if a solution is optimal or not</a:t>
+            </a:r>
+          </a:p>
+          <a:p>
+            <a:r>
+              <a:rPr lang="en-US" dirty="0"/>
+              <a:t>For decision problems, still doing the same as optimization, only difference is that we can know when best solution is found</a:t>
+            </a:r>
+          </a:p>
+          <a:p>
+            <a:r>
+              <a:rPr lang="en-US" dirty="0"/>
+              <a:t>Practically all optimization problems have a decision variant for some metric K, </a:t>
+            </a:r>
+            <a:r>
+              <a:rPr lang="en-US" dirty="0" err="1"/>
+              <a:t>eg</a:t>
+            </a:r>
+            <a:r>
+              <a:rPr lang="en-US" dirty="0"/>
+              <a:t> “find knapsack configuration with total item values of at least K”</a:t>
+            </a:r>
+          </a:p>
+        </p:txBody>
+      </p:sp>
+    </p:spTree>
+    <p:extLst>
+      <p:ext uri="{BB962C8B-B14F-4D97-AF65-F5344CB8AC3E}">
+        <p14:creationId xmlns:p14="http://schemas.microsoft.com/office/powerpoint/2010/main" val="63164798"/>
+      </p:ext>
+    </p:extLst>
+  </p:cSld>
+  <p:clrMapOvr>
+    <a:masterClrMapping/>
+  </p:clrMapOvr>
+  <p:transition spd="med"/>
+</p:sld>
+</file>
+
+<file path=ppt/slides/slide37.xml><?xml version="1.0" encoding="utf-8"?>
+<p:sld xmlns:a="http://schemas.openxmlformats.org/drawingml/2006/main" xmlns:r="http://schemas.openxmlformats.org/officeDocument/2006/relationships" xmlns:p="http://schemas.openxmlformats.org/presentationml/2006/main">
+  <p:cSld>
+    <p:spTree>
+      <p:nvGrpSpPr>
+        <p:cNvPr id="1" name=""/>
+        <p:cNvGrpSpPr/>
+        <p:nvPr/>
+      </p:nvGrpSpPr>
+      <p:grpSpPr>
+        <a:xfrm>
+          <a:off x="0" y="0"/>
+          <a:ext cx="0" cy="0"/>
+          <a:chOff x="0" y="0"/>
+          <a:chExt cx="0" cy="0"/>
+        </a:xfrm>
+      </p:grpSpPr>
+      <p:sp>
+        <p:nvSpPr>
+          <p:cNvPr id="2" name="Title 1"/>
+          <p:cNvSpPr>
+            <a:spLocks noGrp="1"/>
+          </p:cNvSpPr>
+          <p:nvPr>
+            <p:ph type="title"/>
+          </p:nvPr>
+        </p:nvSpPr>
+        <p:spPr/>
+        <p:txBody>
+          <a:bodyPr/>
+          <a:lstStyle/>
+          <a:p>
+            <a:r>
+              <a:rPr lang="en-US" b="1" dirty="0"/>
+              <a:t>NP</a:t>
+            </a:r>
+          </a:p>
+        </p:txBody>
+      </p:sp>
+      <p:sp>
+        <p:nvSpPr>
+          <p:cNvPr id="3" name="Text Placeholder 2"/>
+          <p:cNvSpPr>
+            <a:spLocks noGrp="1"/>
+          </p:cNvSpPr>
+          <p:nvPr>
+            <p:ph type="body" idx="1"/>
+          </p:nvPr>
+        </p:nvSpPr>
+        <p:spPr>
+          <a:xfrm>
+            <a:off x="470263" y="2603500"/>
+            <a:ext cx="12261668" cy="6286500"/>
+          </a:xfrm>
+        </p:spPr>
+        <p:txBody>
+          <a:bodyPr>
+            <a:normAutofit fontScale="92500" lnSpcReduction="20000"/>
+          </a:bodyPr>
+          <a:lstStyle/>
+          <a:p>
+            <a:r>
+              <a:rPr lang="en-US" b="1" dirty="0"/>
+              <a:t>NP</a:t>
+            </a:r>
+            <a:r>
+              <a:rPr lang="en-US" dirty="0"/>
+              <a:t>: “</a:t>
+            </a:r>
+            <a:r>
+              <a:rPr lang="en-US" b="1" dirty="0"/>
+              <a:t>N</a:t>
+            </a:r>
+            <a:r>
+              <a:rPr lang="en-US" dirty="0"/>
+              <a:t>ondeterministic </a:t>
+            </a:r>
+            <a:r>
+              <a:rPr lang="en-US" b="1" dirty="0"/>
+              <a:t>P</a:t>
+            </a:r>
+            <a:r>
+              <a:rPr lang="en-US" dirty="0"/>
+              <a:t>olynomial time”</a:t>
+            </a:r>
+          </a:p>
+          <a:p>
+            <a:r>
+              <a:rPr lang="en-US" b="1" dirty="0"/>
+              <a:t>NP</a:t>
+            </a:r>
+            <a:r>
+              <a:rPr lang="en-US" dirty="0"/>
+              <a:t> is “the set of all </a:t>
+            </a:r>
+            <a:r>
+              <a:rPr lang="en-US" i="1" dirty="0"/>
+              <a:t>decision </a:t>
+            </a:r>
+            <a:r>
+              <a:rPr lang="en-US" dirty="0"/>
+              <a:t>problems that can be solved in polynomial time on a theoretical non-deterministic Turing machine”</a:t>
+            </a:r>
+          </a:p>
+          <a:p>
+            <a:r>
+              <a:rPr lang="en-US" dirty="0"/>
+              <a:t>Equivalent, easier definition: “</a:t>
+            </a:r>
+            <a:r>
+              <a:rPr lang="en-US" i="1" dirty="0"/>
+              <a:t>set of all decision problems whose solutions can be verified in polynomial time</a:t>
+            </a:r>
+            <a:r>
+              <a:rPr lang="en-US" dirty="0"/>
+              <a:t>”</a:t>
+            </a:r>
+          </a:p>
+          <a:p>
+            <a:pPr lvl="1"/>
+            <a:r>
+              <a:rPr lang="en-US" dirty="0" err="1"/>
+              <a:t>Ie</a:t>
+            </a:r>
+            <a:r>
+              <a:rPr lang="en-US" dirty="0"/>
+              <a:t>, can answer “yes” or “no” in polynomial time</a:t>
+            </a:r>
+          </a:p>
+          <a:p>
+            <a:r>
+              <a:rPr lang="en-US" dirty="0"/>
+              <a:t>KP and QP are in </a:t>
+            </a:r>
+            <a:r>
+              <a:rPr lang="en-US" b="1" dirty="0"/>
+              <a:t>NP</a:t>
+            </a:r>
+            <a:r>
+              <a:rPr lang="en-US" dirty="0"/>
+              <a:t>:</a:t>
+            </a:r>
+          </a:p>
+          <a:p>
+            <a:pPr lvl="1"/>
+            <a:r>
+              <a:rPr lang="en-US" dirty="0"/>
+              <a:t>QP: can quickly verify if N queens do not threaten each other</a:t>
+            </a:r>
+          </a:p>
+          <a:p>
+            <a:pPr lvl="1"/>
+            <a:r>
+              <a:rPr lang="en-US" dirty="0"/>
+              <a:t>KP: can quickly verify in linear time if a solution has at least a certain value </a:t>
+            </a:r>
+          </a:p>
+        </p:txBody>
+      </p:sp>
+    </p:spTree>
+    <p:extLst>
+      <p:ext uri="{BB962C8B-B14F-4D97-AF65-F5344CB8AC3E}">
+        <p14:creationId xmlns:p14="http://schemas.microsoft.com/office/powerpoint/2010/main" val="1762231097"/>
+      </p:ext>
+    </p:extLst>
+  </p:cSld>
+  <p:clrMapOvr>
+    <a:masterClrMapping/>
+  </p:clrMapOvr>
+  <p:transition spd="med"/>
+</p:sld>
+</file>
+
+<file path=ppt/slides/slide38.xml><?xml version="1.0" encoding="utf-8"?>
+<p:sld xmlns:a="http://schemas.openxmlformats.org/drawingml/2006/main" xmlns:r="http://schemas.openxmlformats.org/officeDocument/2006/relationships" xmlns:p="http://schemas.openxmlformats.org/presentationml/2006/main">
+  <p:cSld>
+    <p:spTree>
+      <p:nvGrpSpPr>
+        <p:cNvPr id="1" name=""/>
+        <p:cNvGrpSpPr/>
+        <p:nvPr/>
+      </p:nvGrpSpPr>
+      <p:grpSpPr>
+        <a:xfrm>
+          <a:off x="0" y="0"/>
+          <a:ext cx="0" cy="0"/>
+          <a:chOff x="0" y="0"/>
+          <a:chExt cx="0" cy="0"/>
+        </a:xfrm>
+      </p:grpSpPr>
+      <p:sp>
+        <p:nvSpPr>
+          <p:cNvPr id="2" name="Title 1"/>
+          <p:cNvSpPr>
+            <a:spLocks noGrp="1"/>
+          </p:cNvSpPr>
+          <p:nvPr>
+            <p:ph type="title"/>
+          </p:nvPr>
+        </p:nvSpPr>
+        <p:spPr/>
+        <p:txBody>
+          <a:bodyPr/>
+          <a:lstStyle/>
+          <a:p>
+            <a:r>
+              <a:rPr lang="en-US" b="1" dirty="0"/>
+              <a:t>P</a:t>
+            </a:r>
+          </a:p>
+        </p:txBody>
+      </p:sp>
+      <p:sp>
+        <p:nvSpPr>
+          <p:cNvPr id="3" name="Text Placeholder 2"/>
+          <p:cNvSpPr>
+            <a:spLocks noGrp="1"/>
+          </p:cNvSpPr>
+          <p:nvPr>
+            <p:ph type="body" idx="1"/>
+          </p:nvPr>
+        </p:nvSpPr>
+        <p:spPr>
+          <a:xfrm>
+            <a:off x="271417" y="2229031"/>
+            <a:ext cx="12461966" cy="7150099"/>
+          </a:xfrm>
+        </p:spPr>
+        <p:txBody>
+          <a:bodyPr>
+            <a:normAutofit fontScale="92500" lnSpcReduction="20000"/>
+          </a:bodyPr>
+          <a:lstStyle/>
+          <a:p>
+            <a:r>
+              <a:rPr lang="en-US" b="1" dirty="0"/>
+              <a:t>P</a:t>
+            </a:r>
+            <a:r>
+              <a:rPr lang="en-US" dirty="0"/>
+              <a:t> is the set of all decision problems that can be </a:t>
+            </a:r>
+            <a:r>
+              <a:rPr lang="en-US" i="1" dirty="0"/>
+              <a:t>solved</a:t>
+            </a:r>
+            <a:r>
+              <a:rPr lang="en-US" dirty="0"/>
+              <a:t> in polynomial time</a:t>
+            </a:r>
+          </a:p>
+          <a:p>
+            <a:r>
+              <a:rPr lang="en-US" b="1" dirty="0"/>
+              <a:t>P</a:t>
+            </a:r>
+            <a:r>
+              <a:rPr lang="en-US" dirty="0"/>
+              <a:t> is at least a subset of </a:t>
+            </a:r>
+            <a:r>
+              <a:rPr lang="en-US" b="1" dirty="0"/>
+              <a:t>NP</a:t>
+            </a:r>
+            <a:r>
+              <a:rPr lang="en-US" dirty="0"/>
+              <a:t>… but is it a strict subset???</a:t>
+            </a:r>
+          </a:p>
+          <a:p>
+            <a:r>
+              <a:rPr lang="en-US" b="1" dirty="0"/>
+              <a:t>P = NP ???</a:t>
+            </a:r>
+          </a:p>
+          <a:p>
+            <a:r>
+              <a:rPr lang="en-US" b="1" dirty="0"/>
+              <a:t>P != NP ???</a:t>
+            </a:r>
+          </a:p>
+          <a:p>
+            <a:r>
+              <a:rPr lang="en-US" i="1" dirty="0"/>
+              <a:t>This is arguably the most important question in computer science for which we do not have an answer (yet)</a:t>
+            </a:r>
+          </a:p>
+          <a:p>
+            <a:r>
+              <a:rPr lang="en-US" dirty="0"/>
+              <a:t>Consequence: there might be undiscovered, efficient algorithms to solve today’s complex problems, or those might be impossible to design… we simply have no clue </a:t>
+            </a:r>
+            <a:r>
+              <a:rPr lang="en-US" dirty="0">
+                <a:sym typeface="Wingdings" panose="05000000000000000000" pitchFamily="2" charset="2"/>
+              </a:rPr>
+              <a:t> </a:t>
+            </a:r>
+            <a:endParaRPr lang="en-US" dirty="0"/>
+          </a:p>
+        </p:txBody>
+      </p:sp>
+    </p:spTree>
+    <p:extLst>
+      <p:ext uri="{BB962C8B-B14F-4D97-AF65-F5344CB8AC3E}">
+        <p14:creationId xmlns:p14="http://schemas.microsoft.com/office/powerpoint/2010/main" val="104883548"/>
+      </p:ext>
+    </p:extLst>
+  </p:cSld>
+  <p:clrMapOvr>
+    <a:masterClrMapping/>
+  </p:clrMapOvr>
+  <p:transition spd="med"/>
+</p:sld>
+</file>
+
+<file path=ppt/slides/slide39.xml><?xml version="1.0" encoding="utf-8"?>
+<p:sld xmlns:a="http://schemas.openxmlformats.org/drawingml/2006/main" xmlns:r="http://schemas.openxmlformats.org/officeDocument/2006/relationships" xmlns:p="http://schemas.openxmlformats.org/presentationml/2006/main">
+  <p:cSld>
+    <p:spTree>
+      <p:nvGrpSpPr>
+        <p:cNvPr id="1" name=""/>
+        <p:cNvGrpSpPr/>
+        <p:nvPr/>
+      </p:nvGrpSpPr>
+      <p:grpSpPr>
+        <a:xfrm>
+          <a:off x="0" y="0"/>
+          <a:ext cx="0" cy="0"/>
+          <a:chOff x="0" y="0"/>
+          <a:chExt cx="0" cy="0"/>
+        </a:xfrm>
+      </p:grpSpPr>
+      <p:sp>
+        <p:nvSpPr>
+          <p:cNvPr id="2" name="Title 1"/>
+          <p:cNvSpPr>
+            <a:spLocks noGrp="1"/>
+          </p:cNvSpPr>
+          <p:nvPr>
+            <p:ph type="title"/>
+          </p:nvPr>
+        </p:nvSpPr>
+        <p:spPr/>
+        <p:txBody>
+          <a:bodyPr/>
+          <a:lstStyle/>
+          <a:p>
+            <a:r>
+              <a:rPr lang="en-US" dirty="0"/>
               <a:t>Homework</a:t>
             </a:r>
-            <a:endParaRPr lang="en-US" dirty="0"/>
           </a:p>
         </p:txBody>
       </p:sp>
@@ -9948,46 +13474,42 @@
           <a:p>
             <a:r>
               <a:rPr lang="en-US" dirty="0"/>
-              <a:t>Study Book </a:t>
-            </a:r>
-            <a:r>
-              <a:rPr lang="en-US" dirty="0" smtClean="0"/>
-              <a:t> pages 910-921</a:t>
+              <a:t>Study Book  pages 910-921</a:t>
             </a:r>
           </a:p>
           <a:p>
             <a:pPr lvl="1"/>
             <a:r>
-              <a:rPr lang="en-US" dirty="0" smtClean="0"/>
+              <a:rPr lang="en-US" dirty="0"/>
               <a:t>Note: details of optimization algorithm are </a:t>
             </a:r>
             <a:r>
-              <a:rPr lang="en-US" smtClean="0"/>
+              <a:rPr lang="en-US"/>
               <a:t>not in the book</a:t>
             </a:r>
-            <a:endParaRPr lang="en-US" dirty="0" smtClean="0"/>
-          </a:p>
-          <a:p>
-            <a:r>
-              <a:rPr lang="en-US" dirty="0" smtClean="0"/>
+            <a:endParaRPr lang="en-US" dirty="0"/>
+          </a:p>
+          <a:p>
+            <a:r>
+              <a:rPr lang="en-US" dirty="0"/>
               <a:t>Study code in the </a:t>
             </a:r>
             <a:r>
-              <a:rPr lang="en-US" i="1" dirty="0" smtClean="0"/>
+              <a:rPr lang="en-US" i="1" dirty="0"/>
               <a:t>org.pg4200.les10</a:t>
             </a:r>
             <a:r>
-              <a:rPr lang="en-US" dirty="0" smtClean="0"/>
+              <a:rPr lang="en-US" dirty="0"/>
               <a:t> package</a:t>
             </a:r>
           </a:p>
           <a:p>
             <a:r>
-              <a:rPr lang="en-US" dirty="0" smtClean="0"/>
+              <a:rPr lang="en-US" dirty="0"/>
               <a:t>Do exercises in </a:t>
             </a:r>
             <a:r>
-              <a:rPr lang="en-US" i="1" dirty="0" smtClean="0"/>
+              <a:rPr lang="en-US" i="1" dirty="0"/>
               <a:t>exercises/ex10</a:t>
             </a:r>
           </a:p>
@@ -10004,13 +13526,6 @@
     <a:masterClrMapping/>
   </p:clrMapOvr>
   <p:transition spd="med"/>
-  <p:timing>
-    <p:tnLst>
-      <p:par>
-        <p:cTn id="1" dur="indefinite" restart="never" nodeType="tmRoot"/>
-      </p:par>
-    </p:tnLst>
-  </p:timing>
 </p:sld>
 </file>
 
@@ -10047,10 +13562,9 @@
           <a:lstStyle/>
           <a:p>
             <a:r>
-              <a:rPr lang="en-US" dirty="0" smtClean="0"/>
+              <a:rPr lang="en-US" dirty="0"/>
               <a:t>Vehicle Design</a:t>
             </a:r>
-            <a:endParaRPr lang="en-US" dirty="0"/>
           </a:p>
         </p:txBody>
       </p:sp>
@@ -10077,16 +13591,15 @@
           <a:lstStyle/>
           <a:p>
             <a:r>
-              <a:rPr lang="en-US" dirty="0" smtClean="0"/>
+              <a:rPr lang="en-US" dirty="0"/>
               <a:t>How to find best shape to reduce air resistance?</a:t>
             </a:r>
           </a:p>
           <a:p>
             <a:r>
-              <a:rPr lang="en-US" dirty="0" smtClean="0"/>
+              <a:rPr lang="en-US" dirty="0"/>
               <a:t>Can have different designs, and then test them in a wind tunnel</a:t>
             </a:r>
-            <a:endParaRPr lang="en-US" dirty="0"/>
           </a:p>
         </p:txBody>
       </p:sp>
@@ -10263,13 +13776,8 @@
           <a:p>
             <a:r>
               <a:rPr lang="en-US" dirty="0"/>
-              <a:t>Protein D</a:t>
-            </a:r>
-            <a:r>
-              <a:rPr lang="en-US" dirty="0" smtClean="0"/>
-              <a:t>esign</a:t>
-            </a:r>
-            <a:endParaRPr lang="en-US" dirty="0"/>
+              <a:t>Protein Design</a:t>
+            </a:r>
           </a:p>
         </p:txBody>
       </p:sp>
@@ -10294,10 +13802,9 @@
           <a:lstStyle/>
           <a:p>
             <a:r>
-              <a:rPr lang="en-US" dirty="0" smtClean="0"/>
+              <a:rPr lang="en-US" dirty="0"/>
               <a:t>How to find the right sequence of amino acids which will result in a protein with some sought properties?</a:t>
             </a:r>
-            <a:endParaRPr lang="en-US" dirty="0"/>
           </a:p>
         </p:txBody>
       </p:sp>
@@ -10430,10 +13937,9 @@
           <a:lstStyle/>
           <a:p>
             <a:r>
-              <a:rPr lang="en-US" dirty="0" smtClean="0"/>
+              <a:rPr lang="en-US" dirty="0"/>
               <a:t>Stock Market</a:t>
             </a:r>
-            <a:endParaRPr lang="en-US" dirty="0"/>
           </a:p>
         </p:txBody>
       </p:sp>
@@ -10458,10 +13964,9 @@
           <a:lstStyle/>
           <a:p>
             <a:r>
-              <a:rPr lang="en-US" dirty="0" smtClean="0"/>
+              <a:rPr lang="en-US" dirty="0"/>
               <a:t>How to find best investment portfolio to maximize profit?</a:t>
             </a:r>
-            <a:endParaRPr lang="en-US" dirty="0"/>
           </a:p>
         </p:txBody>
       </p:sp>
@@ -10594,10 +14099,9 @@
           <a:lstStyle/>
           <a:p>
             <a:r>
-              <a:rPr lang="en-US" dirty="0" smtClean="0"/>
+              <a:rPr lang="en-US" dirty="0"/>
               <a:t>Class Schedule</a:t>
             </a:r>
-            <a:endParaRPr lang="en-US" dirty="0"/>
           </a:p>
         </p:txBody>
       </p:sp>
@@ -10622,43 +14126,43 @@
           <a:lstStyle/>
           <a:p>
             <a:r>
-              <a:rPr lang="en-US" dirty="0" smtClean="0"/>
+              <a:rPr lang="en-US" dirty="0"/>
               <a:t>How to find best class schedule for which:</a:t>
             </a:r>
           </a:p>
           <a:p>
             <a:pPr lvl="1"/>
             <a:r>
-              <a:rPr lang="en-US" dirty="0" smtClean="0"/>
+              <a:rPr lang="en-US" dirty="0"/>
               <a:t>There is time for all classes</a:t>
             </a:r>
           </a:p>
           <a:p>
             <a:pPr lvl="1"/>
             <a:r>
-              <a:rPr lang="en-US" dirty="0" smtClean="0"/>
+              <a:rPr lang="en-US" dirty="0"/>
               <a:t>Classes in same year are not in parallel (</a:t>
             </a:r>
             <a:r>
-              <a:rPr lang="en-US" dirty="0" err="1" smtClean="0"/>
+              <a:rPr lang="en-US" dirty="0" err="1"/>
               <a:t>ie</a:t>
             </a:r>
             <a:r>
-              <a:rPr lang="en-US" dirty="0" smtClean="0"/>
+              <a:rPr lang="en-US" dirty="0"/>
               <a:t> conflicting)</a:t>
             </a:r>
           </a:p>
           <a:p>
             <a:pPr lvl="1"/>
             <a:r>
-              <a:rPr lang="en-US" dirty="0" smtClean="0"/>
+              <a:rPr lang="en-US" dirty="0"/>
               <a:t>Preferences of lectures are taken into account</a:t>
             </a:r>
           </a:p>
           <a:p>
             <a:pPr lvl="1"/>
             <a:r>
-              <a:rPr lang="en-US" dirty="0" smtClean="0"/>
+              <a:rPr lang="en-US" dirty="0"/>
               <a:t>Etc.</a:t>
             </a:r>
           </a:p>
@@ -10668,11 +14172,10 @@
               <a:rPr lang="en-US" dirty="0"/>
               <a:t>?</a:t>
             </a:r>
-            <a:endParaRPr lang="en-US" dirty="0" smtClean="0"/>
           </a:p>
           <a:p>
             <a:pPr lvl="1"/>
-            <a:endParaRPr lang="en-US" dirty="0" smtClean="0"/>
+            <a:endParaRPr lang="en-US" dirty="0"/>
           </a:p>
         </p:txBody>
       </p:sp>
@@ -10788,10 +14291,9 @@
           <a:lstStyle/>
           <a:p>
             <a:r>
-              <a:rPr lang="en-US" dirty="0" smtClean="0"/>
+              <a:rPr lang="en-US" dirty="0"/>
               <a:t>RPG Equipment</a:t>
             </a:r>
-            <a:endParaRPr lang="en-US" dirty="0"/>
           </a:p>
         </p:txBody>
       </p:sp>
@@ -10818,18 +14320,9 @@
           <a:lstStyle/>
           <a:p>
             <a:r>
-              <a:rPr lang="en-US" dirty="0" smtClean="0"/>
-              <a:t>In RPGs, how find best combination of </a:t>
-            </a:r>
-            <a:r>
-              <a:rPr lang="en-US" dirty="0"/>
-              <a:t>wearable </a:t>
-            </a:r>
-            <a:r>
-              <a:rPr lang="en-US" dirty="0" smtClean="0"/>
-              <a:t> items to maximize attack and defense under the constraints of maximum weight and item slots available?</a:t>
-            </a:r>
-            <a:endParaRPr lang="en-US" dirty="0"/>
+              <a:rPr lang="en-US" dirty="0"/>
+              <a:t>In RPGs, how find best combination of wearable  items to maximize attack and defense under the constraints of maximum weight and item slots available?</a:t>
+            </a:r>
           </a:p>
         </p:txBody>
       </p:sp>
@@ -10921,10 +14414,9 @@
           <a:lstStyle/>
           <a:p>
             <a:r>
-              <a:rPr lang="en-US" dirty="0" smtClean="0"/>
+              <a:rPr lang="en-US" dirty="0"/>
               <a:t>Optimization Problem</a:t>
             </a:r>
-            <a:endParaRPr lang="en-US" dirty="0"/>
           </a:p>
         </p:txBody>
       </p:sp>
@@ -10949,32 +14441,31 @@
           <a:lstStyle/>
           <a:p>
             <a:r>
-              <a:rPr lang="en-US" dirty="0" smtClean="0"/>
+              <a:rPr lang="en-US" dirty="0"/>
               <a:t>2 main components: </a:t>
             </a:r>
             <a:r>
-              <a:rPr lang="en-US" i="1" dirty="0" smtClean="0"/>
+              <a:rPr lang="en-US" i="1" dirty="0"/>
               <a:t>Search Space</a:t>
             </a:r>
             <a:r>
-              <a:rPr lang="en-US" dirty="0" smtClean="0"/>
+              <a:rPr lang="en-US" dirty="0"/>
               <a:t> and </a:t>
             </a:r>
             <a:r>
-              <a:rPr lang="en-US" i="1" dirty="0" smtClean="0"/>
+              <a:rPr lang="en-US" i="1" dirty="0"/>
               <a:t>Fitness Function</a:t>
             </a:r>
           </a:p>
           <a:p>
             <a:r>
-              <a:rPr lang="en-US" b="1" dirty="0" smtClean="0"/>
+              <a:rPr lang="en-US" b="1" dirty="0"/>
               <a:t>Goal</a:t>
             </a:r>
             <a:r>
-              <a:rPr lang="en-US" dirty="0" smtClean="0"/>
+              <a:rPr lang="en-US" dirty="0"/>
               <a:t>: find the best solution from the search space such that the fitness function is minimized/maximized</a:t>
             </a:r>
-            <a:endParaRPr lang="en-US" dirty="0"/>
           </a:p>
         </p:txBody>
       </p:sp>

--- a/docs/slides/10/10_optimization.pptx
+++ b/docs/slides/10/10_optimization.pptx
@@ -5,7 +5,7 @@
     <p:sldMasterId id="2147483648" r:id="rId1"/>
   </p:sldMasterIdLst>
   <p:notesMasterIdLst>
-    <p:notesMasterId r:id="rId41"/>
+    <p:notesMasterId r:id="rId42"/>
   </p:notesMasterIdLst>
   <p:sldIdLst>
     <p:sldId id="315" r:id="rId2"/>
@@ -38,15 +38,16 @@
     <p:sldId id="304" r:id="rId29"/>
     <p:sldId id="305" r:id="rId30"/>
     <p:sldId id="306" r:id="rId31"/>
-    <p:sldId id="307" r:id="rId32"/>
-    <p:sldId id="308" r:id="rId33"/>
-    <p:sldId id="309" r:id="rId34"/>
-    <p:sldId id="310" r:id="rId35"/>
-    <p:sldId id="313" r:id="rId36"/>
-    <p:sldId id="311" r:id="rId37"/>
-    <p:sldId id="312" r:id="rId38"/>
-    <p:sldId id="314" r:id="rId39"/>
-    <p:sldId id="316" r:id="rId40"/>
+    <p:sldId id="320" r:id="rId32"/>
+    <p:sldId id="307" r:id="rId33"/>
+    <p:sldId id="308" r:id="rId34"/>
+    <p:sldId id="309" r:id="rId35"/>
+    <p:sldId id="310" r:id="rId36"/>
+    <p:sldId id="313" r:id="rId37"/>
+    <p:sldId id="311" r:id="rId38"/>
+    <p:sldId id="312" r:id="rId39"/>
+    <p:sldId id="314" r:id="rId40"/>
+    <p:sldId id="316" r:id="rId41"/>
   </p:sldIdLst>
   <p:sldSz cx="13004800" cy="9753600"/>
   <p:notesSz cx="6858000" cy="9144000"/>
@@ -2194,7 +2195,7 @@
           </a:ln>
           <a:extLst>
             <a:ext uri="{C572A759-6A51-4108-AA02-DFA0A04FC94B}">
-              <ma14:wrappingTextBoxFlag xmlns="" xmlns:ma14="http://schemas.microsoft.com/office/mac/drawingml/2011/main" val="1"/>
+              <ma14:wrappingTextBoxFlag xmlns:ma14="http://schemas.microsoft.com/office/mac/drawingml/2011/main" xmlns="" val="1"/>
             </a:ext>
           </a:extLst>
         </p:spPr>
@@ -2233,7 +2234,7 @@
           </a:ln>
           <a:extLst>
             <a:ext uri="{C572A759-6A51-4108-AA02-DFA0A04FC94B}">
-              <ma14:wrappingTextBoxFlag xmlns="" xmlns:ma14="http://schemas.microsoft.com/office/mac/drawingml/2011/main" val="1"/>
+              <ma14:wrappingTextBoxFlag xmlns:ma14="http://schemas.microsoft.com/office/mac/drawingml/2011/main" xmlns="" val="1"/>
             </a:ext>
           </a:extLst>
         </p:spPr>
@@ -4717,8 +4718,8 @@
           </a:p>
         </p:txBody>
       </p:sp>
-      <mc:AlternateContent xmlns:mc="http://schemas.openxmlformats.org/markup-compatibility/2006">
-        <mc:Choice xmlns:a14="http://schemas.microsoft.com/office/drawing/2010/main" Requires="a14">
+      <mc:AlternateContent xmlns:mc="http://schemas.openxmlformats.org/markup-compatibility/2006" xmlns:a14="http://schemas.microsoft.com/office/drawing/2010/main">
+        <mc:Choice Requires="a14">
           <p:sp>
             <p:nvSpPr>
               <p:cNvPr id="3" name="Text Placeholder 2">
@@ -4804,7 +4805,7 @@
             </p:txBody>
           </p:sp>
         </mc:Choice>
-        <mc:Fallback>
+        <mc:Fallback xmlns="">
           <p:sp>
             <p:nvSpPr>
               <p:cNvPr id="3" name="Text Placeholder 2">
@@ -11980,6 +11981,1124 @@
       </p:grpSpPr>
       <p:sp>
         <p:nvSpPr>
+          <p:cNvPr id="2" name="Title 1">
+            <a:extLst>
+              <a:ext uri="{FF2B5EF4-FFF2-40B4-BE49-F238E27FC236}">
+                <a16:creationId xmlns:a16="http://schemas.microsoft.com/office/drawing/2014/main" id="{114D593A-BDAD-5540-A193-267EC298831F}"/>
+              </a:ext>
+            </a:extLst>
+          </p:cNvPr>
+          <p:cNvSpPr>
+            <a:spLocks noGrp="1"/>
+          </p:cNvSpPr>
+          <p:nvPr>
+            <p:ph type="title"/>
+          </p:nvPr>
+        </p:nvSpPr>
+        <p:spPr>
+          <a:xfrm>
+            <a:off x="231005" y="97990"/>
+            <a:ext cx="12551343" cy="1268797"/>
+          </a:xfrm>
+        </p:spPr>
+        <p:txBody>
+          <a:bodyPr>
+            <a:normAutofit fontScale="90000"/>
+          </a:bodyPr>
+          <a:lstStyle/>
+          <a:p>
+            <a:r>
+              <a:rPr lang="en-US" dirty="0"/>
+              <a:t>Neighborhood Example</a:t>
+            </a:r>
+          </a:p>
+        </p:txBody>
+      </p:sp>
+      <mc:AlternateContent xmlns:mc="http://schemas.openxmlformats.org/markup-compatibility/2006">
+        <mc:Choice xmlns:a14="http://schemas.microsoft.com/office/drawing/2010/main" Requires="a14">
+          <p:sp>
+            <p:nvSpPr>
+              <p:cNvPr id="3" name="Text Placeholder 2">
+                <a:extLst>
+                  <a:ext uri="{FF2B5EF4-FFF2-40B4-BE49-F238E27FC236}">
+                    <a16:creationId xmlns:a16="http://schemas.microsoft.com/office/drawing/2014/main" id="{86433D7D-74E8-9E48-92B1-B45F5D8CA6ED}"/>
+                  </a:ext>
+                </a:extLst>
+              </p:cNvPr>
+              <p:cNvSpPr>
+                <a:spLocks noGrp="1"/>
+              </p:cNvSpPr>
+              <p:nvPr>
+                <p:ph type="body" idx="1"/>
+              </p:nvPr>
+            </p:nvSpPr>
+            <p:spPr>
+              <a:xfrm>
+                <a:off x="231005" y="6660681"/>
+                <a:ext cx="12551343" cy="2964581"/>
+              </a:xfrm>
+            </p:spPr>
+            <p:txBody>
+              <a:bodyPr>
+                <a:normAutofit fontScale="77500" lnSpcReduction="20000"/>
+              </a:bodyPr>
+              <a:lstStyle/>
+              <a:p>
+                <a:pPr>
+                  <a:spcBef>
+                    <a:spcPts val="2100"/>
+                  </a:spcBef>
+                </a:pPr>
+                <a:r>
+                  <a:rPr lang="en-US" dirty="0"/>
+                  <a:t>Eg, flip 1 bit in a bit-string</a:t>
+                </a:r>
+              </a:p>
+              <a:p>
+                <a:pPr>
+                  <a:spcBef>
+                    <a:spcPts val="2100"/>
+                  </a:spcBef>
+                </a:pPr>
+                <a:r>
+                  <a:rPr lang="en-US" dirty="0"/>
+                  <a:t>Given N bits, search space is </a:t>
+                </a:r>
+                <a14:m>
+                  <m:oMath xmlns:m="http://schemas.openxmlformats.org/officeDocument/2006/math">
+                    <m:sSup>
+                      <m:sSupPr>
+                        <m:ctrlPr>
+                          <a:rPr lang="en-US" i="1" smtClean="0">
+                            <a:latin typeface="Cambria Math" panose="02040503050406030204" pitchFamily="18" charset="0"/>
+                          </a:rPr>
+                        </m:ctrlPr>
+                      </m:sSupPr>
+                      <m:e>
+                        <m:r>
+                          <a:rPr lang="en-US" b="0" i="1" smtClean="0">
+                            <a:latin typeface="Cambria Math" panose="02040503050406030204" pitchFamily="18" charset="0"/>
+                          </a:rPr>
+                          <m:t>2</m:t>
+                        </m:r>
+                      </m:e>
+                      <m:sup>
+                        <m:r>
+                          <a:rPr lang="en-US" b="0" i="1" smtClean="0">
+                            <a:latin typeface="Cambria Math" panose="02040503050406030204" pitchFamily="18" charset="0"/>
+                          </a:rPr>
+                          <m:t>𝑁</m:t>
+                        </m:r>
+                      </m:sup>
+                    </m:sSup>
+                  </m:oMath>
+                </a14:m>
+                <a:r>
+                  <a:rPr lang="en-US" dirty="0"/>
+                  <a:t>, and each neighborhood is composed of N different solutions</a:t>
+                </a:r>
+              </a:p>
+              <a:p>
+                <a:pPr>
+                  <a:spcBef>
+                    <a:spcPts val="2100"/>
+                  </a:spcBef>
+                </a:pPr>
+                <a:r>
+                  <a:rPr lang="en-US" dirty="0"/>
+                  <a:t>Note: could consider larger neighborhoods (</a:t>
+                </a:r>
+                <a:r>
+                  <a:rPr lang="en-US" dirty="0" err="1"/>
+                  <a:t>eg</a:t>
+                </a:r>
+                <a:r>
+                  <a:rPr lang="en-US" dirty="0"/>
+                  <a:t>, flip K bits), but then the neighborhood size would increase significantly</a:t>
+                </a:r>
+              </a:p>
+              <a:p>
+                <a:pPr lvl="1">
+                  <a:spcBef>
+                    <a:spcPts val="2100"/>
+                  </a:spcBef>
+                </a:pPr>
+                <a:r>
+                  <a:rPr lang="en-US" dirty="0"/>
+                  <a:t>this could make each step of HC slower</a:t>
+                </a:r>
+              </a:p>
+            </p:txBody>
+          </p:sp>
+        </mc:Choice>
+        <mc:Fallback>
+          <p:sp>
+            <p:nvSpPr>
+              <p:cNvPr id="3" name="Text Placeholder 2">
+                <a:extLst>
+                  <a:ext uri="{FF2B5EF4-FFF2-40B4-BE49-F238E27FC236}">
+                    <a16:creationId xmlns:a16="http://schemas.microsoft.com/office/drawing/2014/main" id="{86433D7D-74E8-9E48-92B1-B45F5D8CA6ED}"/>
+                  </a:ext>
+                </a:extLst>
+              </p:cNvPr>
+              <p:cNvSpPr>
+                <a:spLocks noGrp="1" noRot="1" noChangeAspect="1" noMove="1" noResize="1" noEditPoints="1" noAdjustHandles="1" noChangeArrowheads="1" noChangeShapeType="1" noTextEdit="1"/>
+              </p:cNvSpPr>
+              <p:nvPr>
+                <p:ph type="body" idx="1"/>
+              </p:nvPr>
+            </p:nvSpPr>
+            <p:spPr>
+              <a:xfrm>
+                <a:off x="231005" y="6660681"/>
+                <a:ext cx="12551343" cy="2964581"/>
+              </a:xfrm>
+              <a:blipFill>
+                <a:blip r:embed="rId2"/>
+                <a:stretch>
+                  <a:fillRect l="-607" t="-2979" r="-404" b="-2128"/>
+                </a:stretch>
+              </a:blipFill>
+            </p:spPr>
+            <p:txBody>
+              <a:bodyPr/>
+              <a:lstStyle/>
+              <a:p>
+                <a:r>
+                  <a:rPr lang="en-US">
+                    <a:noFill/>
+                  </a:rPr>
+                  <a:t> </a:t>
+                </a:r>
+              </a:p>
+            </p:txBody>
+          </p:sp>
+        </mc:Fallback>
+      </mc:AlternateContent>
+      <p:graphicFrame>
+        <p:nvGraphicFramePr>
+          <p:cNvPr id="4" name="Table 3">
+            <a:extLst>
+              <a:ext uri="{FF2B5EF4-FFF2-40B4-BE49-F238E27FC236}">
+                <a16:creationId xmlns:a16="http://schemas.microsoft.com/office/drawing/2014/main" id="{5E057CCF-C1F4-CC4D-B66A-A3E685AA31FA}"/>
+              </a:ext>
+            </a:extLst>
+          </p:cNvPr>
+          <p:cNvGraphicFramePr>
+            <a:graphicFrameLocks noGrp="1"/>
+          </p:cNvGraphicFramePr>
+          <p:nvPr>
+            <p:extLst>
+              <p:ext uri="{D42A27DB-BD31-4B8C-83A1-F6EECF244321}">
+                <p14:modId xmlns:p14="http://schemas.microsoft.com/office/powerpoint/2010/main" val="1700514455"/>
+              </p:ext>
+            </p:extLst>
+          </p:nvPr>
+        </p:nvGraphicFramePr>
+        <p:xfrm>
+          <a:off x="4750602" y="1768042"/>
+          <a:ext cx="3062960" cy="370840"/>
+        </p:xfrm>
+        <a:graphic>
+          <a:graphicData uri="http://schemas.openxmlformats.org/drawingml/2006/table">
+            <a:tbl>
+              <a:tblPr firstRow="1" bandRow="1">
+                <a:tableStyleId>{5940675A-B579-460E-94D1-54222C63F5DA}</a:tableStyleId>
+              </a:tblPr>
+              <a:tblGrid>
+                <a:gridCol w="765740">
+                  <a:extLst>
+                    <a:ext uri="{9D8B030D-6E8A-4147-A177-3AD203B41FA5}">
+                      <a16:colId xmlns:a16="http://schemas.microsoft.com/office/drawing/2014/main" val="2016634412"/>
+                    </a:ext>
+                  </a:extLst>
+                </a:gridCol>
+                <a:gridCol w="765740">
+                  <a:extLst>
+                    <a:ext uri="{9D8B030D-6E8A-4147-A177-3AD203B41FA5}">
+                      <a16:colId xmlns:a16="http://schemas.microsoft.com/office/drawing/2014/main" val="1633594872"/>
+                    </a:ext>
+                  </a:extLst>
+                </a:gridCol>
+                <a:gridCol w="765740">
+                  <a:extLst>
+                    <a:ext uri="{9D8B030D-6E8A-4147-A177-3AD203B41FA5}">
+                      <a16:colId xmlns:a16="http://schemas.microsoft.com/office/drawing/2014/main" val="3679600373"/>
+                    </a:ext>
+                  </a:extLst>
+                </a:gridCol>
+                <a:gridCol w="765740">
+                  <a:extLst>
+                    <a:ext uri="{9D8B030D-6E8A-4147-A177-3AD203B41FA5}">
+                      <a16:colId xmlns:a16="http://schemas.microsoft.com/office/drawing/2014/main" val="743041018"/>
+                    </a:ext>
+                  </a:extLst>
+                </a:gridCol>
+              </a:tblGrid>
+              <a:tr h="370840">
+                <a:tc>
+                  <a:txBody>
+                    <a:bodyPr/>
+                    <a:lstStyle/>
+                    <a:p>
+                      <a:r>
+                        <a:rPr lang="en-US" dirty="0"/>
+                        <a:t>1</a:t>
+                      </a:r>
+                    </a:p>
+                  </a:txBody>
+                  <a:tcPr>
+                    <a:solidFill>
+                      <a:schemeClr val="bg1"/>
+                    </a:solidFill>
+                  </a:tcPr>
+                </a:tc>
+                <a:tc>
+                  <a:txBody>
+                    <a:bodyPr/>
+                    <a:lstStyle/>
+                    <a:p>
+                      <a:r>
+                        <a:rPr lang="en-US" dirty="0"/>
+                        <a:t>1</a:t>
+                      </a:r>
+                    </a:p>
+                  </a:txBody>
+                  <a:tcPr>
+                    <a:solidFill>
+                      <a:schemeClr val="bg1"/>
+                    </a:solidFill>
+                  </a:tcPr>
+                </a:tc>
+                <a:tc>
+                  <a:txBody>
+                    <a:bodyPr/>
+                    <a:lstStyle/>
+                    <a:p>
+                      <a:r>
+                        <a:rPr lang="en-US" dirty="0"/>
+                        <a:t>0</a:t>
+                      </a:r>
+                    </a:p>
+                  </a:txBody>
+                  <a:tcPr>
+                    <a:solidFill>
+                      <a:schemeClr val="bg1"/>
+                    </a:solidFill>
+                  </a:tcPr>
+                </a:tc>
+                <a:tc>
+                  <a:txBody>
+                    <a:bodyPr/>
+                    <a:lstStyle/>
+                    <a:p>
+                      <a:r>
+                        <a:rPr lang="en-US" dirty="0"/>
+                        <a:t>1</a:t>
+                      </a:r>
+                    </a:p>
+                  </a:txBody>
+                  <a:tcPr>
+                    <a:solidFill>
+                      <a:schemeClr val="bg1"/>
+                    </a:solidFill>
+                  </a:tcPr>
+                </a:tc>
+                <a:extLst>
+                  <a:ext uri="{0D108BD9-81ED-4DB2-BD59-A6C34878D82A}">
+                    <a16:rowId xmlns:a16="http://schemas.microsoft.com/office/drawing/2014/main" val="2599666577"/>
+                  </a:ext>
+                </a:extLst>
+              </a:tr>
+            </a:tbl>
+          </a:graphicData>
+        </a:graphic>
+      </p:graphicFrame>
+      <p:cxnSp>
+        <p:nvCxnSpPr>
+          <p:cNvPr id="5" name="Straight Arrow Connector 4">
+            <a:extLst>
+              <a:ext uri="{FF2B5EF4-FFF2-40B4-BE49-F238E27FC236}">
+                <a16:creationId xmlns:a16="http://schemas.microsoft.com/office/drawing/2014/main" id="{3C202AA1-37B9-7E46-B1DB-CEEC463EB810}"/>
+              </a:ext>
+            </a:extLst>
+          </p:cNvPr>
+          <p:cNvCxnSpPr>
+            <a:cxnSpLocks/>
+            <a:stCxn id="4" idx="2"/>
+            <a:endCxn id="9" idx="3"/>
+          </p:cNvCxnSpPr>
+          <p:nvPr/>
+        </p:nvCxnSpPr>
+        <p:spPr>
+          <a:xfrm flipH="1">
+            <a:off x="3812661" y="2138882"/>
+            <a:ext cx="2469421" cy="1179759"/>
+          </a:xfrm>
+          <a:prstGeom prst="straightConnector1">
+            <a:avLst/>
+          </a:prstGeom>
+          <a:noFill/>
+          <a:ln w="50800" cap="flat">
+            <a:solidFill>
+              <a:srgbClr val="000000"/>
+            </a:solidFill>
+            <a:prstDash val="solid"/>
+            <a:miter lim="400000"/>
+            <a:tailEnd type="triangle"/>
+          </a:ln>
+          <a:effectLst/>
+          <a:sp3d/>
+        </p:spPr>
+        <p:style>
+          <a:lnRef idx="0">
+            <a:scrgbClr r="0" g="0" b="0"/>
+          </a:lnRef>
+          <a:fillRef idx="0">
+            <a:scrgbClr r="0" g="0" b="0"/>
+          </a:fillRef>
+          <a:effectRef idx="0">
+            <a:scrgbClr r="0" g="0" b="0"/>
+          </a:effectRef>
+          <a:fontRef idx="none"/>
+        </p:style>
+      </p:cxnSp>
+      <p:graphicFrame>
+        <p:nvGraphicFramePr>
+          <p:cNvPr id="6" name="Table 5">
+            <a:extLst>
+              <a:ext uri="{FF2B5EF4-FFF2-40B4-BE49-F238E27FC236}">
+                <a16:creationId xmlns:a16="http://schemas.microsoft.com/office/drawing/2014/main" id="{8465A453-D130-754B-A3FE-1D110E44B0D1}"/>
+              </a:ext>
+            </a:extLst>
+          </p:cNvPr>
+          <p:cNvGraphicFramePr>
+            <a:graphicFrameLocks noGrp="1"/>
+          </p:cNvGraphicFramePr>
+          <p:nvPr>
+            <p:extLst>
+              <p:ext uri="{D42A27DB-BD31-4B8C-83A1-F6EECF244321}">
+                <p14:modId xmlns:p14="http://schemas.microsoft.com/office/powerpoint/2010/main" val="2136524954"/>
+              </p:ext>
+            </p:extLst>
+          </p:nvPr>
+        </p:nvGraphicFramePr>
+        <p:xfrm>
+          <a:off x="8858985" y="3129679"/>
+          <a:ext cx="3062960" cy="370840"/>
+        </p:xfrm>
+        <a:graphic>
+          <a:graphicData uri="http://schemas.openxmlformats.org/drawingml/2006/table">
+            <a:tbl>
+              <a:tblPr firstRow="1" bandRow="1">
+                <a:tableStyleId>{5940675A-B579-460E-94D1-54222C63F5DA}</a:tableStyleId>
+              </a:tblPr>
+              <a:tblGrid>
+                <a:gridCol w="765740">
+                  <a:extLst>
+                    <a:ext uri="{9D8B030D-6E8A-4147-A177-3AD203B41FA5}">
+                      <a16:colId xmlns:a16="http://schemas.microsoft.com/office/drawing/2014/main" val="2016634412"/>
+                    </a:ext>
+                  </a:extLst>
+                </a:gridCol>
+                <a:gridCol w="765740">
+                  <a:extLst>
+                    <a:ext uri="{9D8B030D-6E8A-4147-A177-3AD203B41FA5}">
+                      <a16:colId xmlns:a16="http://schemas.microsoft.com/office/drawing/2014/main" val="1633594872"/>
+                    </a:ext>
+                  </a:extLst>
+                </a:gridCol>
+                <a:gridCol w="765740">
+                  <a:extLst>
+                    <a:ext uri="{9D8B030D-6E8A-4147-A177-3AD203B41FA5}">
+                      <a16:colId xmlns:a16="http://schemas.microsoft.com/office/drawing/2014/main" val="3679600373"/>
+                    </a:ext>
+                  </a:extLst>
+                </a:gridCol>
+                <a:gridCol w="765740">
+                  <a:extLst>
+                    <a:ext uri="{9D8B030D-6E8A-4147-A177-3AD203B41FA5}">
+                      <a16:colId xmlns:a16="http://schemas.microsoft.com/office/drawing/2014/main" val="743041018"/>
+                    </a:ext>
+                  </a:extLst>
+                </a:gridCol>
+              </a:tblGrid>
+              <a:tr h="370840">
+                <a:tc>
+                  <a:txBody>
+                    <a:bodyPr/>
+                    <a:lstStyle/>
+                    <a:p>
+                      <a:r>
+                        <a:rPr lang="en-US" dirty="0"/>
+                        <a:t>1</a:t>
+                      </a:r>
+                    </a:p>
+                  </a:txBody>
+                  <a:tcPr>
+                    <a:solidFill>
+                      <a:schemeClr val="bg1"/>
+                    </a:solidFill>
+                  </a:tcPr>
+                </a:tc>
+                <a:tc>
+                  <a:txBody>
+                    <a:bodyPr/>
+                    <a:lstStyle/>
+                    <a:p>
+                      <a:r>
+                        <a:rPr lang="en-US" dirty="0"/>
+                        <a:t>1</a:t>
+                      </a:r>
+                    </a:p>
+                  </a:txBody>
+                  <a:tcPr>
+                    <a:solidFill>
+                      <a:schemeClr val="bg1"/>
+                    </a:solidFill>
+                  </a:tcPr>
+                </a:tc>
+                <a:tc>
+                  <a:txBody>
+                    <a:bodyPr/>
+                    <a:lstStyle/>
+                    <a:p>
+                      <a:r>
+                        <a:rPr lang="en-US" dirty="0"/>
+                        <a:t>0</a:t>
+                      </a:r>
+                    </a:p>
+                  </a:txBody>
+                  <a:tcPr>
+                    <a:solidFill>
+                      <a:schemeClr val="bg1"/>
+                    </a:solidFill>
+                  </a:tcPr>
+                </a:tc>
+                <a:tc>
+                  <a:txBody>
+                    <a:bodyPr/>
+                    <a:lstStyle/>
+                    <a:p>
+                      <a:r>
+                        <a:rPr lang="en-US" dirty="0"/>
+                        <a:t>0</a:t>
+                      </a:r>
+                    </a:p>
+                  </a:txBody>
+                  <a:tcPr>
+                    <a:solidFill>
+                      <a:schemeClr val="accent1"/>
+                    </a:solidFill>
+                  </a:tcPr>
+                </a:tc>
+                <a:extLst>
+                  <a:ext uri="{0D108BD9-81ED-4DB2-BD59-A6C34878D82A}">
+                    <a16:rowId xmlns:a16="http://schemas.microsoft.com/office/drawing/2014/main" val="2599666577"/>
+                  </a:ext>
+                </a:extLst>
+              </a:tr>
+            </a:tbl>
+          </a:graphicData>
+        </a:graphic>
+      </p:graphicFrame>
+      <p:graphicFrame>
+        <p:nvGraphicFramePr>
+          <p:cNvPr id="7" name="Table 6">
+            <a:extLst>
+              <a:ext uri="{FF2B5EF4-FFF2-40B4-BE49-F238E27FC236}">
+                <a16:creationId xmlns:a16="http://schemas.microsoft.com/office/drawing/2014/main" id="{9A5BFE24-FA7F-1E4F-A4D8-4B9726AF9363}"/>
+              </a:ext>
+            </a:extLst>
+          </p:cNvPr>
+          <p:cNvGraphicFramePr>
+            <a:graphicFrameLocks noGrp="1"/>
+          </p:cNvGraphicFramePr>
+          <p:nvPr>
+            <p:extLst>
+              <p:ext uri="{D42A27DB-BD31-4B8C-83A1-F6EECF244321}">
+                <p14:modId xmlns:p14="http://schemas.microsoft.com/office/powerpoint/2010/main" val="592710196"/>
+              </p:ext>
+            </p:extLst>
+          </p:nvPr>
+        </p:nvGraphicFramePr>
+        <p:xfrm>
+          <a:off x="6570839" y="3935419"/>
+          <a:ext cx="3062960" cy="370840"/>
+        </p:xfrm>
+        <a:graphic>
+          <a:graphicData uri="http://schemas.openxmlformats.org/drawingml/2006/table">
+            <a:tbl>
+              <a:tblPr firstRow="1" bandRow="1">
+                <a:tableStyleId>{5940675A-B579-460E-94D1-54222C63F5DA}</a:tableStyleId>
+              </a:tblPr>
+              <a:tblGrid>
+                <a:gridCol w="765740">
+                  <a:extLst>
+                    <a:ext uri="{9D8B030D-6E8A-4147-A177-3AD203B41FA5}">
+                      <a16:colId xmlns:a16="http://schemas.microsoft.com/office/drawing/2014/main" val="2016634412"/>
+                    </a:ext>
+                  </a:extLst>
+                </a:gridCol>
+                <a:gridCol w="765740">
+                  <a:extLst>
+                    <a:ext uri="{9D8B030D-6E8A-4147-A177-3AD203B41FA5}">
+                      <a16:colId xmlns:a16="http://schemas.microsoft.com/office/drawing/2014/main" val="1633594872"/>
+                    </a:ext>
+                  </a:extLst>
+                </a:gridCol>
+                <a:gridCol w="765740">
+                  <a:extLst>
+                    <a:ext uri="{9D8B030D-6E8A-4147-A177-3AD203B41FA5}">
+                      <a16:colId xmlns:a16="http://schemas.microsoft.com/office/drawing/2014/main" val="3679600373"/>
+                    </a:ext>
+                  </a:extLst>
+                </a:gridCol>
+                <a:gridCol w="765740">
+                  <a:extLst>
+                    <a:ext uri="{9D8B030D-6E8A-4147-A177-3AD203B41FA5}">
+                      <a16:colId xmlns:a16="http://schemas.microsoft.com/office/drawing/2014/main" val="743041018"/>
+                    </a:ext>
+                  </a:extLst>
+                </a:gridCol>
+              </a:tblGrid>
+              <a:tr h="370840">
+                <a:tc>
+                  <a:txBody>
+                    <a:bodyPr/>
+                    <a:lstStyle/>
+                    <a:p>
+                      <a:r>
+                        <a:rPr lang="en-US" dirty="0"/>
+                        <a:t>1</a:t>
+                      </a:r>
+                    </a:p>
+                  </a:txBody>
+                  <a:tcPr>
+                    <a:solidFill>
+                      <a:schemeClr val="bg1"/>
+                    </a:solidFill>
+                  </a:tcPr>
+                </a:tc>
+                <a:tc>
+                  <a:txBody>
+                    <a:bodyPr/>
+                    <a:lstStyle/>
+                    <a:p>
+                      <a:r>
+                        <a:rPr lang="en-US" dirty="0"/>
+                        <a:t>1</a:t>
+                      </a:r>
+                    </a:p>
+                  </a:txBody>
+                  <a:tcPr>
+                    <a:solidFill>
+                      <a:schemeClr val="bg1"/>
+                    </a:solidFill>
+                  </a:tcPr>
+                </a:tc>
+                <a:tc>
+                  <a:txBody>
+                    <a:bodyPr/>
+                    <a:lstStyle/>
+                    <a:p>
+                      <a:r>
+                        <a:rPr lang="en-US" dirty="0"/>
+                        <a:t>1</a:t>
+                      </a:r>
+                    </a:p>
+                  </a:txBody>
+                  <a:tcPr>
+                    <a:solidFill>
+                      <a:schemeClr val="accent1"/>
+                    </a:solidFill>
+                  </a:tcPr>
+                </a:tc>
+                <a:tc>
+                  <a:txBody>
+                    <a:bodyPr/>
+                    <a:lstStyle/>
+                    <a:p>
+                      <a:r>
+                        <a:rPr lang="en-US" dirty="0"/>
+                        <a:t>1</a:t>
+                      </a:r>
+                    </a:p>
+                  </a:txBody>
+                  <a:tcPr>
+                    <a:solidFill>
+                      <a:schemeClr val="bg1"/>
+                    </a:solidFill>
+                  </a:tcPr>
+                </a:tc>
+                <a:extLst>
+                  <a:ext uri="{0D108BD9-81ED-4DB2-BD59-A6C34878D82A}">
+                    <a16:rowId xmlns:a16="http://schemas.microsoft.com/office/drawing/2014/main" val="2599666577"/>
+                  </a:ext>
+                </a:extLst>
+              </a:tr>
+            </a:tbl>
+          </a:graphicData>
+        </a:graphic>
+      </p:graphicFrame>
+      <p:graphicFrame>
+        <p:nvGraphicFramePr>
+          <p:cNvPr id="8" name="Table 7">
+            <a:extLst>
+              <a:ext uri="{FF2B5EF4-FFF2-40B4-BE49-F238E27FC236}">
+                <a16:creationId xmlns:a16="http://schemas.microsoft.com/office/drawing/2014/main" id="{3CE29F38-427A-6649-8AC2-7760269AFEDF}"/>
+              </a:ext>
+            </a:extLst>
+          </p:cNvPr>
+          <p:cNvGraphicFramePr>
+            <a:graphicFrameLocks noGrp="1"/>
+          </p:cNvGraphicFramePr>
+          <p:nvPr>
+            <p:extLst>
+              <p:ext uri="{D42A27DB-BD31-4B8C-83A1-F6EECF244321}">
+                <p14:modId xmlns:p14="http://schemas.microsoft.com/office/powerpoint/2010/main" val="989240659"/>
+              </p:ext>
+            </p:extLst>
+          </p:nvPr>
+        </p:nvGraphicFramePr>
+        <p:xfrm>
+          <a:off x="3036243" y="3940074"/>
+          <a:ext cx="3062960" cy="370840"/>
+        </p:xfrm>
+        <a:graphic>
+          <a:graphicData uri="http://schemas.openxmlformats.org/drawingml/2006/table">
+            <a:tbl>
+              <a:tblPr firstRow="1" bandRow="1">
+                <a:tableStyleId>{5940675A-B579-460E-94D1-54222C63F5DA}</a:tableStyleId>
+              </a:tblPr>
+              <a:tblGrid>
+                <a:gridCol w="765740">
+                  <a:extLst>
+                    <a:ext uri="{9D8B030D-6E8A-4147-A177-3AD203B41FA5}">
+                      <a16:colId xmlns:a16="http://schemas.microsoft.com/office/drawing/2014/main" val="2016634412"/>
+                    </a:ext>
+                  </a:extLst>
+                </a:gridCol>
+                <a:gridCol w="765740">
+                  <a:extLst>
+                    <a:ext uri="{9D8B030D-6E8A-4147-A177-3AD203B41FA5}">
+                      <a16:colId xmlns:a16="http://schemas.microsoft.com/office/drawing/2014/main" val="1633594872"/>
+                    </a:ext>
+                  </a:extLst>
+                </a:gridCol>
+                <a:gridCol w="765740">
+                  <a:extLst>
+                    <a:ext uri="{9D8B030D-6E8A-4147-A177-3AD203B41FA5}">
+                      <a16:colId xmlns:a16="http://schemas.microsoft.com/office/drawing/2014/main" val="3679600373"/>
+                    </a:ext>
+                  </a:extLst>
+                </a:gridCol>
+                <a:gridCol w="765740">
+                  <a:extLst>
+                    <a:ext uri="{9D8B030D-6E8A-4147-A177-3AD203B41FA5}">
+                      <a16:colId xmlns:a16="http://schemas.microsoft.com/office/drawing/2014/main" val="743041018"/>
+                    </a:ext>
+                  </a:extLst>
+                </a:gridCol>
+              </a:tblGrid>
+              <a:tr h="370840">
+                <a:tc>
+                  <a:txBody>
+                    <a:bodyPr/>
+                    <a:lstStyle/>
+                    <a:p>
+                      <a:r>
+                        <a:rPr lang="en-US" dirty="0"/>
+                        <a:t>1</a:t>
+                      </a:r>
+                    </a:p>
+                  </a:txBody>
+                  <a:tcPr>
+                    <a:solidFill>
+                      <a:schemeClr val="bg1"/>
+                    </a:solidFill>
+                  </a:tcPr>
+                </a:tc>
+                <a:tc>
+                  <a:txBody>
+                    <a:bodyPr/>
+                    <a:lstStyle/>
+                    <a:p>
+                      <a:r>
+                        <a:rPr lang="en-US" dirty="0"/>
+                        <a:t>0</a:t>
+                      </a:r>
+                    </a:p>
+                  </a:txBody>
+                  <a:tcPr>
+                    <a:solidFill>
+                      <a:schemeClr val="accent1"/>
+                    </a:solidFill>
+                  </a:tcPr>
+                </a:tc>
+                <a:tc>
+                  <a:txBody>
+                    <a:bodyPr/>
+                    <a:lstStyle/>
+                    <a:p>
+                      <a:r>
+                        <a:rPr lang="en-US" dirty="0"/>
+                        <a:t>0</a:t>
+                      </a:r>
+                    </a:p>
+                  </a:txBody>
+                  <a:tcPr>
+                    <a:solidFill>
+                      <a:schemeClr val="bg1"/>
+                    </a:solidFill>
+                  </a:tcPr>
+                </a:tc>
+                <a:tc>
+                  <a:txBody>
+                    <a:bodyPr/>
+                    <a:lstStyle/>
+                    <a:p>
+                      <a:r>
+                        <a:rPr lang="en-US" dirty="0"/>
+                        <a:t>1</a:t>
+                      </a:r>
+                    </a:p>
+                  </a:txBody>
+                  <a:tcPr>
+                    <a:solidFill>
+                      <a:schemeClr val="bg1"/>
+                    </a:solidFill>
+                  </a:tcPr>
+                </a:tc>
+                <a:extLst>
+                  <a:ext uri="{0D108BD9-81ED-4DB2-BD59-A6C34878D82A}">
+                    <a16:rowId xmlns:a16="http://schemas.microsoft.com/office/drawing/2014/main" val="2599666577"/>
+                  </a:ext>
+                </a:extLst>
+              </a:tr>
+            </a:tbl>
+          </a:graphicData>
+        </a:graphic>
+      </p:graphicFrame>
+      <p:graphicFrame>
+        <p:nvGraphicFramePr>
+          <p:cNvPr id="9" name="Table 8">
+            <a:extLst>
+              <a:ext uri="{FF2B5EF4-FFF2-40B4-BE49-F238E27FC236}">
+                <a16:creationId xmlns:a16="http://schemas.microsoft.com/office/drawing/2014/main" id="{00B330CC-F267-224F-BEC2-8E42EE170AF3}"/>
+              </a:ext>
+            </a:extLst>
+          </p:cNvPr>
+          <p:cNvGraphicFramePr>
+            <a:graphicFrameLocks noGrp="1"/>
+          </p:cNvGraphicFramePr>
+          <p:nvPr>
+            <p:extLst>
+              <p:ext uri="{D42A27DB-BD31-4B8C-83A1-F6EECF244321}">
+                <p14:modId xmlns:p14="http://schemas.microsoft.com/office/powerpoint/2010/main" val="2533084302"/>
+              </p:ext>
+            </p:extLst>
+          </p:nvPr>
+        </p:nvGraphicFramePr>
+        <p:xfrm>
+          <a:off x="749701" y="3133221"/>
+          <a:ext cx="3062960" cy="370840"/>
+        </p:xfrm>
+        <a:graphic>
+          <a:graphicData uri="http://schemas.openxmlformats.org/drawingml/2006/table">
+            <a:tbl>
+              <a:tblPr firstRow="1" bandRow="1">
+                <a:tableStyleId>{5940675A-B579-460E-94D1-54222C63F5DA}</a:tableStyleId>
+              </a:tblPr>
+              <a:tblGrid>
+                <a:gridCol w="765740">
+                  <a:extLst>
+                    <a:ext uri="{9D8B030D-6E8A-4147-A177-3AD203B41FA5}">
+                      <a16:colId xmlns:a16="http://schemas.microsoft.com/office/drawing/2014/main" val="2016634412"/>
+                    </a:ext>
+                  </a:extLst>
+                </a:gridCol>
+                <a:gridCol w="765740">
+                  <a:extLst>
+                    <a:ext uri="{9D8B030D-6E8A-4147-A177-3AD203B41FA5}">
+                      <a16:colId xmlns:a16="http://schemas.microsoft.com/office/drawing/2014/main" val="1633594872"/>
+                    </a:ext>
+                  </a:extLst>
+                </a:gridCol>
+                <a:gridCol w="765740">
+                  <a:extLst>
+                    <a:ext uri="{9D8B030D-6E8A-4147-A177-3AD203B41FA5}">
+                      <a16:colId xmlns:a16="http://schemas.microsoft.com/office/drawing/2014/main" val="3679600373"/>
+                    </a:ext>
+                  </a:extLst>
+                </a:gridCol>
+                <a:gridCol w="765740">
+                  <a:extLst>
+                    <a:ext uri="{9D8B030D-6E8A-4147-A177-3AD203B41FA5}">
+                      <a16:colId xmlns:a16="http://schemas.microsoft.com/office/drawing/2014/main" val="743041018"/>
+                    </a:ext>
+                  </a:extLst>
+                </a:gridCol>
+              </a:tblGrid>
+              <a:tr h="370840">
+                <a:tc>
+                  <a:txBody>
+                    <a:bodyPr/>
+                    <a:lstStyle/>
+                    <a:p>
+                      <a:r>
+                        <a:rPr lang="en-US" dirty="0"/>
+                        <a:t>0</a:t>
+                      </a:r>
+                    </a:p>
+                  </a:txBody>
+                  <a:tcPr>
+                    <a:solidFill>
+                      <a:schemeClr val="accent1"/>
+                    </a:solidFill>
+                  </a:tcPr>
+                </a:tc>
+                <a:tc>
+                  <a:txBody>
+                    <a:bodyPr/>
+                    <a:lstStyle/>
+                    <a:p>
+                      <a:r>
+                        <a:rPr lang="en-US" dirty="0"/>
+                        <a:t>1</a:t>
+                      </a:r>
+                    </a:p>
+                  </a:txBody>
+                  <a:tcPr>
+                    <a:solidFill>
+                      <a:schemeClr val="bg1"/>
+                    </a:solidFill>
+                  </a:tcPr>
+                </a:tc>
+                <a:tc>
+                  <a:txBody>
+                    <a:bodyPr/>
+                    <a:lstStyle/>
+                    <a:p>
+                      <a:r>
+                        <a:rPr lang="en-US" dirty="0"/>
+                        <a:t>0</a:t>
+                      </a:r>
+                    </a:p>
+                  </a:txBody>
+                  <a:tcPr>
+                    <a:solidFill>
+                      <a:schemeClr val="bg1"/>
+                    </a:solidFill>
+                  </a:tcPr>
+                </a:tc>
+                <a:tc>
+                  <a:txBody>
+                    <a:bodyPr/>
+                    <a:lstStyle/>
+                    <a:p>
+                      <a:r>
+                        <a:rPr lang="en-US" dirty="0"/>
+                        <a:t>1</a:t>
+                      </a:r>
+                    </a:p>
+                  </a:txBody>
+                  <a:tcPr>
+                    <a:solidFill>
+                      <a:schemeClr val="bg1"/>
+                    </a:solidFill>
+                  </a:tcPr>
+                </a:tc>
+                <a:extLst>
+                  <a:ext uri="{0D108BD9-81ED-4DB2-BD59-A6C34878D82A}">
+                    <a16:rowId xmlns:a16="http://schemas.microsoft.com/office/drawing/2014/main" val="2599666577"/>
+                  </a:ext>
+                </a:extLst>
+              </a:tr>
+            </a:tbl>
+          </a:graphicData>
+        </a:graphic>
+      </p:graphicFrame>
+      <p:cxnSp>
+        <p:nvCxnSpPr>
+          <p:cNvPr id="12" name="Straight Arrow Connector 11">
+            <a:extLst>
+              <a:ext uri="{FF2B5EF4-FFF2-40B4-BE49-F238E27FC236}">
+                <a16:creationId xmlns:a16="http://schemas.microsoft.com/office/drawing/2014/main" id="{99374805-943B-AD4B-BE8C-D3D2F1A7372E}"/>
+              </a:ext>
+            </a:extLst>
+          </p:cNvPr>
+          <p:cNvCxnSpPr>
+            <a:cxnSpLocks/>
+            <a:stCxn id="4" idx="2"/>
+            <a:endCxn id="8" idx="0"/>
+          </p:cNvCxnSpPr>
+          <p:nvPr/>
+        </p:nvCxnSpPr>
+        <p:spPr>
+          <a:xfrm flipH="1">
+            <a:off x="4567723" y="2138882"/>
+            <a:ext cx="1714359" cy="1801192"/>
+          </a:xfrm>
+          <a:prstGeom prst="straightConnector1">
+            <a:avLst/>
+          </a:prstGeom>
+          <a:noFill/>
+          <a:ln w="50800" cap="flat">
+            <a:solidFill>
+              <a:srgbClr val="000000"/>
+            </a:solidFill>
+            <a:prstDash val="solid"/>
+            <a:miter lim="400000"/>
+            <a:tailEnd type="triangle"/>
+          </a:ln>
+          <a:effectLst/>
+          <a:sp3d/>
+        </p:spPr>
+        <p:style>
+          <a:lnRef idx="0">
+            <a:scrgbClr r="0" g="0" b="0"/>
+          </a:lnRef>
+          <a:fillRef idx="0">
+            <a:scrgbClr r="0" g="0" b="0"/>
+          </a:fillRef>
+          <a:effectRef idx="0">
+            <a:scrgbClr r="0" g="0" b="0"/>
+          </a:effectRef>
+          <a:fontRef idx="none"/>
+        </p:style>
+      </p:cxnSp>
+      <p:cxnSp>
+        <p:nvCxnSpPr>
+          <p:cNvPr id="13" name="Straight Arrow Connector 12">
+            <a:extLst>
+              <a:ext uri="{FF2B5EF4-FFF2-40B4-BE49-F238E27FC236}">
+                <a16:creationId xmlns:a16="http://schemas.microsoft.com/office/drawing/2014/main" id="{35A9C669-ADCB-6141-8182-E473FCBD73A2}"/>
+              </a:ext>
+            </a:extLst>
+          </p:cNvPr>
+          <p:cNvCxnSpPr>
+            <a:cxnSpLocks/>
+            <a:stCxn id="4" idx="2"/>
+            <a:endCxn id="7" idx="0"/>
+          </p:cNvCxnSpPr>
+          <p:nvPr/>
+        </p:nvCxnSpPr>
+        <p:spPr>
+          <a:xfrm>
+            <a:off x="6282082" y="2138882"/>
+            <a:ext cx="1820237" cy="1796537"/>
+          </a:xfrm>
+          <a:prstGeom prst="straightConnector1">
+            <a:avLst/>
+          </a:prstGeom>
+          <a:noFill/>
+          <a:ln w="50800" cap="flat">
+            <a:solidFill>
+              <a:srgbClr val="000000"/>
+            </a:solidFill>
+            <a:prstDash val="solid"/>
+            <a:miter lim="400000"/>
+            <a:tailEnd type="triangle"/>
+          </a:ln>
+          <a:effectLst/>
+          <a:sp3d/>
+        </p:spPr>
+        <p:style>
+          <a:lnRef idx="0">
+            <a:scrgbClr r="0" g="0" b="0"/>
+          </a:lnRef>
+          <a:fillRef idx="0">
+            <a:scrgbClr r="0" g="0" b="0"/>
+          </a:fillRef>
+          <a:effectRef idx="0">
+            <a:scrgbClr r="0" g="0" b="0"/>
+          </a:effectRef>
+          <a:fontRef idx="none"/>
+        </p:style>
+      </p:cxnSp>
+      <p:cxnSp>
+        <p:nvCxnSpPr>
+          <p:cNvPr id="14" name="Straight Arrow Connector 13">
+            <a:extLst>
+              <a:ext uri="{FF2B5EF4-FFF2-40B4-BE49-F238E27FC236}">
+                <a16:creationId xmlns:a16="http://schemas.microsoft.com/office/drawing/2014/main" id="{0A6ED5D2-A9F0-A14A-B7BC-9A83FCDACFDC}"/>
+              </a:ext>
+            </a:extLst>
+          </p:cNvPr>
+          <p:cNvCxnSpPr>
+            <a:cxnSpLocks/>
+            <a:stCxn id="4" idx="2"/>
+            <a:endCxn id="6" idx="1"/>
+          </p:cNvCxnSpPr>
+          <p:nvPr/>
+        </p:nvCxnSpPr>
+        <p:spPr>
+          <a:xfrm>
+            <a:off x="6282082" y="2138882"/>
+            <a:ext cx="2576903" cy="1176217"/>
+          </a:xfrm>
+          <a:prstGeom prst="straightConnector1">
+            <a:avLst/>
+          </a:prstGeom>
+          <a:noFill/>
+          <a:ln w="50800" cap="flat">
+            <a:solidFill>
+              <a:srgbClr val="000000"/>
+            </a:solidFill>
+            <a:prstDash val="solid"/>
+            <a:miter lim="400000"/>
+            <a:tailEnd type="triangle"/>
+          </a:ln>
+          <a:effectLst/>
+          <a:sp3d/>
+        </p:spPr>
+        <p:style>
+          <a:lnRef idx="0">
+            <a:scrgbClr r="0" g="0" b="0"/>
+          </a:lnRef>
+          <a:fillRef idx="0">
+            <a:scrgbClr r="0" g="0" b="0"/>
+          </a:fillRef>
+          <a:effectRef idx="0">
+            <a:scrgbClr r="0" g="0" b="0"/>
+          </a:effectRef>
+          <a:fontRef idx="none"/>
+        </p:style>
+      </p:cxnSp>
+    </p:spTree>
+    <p:extLst>
+      <p:ext uri="{BB962C8B-B14F-4D97-AF65-F5344CB8AC3E}">
+        <p14:creationId xmlns:p14="http://schemas.microsoft.com/office/powerpoint/2010/main" val="1945703230"/>
+      </p:ext>
+    </p:extLst>
+  </p:cSld>
+  <p:clrMapOvr>
+    <a:masterClrMapping/>
+  </p:clrMapOvr>
+  <p:transition spd="med"/>
+</p:sld>
+</file>
+
+<file path=ppt/slides/slide32.xml><?xml version="1.0" encoding="utf-8"?>
+<p:sld xmlns:a="http://schemas.openxmlformats.org/drawingml/2006/main" xmlns:r="http://schemas.openxmlformats.org/officeDocument/2006/relationships" xmlns:p="http://schemas.openxmlformats.org/presentationml/2006/main">
+  <p:cSld>
+    <p:spTree>
+      <p:nvGrpSpPr>
+        <p:cNvPr id="1" name=""/>
+        <p:cNvGrpSpPr/>
+        <p:nvPr/>
+      </p:nvGrpSpPr>
+      <p:grpSpPr>
+        <a:xfrm>
+          <a:off x="0" y="0"/>
+          <a:ext cx="0" cy="0"/>
+          <a:chOff x="0" y="0"/>
+          <a:chExt cx="0" cy="0"/>
+        </a:xfrm>
+      </p:grpSpPr>
+      <p:sp>
+        <p:nvSpPr>
           <p:cNvPr id="2" name="Title 1"/>
           <p:cNvSpPr>
             <a:spLocks noGrp="1"/>
@@ -12107,7 +13226,7 @@
 </p:sld>
 </file>
 
-<file path=ppt/slides/slide32.xml><?xml version="1.0" encoding="utf-8"?>
+<file path=ppt/slides/slide33.xml><?xml version="1.0" encoding="utf-8"?>
 <p:sld xmlns:a="http://schemas.openxmlformats.org/drawingml/2006/main" xmlns:r="http://schemas.openxmlformats.org/officeDocument/2006/relationships" xmlns:p="http://schemas.openxmlformats.org/presentationml/2006/main">
   <p:cSld>
     <p:spTree>
@@ -12234,7 +13353,7 @@
 </p:sld>
 </file>
 
-<file path=ppt/slides/slide33.xml><?xml version="1.0" encoding="utf-8"?>
+<file path=ppt/slides/slide34.xml><?xml version="1.0" encoding="utf-8"?>
 <p:sld xmlns:a="http://schemas.openxmlformats.org/drawingml/2006/main" xmlns:r="http://schemas.openxmlformats.org/officeDocument/2006/relationships" xmlns:p="http://schemas.openxmlformats.org/presentationml/2006/main">
   <p:cSld>
     <p:spTree>
@@ -12644,7 +13763,7 @@
 </p:sld>
 </file>
 
-<file path=ppt/slides/slide34.xml><?xml version="1.0" encoding="utf-8"?>
+<file path=ppt/slides/slide35.xml><?xml version="1.0" encoding="utf-8"?>
 <p:sld xmlns:a="http://schemas.openxmlformats.org/drawingml/2006/main" xmlns:r="http://schemas.openxmlformats.org/officeDocument/2006/relationships" xmlns:p="http://schemas.openxmlformats.org/presentationml/2006/main">
   <p:cSld>
     <p:spTree>
@@ -12772,7 +13891,7 @@
 </p:sld>
 </file>
 
-<file path=ppt/slides/slide35.xml><?xml version="1.0" encoding="utf-8"?>
+<file path=ppt/slides/slide36.xml><?xml version="1.0" encoding="utf-8"?>
 <p:sld xmlns:a="http://schemas.openxmlformats.org/drawingml/2006/main" xmlns:r="http://schemas.openxmlformats.org/officeDocument/2006/relationships" xmlns:p="http://schemas.openxmlformats.org/presentationml/2006/main">
   <p:cSld>
     <p:spTree>
@@ -12974,134 +14093,6 @@
 </p:sld>
 </file>
 
-<file path=ppt/slides/slide36.xml><?xml version="1.0" encoding="utf-8"?>
-<p:sld xmlns:a="http://schemas.openxmlformats.org/drawingml/2006/main" xmlns:r="http://schemas.openxmlformats.org/officeDocument/2006/relationships" xmlns:p="http://schemas.openxmlformats.org/presentationml/2006/main">
-  <p:cSld>
-    <p:spTree>
-      <p:nvGrpSpPr>
-        <p:cNvPr id="1" name=""/>
-        <p:cNvGrpSpPr/>
-        <p:nvPr/>
-      </p:nvGrpSpPr>
-      <p:grpSpPr>
-        <a:xfrm>
-          <a:off x="0" y="0"/>
-          <a:ext cx="0" cy="0"/>
-          <a:chOff x="0" y="0"/>
-          <a:chExt cx="0" cy="0"/>
-        </a:xfrm>
-      </p:grpSpPr>
-      <p:sp>
-        <p:nvSpPr>
-          <p:cNvPr id="2" name="Title 1"/>
-          <p:cNvSpPr>
-            <a:spLocks noGrp="1"/>
-          </p:cNvSpPr>
-          <p:nvPr>
-            <p:ph type="title"/>
-          </p:nvPr>
-        </p:nvSpPr>
-        <p:spPr/>
-        <p:txBody>
-          <a:bodyPr/>
-          <a:lstStyle/>
-          <a:p>
-            <a:r>
-              <a:rPr lang="en-US" dirty="0"/>
-              <a:t>Decision Problem</a:t>
-            </a:r>
-          </a:p>
-        </p:txBody>
-      </p:sp>
-      <p:sp>
-        <p:nvSpPr>
-          <p:cNvPr id="3" name="Text Placeholder 2"/>
-          <p:cNvSpPr>
-            <a:spLocks noGrp="1"/>
-          </p:cNvSpPr>
-          <p:nvPr>
-            <p:ph type="body" idx="1"/>
-          </p:nvPr>
-        </p:nvSpPr>
-        <p:spPr>
-          <a:xfrm>
-            <a:off x="296091" y="2603499"/>
-            <a:ext cx="12557760" cy="6714671"/>
-          </a:xfrm>
-        </p:spPr>
-        <p:txBody>
-          <a:bodyPr>
-            <a:normAutofit fontScale="77500" lnSpcReduction="20000"/>
-          </a:bodyPr>
-          <a:lstStyle/>
-          <a:p>
-            <a:r>
-              <a:rPr lang="en-US" dirty="0"/>
-              <a:t>Technically, QP is a </a:t>
-            </a:r>
-            <a:r>
-              <a:rPr lang="en-US" i="1" dirty="0"/>
-              <a:t>decision</a:t>
-            </a:r>
-            <a:r>
-              <a:rPr lang="en-US" dirty="0"/>
-              <a:t> problem</a:t>
-            </a:r>
-          </a:p>
-          <a:p>
-            <a:r>
-              <a:rPr lang="en-US" dirty="0"/>
-              <a:t>Once we find a solution with N queens no threating any other, we know we have found a global optimum</a:t>
-            </a:r>
-          </a:p>
-          <a:p>
-            <a:r>
-              <a:rPr lang="en-US" dirty="0"/>
-              <a:t>In optimization problems, usually we cannot know if we found the best</a:t>
-            </a:r>
-          </a:p>
-          <a:p>
-            <a:r>
-              <a:rPr lang="en-US" dirty="0"/>
-              <a:t>Decision Problem: can say “yes” or “no” about if a solution is optimal or not</a:t>
-            </a:r>
-          </a:p>
-          <a:p>
-            <a:r>
-              <a:rPr lang="en-US" dirty="0"/>
-              <a:t>For decision problems, still doing the same as optimization, only difference is that we can know when best solution is found</a:t>
-            </a:r>
-          </a:p>
-          <a:p>
-            <a:r>
-              <a:rPr lang="en-US" dirty="0"/>
-              <a:t>Practically all optimization problems have a decision variant for some metric K, </a:t>
-            </a:r>
-            <a:r>
-              <a:rPr lang="en-US" dirty="0" err="1"/>
-              <a:t>eg</a:t>
-            </a:r>
-            <a:r>
-              <a:rPr lang="en-US" dirty="0"/>
-              <a:t> “find knapsack configuration with total item values of at least K”</a:t>
-            </a:r>
-          </a:p>
-        </p:txBody>
-      </p:sp>
-    </p:spTree>
-    <p:extLst>
-      <p:ext uri="{BB962C8B-B14F-4D97-AF65-F5344CB8AC3E}">
-        <p14:creationId xmlns:p14="http://schemas.microsoft.com/office/powerpoint/2010/main" val="63164798"/>
-      </p:ext>
-    </p:extLst>
-  </p:cSld>
-  <p:clrMapOvr>
-    <a:masterClrMapping/>
-  </p:clrMapOvr>
-  <p:transition spd="med"/>
-</p:sld>
-</file>
-
 <file path=ppt/slides/slide37.xml><?xml version="1.0" encoding="utf-8"?>
 <p:sld xmlns:a="http://schemas.openxmlformats.org/drawingml/2006/main" xmlns:r="http://schemas.openxmlformats.org/officeDocument/2006/relationships" xmlns:p="http://schemas.openxmlformats.org/presentationml/2006/main">
   <p:cSld>
@@ -13135,8 +14126,8 @@
           <a:lstStyle/>
           <a:p>
             <a:r>
-              <a:rPr lang="en-US" b="1" dirty="0"/>
-              <a:t>NP</a:t>
+              <a:rPr lang="en-US" dirty="0"/>
+              <a:t>Decision Problem</a:t>
             </a:r>
           </a:p>
         </p:txBody>
@@ -13153,110 +14144,65 @@
         </p:nvSpPr>
         <p:spPr>
           <a:xfrm>
-            <a:off x="470263" y="2603500"/>
-            <a:ext cx="12261668" cy="6286500"/>
+            <a:off x="296091" y="2603499"/>
+            <a:ext cx="12557760" cy="6714671"/>
           </a:xfrm>
         </p:spPr>
         <p:txBody>
           <a:bodyPr>
-            <a:normAutofit fontScale="92500" lnSpcReduction="20000"/>
+            <a:normAutofit fontScale="77500" lnSpcReduction="20000"/>
           </a:bodyPr>
           <a:lstStyle/>
           <a:p>
             <a:r>
-              <a:rPr lang="en-US" b="1" dirty="0"/>
-              <a:t>NP</a:t>
-            </a:r>
-            <a:r>
-              <a:rPr lang="en-US" dirty="0"/>
-              <a:t>: “</a:t>
-            </a:r>
-            <a:r>
-              <a:rPr lang="en-US" b="1" dirty="0"/>
-              <a:t>N</a:t>
-            </a:r>
-            <a:r>
-              <a:rPr lang="en-US" dirty="0"/>
-              <a:t>ondeterministic </a:t>
-            </a:r>
-            <a:r>
-              <a:rPr lang="en-US" b="1" dirty="0"/>
-              <a:t>P</a:t>
-            </a:r>
-            <a:r>
-              <a:rPr lang="en-US" dirty="0"/>
-              <a:t>olynomial time”</a:t>
-            </a:r>
-          </a:p>
-          <a:p>
-            <a:r>
-              <a:rPr lang="en-US" b="1" dirty="0"/>
-              <a:t>NP</a:t>
-            </a:r>
-            <a:r>
-              <a:rPr lang="en-US" dirty="0"/>
-              <a:t> is “the set of all </a:t>
+              <a:rPr lang="en-US" dirty="0"/>
+              <a:t>Technically, QP is a </a:t>
             </a:r>
             <a:r>
               <a:rPr lang="en-US" i="1" dirty="0"/>
-              <a:t>decision </a:t>
-            </a:r>
-            <a:r>
-              <a:rPr lang="en-US" dirty="0"/>
-              <a:t>problems that can be solved in polynomial time on a theoretical non-deterministic Turing machine”</a:t>
-            </a:r>
-          </a:p>
-          <a:p>
-            <a:r>
-              <a:rPr lang="en-US" dirty="0"/>
-              <a:t>Equivalent, easier definition: “</a:t>
-            </a:r>
-            <a:r>
-              <a:rPr lang="en-US" i="1" dirty="0"/>
-              <a:t>set of all decision problems whose solutions can be verified in polynomial time</a:t>
-            </a:r>
-            <a:r>
-              <a:rPr lang="en-US" dirty="0"/>
-              <a:t>”</a:t>
-            </a:r>
-          </a:p>
-          <a:p>
-            <a:pPr lvl="1"/>
+              <a:t>decision</a:t>
+            </a:r>
+            <a:r>
+              <a:rPr lang="en-US" dirty="0"/>
+              <a:t> problem</a:t>
+            </a:r>
+          </a:p>
+          <a:p>
+            <a:r>
+              <a:rPr lang="en-US" dirty="0"/>
+              <a:t>Once we find a solution with N queens no threating any other, we know we have found a global optimum</a:t>
+            </a:r>
+          </a:p>
+          <a:p>
+            <a:r>
+              <a:rPr lang="en-US" dirty="0"/>
+              <a:t>In optimization problems, usually we cannot know if we found the best</a:t>
+            </a:r>
+          </a:p>
+          <a:p>
+            <a:r>
+              <a:rPr lang="en-US" dirty="0"/>
+              <a:t>Decision Problem: can say “yes” or “no” about if a solution is optimal or not</a:t>
+            </a:r>
+          </a:p>
+          <a:p>
+            <a:r>
+              <a:rPr lang="en-US" dirty="0"/>
+              <a:t>For decision problems, still doing the same as optimization, only difference is that we can know when best solution is found</a:t>
+            </a:r>
+          </a:p>
+          <a:p>
+            <a:r>
+              <a:rPr lang="en-US" dirty="0"/>
+              <a:t>Practically all optimization problems have a decision variant for some metric K, </a:t>
+            </a:r>
             <a:r>
               <a:rPr lang="en-US" dirty="0" err="1"/>
-              <a:t>Ie</a:t>
-            </a:r>
-            <a:r>
-              <a:rPr lang="en-US" dirty="0"/>
-              <a:t>, can answer “yes” or “no” in polynomial time</a:t>
-            </a:r>
-          </a:p>
-          <a:p>
-            <a:r>
-              <a:rPr lang="en-US" dirty="0"/>
-              <a:t>KP and QP are in </a:t>
-            </a:r>
-            <a:r>
-              <a:rPr lang="en-US" b="1" dirty="0"/>
-              <a:t>NP</a:t>
-            </a:r>
-            <a:r>
-              <a:rPr lang="en-US" dirty="0"/>
-              <a:t>:</a:t>
-            </a:r>
-          </a:p>
-          <a:p>
-            <a:pPr lvl="1"/>
-            <a:r>
-              <a:rPr lang="en-US" dirty="0"/>
-              <a:t>QP: can quickly verify if N queens do not threaten each other</a:t>
-            </a:r>
-          </a:p>
-          <a:p>
-            <a:pPr lvl="1"/>
-            <a:r>
-              <a:rPr lang="en-US" dirty="0"/>
-              <a:t>KP: can quickly verify in linear time if a solution has at least a certain value </a:t>
+              <a:t>eg</a:t>
+            </a:r>
+            <a:r>
+              <a:rPr lang="en-US" dirty="0"/>
+              <a:t> “find knapsack configuration with total item values of at least K”</a:t>
             </a:r>
           </a:p>
         </p:txBody>
@@ -13264,7 +14210,7 @@
     </p:spTree>
     <p:extLst>
       <p:ext uri="{BB962C8B-B14F-4D97-AF65-F5344CB8AC3E}">
-        <p14:creationId xmlns:p14="http://schemas.microsoft.com/office/powerpoint/2010/main" val="1762231097"/>
+        <p14:creationId xmlns:p14="http://schemas.microsoft.com/office/powerpoint/2010/main" val="63164798"/>
       </p:ext>
     </p:extLst>
   </p:cSld>
@@ -13309,7 +14255,7 @@
           <a:p>
             <a:r>
               <a:rPr lang="en-US" b="1" dirty="0"/>
-              <a:t>P</a:t>
+              <a:t>NP</a:t>
             </a:r>
           </a:p>
         </p:txBody>
@@ -13326,8 +14272,8 @@
         </p:nvSpPr>
         <p:spPr>
           <a:xfrm>
-            <a:off x="271417" y="2229031"/>
-            <a:ext cx="12461966" cy="7150099"/>
+            <a:off x="470263" y="2603500"/>
+            <a:ext cx="12261668" cy="6286500"/>
           </a:xfrm>
         </p:spPr>
         <p:txBody>
@@ -13338,76 +14284,106 @@
           <a:p>
             <a:r>
               <a:rPr lang="en-US" b="1" dirty="0"/>
-              <a:t>P</a:t>
-            </a:r>
-            <a:r>
-              <a:rPr lang="en-US" dirty="0"/>
-              <a:t> is the set of all decision problems that can be </a:t>
-            </a:r>
-            <a:r>
-              <a:rPr lang="en-US" i="1" dirty="0"/>
-              <a:t>solved</a:t>
-            </a:r>
-            <a:r>
-              <a:rPr lang="en-US" dirty="0"/>
-              <a:t> in polynomial time</a:t>
-            </a:r>
-          </a:p>
-          <a:p>
+              <a:t>NP</a:t>
+            </a:r>
+            <a:r>
+              <a:rPr lang="en-US" dirty="0"/>
+              <a:t>: “</a:t>
+            </a:r>
+            <a:r>
+              <a:rPr lang="en-US" b="1" dirty="0"/>
+              <a:t>N</a:t>
+            </a:r>
+            <a:r>
+              <a:rPr lang="en-US" dirty="0"/>
+              <a:t>ondeterministic </a:t>
+            </a:r>
             <a:r>
               <a:rPr lang="en-US" b="1" dirty="0"/>
               <a:t>P</a:t>
             </a:r>
             <a:r>
               <a:rPr lang="en-US" dirty="0"/>
-              <a:t> is at least a subset of </a:t>
-            </a:r>
+              <a:t>olynomial time”</a:t>
+            </a:r>
+          </a:p>
+          <a:p>
             <a:r>
               <a:rPr lang="en-US" b="1" dirty="0"/>
               <a:t>NP</a:t>
             </a:r>
             <a:r>
               <a:rPr lang="en-US" dirty="0"/>
-              <a:t>… but is it a strict subset???</a:t>
-            </a:r>
-          </a:p>
-          <a:p>
+              <a:t> is “the set of all </a:t>
+            </a:r>
+            <a:r>
+              <a:rPr lang="en-US" i="1" dirty="0"/>
+              <a:t>decision </a:t>
+            </a:r>
+            <a:r>
+              <a:rPr lang="en-US" dirty="0"/>
+              <a:t>problems that can be solved in polynomial time on a theoretical non-deterministic Turing machine”</a:t>
+            </a:r>
+          </a:p>
+          <a:p>
+            <a:r>
+              <a:rPr lang="en-US" dirty="0"/>
+              <a:t>Equivalent, easier definition: “</a:t>
+            </a:r>
+            <a:r>
+              <a:rPr lang="en-US" i="1" dirty="0"/>
+              <a:t>set of all decision problems whose solutions can be verified in polynomial time</a:t>
+            </a:r>
+            <a:r>
+              <a:rPr lang="en-US" dirty="0"/>
+              <a:t>”</a:t>
+            </a:r>
+          </a:p>
+          <a:p>
+            <a:pPr lvl="1"/>
+            <a:r>
+              <a:rPr lang="en-US" dirty="0" err="1"/>
+              <a:t>Ie</a:t>
+            </a:r>
+            <a:r>
+              <a:rPr lang="en-US" dirty="0"/>
+              <a:t>, can answer “yes” or “no” in polynomial time</a:t>
+            </a:r>
+          </a:p>
+          <a:p>
+            <a:r>
+              <a:rPr lang="en-US" dirty="0"/>
+              <a:t>KP and QP are in </a:t>
+            </a:r>
             <a:r>
               <a:rPr lang="en-US" b="1" dirty="0"/>
-              <a:t>P = NP ???</a:t>
-            </a:r>
-          </a:p>
-          <a:p>
-            <a:r>
-              <a:rPr lang="en-US" b="1" dirty="0"/>
-              <a:t>P != NP ???</a:t>
-            </a:r>
-          </a:p>
-          <a:p>
-            <a:r>
-              <a:rPr lang="en-US" i="1" dirty="0"/>
-              <a:t>This is arguably the most important question in computer science for which we do not have an answer (yet)</a:t>
-            </a:r>
-          </a:p>
-          <a:p>
-            <a:r>
-              <a:rPr lang="en-US" dirty="0"/>
-              <a:t>Consequence: there might be undiscovered, efficient algorithms to solve today’s complex problems, or those might be impossible to design… we simply have no clue </a:t>
-            </a:r>
-            <a:r>
-              <a:rPr lang="en-US" dirty="0">
-                <a:sym typeface="Wingdings" panose="05000000000000000000" pitchFamily="2" charset="2"/>
-              </a:rPr>
-              <a:t> </a:t>
-            </a:r>
-            <a:endParaRPr lang="en-US" dirty="0"/>
+              <a:t>NP</a:t>
+            </a:r>
+            <a:r>
+              <a:rPr lang="en-US" dirty="0"/>
+              <a:t>:</a:t>
+            </a:r>
+          </a:p>
+          <a:p>
+            <a:pPr lvl="1"/>
+            <a:r>
+              <a:rPr lang="en-US" dirty="0"/>
+              <a:t>QP: can quickly verify if N queens do not threaten each other</a:t>
+            </a:r>
+          </a:p>
+          <a:p>
+            <a:pPr lvl="1"/>
+            <a:r>
+              <a:rPr lang="en-US" dirty="0"/>
+              <a:t>KP: can quickly verify in linear time if a solution has at least a certain value </a:t>
+            </a:r>
           </a:p>
         </p:txBody>
       </p:sp>
     </p:spTree>
     <p:extLst>
       <p:ext uri="{BB962C8B-B14F-4D97-AF65-F5344CB8AC3E}">
-        <p14:creationId xmlns:p14="http://schemas.microsoft.com/office/powerpoint/2010/main" val="104883548"/>
+        <p14:creationId xmlns:p14="http://schemas.microsoft.com/office/powerpoint/2010/main" val="1762231097"/>
       </p:ext>
     </p:extLst>
   </p:cSld>
@@ -13451,8 +14427,8 @@
           <a:lstStyle/>
           <a:p>
             <a:r>
-              <a:rPr lang="en-US" dirty="0"/>
-              <a:t>Homework</a:t>
+              <a:rPr lang="en-US" b="1" dirty="0"/>
+              <a:t>P</a:t>
             </a:r>
           </a:p>
         </p:txBody>
@@ -13467,58 +14443,90 @@
             <p:ph type="body" idx="1"/>
           </p:nvPr>
         </p:nvSpPr>
-        <p:spPr/>
+        <p:spPr>
+          <a:xfrm>
+            <a:off x="271417" y="2229031"/>
+            <a:ext cx="12461966" cy="7150099"/>
+          </a:xfrm>
+        </p:spPr>
         <p:txBody>
-          <a:bodyPr/>
+          <a:bodyPr>
+            <a:normAutofit fontScale="92500" lnSpcReduction="20000"/>
+          </a:bodyPr>
           <a:lstStyle/>
           <a:p>
             <a:r>
-              <a:rPr lang="en-US" dirty="0"/>
-              <a:t>Study Book  pages 910-921</a:t>
-            </a:r>
-          </a:p>
-          <a:p>
-            <a:pPr lvl="1"/>
-            <a:r>
-              <a:rPr lang="en-US" dirty="0"/>
-              <a:t>Note: details of optimization algorithm are </a:t>
-            </a:r>
-            <a:r>
-              <a:rPr lang="en-US"/>
-              <a:t>not in the book</a:t>
+              <a:rPr lang="en-US" b="1" dirty="0"/>
+              <a:t>P</a:t>
+            </a:r>
+            <a:r>
+              <a:rPr lang="en-US" dirty="0"/>
+              <a:t> is the set of all decision problems that can be </a:t>
+            </a:r>
+            <a:r>
+              <a:rPr lang="en-US" i="1" dirty="0"/>
+              <a:t>solved</a:t>
+            </a:r>
+            <a:r>
+              <a:rPr lang="en-US" dirty="0"/>
+              <a:t> in polynomial time</a:t>
+            </a:r>
+          </a:p>
+          <a:p>
+            <a:r>
+              <a:rPr lang="en-US" b="1" dirty="0"/>
+              <a:t>P</a:t>
+            </a:r>
+            <a:r>
+              <a:rPr lang="en-US" dirty="0"/>
+              <a:t> is at least a subset of </a:t>
+            </a:r>
+            <a:r>
+              <a:rPr lang="en-US" b="1" dirty="0"/>
+              <a:t>NP</a:t>
+            </a:r>
+            <a:r>
+              <a:rPr lang="en-US" dirty="0"/>
+              <a:t>… but is it a strict subset???</a:t>
+            </a:r>
+          </a:p>
+          <a:p>
+            <a:r>
+              <a:rPr lang="en-US" b="1" dirty="0"/>
+              <a:t>P = NP ???</a:t>
+            </a:r>
+          </a:p>
+          <a:p>
+            <a:r>
+              <a:rPr lang="en-US" b="1" dirty="0"/>
+              <a:t>P != NP ???</a:t>
+            </a:r>
+          </a:p>
+          <a:p>
+            <a:r>
+              <a:rPr lang="en-US" i="1" dirty="0"/>
+              <a:t>This is arguably the most important question in computer science for which we do not have an answer (yet)</a:t>
+            </a:r>
+          </a:p>
+          <a:p>
+            <a:r>
+              <a:rPr lang="en-US" dirty="0"/>
+              <a:t>Consequence: there might be undiscovered, efficient algorithms to solve today’s complex problems, or those might be impossible to design… we simply have no clue </a:t>
+            </a:r>
+            <a:r>
+              <a:rPr lang="en-US" dirty="0">
+                <a:sym typeface="Wingdings" panose="05000000000000000000" pitchFamily="2" charset="2"/>
+              </a:rPr>
+              <a:t> </a:t>
             </a:r>
             <a:endParaRPr lang="en-US" dirty="0"/>
-          </a:p>
-          <a:p>
-            <a:r>
-              <a:rPr lang="en-US" dirty="0"/>
-              <a:t>Study code in the </a:t>
-            </a:r>
-            <a:r>
-              <a:rPr lang="en-US" i="1" dirty="0"/>
-              <a:t>org.pg4200.les10</a:t>
-            </a:r>
-            <a:r>
-              <a:rPr lang="en-US" dirty="0"/>
-              <a:t> package</a:t>
-            </a:r>
-          </a:p>
-          <a:p>
-            <a:r>
-              <a:rPr lang="en-US" dirty="0"/>
-              <a:t>Do exercises in </a:t>
-            </a:r>
-            <a:r>
-              <a:rPr lang="en-US" i="1" dirty="0"/>
-              <a:t>exercises/ex10</a:t>
-            </a:r>
           </a:p>
         </p:txBody>
       </p:sp>
     </p:spTree>
     <p:extLst>
       <p:ext uri="{BB962C8B-B14F-4D97-AF65-F5344CB8AC3E}">
-        <p14:creationId xmlns:p14="http://schemas.microsoft.com/office/powerpoint/2010/main" val="453965310"/>
+        <p14:creationId xmlns:p14="http://schemas.microsoft.com/office/powerpoint/2010/main" val="104883548"/>
       </p:ext>
     </p:extLst>
   </p:cSld>
@@ -13730,6 +14738,117 @@
     <p:extLst>
       <p:ext uri="{BB962C8B-B14F-4D97-AF65-F5344CB8AC3E}">
         <p14:creationId xmlns:p14="http://schemas.microsoft.com/office/powerpoint/2010/main" val="3178753017"/>
+      </p:ext>
+    </p:extLst>
+  </p:cSld>
+  <p:clrMapOvr>
+    <a:masterClrMapping/>
+  </p:clrMapOvr>
+  <p:transition spd="med"/>
+</p:sld>
+</file>
+
+<file path=ppt/slides/slide40.xml><?xml version="1.0" encoding="utf-8"?>
+<p:sld xmlns:a="http://schemas.openxmlformats.org/drawingml/2006/main" xmlns:r="http://schemas.openxmlformats.org/officeDocument/2006/relationships" xmlns:p="http://schemas.openxmlformats.org/presentationml/2006/main">
+  <p:cSld>
+    <p:spTree>
+      <p:nvGrpSpPr>
+        <p:cNvPr id="1" name=""/>
+        <p:cNvGrpSpPr/>
+        <p:nvPr/>
+      </p:nvGrpSpPr>
+      <p:grpSpPr>
+        <a:xfrm>
+          <a:off x="0" y="0"/>
+          <a:ext cx="0" cy="0"/>
+          <a:chOff x="0" y="0"/>
+          <a:chExt cx="0" cy="0"/>
+        </a:xfrm>
+      </p:grpSpPr>
+      <p:sp>
+        <p:nvSpPr>
+          <p:cNvPr id="2" name="Title 1"/>
+          <p:cNvSpPr>
+            <a:spLocks noGrp="1"/>
+          </p:cNvSpPr>
+          <p:nvPr>
+            <p:ph type="title"/>
+          </p:nvPr>
+        </p:nvSpPr>
+        <p:spPr/>
+        <p:txBody>
+          <a:bodyPr/>
+          <a:lstStyle/>
+          <a:p>
+            <a:r>
+              <a:rPr lang="en-US" dirty="0"/>
+              <a:t>Homework</a:t>
+            </a:r>
+          </a:p>
+        </p:txBody>
+      </p:sp>
+      <p:sp>
+        <p:nvSpPr>
+          <p:cNvPr id="3" name="Text Placeholder 2"/>
+          <p:cNvSpPr>
+            <a:spLocks noGrp="1"/>
+          </p:cNvSpPr>
+          <p:nvPr>
+            <p:ph type="body" idx="1"/>
+          </p:nvPr>
+        </p:nvSpPr>
+        <p:spPr/>
+        <p:txBody>
+          <a:bodyPr/>
+          <a:lstStyle/>
+          <a:p>
+            <a:r>
+              <a:rPr lang="en-US" dirty="0"/>
+              <a:t>Study Book  pages 910-921</a:t>
+            </a:r>
+          </a:p>
+          <a:p>
+            <a:pPr lvl="1"/>
+            <a:r>
+              <a:rPr lang="en-US" dirty="0"/>
+              <a:t>Note: details of optimization algorithm are </a:t>
+            </a:r>
+            <a:r>
+              <a:rPr lang="en-US"/>
+              <a:t>not in the book</a:t>
+            </a:r>
+            <a:endParaRPr lang="en-US" dirty="0"/>
+          </a:p>
+          <a:p>
+            <a:r>
+              <a:rPr lang="en-US" dirty="0"/>
+              <a:t>Study code in the </a:t>
+            </a:r>
+            <a:r>
+              <a:rPr lang="en-US" i="1" dirty="0"/>
+              <a:t>org.pg4200.les10</a:t>
+            </a:r>
+            <a:r>
+              <a:rPr lang="en-US" dirty="0"/>
+              <a:t> package</a:t>
+            </a:r>
+          </a:p>
+          <a:p>
+            <a:r>
+              <a:rPr lang="en-US" dirty="0"/>
+              <a:t>Do exercises in </a:t>
+            </a:r>
+            <a:r>
+              <a:rPr lang="en-US" i="1" dirty="0"/>
+              <a:t>exercises/ex10</a:t>
+            </a:r>
+          </a:p>
+        </p:txBody>
+      </p:sp>
+    </p:spTree>
+    <p:extLst>
+      <p:ext uri="{BB962C8B-B14F-4D97-AF65-F5344CB8AC3E}">
+        <p14:creationId xmlns:p14="http://schemas.microsoft.com/office/powerpoint/2010/main" val="453965310"/>
       </p:ext>
     </p:extLst>
   </p:cSld>
